--- a/week04/Lab04.pptx
+++ b/week04/Lab04.pptx
@@ -3,44 +3,44 @@
 <p:presentation xmlns:a="http://schemas.openxmlformats.org/drawingml/2006/main" xmlns:r="http://schemas.openxmlformats.org/officeDocument/2006/relationships" xmlns:p="http://schemas.openxmlformats.org/presentationml/2006/main">
   <p:sldMasterIdLst>
     <p:sldMasterId id="2147483648" r:id="rId1"/>
-    <p:sldMasterId id="2147483660" r:id="rId3"/>
+    <p:sldMasterId id="2147483660" r:id="rId2"/>
   </p:sldMasterIdLst>
   <p:notesMasterIdLst>
-    <p:notesMasterId r:id="rId14"/>
+    <p:notesMasterId r:id="rId35"/>
   </p:notesMasterIdLst>
   <p:sldIdLst>
-    <p:sldId id="256" r:id="rId4"/>
-    <p:sldId id="477" r:id="rId5"/>
-    <p:sldId id="491" r:id="rId6"/>
-    <p:sldId id="517" r:id="rId7"/>
-    <p:sldId id="492" r:id="rId8"/>
-    <p:sldId id="518" r:id="rId9"/>
-    <p:sldId id="493" r:id="rId10"/>
-    <p:sldId id="519" r:id="rId11"/>
-    <p:sldId id="520" r:id="rId12"/>
-    <p:sldId id="413" r:id="rId13"/>
-    <p:sldId id="425" r:id="rId15"/>
-    <p:sldId id="427" r:id="rId16"/>
-    <p:sldId id="429" r:id="rId17"/>
-    <p:sldId id="453" r:id="rId18"/>
-    <p:sldId id="428" r:id="rId19"/>
-    <p:sldId id="342" r:id="rId20"/>
-    <p:sldId id="430" r:id="rId21"/>
-    <p:sldId id="259" r:id="rId22"/>
-    <p:sldId id="444" r:id="rId23"/>
-    <p:sldId id="440" r:id="rId24"/>
-    <p:sldId id="487" r:id="rId25"/>
-    <p:sldId id="489" r:id="rId26"/>
-    <p:sldId id="445" r:id="rId27"/>
-    <p:sldId id="447" r:id="rId28"/>
-    <p:sldId id="448" r:id="rId29"/>
-    <p:sldId id="449" r:id="rId30"/>
-    <p:sldId id="490" r:id="rId31"/>
-    <p:sldId id="450" r:id="rId32"/>
-    <p:sldId id="441" r:id="rId33"/>
-    <p:sldId id="483" r:id="rId34"/>
-    <p:sldId id="484" r:id="rId35"/>
-    <p:sldId id="522" r:id="rId36"/>
+    <p:sldId id="256" r:id="rId3"/>
+    <p:sldId id="477" r:id="rId4"/>
+    <p:sldId id="491" r:id="rId5"/>
+    <p:sldId id="517" r:id="rId6"/>
+    <p:sldId id="492" r:id="rId7"/>
+    <p:sldId id="518" r:id="rId8"/>
+    <p:sldId id="493" r:id="rId9"/>
+    <p:sldId id="519" r:id="rId10"/>
+    <p:sldId id="520" r:id="rId11"/>
+    <p:sldId id="413" r:id="rId12"/>
+    <p:sldId id="425" r:id="rId13"/>
+    <p:sldId id="427" r:id="rId14"/>
+    <p:sldId id="429" r:id="rId15"/>
+    <p:sldId id="453" r:id="rId16"/>
+    <p:sldId id="428" r:id="rId17"/>
+    <p:sldId id="342" r:id="rId18"/>
+    <p:sldId id="430" r:id="rId19"/>
+    <p:sldId id="259" r:id="rId20"/>
+    <p:sldId id="444" r:id="rId21"/>
+    <p:sldId id="440" r:id="rId22"/>
+    <p:sldId id="487" r:id="rId23"/>
+    <p:sldId id="489" r:id="rId24"/>
+    <p:sldId id="445" r:id="rId25"/>
+    <p:sldId id="447" r:id="rId26"/>
+    <p:sldId id="448" r:id="rId27"/>
+    <p:sldId id="449" r:id="rId28"/>
+    <p:sldId id="490" r:id="rId29"/>
+    <p:sldId id="450" r:id="rId30"/>
+    <p:sldId id="441" r:id="rId31"/>
+    <p:sldId id="483" r:id="rId32"/>
+    <p:sldId id="484" r:id="rId33"/>
+    <p:sldId id="522" r:id="rId34"/>
   </p:sldIdLst>
   <p:sldSz cx="12192000" cy="6858000"/>
   <p:notesSz cx="6858000" cy="9144000"/>
@@ -139,6 +139,11 @@
       </a:defRPr>
     </a:lvl9pPr>
   </p:defaultTextStyle>
+  <p:extLst>
+    <p:ext uri="{EFAFB233-063F-42B5-8137-9DF3F51BA10A}">
+      <p15:sldGuideLst xmlns:p15="http://schemas.microsoft.com/office/powerpoint/2012/main"/>
+    </p:ext>
+  </p:extLst>
 </p:presentation>
 </file>
 
@@ -224,6 +229,7 @@
           <a:p>
             <a:fld id="{D1237EF7-A117-46B7-88A8-1B7FB98FF0F2}" type="datetimeFigureOut">
               <a:rPr lang="zh-CN" altLang="en-US" smtClean="0"/>
+              <a:t>2022/9/27</a:t>
             </a:fld>
             <a:endParaRPr lang="zh-CN" altLang="en-US"/>
           </a:p>
@@ -290,7 +296,6 @@
               <a:rPr lang="zh-CN" altLang="en-US"/>
               <a:t>单击此处编辑母版文本样式</a:t>
             </a:r>
-            <a:endParaRPr lang="zh-CN" altLang="en-US"/>
           </a:p>
           <a:p>
             <a:pPr lvl="1"/>
@@ -298,7 +303,6 @@
               <a:rPr lang="zh-CN" altLang="en-US"/>
               <a:t>二级</a:t>
             </a:r>
-            <a:endParaRPr lang="zh-CN" altLang="en-US"/>
           </a:p>
           <a:p>
             <a:pPr lvl="2"/>
@@ -306,7 +310,6 @@
               <a:rPr lang="zh-CN" altLang="en-US"/>
               <a:t>三级</a:t>
             </a:r>
-            <a:endParaRPr lang="zh-CN" altLang="en-US"/>
           </a:p>
           <a:p>
             <a:pPr lvl="3"/>
@@ -314,7 +317,6 @@
               <a:rPr lang="zh-CN" altLang="en-US"/>
               <a:t>四级</a:t>
             </a:r>
-            <a:endParaRPr lang="zh-CN" altLang="en-US"/>
           </a:p>
           <a:p>
             <a:pPr lvl="4"/>
@@ -322,7 +324,6 @@
               <a:rPr lang="zh-CN" altLang="en-US"/>
               <a:t>五级</a:t>
             </a:r>
-            <a:endParaRPr lang="zh-CN" altLang="en-US"/>
           </a:p>
         </p:txBody>
       </p:sp>
@@ -386,6 +387,7 @@
           <a:p>
             <a:fld id="{7B705520-EB74-4E10-9207-DDFEA7EA0F0E}" type="slidenum">
               <a:rPr lang="zh-CN" altLang="en-US" smtClean="0"/>
+              <a:t>‹#›</a:t>
             </a:fld>
             <a:endParaRPr lang="zh-CN" altLang="en-US"/>
           </a:p>
@@ -591,6 +593,7 @@
                   <a:prstClr val="black"/>
                 </a:solidFill>
               </a:rPr>
+              <a:t>10</a:t>
             </a:fld>
             <a:endParaRPr lang="en-US" altLang="zh-CN">
               <a:solidFill>
@@ -714,6 +717,7 @@
                   <a:prstClr val="black"/>
                 </a:solidFill>
               </a:rPr>
+              <a:t>29</a:t>
             </a:fld>
             <a:endParaRPr lang="en-US" altLang="zh-CN">
               <a:solidFill>
@@ -862,6 +866,7 @@
                 <a:ea typeface="宋体" panose="02010600030101010101" pitchFamily="2" charset="-122"/>
                 <a:cs typeface="+mn-cs"/>
               </a:rPr>
+              <a:t>30</a:t>
             </a:fld>
             <a:endParaRPr kumimoji="0" lang="en-US" altLang="zh-CN" sz="1200" b="0" i="0" u="none" strike="noStrike" kern="1200" cap="none" spc="0" normalizeH="0" baseline="0" noProof="0">
               <a:ln>
@@ -990,6 +995,7 @@
                   <a:prstClr val="black"/>
                 </a:solidFill>
               </a:rPr>
+              <a:t>11</a:t>
             </a:fld>
             <a:endParaRPr lang="en-US" altLang="zh-CN">
               <a:solidFill>
@@ -1109,6 +1115,7 @@
                   <a:prstClr val="black"/>
                 </a:solidFill>
               </a:rPr>
+              <a:t>12</a:t>
             </a:fld>
             <a:endParaRPr lang="en-US" altLang="zh-CN">
               <a:solidFill>
@@ -1228,6 +1235,7 @@
                   <a:prstClr val="black"/>
                 </a:solidFill>
               </a:rPr>
+              <a:t>13</a:t>
             </a:fld>
             <a:endParaRPr lang="en-US" altLang="zh-CN">
               <a:solidFill>
@@ -1372,6 +1380,7 @@
                 <a:ea typeface="宋体" panose="02010600030101010101" pitchFamily="2" charset="-122"/>
                 <a:cs typeface="+mn-cs"/>
               </a:rPr>
+              <a:t>14</a:t>
             </a:fld>
             <a:endParaRPr kumimoji="0" lang="en-US" altLang="zh-CN" sz="1200" b="0" i="0" u="none" strike="noStrike" kern="1200" cap="none" spc="0" normalizeH="0" baseline="0" noProof="0">
               <a:ln>
@@ -1500,6 +1509,7 @@
                   <a:prstClr val="black"/>
                 </a:solidFill>
               </a:rPr>
+              <a:t>15</a:t>
             </a:fld>
             <a:endParaRPr lang="en-US" altLang="zh-CN">
               <a:solidFill>
@@ -1619,6 +1629,7 @@
                   <a:prstClr val="black"/>
                 </a:solidFill>
               </a:rPr>
+              <a:t>16</a:t>
             </a:fld>
             <a:endParaRPr lang="en-US" altLang="zh-CN">
               <a:solidFill>
@@ -1738,6 +1749,7 @@
                   <a:prstClr val="black"/>
                 </a:solidFill>
               </a:rPr>
+              <a:t>17</a:t>
             </a:fld>
             <a:endParaRPr lang="en-US" altLang="zh-CN">
               <a:solidFill>
@@ -1861,6 +1873,7 @@
                   <a:prstClr val="black"/>
                 </a:solidFill>
               </a:rPr>
+              <a:t>18</a:t>
             </a:fld>
             <a:endParaRPr lang="en-US" altLang="zh-CN">
               <a:solidFill>
@@ -1923,7 +1936,6 @@
               <a:rPr lang="zh-CN" altLang="en-US"/>
               <a:t>单击此处编辑母版标题样式</a:t>
             </a:r>
-            <a:endParaRPr lang="zh-CN" altLang="en-US"/>
           </a:p>
         </p:txBody>
       </p:sp>
@@ -1988,7 +2000,6 @@
               <a:rPr lang="zh-CN" altLang="en-US" dirty="0"/>
               <a:t>单击此处编辑母版副标题样式</a:t>
             </a:r>
-            <a:endParaRPr lang="zh-CN" altLang="en-US" dirty="0"/>
           </a:p>
         </p:txBody>
       </p:sp>
@@ -2009,6 +2020,7 @@
           <a:p>
             <a:fld id="{FC19A4FA-3D9A-4114-B0D5-759CBD56F1AB}" type="datetimeFigureOut">
               <a:rPr lang="zh-CN" altLang="en-US" smtClean="0"/>
+              <a:t>2022/9/27</a:t>
             </a:fld>
             <a:endParaRPr lang="zh-CN" altLang="en-US"/>
           </a:p>
@@ -2050,6 +2062,7 @@
           <a:p>
             <a:fld id="{506F4176-339E-4C4B-80E4-BBE9C4467EFE}" type="slidenum">
               <a:rPr lang="zh-CN" altLang="en-US" smtClean="0"/>
+              <a:t>‹#›</a:t>
             </a:fld>
             <a:endParaRPr lang="zh-CN" altLang="en-US"/>
           </a:p>
@@ -2130,7 +2143,6 @@
               <a:rPr lang="zh-CN" altLang="en-US"/>
               <a:t>单击此处编辑母版标题样式</a:t>
             </a:r>
-            <a:endParaRPr lang="zh-CN" altLang="en-US"/>
           </a:p>
         </p:txBody>
       </p:sp>
@@ -2154,7 +2166,6 @@
               <a:rPr lang="zh-CN" altLang="en-US"/>
               <a:t>单击此处编辑母版文本样式</a:t>
             </a:r>
-            <a:endParaRPr lang="zh-CN" altLang="en-US"/>
           </a:p>
           <a:p>
             <a:pPr lvl="1"/>
@@ -2162,7 +2173,6 @@
               <a:rPr lang="zh-CN" altLang="en-US"/>
               <a:t>第二级</a:t>
             </a:r>
-            <a:endParaRPr lang="zh-CN" altLang="en-US"/>
           </a:p>
           <a:p>
             <a:pPr lvl="2"/>
@@ -2170,7 +2180,6 @@
               <a:rPr lang="zh-CN" altLang="en-US"/>
               <a:t>第三级</a:t>
             </a:r>
-            <a:endParaRPr lang="zh-CN" altLang="en-US"/>
           </a:p>
           <a:p>
             <a:pPr lvl="3"/>
@@ -2178,7 +2187,6 @@
               <a:rPr lang="zh-CN" altLang="en-US"/>
               <a:t>第四级</a:t>
             </a:r>
-            <a:endParaRPr lang="zh-CN" altLang="en-US"/>
           </a:p>
           <a:p>
             <a:pPr lvl="4"/>
@@ -2186,7 +2194,6 @@
               <a:rPr lang="zh-CN" altLang="en-US"/>
               <a:t>第五级</a:t>
             </a:r>
-            <a:endParaRPr lang="zh-CN" altLang="en-US"/>
           </a:p>
         </p:txBody>
       </p:sp>
@@ -2207,6 +2214,7 @@
           <a:p>
             <a:fld id="{FC19A4FA-3D9A-4114-B0D5-759CBD56F1AB}" type="datetimeFigureOut">
               <a:rPr lang="zh-CN" altLang="en-US" smtClean="0"/>
+              <a:t>2022/9/27</a:t>
             </a:fld>
             <a:endParaRPr lang="zh-CN" altLang="en-US"/>
           </a:p>
@@ -2248,6 +2256,7 @@
           <a:p>
             <a:fld id="{506F4176-339E-4C4B-80E4-BBE9C4467EFE}" type="slidenum">
               <a:rPr lang="zh-CN" altLang="en-US" smtClean="0"/>
+              <a:t>‹#›</a:t>
             </a:fld>
             <a:endParaRPr lang="zh-CN" altLang="en-US"/>
           </a:p>
@@ -2302,7 +2311,6 @@
               <a:rPr lang="zh-CN" altLang="en-US"/>
               <a:t>单击此处编辑母版标题样式</a:t>
             </a:r>
-            <a:endParaRPr lang="zh-CN" altLang="en-US"/>
           </a:p>
         </p:txBody>
       </p:sp>
@@ -2331,7 +2339,6 @@
               <a:rPr lang="zh-CN" altLang="en-US"/>
               <a:t>单击此处编辑母版文本样式</a:t>
             </a:r>
-            <a:endParaRPr lang="zh-CN" altLang="en-US"/>
           </a:p>
           <a:p>
             <a:pPr lvl="1"/>
@@ -2339,7 +2346,6 @@
               <a:rPr lang="zh-CN" altLang="en-US"/>
               <a:t>第二级</a:t>
             </a:r>
-            <a:endParaRPr lang="zh-CN" altLang="en-US"/>
           </a:p>
           <a:p>
             <a:pPr lvl="2"/>
@@ -2347,7 +2353,6 @@
               <a:rPr lang="zh-CN" altLang="en-US"/>
               <a:t>第三级</a:t>
             </a:r>
-            <a:endParaRPr lang="zh-CN" altLang="en-US"/>
           </a:p>
           <a:p>
             <a:pPr lvl="3"/>
@@ -2355,7 +2360,6 @@
               <a:rPr lang="zh-CN" altLang="en-US"/>
               <a:t>第四级</a:t>
             </a:r>
-            <a:endParaRPr lang="zh-CN" altLang="en-US"/>
           </a:p>
           <a:p>
             <a:pPr lvl="4"/>
@@ -2363,7 +2367,6 @@
               <a:rPr lang="zh-CN" altLang="en-US"/>
               <a:t>第五级</a:t>
             </a:r>
-            <a:endParaRPr lang="zh-CN" altLang="en-US"/>
           </a:p>
         </p:txBody>
       </p:sp>
@@ -2384,6 +2387,7 @@
           <a:p>
             <a:fld id="{FC19A4FA-3D9A-4114-B0D5-759CBD56F1AB}" type="datetimeFigureOut">
               <a:rPr lang="zh-CN" altLang="en-US" smtClean="0"/>
+              <a:t>2022/9/27</a:t>
             </a:fld>
             <a:endParaRPr lang="zh-CN" altLang="en-US"/>
           </a:p>
@@ -2425,6 +2429,7 @@
           <a:p>
             <a:fld id="{506F4176-339E-4C4B-80E4-BBE9C4467EFE}" type="slidenum">
               <a:rPr lang="zh-CN" altLang="en-US" smtClean="0"/>
+              <a:t>‹#›</a:t>
             </a:fld>
             <a:endParaRPr lang="zh-CN" altLang="en-US"/>
           </a:p>
@@ -2483,7 +2488,6 @@
               <a:rPr lang="zh-CN" altLang="en-US"/>
               <a:t>单击此处编辑母版标题样式</a:t>
             </a:r>
-            <a:endParaRPr lang="zh-CN" altLang="en-US"/>
           </a:p>
         </p:txBody>
       </p:sp>
@@ -2548,7 +2552,6 @@
               <a:rPr lang="zh-CN" altLang="en-US" dirty="0"/>
               <a:t>单击此处编辑母版副标题样式</a:t>
             </a:r>
-            <a:endParaRPr lang="zh-CN" altLang="en-US" dirty="0"/>
           </a:p>
         </p:txBody>
       </p:sp>
@@ -2569,6 +2572,7 @@
           <a:p>
             <a:fld id="{FC19A4FA-3D9A-4114-B0D5-759CBD56F1AB}" type="datetimeFigureOut">
               <a:rPr lang="zh-CN" altLang="en-US" smtClean="0"/>
+              <a:t>2022/9/27</a:t>
             </a:fld>
             <a:endParaRPr lang="zh-CN" altLang="en-US"/>
           </a:p>
@@ -2610,6 +2614,7 @@
           <a:p>
             <a:fld id="{506F4176-339E-4C4B-80E4-BBE9C4467EFE}" type="slidenum">
               <a:rPr lang="zh-CN" altLang="en-US" smtClean="0"/>
+              <a:t>‹#›</a:t>
             </a:fld>
             <a:endParaRPr lang="zh-CN" altLang="en-US"/>
           </a:p>
@@ -2695,7 +2700,6 @@
               <a:rPr lang="zh-CN" altLang="en-US" dirty="0"/>
               <a:t>单击此处编辑母版标题样式</a:t>
             </a:r>
-            <a:endParaRPr lang="zh-CN" altLang="en-US" dirty="0"/>
           </a:p>
         </p:txBody>
       </p:sp>
@@ -2735,7 +2739,6 @@
               <a:rPr lang="zh-CN" altLang="en-US" dirty="0"/>
               <a:t>单击此处编辑母版文本样式</a:t>
             </a:r>
-            <a:endParaRPr lang="zh-CN" altLang="en-US" dirty="0"/>
           </a:p>
           <a:p>
             <a:pPr lvl="1"/>
@@ -2743,7 +2746,6 @@
               <a:rPr lang="zh-CN" altLang="en-US" dirty="0"/>
               <a:t>第二级</a:t>
             </a:r>
-            <a:endParaRPr lang="zh-CN" altLang="en-US" dirty="0"/>
           </a:p>
           <a:p>
             <a:pPr lvl="2"/>
@@ -2751,7 +2753,6 @@
               <a:rPr lang="zh-CN" altLang="en-US" dirty="0"/>
               <a:t>第三级</a:t>
             </a:r>
-            <a:endParaRPr lang="zh-CN" altLang="en-US" dirty="0"/>
           </a:p>
           <a:p>
             <a:pPr lvl="3"/>
@@ -2759,7 +2760,6 @@
               <a:rPr lang="zh-CN" altLang="en-US" dirty="0"/>
               <a:t>第四级</a:t>
             </a:r>
-            <a:endParaRPr lang="zh-CN" altLang="en-US" dirty="0"/>
           </a:p>
           <a:p>
             <a:pPr lvl="4"/>
@@ -2767,7 +2767,6 @@
               <a:rPr lang="zh-CN" altLang="en-US" dirty="0"/>
               <a:t>第五级</a:t>
             </a:r>
-            <a:endParaRPr lang="zh-CN" altLang="en-US" dirty="0"/>
           </a:p>
         </p:txBody>
       </p:sp>
@@ -2788,6 +2787,7 @@
           <a:p>
             <a:fld id="{FC19A4FA-3D9A-4114-B0D5-759CBD56F1AB}" type="datetimeFigureOut">
               <a:rPr lang="zh-CN" altLang="en-US" smtClean="0"/>
+              <a:t>2022/9/27</a:t>
             </a:fld>
             <a:endParaRPr lang="zh-CN" altLang="en-US"/>
           </a:p>
@@ -2829,6 +2829,7 @@
           <a:p>
             <a:fld id="{506F4176-339E-4C4B-80E4-BBE9C4467EFE}" type="slidenum">
               <a:rPr lang="zh-CN" altLang="en-US" smtClean="0"/>
+              <a:t>‹#›</a:t>
             </a:fld>
             <a:endParaRPr lang="zh-CN" altLang="en-US"/>
           </a:p>
@@ -2911,7 +2912,6 @@
               <a:rPr lang="zh-CN" altLang="en-US"/>
               <a:t>单击此处编辑母版标题样式</a:t>
             </a:r>
-            <a:endParaRPr lang="zh-CN" altLang="en-US"/>
           </a:p>
         </p:txBody>
       </p:sp>
@@ -2940,7 +2940,6 @@
               <a:rPr lang="zh-CN" altLang="en-US"/>
               <a:t>单击此处编辑母版文本样式</a:t>
             </a:r>
-            <a:endParaRPr lang="zh-CN" altLang="en-US"/>
           </a:p>
           <a:p>
             <a:pPr lvl="1"/>
@@ -2948,7 +2947,6 @@
               <a:rPr lang="zh-CN" altLang="en-US"/>
               <a:t>第二级</a:t>
             </a:r>
-            <a:endParaRPr lang="zh-CN" altLang="en-US"/>
           </a:p>
           <a:p>
             <a:pPr lvl="2"/>
@@ -2956,7 +2954,6 @@
               <a:rPr lang="zh-CN" altLang="en-US"/>
               <a:t>第三级</a:t>
             </a:r>
-            <a:endParaRPr lang="zh-CN" altLang="en-US"/>
           </a:p>
           <a:p>
             <a:pPr lvl="3"/>
@@ -2964,7 +2961,6 @@
               <a:rPr lang="zh-CN" altLang="en-US"/>
               <a:t>第四级</a:t>
             </a:r>
-            <a:endParaRPr lang="zh-CN" altLang="en-US"/>
           </a:p>
           <a:p>
             <a:pPr lvl="4"/>
@@ -2972,7 +2968,6 @@
               <a:rPr lang="zh-CN" altLang="en-US"/>
               <a:t>第五级</a:t>
             </a:r>
-            <a:endParaRPr lang="zh-CN" altLang="en-US"/>
           </a:p>
         </p:txBody>
       </p:sp>
@@ -3001,7 +2996,6 @@
               <a:rPr lang="zh-CN" altLang="en-US"/>
               <a:t>单击此处编辑母版文本样式</a:t>
             </a:r>
-            <a:endParaRPr lang="zh-CN" altLang="en-US"/>
           </a:p>
           <a:p>
             <a:pPr lvl="1"/>
@@ -3009,7 +3003,6 @@
               <a:rPr lang="zh-CN" altLang="en-US"/>
               <a:t>第二级</a:t>
             </a:r>
-            <a:endParaRPr lang="zh-CN" altLang="en-US"/>
           </a:p>
           <a:p>
             <a:pPr lvl="2"/>
@@ -3017,7 +3010,6 @@
               <a:rPr lang="zh-CN" altLang="en-US"/>
               <a:t>第三级</a:t>
             </a:r>
-            <a:endParaRPr lang="zh-CN" altLang="en-US"/>
           </a:p>
           <a:p>
             <a:pPr lvl="3"/>
@@ -3025,7 +3017,6 @@
               <a:rPr lang="zh-CN" altLang="en-US"/>
               <a:t>第四级</a:t>
             </a:r>
-            <a:endParaRPr lang="zh-CN" altLang="en-US"/>
           </a:p>
           <a:p>
             <a:pPr lvl="4"/>
@@ -3033,7 +3024,6 @@
               <a:rPr lang="zh-CN" altLang="en-US"/>
               <a:t>第五级</a:t>
             </a:r>
-            <a:endParaRPr lang="zh-CN" altLang="en-US"/>
           </a:p>
         </p:txBody>
       </p:sp>
@@ -3054,6 +3044,7 @@
           <a:p>
             <a:fld id="{FC19A4FA-3D9A-4114-B0D5-759CBD56F1AB}" type="datetimeFigureOut">
               <a:rPr lang="zh-CN" altLang="en-US" smtClean="0"/>
+              <a:t>2022/9/27</a:t>
             </a:fld>
             <a:endParaRPr lang="zh-CN" altLang="en-US"/>
           </a:p>
@@ -3095,6 +3086,7 @@
           <a:p>
             <a:fld id="{506F4176-339E-4C4B-80E4-BBE9C4467EFE}" type="slidenum">
               <a:rPr lang="zh-CN" altLang="en-US" smtClean="0"/>
+              <a:t>‹#›</a:t>
             </a:fld>
             <a:endParaRPr lang="zh-CN" altLang="en-US"/>
           </a:p>
@@ -3177,7 +3169,6 @@
               <a:rPr lang="zh-CN" altLang="en-US"/>
               <a:t>单击此处编辑母版标题样式</a:t>
             </a:r>
-            <a:endParaRPr lang="zh-CN" altLang="en-US"/>
           </a:p>
         </p:txBody>
       </p:sp>
@@ -3243,7 +3234,6 @@
               <a:rPr lang="zh-CN" altLang="en-US"/>
               <a:t>单击此处编辑母版文本样式</a:t>
             </a:r>
-            <a:endParaRPr lang="zh-CN" altLang="en-US"/>
           </a:p>
         </p:txBody>
       </p:sp>
@@ -3272,7 +3262,6 @@
               <a:rPr lang="zh-CN" altLang="en-US"/>
               <a:t>单击此处编辑母版文本样式</a:t>
             </a:r>
-            <a:endParaRPr lang="zh-CN" altLang="en-US"/>
           </a:p>
           <a:p>
             <a:pPr lvl="1"/>
@@ -3280,7 +3269,6 @@
               <a:rPr lang="zh-CN" altLang="en-US"/>
               <a:t>第二级</a:t>
             </a:r>
-            <a:endParaRPr lang="zh-CN" altLang="en-US"/>
           </a:p>
           <a:p>
             <a:pPr lvl="2"/>
@@ -3288,7 +3276,6 @@
               <a:rPr lang="zh-CN" altLang="en-US"/>
               <a:t>第三级</a:t>
             </a:r>
-            <a:endParaRPr lang="zh-CN" altLang="en-US"/>
           </a:p>
           <a:p>
             <a:pPr lvl="3"/>
@@ -3296,7 +3283,6 @@
               <a:rPr lang="zh-CN" altLang="en-US"/>
               <a:t>第四级</a:t>
             </a:r>
-            <a:endParaRPr lang="zh-CN" altLang="en-US"/>
           </a:p>
           <a:p>
             <a:pPr lvl="4"/>
@@ -3304,7 +3290,6 @@
               <a:rPr lang="zh-CN" altLang="en-US"/>
               <a:t>第五级</a:t>
             </a:r>
-            <a:endParaRPr lang="zh-CN" altLang="en-US"/>
           </a:p>
         </p:txBody>
       </p:sp>
@@ -3370,7 +3355,6 @@
               <a:rPr lang="zh-CN" altLang="en-US"/>
               <a:t>单击此处编辑母版文本样式</a:t>
             </a:r>
-            <a:endParaRPr lang="zh-CN" altLang="en-US"/>
           </a:p>
         </p:txBody>
       </p:sp>
@@ -3399,7 +3383,6 @@
               <a:rPr lang="zh-CN" altLang="en-US"/>
               <a:t>单击此处编辑母版文本样式</a:t>
             </a:r>
-            <a:endParaRPr lang="zh-CN" altLang="en-US"/>
           </a:p>
           <a:p>
             <a:pPr lvl="1"/>
@@ -3407,7 +3390,6 @@
               <a:rPr lang="zh-CN" altLang="en-US"/>
               <a:t>第二级</a:t>
             </a:r>
-            <a:endParaRPr lang="zh-CN" altLang="en-US"/>
           </a:p>
           <a:p>
             <a:pPr lvl="2"/>
@@ -3415,7 +3397,6 @@
               <a:rPr lang="zh-CN" altLang="en-US"/>
               <a:t>第三级</a:t>
             </a:r>
-            <a:endParaRPr lang="zh-CN" altLang="en-US"/>
           </a:p>
           <a:p>
             <a:pPr lvl="3"/>
@@ -3423,7 +3404,6 @@
               <a:rPr lang="zh-CN" altLang="en-US"/>
               <a:t>第四级</a:t>
             </a:r>
-            <a:endParaRPr lang="zh-CN" altLang="en-US"/>
           </a:p>
           <a:p>
             <a:pPr lvl="4"/>
@@ -3431,7 +3411,6 @@
               <a:rPr lang="zh-CN" altLang="en-US"/>
               <a:t>第五级</a:t>
             </a:r>
-            <a:endParaRPr lang="zh-CN" altLang="en-US"/>
           </a:p>
         </p:txBody>
       </p:sp>
@@ -3452,6 +3431,7 @@
           <a:p>
             <a:fld id="{FC19A4FA-3D9A-4114-B0D5-759CBD56F1AB}" type="datetimeFigureOut">
               <a:rPr lang="zh-CN" altLang="en-US" smtClean="0"/>
+              <a:t>2022/9/27</a:t>
             </a:fld>
             <a:endParaRPr lang="zh-CN" altLang="en-US"/>
           </a:p>
@@ -3493,6 +3473,7 @@
           <a:p>
             <a:fld id="{506F4176-339E-4C4B-80E4-BBE9C4467EFE}" type="slidenum">
               <a:rPr lang="zh-CN" altLang="en-US" smtClean="0"/>
+              <a:t>‹#›</a:t>
             </a:fld>
             <a:endParaRPr lang="zh-CN" altLang="en-US"/>
           </a:p>
@@ -3579,7 +3560,6 @@
               <a:rPr lang="zh-CN" altLang="en-US"/>
               <a:t>单击此处编辑母版标题样式</a:t>
             </a:r>
-            <a:endParaRPr lang="zh-CN" altLang="en-US"/>
           </a:p>
         </p:txBody>
       </p:sp>
@@ -3699,7 +3679,6 @@
               <a:rPr lang="zh-CN" altLang="en-US"/>
               <a:t>单击此处编辑母版文本样式</a:t>
             </a:r>
-            <a:endParaRPr lang="zh-CN" altLang="en-US"/>
           </a:p>
         </p:txBody>
       </p:sp>
@@ -3720,6 +3699,7 @@
           <a:p>
             <a:fld id="{FC19A4FA-3D9A-4114-B0D5-759CBD56F1AB}" type="datetimeFigureOut">
               <a:rPr lang="zh-CN" altLang="en-US" smtClean="0"/>
+              <a:t>2022/9/27</a:t>
             </a:fld>
             <a:endParaRPr lang="zh-CN" altLang="en-US"/>
           </a:p>
@@ -3761,6 +3741,7 @@
           <a:p>
             <a:fld id="{506F4176-339E-4C4B-80E4-BBE9C4467EFE}" type="slidenum">
               <a:rPr lang="zh-CN" altLang="en-US" smtClean="0"/>
+              <a:t>‹#›</a:t>
             </a:fld>
             <a:endParaRPr lang="zh-CN" altLang="en-US"/>
           </a:p>
@@ -3838,7 +3819,6 @@
               <a:rPr lang="zh-CN" altLang="en-US"/>
               <a:t>单击此处编辑母版标题样式</a:t>
             </a:r>
-            <a:endParaRPr lang="zh-CN" altLang="en-US"/>
           </a:p>
         </p:txBody>
       </p:sp>
@@ -3859,6 +3839,7 @@
           <a:p>
             <a:fld id="{FC19A4FA-3D9A-4114-B0D5-759CBD56F1AB}" type="datetimeFigureOut">
               <a:rPr lang="zh-CN" altLang="en-US" smtClean="0"/>
+              <a:t>2022/9/27</a:t>
             </a:fld>
             <a:endParaRPr lang="zh-CN" altLang="en-US"/>
           </a:p>
@@ -3900,6 +3881,7 @@
           <a:p>
             <a:fld id="{506F4176-339E-4C4B-80E4-BBE9C4467EFE}" type="slidenum">
               <a:rPr lang="zh-CN" altLang="en-US" smtClean="0"/>
+              <a:t>‹#›</a:t>
             </a:fld>
             <a:endParaRPr lang="zh-CN" altLang="en-US"/>
           </a:p>
@@ -3947,6 +3929,7 @@
           <a:p>
             <a:fld id="{FC19A4FA-3D9A-4114-B0D5-759CBD56F1AB}" type="datetimeFigureOut">
               <a:rPr lang="zh-CN" altLang="en-US" smtClean="0"/>
+              <a:t>2022/9/27</a:t>
             </a:fld>
             <a:endParaRPr lang="zh-CN" altLang="en-US"/>
           </a:p>
@@ -3988,6 +3971,7 @@
           <a:p>
             <a:fld id="{506F4176-339E-4C4B-80E4-BBE9C4467EFE}" type="slidenum">
               <a:rPr lang="zh-CN" altLang="en-US" smtClean="0"/>
+              <a:t>‹#›</a:t>
             </a:fld>
             <a:endParaRPr lang="zh-CN" altLang="en-US"/>
           </a:p>
@@ -4046,7 +4030,6 @@
               <a:rPr lang="zh-CN" altLang="en-US"/>
               <a:t>单击此处编辑母版标题样式</a:t>
             </a:r>
-            <a:endParaRPr lang="zh-CN" altLang="en-US"/>
           </a:p>
         </p:txBody>
       </p:sp>
@@ -4103,7 +4086,6 @@
               <a:rPr lang="zh-CN" altLang="en-US"/>
               <a:t>单击此处编辑母版文本样式</a:t>
             </a:r>
-            <a:endParaRPr lang="zh-CN" altLang="en-US"/>
           </a:p>
           <a:p>
             <a:pPr lvl="1"/>
@@ -4111,7 +4093,6 @@
               <a:rPr lang="zh-CN" altLang="en-US"/>
               <a:t>第二级</a:t>
             </a:r>
-            <a:endParaRPr lang="zh-CN" altLang="en-US"/>
           </a:p>
           <a:p>
             <a:pPr lvl="2"/>
@@ -4119,7 +4100,6 @@
               <a:rPr lang="zh-CN" altLang="en-US"/>
               <a:t>第三级</a:t>
             </a:r>
-            <a:endParaRPr lang="zh-CN" altLang="en-US"/>
           </a:p>
           <a:p>
             <a:pPr lvl="3"/>
@@ -4127,7 +4107,6 @@
               <a:rPr lang="zh-CN" altLang="en-US"/>
               <a:t>第四级</a:t>
             </a:r>
-            <a:endParaRPr lang="zh-CN" altLang="en-US"/>
           </a:p>
           <a:p>
             <a:pPr lvl="4"/>
@@ -4135,7 +4114,6 @@
               <a:rPr lang="zh-CN" altLang="en-US"/>
               <a:t>第五级</a:t>
             </a:r>
-            <a:endParaRPr lang="zh-CN" altLang="en-US"/>
           </a:p>
         </p:txBody>
       </p:sp>
@@ -4201,7 +4179,6 @@
               <a:rPr lang="zh-CN" altLang="en-US"/>
               <a:t>单击此处编辑母版文本样式</a:t>
             </a:r>
-            <a:endParaRPr lang="zh-CN" altLang="en-US"/>
           </a:p>
         </p:txBody>
       </p:sp>
@@ -4222,6 +4199,7 @@
           <a:p>
             <a:fld id="{FC19A4FA-3D9A-4114-B0D5-759CBD56F1AB}" type="datetimeFigureOut">
               <a:rPr lang="zh-CN" altLang="en-US" smtClean="0"/>
+              <a:t>2022/9/27</a:t>
             </a:fld>
             <a:endParaRPr lang="zh-CN" altLang="en-US"/>
           </a:p>
@@ -4263,6 +4241,7 @@
           <a:p>
             <a:fld id="{506F4176-339E-4C4B-80E4-BBE9C4467EFE}" type="slidenum">
               <a:rPr lang="zh-CN" altLang="en-US" smtClean="0"/>
+              <a:t>‹#›</a:t>
             </a:fld>
             <a:endParaRPr lang="zh-CN" altLang="en-US"/>
           </a:p>
@@ -4317,7 +4296,6 @@
               <a:rPr lang="zh-CN" altLang="en-US" dirty="0"/>
               <a:t>单击此处编辑母版标题样式</a:t>
             </a:r>
-            <a:endParaRPr lang="zh-CN" altLang="en-US" dirty="0"/>
           </a:p>
         </p:txBody>
       </p:sp>
@@ -4357,7 +4335,6 @@
               <a:rPr lang="zh-CN" altLang="en-US" dirty="0"/>
               <a:t>单击此处编辑母版文本样式</a:t>
             </a:r>
-            <a:endParaRPr lang="zh-CN" altLang="en-US" dirty="0"/>
           </a:p>
           <a:p>
             <a:pPr lvl="1"/>
@@ -4365,7 +4342,6 @@
               <a:rPr lang="zh-CN" altLang="en-US" dirty="0"/>
               <a:t>第二级</a:t>
             </a:r>
-            <a:endParaRPr lang="zh-CN" altLang="en-US" dirty="0"/>
           </a:p>
           <a:p>
             <a:pPr lvl="2"/>
@@ -4373,7 +4349,6 @@
               <a:rPr lang="zh-CN" altLang="en-US" dirty="0"/>
               <a:t>第三级</a:t>
             </a:r>
-            <a:endParaRPr lang="zh-CN" altLang="en-US" dirty="0"/>
           </a:p>
           <a:p>
             <a:pPr lvl="3"/>
@@ -4381,7 +4356,6 @@
               <a:rPr lang="zh-CN" altLang="en-US" dirty="0"/>
               <a:t>第四级</a:t>
             </a:r>
-            <a:endParaRPr lang="zh-CN" altLang="en-US" dirty="0"/>
           </a:p>
           <a:p>
             <a:pPr lvl="4"/>
@@ -4389,7 +4363,6 @@
               <a:rPr lang="zh-CN" altLang="en-US" dirty="0"/>
               <a:t>第五级</a:t>
             </a:r>
-            <a:endParaRPr lang="zh-CN" altLang="en-US" dirty="0"/>
           </a:p>
         </p:txBody>
       </p:sp>
@@ -4410,6 +4383,7 @@
           <a:p>
             <a:fld id="{FC19A4FA-3D9A-4114-B0D5-759CBD56F1AB}" type="datetimeFigureOut">
               <a:rPr lang="zh-CN" altLang="en-US" smtClean="0"/>
+              <a:t>2022/9/27</a:t>
             </a:fld>
             <a:endParaRPr lang="zh-CN" altLang="en-US"/>
           </a:p>
@@ -4451,6 +4425,7 @@
           <a:p>
             <a:fld id="{506F4176-339E-4C4B-80E4-BBE9C4467EFE}" type="slidenum">
               <a:rPr lang="zh-CN" altLang="en-US" smtClean="0"/>
+              <a:t>‹#›</a:t>
             </a:fld>
             <a:endParaRPr lang="zh-CN" altLang="en-US"/>
           </a:p>
@@ -4537,7 +4512,6 @@
               <a:rPr lang="zh-CN" altLang="en-US"/>
               <a:t>单击此处编辑母版标题样式</a:t>
             </a:r>
-            <a:endParaRPr lang="zh-CN" altLang="en-US"/>
           </a:p>
         </p:txBody>
       </p:sp>
@@ -4664,7 +4638,6 @@
               <a:rPr lang="zh-CN" altLang="en-US"/>
               <a:t>单击此处编辑母版文本样式</a:t>
             </a:r>
-            <a:endParaRPr lang="zh-CN" altLang="en-US"/>
           </a:p>
         </p:txBody>
       </p:sp>
@@ -4685,6 +4658,7 @@
           <a:p>
             <a:fld id="{FC19A4FA-3D9A-4114-B0D5-759CBD56F1AB}" type="datetimeFigureOut">
               <a:rPr lang="zh-CN" altLang="en-US" smtClean="0"/>
+              <a:t>2022/9/27</a:t>
             </a:fld>
             <a:endParaRPr lang="zh-CN" altLang="en-US"/>
           </a:p>
@@ -4726,6 +4700,7 @@
           <a:p>
             <a:fld id="{506F4176-339E-4C4B-80E4-BBE9C4467EFE}" type="slidenum">
               <a:rPr lang="zh-CN" altLang="en-US" smtClean="0"/>
+              <a:t>‹#›</a:t>
             </a:fld>
             <a:endParaRPr lang="zh-CN" altLang="en-US"/>
           </a:p>
@@ -4775,7 +4750,6 @@
               <a:rPr lang="zh-CN" altLang="en-US"/>
               <a:t>单击此处编辑母版标题样式</a:t>
             </a:r>
-            <a:endParaRPr lang="zh-CN" altLang="en-US"/>
           </a:p>
         </p:txBody>
       </p:sp>
@@ -4799,7 +4773,6 @@
               <a:rPr lang="zh-CN" altLang="en-US"/>
               <a:t>单击此处编辑母版文本样式</a:t>
             </a:r>
-            <a:endParaRPr lang="zh-CN" altLang="en-US"/>
           </a:p>
           <a:p>
             <a:pPr lvl="1"/>
@@ -4807,7 +4780,6 @@
               <a:rPr lang="zh-CN" altLang="en-US"/>
               <a:t>第二级</a:t>
             </a:r>
-            <a:endParaRPr lang="zh-CN" altLang="en-US"/>
           </a:p>
           <a:p>
             <a:pPr lvl="2"/>
@@ -4815,7 +4787,6 @@
               <a:rPr lang="zh-CN" altLang="en-US"/>
               <a:t>第三级</a:t>
             </a:r>
-            <a:endParaRPr lang="zh-CN" altLang="en-US"/>
           </a:p>
           <a:p>
             <a:pPr lvl="3"/>
@@ -4823,7 +4794,6 @@
               <a:rPr lang="zh-CN" altLang="en-US"/>
               <a:t>第四级</a:t>
             </a:r>
-            <a:endParaRPr lang="zh-CN" altLang="en-US"/>
           </a:p>
           <a:p>
             <a:pPr lvl="4"/>
@@ -4831,7 +4801,6 @@
               <a:rPr lang="zh-CN" altLang="en-US"/>
               <a:t>第五级</a:t>
             </a:r>
-            <a:endParaRPr lang="zh-CN" altLang="en-US"/>
           </a:p>
         </p:txBody>
       </p:sp>
@@ -4852,6 +4821,7 @@
           <a:p>
             <a:fld id="{FC19A4FA-3D9A-4114-B0D5-759CBD56F1AB}" type="datetimeFigureOut">
               <a:rPr lang="zh-CN" altLang="en-US" smtClean="0"/>
+              <a:t>2022/9/27</a:t>
             </a:fld>
             <a:endParaRPr lang="zh-CN" altLang="en-US"/>
           </a:p>
@@ -4893,6 +4863,7 @@
           <a:p>
             <a:fld id="{506F4176-339E-4C4B-80E4-BBE9C4467EFE}" type="slidenum">
               <a:rPr lang="zh-CN" altLang="en-US" smtClean="0"/>
+              <a:t>‹#›</a:t>
             </a:fld>
             <a:endParaRPr lang="zh-CN" altLang="en-US"/>
           </a:p>
@@ -4947,7 +4918,6 @@
               <a:rPr lang="zh-CN" altLang="en-US"/>
               <a:t>单击此处编辑母版标题样式</a:t>
             </a:r>
-            <a:endParaRPr lang="zh-CN" altLang="en-US"/>
           </a:p>
         </p:txBody>
       </p:sp>
@@ -4976,7 +4946,6 @@
               <a:rPr lang="zh-CN" altLang="en-US"/>
               <a:t>单击此处编辑母版文本样式</a:t>
             </a:r>
-            <a:endParaRPr lang="zh-CN" altLang="en-US"/>
           </a:p>
           <a:p>
             <a:pPr lvl="1"/>
@@ -4984,7 +4953,6 @@
               <a:rPr lang="zh-CN" altLang="en-US"/>
               <a:t>第二级</a:t>
             </a:r>
-            <a:endParaRPr lang="zh-CN" altLang="en-US"/>
           </a:p>
           <a:p>
             <a:pPr lvl="2"/>
@@ -4992,7 +4960,6 @@
               <a:rPr lang="zh-CN" altLang="en-US"/>
               <a:t>第三级</a:t>
             </a:r>
-            <a:endParaRPr lang="zh-CN" altLang="en-US"/>
           </a:p>
           <a:p>
             <a:pPr lvl="3"/>
@@ -5000,7 +4967,6 @@
               <a:rPr lang="zh-CN" altLang="en-US"/>
               <a:t>第四级</a:t>
             </a:r>
-            <a:endParaRPr lang="zh-CN" altLang="en-US"/>
           </a:p>
           <a:p>
             <a:pPr lvl="4"/>
@@ -5008,7 +4974,6 @@
               <a:rPr lang="zh-CN" altLang="en-US"/>
               <a:t>第五级</a:t>
             </a:r>
-            <a:endParaRPr lang="zh-CN" altLang="en-US"/>
           </a:p>
         </p:txBody>
       </p:sp>
@@ -5029,6 +4994,7 @@
           <a:p>
             <a:fld id="{FC19A4FA-3D9A-4114-B0D5-759CBD56F1AB}" type="datetimeFigureOut">
               <a:rPr lang="zh-CN" altLang="en-US" smtClean="0"/>
+              <a:t>2022/9/27</a:t>
             </a:fld>
             <a:endParaRPr lang="zh-CN" altLang="en-US"/>
           </a:p>
@@ -5070,6 +5036,7 @@
           <a:p>
             <a:fld id="{506F4176-339E-4C4B-80E4-BBE9C4467EFE}" type="slidenum">
               <a:rPr lang="zh-CN" altLang="en-US" smtClean="0"/>
+              <a:t>‹#›</a:t>
             </a:fld>
             <a:endParaRPr lang="zh-CN" altLang="en-US"/>
           </a:p>
@@ -5124,7 +5091,6 @@
               <a:rPr lang="zh-CN" altLang="en-US"/>
               <a:t>单击此处编辑母版标题样式</a:t>
             </a:r>
-            <a:endParaRPr lang="zh-CN" altLang="en-US"/>
           </a:p>
         </p:txBody>
       </p:sp>
@@ -5153,7 +5119,6 @@
               <a:rPr lang="zh-CN" altLang="en-US"/>
               <a:t>单击此处编辑母版文本样式</a:t>
             </a:r>
-            <a:endParaRPr lang="zh-CN" altLang="en-US"/>
           </a:p>
           <a:p>
             <a:pPr lvl="1"/>
@@ -5161,7 +5126,6 @@
               <a:rPr lang="zh-CN" altLang="en-US"/>
               <a:t>第二级</a:t>
             </a:r>
-            <a:endParaRPr lang="zh-CN" altLang="en-US"/>
           </a:p>
           <a:p>
             <a:pPr lvl="2"/>
@@ -5169,7 +5133,6 @@
               <a:rPr lang="zh-CN" altLang="en-US"/>
               <a:t>第三级</a:t>
             </a:r>
-            <a:endParaRPr lang="zh-CN" altLang="en-US"/>
           </a:p>
           <a:p>
             <a:pPr lvl="3"/>
@@ -5177,7 +5140,6 @@
               <a:rPr lang="zh-CN" altLang="en-US"/>
               <a:t>第四级</a:t>
             </a:r>
-            <a:endParaRPr lang="zh-CN" altLang="en-US"/>
           </a:p>
           <a:p>
             <a:pPr lvl="4"/>
@@ -5185,7 +5147,6 @@
               <a:rPr lang="zh-CN" altLang="en-US"/>
               <a:t>第五级</a:t>
             </a:r>
-            <a:endParaRPr lang="zh-CN" altLang="en-US"/>
           </a:p>
         </p:txBody>
       </p:sp>
@@ -5214,7 +5175,6 @@
               <a:rPr lang="zh-CN" altLang="en-US"/>
               <a:t>单击此处编辑母版文本样式</a:t>
             </a:r>
-            <a:endParaRPr lang="zh-CN" altLang="en-US"/>
           </a:p>
           <a:p>
             <a:pPr lvl="1"/>
@@ -5222,7 +5182,6 @@
               <a:rPr lang="zh-CN" altLang="en-US"/>
               <a:t>第二级</a:t>
             </a:r>
-            <a:endParaRPr lang="zh-CN" altLang="en-US"/>
           </a:p>
           <a:p>
             <a:pPr lvl="2"/>
@@ -5230,7 +5189,6 @@
               <a:rPr lang="zh-CN" altLang="en-US"/>
               <a:t>第三级</a:t>
             </a:r>
-            <a:endParaRPr lang="zh-CN" altLang="en-US"/>
           </a:p>
           <a:p>
             <a:pPr lvl="3"/>
@@ -5238,7 +5196,6 @@
               <a:rPr lang="zh-CN" altLang="en-US"/>
               <a:t>第四级</a:t>
             </a:r>
-            <a:endParaRPr lang="zh-CN" altLang="en-US"/>
           </a:p>
           <a:p>
             <a:pPr lvl="4"/>
@@ -5246,7 +5203,6 @@
               <a:rPr lang="zh-CN" altLang="en-US"/>
               <a:t>第五级</a:t>
             </a:r>
-            <a:endParaRPr lang="zh-CN" altLang="en-US"/>
           </a:p>
         </p:txBody>
       </p:sp>
@@ -5267,6 +5223,7 @@
           <a:p>
             <a:fld id="{FC19A4FA-3D9A-4114-B0D5-759CBD56F1AB}" type="datetimeFigureOut">
               <a:rPr lang="zh-CN" altLang="en-US" smtClean="0"/>
+              <a:t>2022/9/27</a:t>
             </a:fld>
             <a:endParaRPr lang="zh-CN" altLang="en-US"/>
           </a:p>
@@ -5308,6 +5265,7 @@
           <a:p>
             <a:fld id="{506F4176-339E-4C4B-80E4-BBE9C4467EFE}" type="slidenum">
               <a:rPr lang="zh-CN" altLang="en-US" smtClean="0"/>
+              <a:t>‹#›</a:t>
             </a:fld>
             <a:endParaRPr lang="zh-CN" altLang="en-US"/>
           </a:p>
@@ -5390,7 +5348,6 @@
               <a:rPr lang="zh-CN" altLang="en-US"/>
               <a:t>单击此处编辑母版标题样式</a:t>
             </a:r>
-            <a:endParaRPr lang="zh-CN" altLang="en-US"/>
           </a:p>
         </p:txBody>
       </p:sp>
@@ -5456,7 +5413,6 @@
               <a:rPr lang="zh-CN" altLang="en-US"/>
               <a:t>单击此处编辑母版文本样式</a:t>
             </a:r>
-            <a:endParaRPr lang="zh-CN" altLang="en-US"/>
           </a:p>
         </p:txBody>
       </p:sp>
@@ -5485,7 +5441,6 @@
               <a:rPr lang="zh-CN" altLang="en-US"/>
               <a:t>单击此处编辑母版文本样式</a:t>
             </a:r>
-            <a:endParaRPr lang="zh-CN" altLang="en-US"/>
           </a:p>
           <a:p>
             <a:pPr lvl="1"/>
@@ -5493,7 +5448,6 @@
               <a:rPr lang="zh-CN" altLang="en-US"/>
               <a:t>第二级</a:t>
             </a:r>
-            <a:endParaRPr lang="zh-CN" altLang="en-US"/>
           </a:p>
           <a:p>
             <a:pPr lvl="2"/>
@@ -5501,7 +5455,6 @@
               <a:rPr lang="zh-CN" altLang="en-US"/>
               <a:t>第三级</a:t>
             </a:r>
-            <a:endParaRPr lang="zh-CN" altLang="en-US"/>
           </a:p>
           <a:p>
             <a:pPr lvl="3"/>
@@ -5509,7 +5462,6 @@
               <a:rPr lang="zh-CN" altLang="en-US"/>
               <a:t>第四级</a:t>
             </a:r>
-            <a:endParaRPr lang="zh-CN" altLang="en-US"/>
           </a:p>
           <a:p>
             <a:pPr lvl="4"/>
@@ -5517,7 +5469,6 @@
               <a:rPr lang="zh-CN" altLang="en-US"/>
               <a:t>第五级</a:t>
             </a:r>
-            <a:endParaRPr lang="zh-CN" altLang="en-US"/>
           </a:p>
         </p:txBody>
       </p:sp>
@@ -5583,7 +5534,6 @@
               <a:rPr lang="zh-CN" altLang="en-US"/>
               <a:t>单击此处编辑母版文本样式</a:t>
             </a:r>
-            <a:endParaRPr lang="zh-CN" altLang="en-US"/>
           </a:p>
         </p:txBody>
       </p:sp>
@@ -5612,7 +5562,6 @@
               <a:rPr lang="zh-CN" altLang="en-US"/>
               <a:t>单击此处编辑母版文本样式</a:t>
             </a:r>
-            <a:endParaRPr lang="zh-CN" altLang="en-US"/>
           </a:p>
           <a:p>
             <a:pPr lvl="1"/>
@@ -5620,7 +5569,6 @@
               <a:rPr lang="zh-CN" altLang="en-US"/>
               <a:t>第二级</a:t>
             </a:r>
-            <a:endParaRPr lang="zh-CN" altLang="en-US"/>
           </a:p>
           <a:p>
             <a:pPr lvl="2"/>
@@ -5628,7 +5576,6 @@
               <a:rPr lang="zh-CN" altLang="en-US"/>
               <a:t>第三级</a:t>
             </a:r>
-            <a:endParaRPr lang="zh-CN" altLang="en-US"/>
           </a:p>
           <a:p>
             <a:pPr lvl="3"/>
@@ -5636,7 +5583,6 @@
               <a:rPr lang="zh-CN" altLang="en-US"/>
               <a:t>第四级</a:t>
             </a:r>
-            <a:endParaRPr lang="zh-CN" altLang="en-US"/>
           </a:p>
           <a:p>
             <a:pPr lvl="4"/>
@@ -5644,7 +5590,6 @@
               <a:rPr lang="zh-CN" altLang="en-US"/>
               <a:t>第五级</a:t>
             </a:r>
-            <a:endParaRPr lang="zh-CN" altLang="en-US"/>
           </a:p>
         </p:txBody>
       </p:sp>
@@ -5665,6 +5610,7 @@
           <a:p>
             <a:fld id="{FC19A4FA-3D9A-4114-B0D5-759CBD56F1AB}" type="datetimeFigureOut">
               <a:rPr lang="zh-CN" altLang="en-US" smtClean="0"/>
+              <a:t>2022/9/27</a:t>
             </a:fld>
             <a:endParaRPr lang="zh-CN" altLang="en-US"/>
           </a:p>
@@ -5706,6 +5652,7 @@
           <a:p>
             <a:fld id="{506F4176-339E-4C4B-80E4-BBE9C4467EFE}" type="slidenum">
               <a:rPr lang="zh-CN" altLang="en-US" smtClean="0"/>
+              <a:t>‹#›</a:t>
             </a:fld>
             <a:endParaRPr lang="zh-CN" altLang="en-US"/>
           </a:p>
@@ -5792,7 +5739,6 @@
               <a:rPr lang="zh-CN" altLang="en-US"/>
               <a:t>单击此处编辑母版标题样式</a:t>
             </a:r>
-            <a:endParaRPr lang="zh-CN" altLang="en-US"/>
           </a:p>
         </p:txBody>
       </p:sp>
@@ -5912,7 +5858,6 @@
               <a:rPr lang="zh-CN" altLang="en-US"/>
               <a:t>单击此处编辑母版文本样式</a:t>
             </a:r>
-            <a:endParaRPr lang="zh-CN" altLang="en-US"/>
           </a:p>
         </p:txBody>
       </p:sp>
@@ -5933,6 +5878,7 @@
           <a:p>
             <a:fld id="{FC19A4FA-3D9A-4114-B0D5-759CBD56F1AB}" type="datetimeFigureOut">
               <a:rPr lang="zh-CN" altLang="en-US" smtClean="0"/>
+              <a:t>2022/9/27</a:t>
             </a:fld>
             <a:endParaRPr lang="zh-CN" altLang="en-US"/>
           </a:p>
@@ -5974,6 +5920,7 @@
           <a:p>
             <a:fld id="{506F4176-339E-4C4B-80E4-BBE9C4467EFE}" type="slidenum">
               <a:rPr lang="zh-CN" altLang="en-US" smtClean="0"/>
+              <a:t>‹#›</a:t>
             </a:fld>
             <a:endParaRPr lang="zh-CN" altLang="en-US"/>
           </a:p>
@@ -6051,7 +5998,6 @@
               <a:rPr lang="zh-CN" altLang="en-US"/>
               <a:t>单击此处编辑母版标题样式</a:t>
             </a:r>
-            <a:endParaRPr lang="zh-CN" altLang="en-US"/>
           </a:p>
         </p:txBody>
       </p:sp>
@@ -6072,6 +6018,7 @@
           <a:p>
             <a:fld id="{FC19A4FA-3D9A-4114-B0D5-759CBD56F1AB}" type="datetimeFigureOut">
               <a:rPr lang="zh-CN" altLang="en-US" smtClean="0"/>
+              <a:t>2022/9/27</a:t>
             </a:fld>
             <a:endParaRPr lang="zh-CN" altLang="en-US"/>
           </a:p>
@@ -6113,6 +6060,7 @@
           <a:p>
             <a:fld id="{506F4176-339E-4C4B-80E4-BBE9C4467EFE}" type="slidenum">
               <a:rPr lang="zh-CN" altLang="en-US" smtClean="0"/>
+              <a:t>‹#›</a:t>
             </a:fld>
             <a:endParaRPr lang="zh-CN" altLang="en-US"/>
           </a:p>
@@ -6160,6 +6108,7 @@
           <a:p>
             <a:fld id="{FC19A4FA-3D9A-4114-B0D5-759CBD56F1AB}" type="datetimeFigureOut">
               <a:rPr lang="zh-CN" altLang="en-US" smtClean="0"/>
+              <a:t>2022/9/27</a:t>
             </a:fld>
             <a:endParaRPr lang="zh-CN" altLang="en-US"/>
           </a:p>
@@ -6201,6 +6150,7 @@
           <a:p>
             <a:fld id="{506F4176-339E-4C4B-80E4-BBE9C4467EFE}" type="slidenum">
               <a:rPr lang="zh-CN" altLang="en-US" smtClean="0"/>
+              <a:t>‹#›</a:t>
             </a:fld>
             <a:endParaRPr lang="zh-CN" altLang="en-US"/>
           </a:p>
@@ -6259,7 +6209,6 @@
               <a:rPr lang="zh-CN" altLang="en-US"/>
               <a:t>单击此处编辑母版标题样式</a:t>
             </a:r>
-            <a:endParaRPr lang="zh-CN" altLang="en-US"/>
           </a:p>
         </p:txBody>
       </p:sp>
@@ -6316,7 +6265,6 @@
               <a:rPr lang="zh-CN" altLang="en-US"/>
               <a:t>单击此处编辑母版文本样式</a:t>
             </a:r>
-            <a:endParaRPr lang="zh-CN" altLang="en-US"/>
           </a:p>
           <a:p>
             <a:pPr lvl="1"/>
@@ -6324,7 +6272,6 @@
               <a:rPr lang="zh-CN" altLang="en-US"/>
               <a:t>第二级</a:t>
             </a:r>
-            <a:endParaRPr lang="zh-CN" altLang="en-US"/>
           </a:p>
           <a:p>
             <a:pPr lvl="2"/>
@@ -6332,7 +6279,6 @@
               <a:rPr lang="zh-CN" altLang="en-US"/>
               <a:t>第三级</a:t>
             </a:r>
-            <a:endParaRPr lang="zh-CN" altLang="en-US"/>
           </a:p>
           <a:p>
             <a:pPr lvl="3"/>
@@ -6340,7 +6286,6 @@
               <a:rPr lang="zh-CN" altLang="en-US"/>
               <a:t>第四级</a:t>
             </a:r>
-            <a:endParaRPr lang="zh-CN" altLang="en-US"/>
           </a:p>
           <a:p>
             <a:pPr lvl="4"/>
@@ -6348,7 +6293,6 @@
               <a:rPr lang="zh-CN" altLang="en-US"/>
               <a:t>第五级</a:t>
             </a:r>
-            <a:endParaRPr lang="zh-CN" altLang="en-US"/>
           </a:p>
         </p:txBody>
       </p:sp>
@@ -6414,7 +6358,6 @@
               <a:rPr lang="zh-CN" altLang="en-US"/>
               <a:t>单击此处编辑母版文本样式</a:t>
             </a:r>
-            <a:endParaRPr lang="zh-CN" altLang="en-US"/>
           </a:p>
         </p:txBody>
       </p:sp>
@@ -6435,6 +6378,7 @@
           <a:p>
             <a:fld id="{FC19A4FA-3D9A-4114-B0D5-759CBD56F1AB}" type="datetimeFigureOut">
               <a:rPr lang="zh-CN" altLang="en-US" smtClean="0"/>
+              <a:t>2022/9/27</a:t>
             </a:fld>
             <a:endParaRPr lang="zh-CN" altLang="en-US"/>
           </a:p>
@@ -6476,6 +6420,7 @@
           <a:p>
             <a:fld id="{506F4176-339E-4C4B-80E4-BBE9C4467EFE}" type="slidenum">
               <a:rPr lang="zh-CN" altLang="en-US" smtClean="0"/>
+              <a:t>‹#›</a:t>
             </a:fld>
             <a:endParaRPr lang="zh-CN" altLang="en-US"/>
           </a:p>
@@ -6534,7 +6479,6 @@
               <a:rPr lang="zh-CN" altLang="en-US"/>
               <a:t>单击此处编辑母版标题样式</a:t>
             </a:r>
-            <a:endParaRPr lang="zh-CN" altLang="en-US"/>
           </a:p>
         </p:txBody>
       </p:sp>
@@ -6661,7 +6605,6 @@
               <a:rPr lang="zh-CN" altLang="en-US"/>
               <a:t>单击此处编辑母版文本样式</a:t>
             </a:r>
-            <a:endParaRPr lang="zh-CN" altLang="en-US"/>
           </a:p>
         </p:txBody>
       </p:sp>
@@ -6682,6 +6625,7 @@
           <a:p>
             <a:fld id="{FC19A4FA-3D9A-4114-B0D5-759CBD56F1AB}" type="datetimeFigureOut">
               <a:rPr lang="zh-CN" altLang="en-US" smtClean="0"/>
+              <a:t>2022/9/27</a:t>
             </a:fld>
             <a:endParaRPr lang="zh-CN" altLang="en-US"/>
           </a:p>
@@ -6723,6 +6667,7 @@
           <a:p>
             <a:fld id="{506F4176-339E-4C4B-80E4-BBE9C4467EFE}" type="slidenum">
               <a:rPr lang="zh-CN" altLang="en-US" smtClean="0"/>
+              <a:t>‹#›</a:t>
             </a:fld>
             <a:endParaRPr lang="zh-CN" altLang="en-US"/>
           </a:p>
@@ -6787,7 +6732,6 @@
               <a:rPr lang="zh-CN" altLang="en-US" dirty="0"/>
               <a:t>单击此处编辑母版标题样式</a:t>
             </a:r>
-            <a:endParaRPr lang="zh-CN" altLang="en-US" dirty="0"/>
           </a:p>
         </p:txBody>
       </p:sp>
@@ -6821,7 +6765,6 @@
               <a:rPr lang="zh-CN" altLang="en-US" dirty="0"/>
               <a:t>单击此处编辑母版文本样式</a:t>
             </a:r>
-            <a:endParaRPr lang="zh-CN" altLang="en-US" dirty="0"/>
           </a:p>
           <a:p>
             <a:pPr lvl="1"/>
@@ -6829,7 +6772,6 @@
               <a:rPr lang="zh-CN" altLang="en-US" dirty="0"/>
               <a:t>第二级</a:t>
             </a:r>
-            <a:endParaRPr lang="zh-CN" altLang="en-US" dirty="0"/>
           </a:p>
           <a:p>
             <a:pPr lvl="2"/>
@@ -6837,7 +6779,6 @@
               <a:rPr lang="zh-CN" altLang="en-US" dirty="0"/>
               <a:t>第三级</a:t>
             </a:r>
-            <a:endParaRPr lang="zh-CN" altLang="en-US" dirty="0"/>
           </a:p>
           <a:p>
             <a:pPr lvl="3"/>
@@ -6845,7 +6786,6 @@
               <a:rPr lang="zh-CN" altLang="en-US" dirty="0"/>
               <a:t>第四级</a:t>
             </a:r>
-            <a:endParaRPr lang="zh-CN" altLang="en-US" dirty="0"/>
           </a:p>
           <a:p>
             <a:pPr lvl="4"/>
@@ -6853,7 +6793,6 @@
               <a:rPr lang="zh-CN" altLang="en-US" dirty="0"/>
               <a:t>第五级</a:t>
             </a:r>
-            <a:endParaRPr lang="zh-CN" altLang="en-US" dirty="0"/>
           </a:p>
         </p:txBody>
       </p:sp>
@@ -6892,6 +6831,7 @@
           <a:p>
             <a:fld id="{FC19A4FA-3D9A-4114-B0D5-759CBD56F1AB}" type="datetimeFigureOut">
               <a:rPr lang="zh-CN" altLang="en-US" smtClean="0"/>
+              <a:t>2022/9/27</a:t>
             </a:fld>
             <a:endParaRPr lang="zh-CN" altLang="en-US"/>
           </a:p>
@@ -6969,6 +6909,7 @@
           <a:p>
             <a:fld id="{506F4176-339E-4C4B-80E4-BBE9C4467EFE}" type="slidenum">
               <a:rPr lang="zh-CN" altLang="en-US" smtClean="0"/>
+              <a:t>‹#›</a:t>
             </a:fld>
             <a:endParaRPr lang="zh-CN" altLang="en-US"/>
           </a:p>
@@ -6983,7 +6924,7 @@
           <p:nvPr userDrawn="1"/>
         </p:nvPicPr>
         <p:blipFill>
-          <a:blip r:embed="rId12" cstate="print">
+          <a:blip r:embed="rId13" cstate="print">
             <a:extLst>
               <a:ext uri="{28A0092B-C50C-407E-A947-70E740481C1C}">
                 <a14:useLocalDpi xmlns:a14="http://schemas.microsoft.com/office/drawing/2010/main" val="0"/>
@@ -7365,7 +7306,6 @@
               <a:rPr lang="zh-CN" altLang="en-US" dirty="0"/>
               <a:t>单击此处编辑母版标题样式</a:t>
             </a:r>
-            <a:endParaRPr lang="zh-CN" altLang="en-US" dirty="0"/>
           </a:p>
         </p:txBody>
       </p:sp>
@@ -7399,7 +7339,6 @@
               <a:rPr lang="zh-CN" altLang="en-US" dirty="0"/>
               <a:t>单击此处编辑母版文本样式</a:t>
             </a:r>
-            <a:endParaRPr lang="zh-CN" altLang="en-US" dirty="0"/>
           </a:p>
           <a:p>
             <a:pPr lvl="1"/>
@@ -7407,7 +7346,6 @@
               <a:rPr lang="zh-CN" altLang="en-US" dirty="0"/>
               <a:t>第二级</a:t>
             </a:r>
-            <a:endParaRPr lang="zh-CN" altLang="en-US" dirty="0"/>
           </a:p>
           <a:p>
             <a:pPr lvl="2"/>
@@ -7415,7 +7353,6 @@
               <a:rPr lang="zh-CN" altLang="en-US" dirty="0"/>
               <a:t>第三级</a:t>
             </a:r>
-            <a:endParaRPr lang="zh-CN" altLang="en-US" dirty="0"/>
           </a:p>
           <a:p>
             <a:pPr lvl="3"/>
@@ -7423,7 +7360,6 @@
               <a:rPr lang="zh-CN" altLang="en-US" dirty="0"/>
               <a:t>第四级</a:t>
             </a:r>
-            <a:endParaRPr lang="zh-CN" altLang="en-US" dirty="0"/>
           </a:p>
           <a:p>
             <a:pPr lvl="4"/>
@@ -7431,7 +7367,6 @@
               <a:rPr lang="zh-CN" altLang="en-US" dirty="0"/>
               <a:t>第五级</a:t>
             </a:r>
-            <a:endParaRPr lang="zh-CN" altLang="en-US" dirty="0"/>
           </a:p>
         </p:txBody>
       </p:sp>
@@ -7470,6 +7405,7 @@
           <a:p>
             <a:fld id="{FC19A4FA-3D9A-4114-B0D5-759CBD56F1AB}" type="datetimeFigureOut">
               <a:rPr lang="zh-CN" altLang="en-US" smtClean="0"/>
+              <a:t>2022/9/27</a:t>
             </a:fld>
             <a:endParaRPr lang="zh-CN" altLang="en-US"/>
           </a:p>
@@ -7547,6 +7483,7 @@
           <a:p>
             <a:fld id="{506F4176-339E-4C4B-80E4-BBE9C4467EFE}" type="slidenum">
               <a:rPr lang="zh-CN" altLang="en-US" smtClean="0"/>
+              <a:t>‹#›</a:t>
             </a:fld>
             <a:endParaRPr lang="zh-CN" altLang="en-US"/>
           </a:p>
@@ -7561,7 +7498,7 @@
           <p:nvPr userDrawn="1"/>
         </p:nvPicPr>
         <p:blipFill>
-          <a:blip r:embed="rId12" cstate="print">
+          <a:blip r:embed="rId13" cstate="print">
             <a:extLst>
               <a:ext uri="{28A0092B-C50C-407E-A947-70E740481C1C}">
                 <a14:useLocalDpi xmlns:a14="http://schemas.microsoft.com/office/drawing/2010/main" val="0"/>
@@ -7990,9 +7927,6 @@
               </a:rPr>
               <a:t>Compound Types</a:t>
             </a:r>
-            <a:endParaRPr lang="en-US" altLang="zh-CN" sz="3600" dirty="0">
-              <a:latin typeface="Franklin Gothic Medium" panose="020B0603020102020204" pitchFamily="34" charset="0"/>
-            </a:endParaRPr>
           </a:p>
           <a:p>
             <a:endParaRPr lang="en-US" altLang="zh-CN" sz="3600" dirty="0">
@@ -8020,11 +7954,25 @@
               <a:t>, </a:t>
             </a:r>
             <a:r>
-              <a:rPr lang="zh-CN" altLang="en-US">
+              <a:rPr lang="zh-CN" altLang="en-US" dirty="0">
                 <a:latin typeface="Franklin Gothic Medium" panose="020B0603020102020204" pitchFamily="34" charset="0"/>
                 <a:sym typeface="+mn-ea"/>
               </a:rPr>
               <a:t>王大兴</a:t>
+            </a:r>
+            <a:r>
+              <a:rPr lang="en-US" altLang="zh-CN" dirty="0">
+                <a:latin typeface="Franklin Gothic Medium" panose="020B0603020102020204" pitchFamily="34" charset="0"/>
+                <a:sym typeface="+mn-ea"/>
+              </a:rPr>
+              <a:t>, </a:t>
+            </a:r>
+            <a:r>
+              <a:rPr lang="zh-CN" altLang="en-US" dirty="0">
+                <a:latin typeface="Franklin Gothic Medium" panose="020B0603020102020204" pitchFamily="34" charset="0"/>
+                <a:sym typeface="+mn-ea"/>
+              </a:rPr>
+              <a:t>于仕琪</a:t>
             </a:r>
             <a:endParaRPr lang="en-US" altLang="zh-CN" dirty="0">
               <a:latin typeface="Franklin Gothic Medium" panose="020B0603020102020204" pitchFamily="34" charset="0"/>
@@ -8078,12 +8026,12 @@
           <a:graphicData uri="http://schemas.openxmlformats.org/presentationml/2006/ole">
             <mc:AlternateContent xmlns:mc="http://schemas.openxmlformats.org/markup-compatibility/2006">
               <mc:Choice xmlns:v="urn:schemas-microsoft-com:vml" Requires="v">
-                <p:oleObj spid="_x0000_s2" name="Image" r:id="rId1" imgW="7991475" imgH="2619375" progId="Photoshop.Image.13">
+                <p:oleObj spid="_x0000_s1055" name="Image" r:id="rId4" imgW="7991475" imgH="2619375" progId="Photoshop.Image.13">
                   <p:embed/>
                 </p:oleObj>
               </mc:Choice>
               <mc:Fallback>
-                <p:oleObj name="Image" r:id="rId1" imgW="7991475" imgH="2619375" progId="Photoshop.Image.13">
+                <p:oleObj name="Image" r:id="rId4" imgW="7991475" imgH="2619375" progId="Photoshop.Image.13">
                   <p:embed/>
                   <p:pic>
                     <p:nvPicPr>
@@ -8092,7 +8040,7 @@
                       <p:nvPr/>
                     </p:nvPicPr>
                     <p:blipFill>
-                      <a:blip r:embed="rId2"/>
+                      <a:blip r:embed="rId5"/>
                       <a:stretch>
                         <a:fillRect/>
                       </a:stretch>
@@ -8251,7 +8199,6 @@
               <a:rPr lang="en-US" altLang="zh-CN" sz="2800" b="1" dirty="0"/>
               <a:t> ----float</a:t>
             </a:r>
-            <a:endParaRPr lang="en-US" altLang="zh-CN" sz="2800" b="1" dirty="0"/>
           </a:p>
           <a:p>
             <a:r>
@@ -8270,7 +8217,6 @@
               <a:rPr lang="en-US" altLang="zh-CN" sz="2800" b="1" dirty="0"/>
               <a:t> -----char</a:t>
             </a:r>
-            <a:endParaRPr lang="en-US" altLang="zh-CN" sz="2800" b="1" dirty="0"/>
           </a:p>
           <a:p>
             <a:r>
@@ -8463,7 +8409,6 @@
                 <a:rPr lang="en-US" altLang="zh-CN" b="1" dirty="0"/>
                 <a:t>Why only</a:t>
               </a:r>
-              <a:endParaRPr lang="en-US" altLang="zh-CN" b="1" dirty="0"/>
             </a:p>
             <a:p>
               <a:r>
@@ -8491,12 +8436,12 @@
           <a:graphicData uri="http://schemas.openxmlformats.org/presentationml/2006/ole">
             <mc:AlternateContent xmlns:mc="http://schemas.openxmlformats.org/markup-compatibility/2006">
               <mc:Choice xmlns:v="urn:schemas-microsoft-com:vml" Requires="v">
-                <p:oleObj spid="_x0000_s12" name="Image" r:id="rId3" imgW="4314825" imgH="3067050" progId="Photoshop.Image.13">
+                <p:oleObj spid="_x0000_s1056" name="Image" r:id="rId6" imgW="4314825" imgH="3067050" progId="Photoshop.Image.13">
                   <p:embed/>
                 </p:oleObj>
               </mc:Choice>
               <mc:Fallback>
-                <p:oleObj name="Image" r:id="rId3" imgW="4314825" imgH="3067050" progId="Photoshop.Image.13">
+                <p:oleObj name="Image" r:id="rId6" imgW="4314825" imgH="3067050" progId="Photoshop.Image.13">
                   <p:embed/>
                   <p:pic>
                     <p:nvPicPr>
@@ -8505,7 +8450,7 @@
                       <p:nvPr/>
                     </p:nvPicPr>
                     <p:blipFill>
-                      <a:blip r:embed="rId4"/>
+                      <a:blip r:embed="rId7"/>
                       <a:stretch>
                         <a:fillRect/>
                       </a:stretch>
@@ -9066,7 +9011,7 @@
       <p:bldP spid="8" grpId="0" animBg="1"/>
       <p:bldP spid="9" grpId="0" animBg="1"/>
       <p:bldP spid="3" grpId="0" animBg="1"/>
-      <p:bldP spid="13" grpId="0"/>
+      <p:bldP spid="13" grpId="0" animBg="1"/>
     </p:bldLst>
   </p:timing>
 </p:sld>
@@ -9105,12 +9050,12 @@
           <a:graphicData uri="http://schemas.openxmlformats.org/presentationml/2006/ole">
             <mc:AlternateContent xmlns:mc="http://schemas.openxmlformats.org/markup-compatibility/2006">
               <mc:Choice xmlns:v="urn:schemas-microsoft-com:vml" Requires="v">
-                <p:oleObj spid="_x0000_s2" name="Image" r:id="rId1" imgW="8020050" imgH="2466975" progId="Photoshop.Image.13">
+                <p:oleObj spid="_x0000_s2094" name="Image" r:id="rId4" imgW="8020050" imgH="2466975" progId="Photoshop.Image.13">
                   <p:embed/>
                 </p:oleObj>
               </mc:Choice>
               <mc:Fallback>
-                <p:oleObj name="Image" r:id="rId1" imgW="8020050" imgH="2466975" progId="Photoshop.Image.13">
+                <p:oleObj name="Image" r:id="rId4" imgW="8020050" imgH="2466975" progId="Photoshop.Image.13">
                   <p:embed/>
                   <p:pic>
                     <p:nvPicPr>
@@ -9119,7 +9064,7 @@
                       <p:nvPr/>
                     </p:nvPicPr>
                     <p:blipFill>
-                      <a:blip r:embed="rId2"/>
+                      <a:blip r:embed="rId5"/>
                       <a:stretch>
                         <a:fillRect/>
                       </a:stretch>
@@ -9194,11 +9139,6 @@
               </a:rPr>
               <a:t>puts</a:t>
             </a:r>
-            <a:endParaRPr lang="en-US" altLang="zh-CN" sz="2800" b="1" dirty="0">
-              <a:solidFill>
-                <a:srgbClr val="00B0F0"/>
-              </a:solidFill>
-            </a:endParaRPr>
           </a:p>
         </p:txBody>
       </p:sp>
@@ -9533,11 +9473,6 @@
                 </a:rPr>
                 <a:t>warning due to using gets().</a:t>
               </a:r>
-              <a:endParaRPr lang="en-US" altLang="zh-CN" b="1" dirty="0">
-                <a:solidFill>
-                  <a:prstClr val="black"/>
-                </a:solidFill>
-              </a:endParaRPr>
             </a:p>
             <a:p>
               <a:r>
@@ -9625,12 +9560,12 @@
           <a:graphicData uri="http://schemas.openxmlformats.org/presentationml/2006/ole">
             <mc:AlternateContent xmlns:mc="http://schemas.openxmlformats.org/markup-compatibility/2006">
               <mc:Choice xmlns:v="urn:schemas-microsoft-com:vml" Requires="v">
-                <p:oleObj spid="_x0000_s6" name="Image" r:id="rId3" imgW="3905250" imgH="3057525" progId="Photoshop.Image.13">
+                <p:oleObj spid="_x0000_s2095" name="Image" r:id="rId6" imgW="3905250" imgH="3057525" progId="Photoshop.Image.13">
                   <p:embed/>
                 </p:oleObj>
               </mc:Choice>
               <mc:Fallback>
-                <p:oleObj name="Image" r:id="rId3" imgW="3905250" imgH="3057525" progId="Photoshop.Image.13">
+                <p:oleObj name="Image" r:id="rId6" imgW="3905250" imgH="3057525" progId="Photoshop.Image.13">
                   <p:embed/>
                   <p:pic>
                     <p:nvPicPr>
@@ -9639,7 +9574,7 @@
                       <p:nvPr/>
                     </p:nvPicPr>
                     <p:blipFill>
-                      <a:blip r:embed="rId4"/>
+                      <a:blip r:embed="rId7"/>
                       <a:stretch>
                         <a:fillRect/>
                       </a:stretch>
@@ -9690,12 +9625,12 @@
             <a:graphicData uri="http://schemas.openxmlformats.org/presentationml/2006/ole">
               <mc:AlternateContent xmlns:mc="http://schemas.openxmlformats.org/markup-compatibility/2006">
                 <mc:Choice xmlns:v="urn:schemas-microsoft-com:vml" Requires="v">
-                  <p:oleObj spid="_x0000_s11" name="Image" r:id="rId5" imgW="2305050" imgH="323850" progId="Photoshop.Image.13">
+                  <p:oleObj spid="_x0000_s2096" name="Image" r:id="rId8" imgW="2305050" imgH="323850" progId="Photoshop.Image.13">
                     <p:embed/>
                   </p:oleObj>
                 </mc:Choice>
                 <mc:Fallback>
-                  <p:oleObj name="Image" r:id="rId5" imgW="2305050" imgH="323850" progId="Photoshop.Image.13">
+                  <p:oleObj name="Image" r:id="rId8" imgW="2305050" imgH="323850" progId="Photoshop.Image.13">
                     <p:embed/>
                     <p:pic>
                       <p:nvPicPr>
@@ -9704,7 +9639,7 @@
                         <p:nvPr/>
                       </p:nvPicPr>
                       <p:blipFill>
-                        <a:blip r:embed="rId6"/>
+                        <a:blip r:embed="rId9"/>
                         <a:stretch>
                           <a:fillRect/>
                         </a:stretch>
@@ -10153,12 +10088,12 @@
           <a:graphicData uri="http://schemas.openxmlformats.org/presentationml/2006/ole">
             <mc:AlternateContent xmlns:mc="http://schemas.openxmlformats.org/markup-compatibility/2006">
               <mc:Choice xmlns:v="urn:schemas-microsoft-com:vml" Requires="v">
-                <p:oleObj spid="_x0000_s2" name="Image" r:id="rId1" imgW="7829550" imgH="1419225" progId="Photoshop.Image.13">
+                <p:oleObj spid="_x0000_s3103" name="Image" r:id="rId4" imgW="7829550" imgH="1419225" progId="Photoshop.Image.13">
                   <p:embed/>
                 </p:oleObj>
               </mc:Choice>
               <mc:Fallback>
-                <p:oleObj name="Image" r:id="rId1" imgW="7829550" imgH="1419225" progId="Photoshop.Image.13">
+                <p:oleObj name="Image" r:id="rId4" imgW="7829550" imgH="1419225" progId="Photoshop.Image.13">
                   <p:embed/>
                   <p:pic>
                     <p:nvPicPr>
@@ -10167,7 +10102,7 @@
                       <p:nvPr/>
                     </p:nvPicPr>
                     <p:blipFill>
-                      <a:blip r:embed="rId2"/>
+                      <a:blip r:embed="rId5"/>
                       <a:stretch>
                         <a:fillRect/>
                       </a:stretch>
@@ -10630,12 +10565,12 @@
           <a:graphicData uri="http://schemas.openxmlformats.org/presentationml/2006/ole">
             <mc:AlternateContent xmlns:mc="http://schemas.openxmlformats.org/markup-compatibility/2006">
               <mc:Choice xmlns:v="urn:schemas-microsoft-com:vml" Requires="v">
-                <p:oleObj spid="_x0000_s11" name="Image" r:id="rId3" imgW="4991100" imgH="4133850" progId="Photoshop.Image.13">
+                <p:oleObj spid="_x0000_s3104" name="Image" r:id="rId6" imgW="4991100" imgH="4133850" progId="Photoshop.Image.13">
                   <p:embed/>
                 </p:oleObj>
               </mc:Choice>
               <mc:Fallback>
-                <p:oleObj name="Image" r:id="rId3" imgW="4991100" imgH="4133850" progId="Photoshop.Image.13">
+                <p:oleObj name="Image" r:id="rId6" imgW="4991100" imgH="4133850" progId="Photoshop.Image.13">
                   <p:embed/>
                   <p:pic>
                     <p:nvPicPr>
@@ -10644,7 +10579,7 @@
                       <p:nvPr/>
                     </p:nvPicPr>
                     <p:blipFill>
-                      <a:blip r:embed="rId4"/>
+                      <a:blip r:embed="rId7"/>
                       <a:stretch>
                         <a:fillRect/>
                       </a:stretch>
@@ -11103,12 +11038,12 @@
           <a:graphicData uri="http://schemas.openxmlformats.org/presentationml/2006/ole">
             <mc:AlternateContent xmlns:mc="http://schemas.openxmlformats.org/markup-compatibility/2006">
               <mc:Choice xmlns:v="urn:schemas-microsoft-com:vml" Requires="v">
-                <p:oleObj spid="_x0000_s2" name="Image" r:id="rId1" imgW="8124825" imgH="1190625" progId="Photoshop.Image.13">
+                <p:oleObj spid="_x0000_s4127" name="Image" r:id="rId4" imgW="8124825" imgH="1190625" progId="Photoshop.Image.13">
                   <p:embed/>
                 </p:oleObj>
               </mc:Choice>
               <mc:Fallback>
-                <p:oleObj name="Image" r:id="rId1" imgW="8124825" imgH="1190625" progId="Photoshop.Image.13">
+                <p:oleObj name="Image" r:id="rId4" imgW="8124825" imgH="1190625" progId="Photoshop.Image.13">
                   <p:embed/>
                   <p:pic>
                     <p:nvPicPr>
@@ -11117,7 +11052,7 @@
                       <p:nvPr/>
                     </p:nvPicPr>
                     <p:blipFill>
-                      <a:blip r:embed="rId2"/>
+                      <a:blip r:embed="rId5"/>
                       <a:stretch>
                         <a:fillRect/>
                       </a:stretch>
@@ -11216,11 +11151,6 @@
               </a:rPr>
               <a:t>( )</a:t>
             </a:r>
-            <a:endParaRPr lang="en-US" altLang="zh-CN" sz="2800" b="1" dirty="0">
-              <a:solidFill>
-                <a:srgbClr val="00B0F0"/>
-              </a:solidFill>
-            </a:endParaRPr>
           </a:p>
         </p:txBody>
       </p:sp>
@@ -11470,12 +11400,12 @@
           <a:graphicData uri="http://schemas.openxmlformats.org/presentationml/2006/ole">
             <mc:AlternateContent xmlns:mc="http://schemas.openxmlformats.org/markup-compatibility/2006">
               <mc:Choice xmlns:v="urn:schemas-microsoft-com:vml" Requires="v">
-                <p:oleObj spid="_x0000_s10" name="Image" r:id="rId3" imgW="4705350" imgH="4171950" progId="Photoshop.Image.13">
+                <p:oleObj spid="_x0000_s4128" name="Image" r:id="rId6" imgW="4705350" imgH="4171950" progId="Photoshop.Image.13">
                   <p:embed/>
                 </p:oleObj>
               </mc:Choice>
               <mc:Fallback>
-                <p:oleObj name="Image" r:id="rId3" imgW="4705350" imgH="4171950" progId="Photoshop.Image.13">
+                <p:oleObj name="Image" r:id="rId6" imgW="4705350" imgH="4171950" progId="Photoshop.Image.13">
                   <p:embed/>
                   <p:pic>
                     <p:nvPicPr>
@@ -11484,7 +11414,7 @@
                       <p:nvPr/>
                     </p:nvPicPr>
                     <p:blipFill>
-                      <a:blip r:embed="rId4"/>
+                      <a:blip r:embed="rId7"/>
                       <a:stretch>
                         <a:fillRect/>
                       </a:stretch>
@@ -11897,12 +11827,12 @@
           <a:graphicData uri="http://schemas.openxmlformats.org/presentationml/2006/ole">
             <mc:AlternateContent xmlns:mc="http://schemas.openxmlformats.org/markup-compatibility/2006">
               <mc:Choice xmlns:v="urn:schemas-microsoft-com:vml" Requires="v">
-                <p:oleObj spid="_x0000_s2" name="Image" r:id="rId1" imgW="5715000" imgH="847725" progId="Photoshop.Image.13">
+                <p:oleObj spid="_x0000_s5151" name="Image" r:id="rId4" imgW="5715000" imgH="847725" progId="Photoshop.Image.13">
                   <p:embed/>
                 </p:oleObj>
               </mc:Choice>
               <mc:Fallback>
-                <p:oleObj name="Image" r:id="rId1" imgW="5715000" imgH="847725" progId="Photoshop.Image.13">
+                <p:oleObj name="Image" r:id="rId4" imgW="5715000" imgH="847725" progId="Photoshop.Image.13">
                   <p:embed/>
                   <p:pic>
                     <p:nvPicPr>
@@ -11911,7 +11841,7 @@
                       <p:nvPr/>
                     </p:nvPicPr>
                     <p:blipFill>
-                      <a:blip r:embed="rId2"/>
+                      <a:blip r:embed="rId5"/>
                       <a:stretch>
                         <a:fillRect/>
                       </a:stretch>
@@ -12027,13 +11957,6 @@
               </a:rPr>
               <a:t>( )</a:t>
             </a:r>
-            <a:endParaRPr lang="en-US" altLang="zh-CN" sz="2800" b="1" dirty="0">
-              <a:solidFill>
-                <a:srgbClr val="00B0F0"/>
-              </a:solidFill>
-              <a:latin typeface="Calibri" panose="020F0502020204030204"/>
-              <a:ea typeface="宋体" panose="02010600030101010101" pitchFamily="2" charset="-122"/>
-            </a:endParaRPr>
           </a:p>
         </p:txBody>
       </p:sp>
@@ -12299,12 +12222,12 @@
           <a:graphicData uri="http://schemas.openxmlformats.org/presentationml/2006/ole">
             <mc:AlternateContent xmlns:mc="http://schemas.openxmlformats.org/markup-compatibility/2006">
               <mc:Choice xmlns:v="urn:schemas-microsoft-com:vml" Requires="v">
-                <p:oleObj spid="_x0000_s4" name="Image" r:id="rId3" imgW="4705350" imgH="4171950" progId="Photoshop.Image.13">
+                <p:oleObj spid="_x0000_s5152" name="Image" r:id="rId6" imgW="4705350" imgH="4171950" progId="Photoshop.Image.13">
                   <p:embed/>
                 </p:oleObj>
               </mc:Choice>
               <mc:Fallback>
-                <p:oleObj name="Image" r:id="rId3" imgW="4705350" imgH="4171950" progId="Photoshop.Image.13">
+                <p:oleObj name="Image" r:id="rId6" imgW="4705350" imgH="4171950" progId="Photoshop.Image.13">
                   <p:embed/>
                   <p:pic>
                     <p:nvPicPr>
@@ -12313,7 +12236,7 @@
                       <p:nvPr/>
                     </p:nvPicPr>
                     <p:blipFill>
-                      <a:blip r:embed="rId4"/>
+                      <a:blip r:embed="rId7"/>
                       <a:stretch>
                         <a:fillRect/>
                       </a:stretch>
@@ -12527,11 +12450,6 @@
                 </a:rPr>
                 <a:t>If the length of input string is greater than 20,</a:t>
               </a:r>
-              <a:endParaRPr lang="en-US" altLang="zh-CN" b="1" dirty="0">
-                <a:solidFill>
-                  <a:prstClr val="black"/>
-                </a:solidFill>
-              </a:endParaRPr>
             </a:p>
             <a:p>
               <a:r>
@@ -12896,12 +12814,12 @@
           <a:graphicData uri="http://schemas.openxmlformats.org/presentationml/2006/ole">
             <mc:AlternateContent xmlns:mc="http://schemas.openxmlformats.org/markup-compatibility/2006">
               <mc:Choice xmlns:v="urn:schemas-microsoft-com:vml" Requires="v">
-                <p:oleObj spid="_x0000_s2" name="Image" r:id="rId1" imgW="8039100" imgH="904875" progId="Photoshop.Image.13">
+                <p:oleObj spid="_x0000_s6175" name="Image" r:id="rId4" imgW="8039100" imgH="904875" progId="Photoshop.Image.13">
                   <p:embed/>
                 </p:oleObj>
               </mc:Choice>
               <mc:Fallback>
-                <p:oleObj name="Image" r:id="rId1" imgW="8039100" imgH="904875" progId="Photoshop.Image.13">
+                <p:oleObj name="Image" r:id="rId4" imgW="8039100" imgH="904875" progId="Photoshop.Image.13">
                   <p:embed/>
                   <p:pic>
                     <p:nvPicPr>
@@ -12910,7 +12828,7 @@
                       <p:nvPr/>
                     </p:nvPicPr>
                     <p:blipFill>
-                      <a:blip r:embed="rId2"/>
+                      <a:blip r:embed="rId5"/>
                       <a:stretch>
                         <a:fillRect/>
                       </a:stretch>
@@ -12993,11 +12911,6 @@
               </a:rPr>
               <a:t> both read an entire</a:t>
             </a:r>
-            <a:endParaRPr lang="en-US" altLang="zh-CN" b="1" dirty="0">
-              <a:solidFill>
-                <a:prstClr val="black"/>
-              </a:solidFill>
-            </a:endParaRPr>
           </a:p>
           <a:p>
             <a:r>
@@ -13008,11 +12921,6 @@
               </a:rPr>
               <a:t>input line—that is, up until a newline</a:t>
             </a:r>
-            <a:endParaRPr lang="en-US" altLang="zh-CN" b="1" dirty="0">
-              <a:solidFill>
-                <a:prstClr val="black"/>
-              </a:solidFill>
-            </a:endParaRPr>
           </a:p>
           <a:p>
             <a:r>
@@ -13051,11 +12959,6 @@
               </a:rPr>
               <a:t>discard</a:t>
             </a:r>
-            <a:endParaRPr lang="en-US" altLang="zh-CN" b="1" dirty="0">
-              <a:solidFill>
-                <a:prstClr val="black"/>
-              </a:solidFill>
-            </a:endParaRPr>
           </a:p>
           <a:p>
             <a:r>
@@ -13074,11 +12977,6 @@
               </a:rPr>
               <a:t>get() </a:t>
             </a:r>
-            <a:endParaRPr lang="en-US" altLang="zh-CN" b="1" dirty="0">
-              <a:solidFill>
-                <a:srgbClr val="00B0F0"/>
-              </a:solidFill>
-            </a:endParaRPr>
           </a:p>
           <a:p>
             <a:r>
@@ -13191,11 +13089,6 @@
                 </a:rPr>
                 <a:t>Program runs</a:t>
               </a:r>
-              <a:endParaRPr lang="en-US" altLang="zh-CN" b="1" dirty="0">
-                <a:solidFill>
-                  <a:prstClr val="black"/>
-                </a:solidFill>
-              </a:endParaRPr>
             </a:p>
             <a:p>
               <a:r>
@@ -13206,11 +13099,6 @@
                 </a:rPr>
                 <a:t>without entering</a:t>
               </a:r>
-              <a:endParaRPr lang="en-US" altLang="zh-CN" b="1" dirty="0">
-                <a:solidFill>
-                  <a:prstClr val="black"/>
-                </a:solidFill>
-              </a:endParaRPr>
             </a:p>
             <a:p>
               <a:r>
@@ -13399,12 +13287,12 @@
           <a:graphicData uri="http://schemas.openxmlformats.org/presentationml/2006/ole">
             <mc:AlternateContent xmlns:mc="http://schemas.openxmlformats.org/markup-compatibility/2006">
               <mc:Choice xmlns:v="urn:schemas-microsoft-com:vml" Requires="v">
-                <p:oleObj spid="_x0000_s5" name="Image" r:id="rId3" imgW="4924425" imgH="4133850" progId="Photoshop.Image.13">
+                <p:oleObj spid="_x0000_s6176" name="Image" r:id="rId6" imgW="4924425" imgH="4133850" progId="Photoshop.Image.13">
                   <p:embed/>
                 </p:oleObj>
               </mc:Choice>
               <mc:Fallback>
-                <p:oleObj name="Image" r:id="rId3" imgW="4924425" imgH="4133850" progId="Photoshop.Image.13">
+                <p:oleObj name="Image" r:id="rId6" imgW="4924425" imgH="4133850" progId="Photoshop.Image.13">
                   <p:embed/>
                   <p:pic>
                     <p:nvPicPr>
@@ -13413,7 +13301,7 @@
                       <p:nvPr/>
                     </p:nvPicPr>
                     <p:blipFill>
-                      <a:blip r:embed="rId4"/>
+                      <a:blip r:embed="rId7"/>
                       <a:stretch>
                         <a:fillRect/>
                       </a:stretch>
@@ -13621,13 +13509,6 @@
               </a:rPr>
               <a:t>( )</a:t>
             </a:r>
-            <a:endParaRPr lang="en-US" altLang="zh-CN" sz="2800" b="1" dirty="0">
-              <a:solidFill>
-                <a:srgbClr val="00B0F0"/>
-              </a:solidFill>
-              <a:latin typeface="Calibri" panose="020F0502020204030204"/>
-              <a:ea typeface="宋体" panose="02010600030101010101" pitchFamily="2" charset="-122"/>
-            </a:endParaRPr>
           </a:p>
         </p:txBody>
       </p:sp>
@@ -13977,12 +13858,12 @@
           <a:graphicData uri="http://schemas.openxmlformats.org/presentationml/2006/ole">
             <mc:AlternateContent xmlns:mc="http://schemas.openxmlformats.org/markup-compatibility/2006">
               <mc:Choice xmlns:v="urn:schemas-microsoft-com:vml" Requires="v">
-                <p:oleObj spid="_x0000_s2" name="Image" r:id="rId1" imgW="8001000" imgH="1162050" progId="Photoshop.Image.13">
+                <p:oleObj spid="_x0000_s7199" name="Image" r:id="rId4" imgW="8001000" imgH="1162050" progId="Photoshop.Image.13">
                   <p:embed/>
                 </p:oleObj>
               </mc:Choice>
               <mc:Fallback>
-                <p:oleObj name="Image" r:id="rId1" imgW="8001000" imgH="1162050" progId="Photoshop.Image.13">
+                <p:oleObj name="Image" r:id="rId4" imgW="8001000" imgH="1162050" progId="Photoshop.Image.13">
                   <p:embed/>
                   <p:pic>
                     <p:nvPicPr>
@@ -13991,7 +13872,7 @@
                       <p:nvPr/>
                     </p:nvPicPr>
                     <p:blipFill>
-                      <a:blip r:embed="rId2"/>
+                      <a:blip r:embed="rId5"/>
                       <a:stretch>
                         <a:fillRect/>
                       </a:stretch>
@@ -14028,12 +13909,12 @@
           <a:graphicData uri="http://schemas.openxmlformats.org/presentationml/2006/ole">
             <mc:AlternateContent xmlns:mc="http://schemas.openxmlformats.org/markup-compatibility/2006">
               <mc:Choice xmlns:v="urn:schemas-microsoft-com:vml" Requires="v">
-                <p:oleObj spid="_x0000_s5" name="Image" r:id="rId3" imgW="4800600" imgH="4419600" progId="Photoshop.Image.13">
+                <p:oleObj spid="_x0000_s7200" name="Image" r:id="rId6" imgW="4800600" imgH="4419600" progId="Photoshop.Image.13">
                   <p:embed/>
                 </p:oleObj>
               </mc:Choice>
               <mc:Fallback>
-                <p:oleObj name="Image" r:id="rId3" imgW="4800600" imgH="4419600" progId="Photoshop.Image.13">
+                <p:oleObj name="Image" r:id="rId6" imgW="4800600" imgH="4419600" progId="Photoshop.Image.13">
                   <p:embed/>
                   <p:pic>
                     <p:nvPicPr>
@@ -14042,7 +13923,7 @@
                       <p:nvPr/>
                     </p:nvPicPr>
                     <p:blipFill>
-                      <a:blip r:embed="rId4"/>
+                      <a:blip r:embed="rId7"/>
                       <a:stretch>
                         <a:fillRect/>
                       </a:stretch>
@@ -14552,12 +14433,12 @@
           <a:graphicData uri="http://schemas.openxmlformats.org/presentationml/2006/ole">
             <mc:AlternateContent xmlns:mc="http://schemas.openxmlformats.org/markup-compatibility/2006">
               <mc:Choice xmlns:v="urn:schemas-microsoft-com:vml" Requires="v">
-                <p:oleObj spid="_x0000_s2" name="Image" r:id="rId1" imgW="7734300" imgH="790575" progId="Photoshop.Image.13">
+                <p:oleObj spid="_x0000_s8223" name="Image" r:id="rId4" imgW="7734300" imgH="790575" progId="Photoshop.Image.13">
                   <p:embed/>
                 </p:oleObj>
               </mc:Choice>
               <mc:Fallback>
-                <p:oleObj name="Image" r:id="rId1" imgW="7734300" imgH="790575" progId="Photoshop.Image.13">
+                <p:oleObj name="Image" r:id="rId4" imgW="7734300" imgH="790575" progId="Photoshop.Image.13">
                   <p:embed/>
                   <p:pic>
                     <p:nvPicPr>
@@ -14566,7 +14447,7 @@
                       <p:nvPr/>
                     </p:nvPicPr>
                     <p:blipFill>
-                      <a:blip r:embed="rId2"/>
+                      <a:blip r:embed="rId5"/>
                       <a:stretch>
                         <a:fillRect/>
                       </a:stretch>
@@ -14603,12 +14484,12 @@
           <a:graphicData uri="http://schemas.openxmlformats.org/presentationml/2006/ole">
             <mc:AlternateContent xmlns:mc="http://schemas.openxmlformats.org/markup-compatibility/2006">
               <mc:Choice xmlns:v="urn:schemas-microsoft-com:vml" Requires="v">
-                <p:oleObj spid="_x0000_s5" name="Image" r:id="rId3" imgW="4772025" imgH="3057525" progId="Photoshop.Image.13">
+                <p:oleObj spid="_x0000_s8224" name="Image" r:id="rId6" imgW="4772025" imgH="3057525" progId="Photoshop.Image.13">
                   <p:embed/>
                 </p:oleObj>
               </mc:Choice>
               <mc:Fallback>
-                <p:oleObj name="Image" r:id="rId3" imgW="4772025" imgH="3057525" progId="Photoshop.Image.13">
+                <p:oleObj name="Image" r:id="rId6" imgW="4772025" imgH="3057525" progId="Photoshop.Image.13">
                   <p:embed/>
                   <p:pic>
                     <p:nvPicPr>
@@ -14617,7 +14498,7 @@
                       <p:nvPr/>
                     </p:nvPicPr>
                     <p:blipFill>
-                      <a:blip r:embed="rId4"/>
+                      <a:blip r:embed="rId7"/>
                       <a:stretch>
                         <a:fillRect/>
                       </a:stretch>
@@ -14676,11 +14557,6 @@
               </a:rPr>
               <a:t>string data type</a:t>
             </a:r>
-            <a:endParaRPr lang="en-US" altLang="zh-CN" sz="2800" b="1" dirty="0">
-              <a:solidFill>
-                <a:srgbClr val="00B0F0"/>
-              </a:solidFill>
-            </a:endParaRPr>
           </a:p>
         </p:txBody>
       </p:sp>
@@ -14730,11 +14606,6 @@
               </a:rPr>
               <a:t>function takes the input </a:t>
             </a:r>
-            <a:endParaRPr lang="en-US" altLang="zh-CN" b="1" dirty="0">
-              <a:solidFill>
-                <a:prstClr val="black"/>
-              </a:solidFill>
-            </a:endParaRPr>
           </a:p>
           <a:p>
             <a:r>
@@ -14745,11 +14616,6 @@
               </a:rPr>
               <a:t>stream as the first parameter which</a:t>
             </a:r>
-            <a:endParaRPr lang="en-US" altLang="zh-CN" b="1" dirty="0">
-              <a:solidFill>
-                <a:prstClr val="black"/>
-              </a:solidFill>
-            </a:endParaRPr>
           </a:p>
           <a:p>
             <a:r>
@@ -14792,11 +14658,6 @@
               </a:rPr>
               <a:t> as the location of the </a:t>
             </a:r>
-            <a:endParaRPr lang="en-US" altLang="zh-CN" b="1" dirty="0">
-              <a:solidFill>
-                <a:prstClr val="black"/>
-              </a:solidFill>
-            </a:endParaRPr>
           </a:p>
           <a:p>
             <a:r>
@@ -15228,7 +15089,7 @@
         <p:spPr>
           <a:xfrm>
             <a:off x="1412288" y="984164"/>
-            <a:ext cx="3388923" cy="678513"/>
+            <a:ext cx="3388923" cy="678385"/>
           </a:xfrm>
           <a:prstGeom prst="rect">
             <a:avLst/>
@@ -15298,7 +15159,7 @@
                   <a:srgbClr val="00B0F0"/>
                 </a:solidFill>
               </a:rPr>
-              <a:t>Cmake</a:t>
+              <a:t>CMake</a:t>
             </a:r>
             <a:r>
               <a:rPr lang="en-US" altLang="zh-CN" sz="2860" dirty="0"/>
@@ -15310,7 +15171,7 @@
                   <a:srgbClr val="00B0F0"/>
                 </a:solidFill>
               </a:rPr>
-              <a:t>Cmake</a:t>
+              <a:t>CMake</a:t>
             </a:r>
             <a:r>
               <a:rPr lang="en-US" altLang="zh-CN" sz="2860" dirty="0"/>
@@ -15325,6 +15186,106 @@
               <a:t> and workspaces that can be used in the compiler environment of your choice.</a:t>
             </a:r>
             <a:endParaRPr lang="en-US" sz="2860" dirty="0"/>
+          </a:p>
+        </p:txBody>
+      </p:sp>
+      <p:pic>
+        <p:nvPicPr>
+          <p:cNvPr id="16386" name="Picture 2">
+            <a:extLst>
+              <a:ext uri="{FF2B5EF4-FFF2-40B4-BE49-F238E27FC236}">
+                <a16:creationId xmlns:a16="http://schemas.microsoft.com/office/drawing/2014/main" id="{F0A10A31-52E2-1A40-BE26-53F9F3EF22DD}"/>
+              </a:ext>
+            </a:extLst>
+          </p:cNvPr>
+          <p:cNvPicPr>
+            <a:picLocks noChangeAspect="1" noChangeArrowheads="1"/>
+          </p:cNvPicPr>
+          <p:nvPr/>
+        </p:nvPicPr>
+        <p:blipFill>
+          <a:blip r:embed="rId3">
+            <a:extLst>
+              <a:ext uri="{28A0092B-C50C-407E-A947-70E740481C1C}">
+                <a14:useLocalDpi xmlns:a14="http://schemas.microsoft.com/office/drawing/2010/main" val="0"/>
+              </a:ext>
+            </a:extLst>
+          </a:blip>
+          <a:srcRect/>
+          <a:stretch>
+            <a:fillRect/>
+          </a:stretch>
+        </p:blipFill>
+        <p:spPr bwMode="auto">
+          <a:xfrm>
+            <a:off x="8975997" y="13625"/>
+            <a:ext cx="3216003" cy="1819787"/>
+          </a:xfrm>
+          <a:prstGeom prst="rect">
+            <a:avLst/>
+          </a:prstGeom>
+          <a:noFill/>
+          <a:extLst>
+            <a:ext uri="{909E8E84-426E-40DD-AFC4-6F175D3DCCD1}">
+              <a14:hiddenFill xmlns:a14="http://schemas.microsoft.com/office/drawing/2010/main">
+                <a:solidFill>
+                  <a:srgbClr val="FFFFFF"/>
+                </a:solidFill>
+              </a14:hiddenFill>
+            </a:ext>
+          </a:extLst>
+        </p:spPr>
+      </p:pic>
+      <p:sp>
+        <p:nvSpPr>
+          <p:cNvPr id="3" name="矩形 2">
+            <a:extLst>
+              <a:ext uri="{FF2B5EF4-FFF2-40B4-BE49-F238E27FC236}">
+                <a16:creationId xmlns:a16="http://schemas.microsoft.com/office/drawing/2014/main" id="{CB348A3A-4D5C-3F49-8137-5A153A34E003}"/>
+              </a:ext>
+            </a:extLst>
+          </p:cNvPr>
+          <p:cNvSpPr/>
+          <p:nvPr/>
+        </p:nvSpPr>
+        <p:spPr>
+          <a:xfrm>
+            <a:off x="1290289" y="5504504"/>
+            <a:ext cx="4094069" cy="369332"/>
+          </a:xfrm>
+          <a:prstGeom prst="rect">
+            <a:avLst/>
+          </a:prstGeom>
+        </p:spPr>
+        <p:txBody>
+          <a:bodyPr wrap="none">
+            <a:spAutoFit/>
+          </a:bodyPr>
+          <a:lstStyle/>
+          <a:p>
+            <a:r>
+              <a:rPr lang="en-US" altLang="zh-CN" dirty="0"/>
+              <a:t>For</a:t>
+            </a:r>
+            <a:r>
+              <a:rPr lang="zh-CN" altLang="en-US" dirty="0"/>
+              <a:t> </a:t>
+            </a:r>
+            <a:r>
+              <a:rPr lang="en-US" altLang="zh-CN" dirty="0"/>
+              <a:t>more information </a:t>
+            </a:r>
+            <a:r>
+              <a:rPr lang="zh-CN" altLang="en-US" dirty="0">
+                <a:hlinkClick r:id="rId4"/>
+              </a:rPr>
+              <a:t>https://cmake.org/</a:t>
+            </a:r>
+            <a:r>
+              <a:rPr lang="en-US" altLang="zh-CN" dirty="0"/>
+              <a:t> </a:t>
+            </a:r>
+            <a:endParaRPr lang="zh-CN" altLang="en-US" dirty="0"/>
           </a:p>
         </p:txBody>
       </p:sp>
@@ -15494,11 +15455,6 @@
               </a:rPr>
               <a:t> to run properly.</a:t>
             </a:r>
-            <a:endParaRPr lang="en-US" altLang="zh-CN" sz="2860" dirty="0">
-              <a:solidFill>
-                <a:prstClr val="black"/>
-              </a:solidFill>
-            </a:endParaRPr>
           </a:p>
           <a:p>
             <a:pPr>
@@ -15623,11 +15579,6 @@
               </a:rPr>
               <a:t> include  command name, brackets and parameters , </a:t>
             </a:r>
-            <a:endParaRPr lang="en-US" altLang="zh-CN" sz="2860" dirty="0">
-              <a:solidFill>
-                <a:prstClr val="black"/>
-              </a:solidFill>
-            </a:endParaRPr>
           </a:p>
           <a:p>
             <a:pPr>
@@ -15643,11 +15594,6 @@
               </a:rPr>
               <a:t>the parameters are separated by spaces. Commands are not case sensitive.</a:t>
             </a:r>
-            <a:endParaRPr lang="en-US" altLang="zh-CN" sz="2860" dirty="0">
-              <a:solidFill>
-                <a:prstClr val="black"/>
-              </a:solidFill>
-            </a:endParaRPr>
           </a:p>
           <a:p>
             <a:pPr marL="421640" indent="-421640">
@@ -15673,11 +15619,6 @@
               </a:rPr>
               <a:t>  begins  with ‘#’.</a:t>
             </a:r>
-            <a:endParaRPr lang="en-US" altLang="zh-CN" sz="2860" dirty="0">
-              <a:solidFill>
-                <a:prstClr val="black"/>
-              </a:solidFill>
-            </a:endParaRPr>
           </a:p>
         </p:txBody>
       </p:sp>
@@ -15893,13 +15834,6 @@
               </a:rPr>
               <a:t>Compound Types</a:t>
             </a:r>
-            <a:endParaRPr lang="en-US" altLang="zh-CN" b="1" i="0" dirty="0">
-              <a:solidFill>
-                <a:srgbClr val="24292F"/>
-              </a:solidFill>
-              <a:effectLst/>
-              <a:latin typeface="-apple-system"/>
-            </a:endParaRPr>
           </a:p>
         </p:txBody>
       </p:sp>
@@ -15928,9 +15862,18 @@
               </a:rPr>
               <a:t>Array, C-style string, string, structure, enumeration</a:t>
             </a:r>
-            <a:endParaRPr lang="en-US" altLang="zh-CN" dirty="0">
-              <a:sym typeface="+mn-ea"/>
-            </a:endParaRPr>
+          </a:p>
+          <a:p>
+            <a:pPr marL="285750" indent="-285750">
+              <a:buFont typeface="Arial" panose="020B0604020202020204" pitchFamily="34" charset="0"/>
+              <a:buChar char="•"/>
+            </a:pPr>
+            <a:r>
+              <a:rPr lang="en-US" altLang="zh-CN" dirty="0">
+                <a:sym typeface="+mn-ea"/>
+              </a:rPr>
+              <a:t>Input and output</a:t>
+            </a:r>
           </a:p>
           <a:p>
             <a:pPr marL="285750" indent="-285750">
@@ -15987,7 +15930,7 @@
           <p:nvPr/>
         </p:nvPicPr>
         <p:blipFill>
-          <a:blip r:embed="rId1"/>
+          <a:blip r:embed="rId3"/>
           <a:stretch>
             <a:fillRect/>
           </a:stretch>
@@ -16086,11 +16029,6 @@
               </a:rPr>
               <a:t>file is all that is required.</a:t>
             </a:r>
-            <a:endParaRPr lang="en-US" altLang="zh-CN" sz="2585" dirty="0">
-              <a:solidFill>
-                <a:prstClr val="black"/>
-              </a:solidFill>
-            </a:endParaRPr>
           </a:p>
         </p:txBody>
       </p:sp>
@@ -16154,11 +16092,6 @@
                 </a:rPr>
                 <a:t>.</a:t>
               </a:r>
-              <a:endParaRPr lang="en-US" altLang="zh-CN" sz="1755" dirty="0">
-                <a:solidFill>
-                  <a:prstClr val="black"/>
-                </a:solidFill>
-              </a:endParaRPr>
             </a:p>
             <a:p>
               <a:r>
@@ -16797,11 +16730,6 @@
               </a:rPr>
               <a:t>Store the CMakeLists.txt file in the same directory as  the main.cpp. </a:t>
             </a:r>
-            <a:endParaRPr lang="en-US" altLang="zh-CN" sz="2120" dirty="0">
-              <a:solidFill>
-                <a:prstClr val="black"/>
-              </a:solidFill>
-            </a:endParaRPr>
           </a:p>
         </p:txBody>
       </p:sp>
@@ -16873,12 +16801,12 @@
             <a:graphicData uri="http://schemas.openxmlformats.org/presentationml/2006/ole">
               <mc:AlternateContent xmlns:mc="http://schemas.openxmlformats.org/markup-compatibility/2006">
                 <mc:Choice xmlns:v="urn:schemas-microsoft-com:vml" Requires="v">
-                  <p:oleObj spid="_x0000_s6" name="Image" r:id="rId2" imgW="3838575" imgH="2381250" progId="Photoshop.Image.13">
+                  <p:oleObj spid="_x0000_s9232" name="Image" r:id="rId4" imgW="3838575" imgH="2381250" progId="Photoshop.Image.13">
                     <p:embed/>
                   </p:oleObj>
                 </mc:Choice>
                 <mc:Fallback>
-                  <p:oleObj name="Image" r:id="rId2" imgW="3838575" imgH="2381250" progId="Photoshop.Image.13">
+                  <p:oleObj name="Image" r:id="rId4" imgW="3838575" imgH="2381250" progId="Photoshop.Image.13">
                     <p:embed/>
                     <p:pic>
                       <p:nvPicPr>
@@ -16887,7 +16815,7 @@
                         <p:nvPr/>
                       </p:nvPicPr>
                       <p:blipFill>
-                        <a:blip r:embed="rId3"/>
+                        <a:blip r:embed="rId5"/>
                         <a:stretch>
                           <a:fillRect/>
                         </a:stretch>
@@ -17382,7 +17310,7 @@
           <p:nvPr/>
         </p:nvPicPr>
         <p:blipFill>
-          <a:blip r:embed="rId1"/>
+          <a:blip r:embed="rId2"/>
           <a:stretch>
             <a:fillRect/>
           </a:stretch>
@@ -17881,7 +17809,7 @@
           <p:nvPr/>
         </p:nvPicPr>
         <p:blipFill>
-          <a:blip r:embed="rId1"/>
+          <a:blip r:embed="rId2"/>
           <a:stretch>
             <a:fillRect/>
           </a:stretch>
@@ -18153,12 +18081,12 @@
           <a:graphicData uri="http://schemas.openxmlformats.org/presentationml/2006/ole">
             <mc:AlternateContent xmlns:mc="http://schemas.openxmlformats.org/markup-compatibility/2006">
               <mc:Choice xmlns:v="urn:schemas-microsoft-com:vml" Requires="v">
-                <p:oleObj spid="_x0000_s2" name="Image" r:id="rId1" imgW="5591175" imgH="3448050" progId="Photoshop.Image.13">
+                <p:oleObj spid="_x0000_s10271" name="Image" r:id="rId3" imgW="5591175" imgH="3448050" progId="Photoshop.Image.13">
                   <p:embed/>
                 </p:oleObj>
               </mc:Choice>
               <mc:Fallback>
-                <p:oleObj name="Image" r:id="rId1" imgW="5591175" imgH="3448050" progId="Photoshop.Image.13">
+                <p:oleObj name="Image" r:id="rId3" imgW="5591175" imgH="3448050" progId="Photoshop.Image.13">
                   <p:embed/>
                   <p:pic>
                     <p:nvPicPr>
@@ -18167,7 +18095,7 @@
                       <p:nvPr/>
                     </p:nvPicPr>
                     <p:blipFill>
-                      <a:blip r:embed="rId2"/>
+                      <a:blip r:embed="rId4"/>
                       <a:stretch>
                         <a:fillRect/>
                       </a:stretch>
@@ -18307,7 +18235,6 @@
                 <a:rPr lang="en-US" altLang="zh-CN" sz="2120" dirty="0"/>
                 <a:t>,</a:t>
               </a:r>
-              <a:endParaRPr lang="en-US" altLang="zh-CN" sz="2120" dirty="0"/>
             </a:p>
             <a:p>
               <a:r>
@@ -18401,12 +18328,12 @@
           <a:graphicData uri="http://schemas.openxmlformats.org/presentationml/2006/ole">
             <mc:AlternateContent xmlns:mc="http://schemas.openxmlformats.org/markup-compatibility/2006">
               <mc:Choice xmlns:v="urn:schemas-microsoft-com:vml" Requires="v">
-                <p:oleObj spid="_x0000_s9" name="Image" r:id="rId3" imgW="7334250" imgH="514350" progId="Photoshop.Image.13">
+                <p:oleObj spid="_x0000_s10272" name="Image" r:id="rId5" imgW="7334250" imgH="514350" progId="Photoshop.Image.13">
                   <p:embed/>
                 </p:oleObj>
               </mc:Choice>
               <mc:Fallback>
-                <p:oleObj name="Image" r:id="rId3" imgW="7334250" imgH="514350" progId="Photoshop.Image.13">
+                <p:oleObj name="Image" r:id="rId5" imgW="7334250" imgH="514350" progId="Photoshop.Image.13">
                   <p:embed/>
                   <p:pic>
                     <p:nvPicPr>
@@ -18415,7 +18342,7 @@
                       <p:nvPr/>
                     </p:nvPicPr>
                     <p:blipFill>
-                      <a:blip r:embed="rId4"/>
+                      <a:blip r:embed="rId6"/>
                       <a:stretch>
                         <a:fillRect/>
                       </a:stretch>
@@ -18762,12 +18689,12 @@
           <a:graphicData uri="http://schemas.openxmlformats.org/presentationml/2006/ole">
             <mc:AlternateContent xmlns:mc="http://schemas.openxmlformats.org/markup-compatibility/2006">
               <mc:Choice xmlns:v="urn:schemas-microsoft-com:vml" Requires="v">
-                <p:oleObj spid="_x0000_s2" name="Image" r:id="rId1" imgW="4962525" imgH="390525" progId="Photoshop.Image.13">
+                <p:oleObj spid="_x0000_s11295" name="Image" r:id="rId3" imgW="4962525" imgH="390525" progId="Photoshop.Image.13">
                   <p:embed/>
                 </p:oleObj>
               </mc:Choice>
               <mc:Fallback>
-                <p:oleObj name="Image" r:id="rId1" imgW="4962525" imgH="390525" progId="Photoshop.Image.13">
+                <p:oleObj name="Image" r:id="rId3" imgW="4962525" imgH="390525" progId="Photoshop.Image.13">
                   <p:embed/>
                   <p:pic>
                     <p:nvPicPr>
@@ -18776,7 +18703,7 @@
                       <p:nvPr/>
                     </p:nvPicPr>
                     <p:blipFill>
-                      <a:blip r:embed="rId2"/>
+                      <a:blip r:embed="rId4"/>
                       <a:stretch>
                         <a:fillRect/>
                       </a:stretch>
@@ -18813,12 +18740,12 @@
           <a:graphicData uri="http://schemas.openxmlformats.org/presentationml/2006/ole">
             <mc:AlternateContent xmlns:mc="http://schemas.openxmlformats.org/markup-compatibility/2006">
               <mc:Choice xmlns:v="urn:schemas-microsoft-com:vml" Requires="v">
-                <p:oleObj spid="_x0000_s3" name="Image" r:id="rId3" imgW="5248275" imgH="1019175" progId="Photoshop.Image.13">
+                <p:oleObj spid="_x0000_s11296" name="Image" r:id="rId5" imgW="5248275" imgH="1019175" progId="Photoshop.Image.13">
                   <p:embed/>
                 </p:oleObj>
               </mc:Choice>
               <mc:Fallback>
-                <p:oleObj name="Image" r:id="rId3" imgW="5248275" imgH="1019175" progId="Photoshop.Image.13">
+                <p:oleObj name="Image" r:id="rId5" imgW="5248275" imgH="1019175" progId="Photoshop.Image.13">
                   <p:embed/>
                   <p:pic>
                     <p:nvPicPr>
@@ -18827,7 +18754,7 @@
                       <p:nvPr/>
                     </p:nvPicPr>
                     <p:blipFill>
-                      <a:blip r:embed="rId4"/>
+                      <a:blip r:embed="rId6"/>
                       <a:stretch>
                         <a:fillRect/>
                       </a:stretch>
@@ -18951,7 +18878,6 @@
                 <a:rPr lang="en-US" altLang="zh-CN" sz="2120" dirty="0"/>
                 <a:t>Execute  make to compile</a:t>
               </a:r>
-              <a:endParaRPr lang="en-US" altLang="zh-CN" sz="2120" dirty="0"/>
             </a:p>
             <a:p>
               <a:r>
@@ -19374,12 +19300,12 @@
           <a:graphicData uri="http://schemas.openxmlformats.org/presentationml/2006/ole">
             <mc:AlternateContent xmlns:mc="http://schemas.openxmlformats.org/markup-compatibility/2006">
               <mc:Choice xmlns:v="urn:schemas-microsoft-com:vml" Requires="v">
-                <p:oleObj spid="_x0000_s3" name="Image" r:id="rId1" imgW="5238750" imgH="1362075" progId="Photoshop.Image.13">
+                <p:oleObj spid="_x0000_s12319" name="Image" r:id="rId3" imgW="5238750" imgH="1362075" progId="Photoshop.Image.13">
                   <p:embed/>
                 </p:oleObj>
               </mc:Choice>
               <mc:Fallback>
-                <p:oleObj name="Image" r:id="rId1" imgW="5238750" imgH="1362075" progId="Photoshop.Image.13">
+                <p:oleObj name="Image" r:id="rId3" imgW="5238750" imgH="1362075" progId="Photoshop.Image.13">
                   <p:embed/>
                   <p:pic>
                     <p:nvPicPr>
@@ -19388,7 +19314,7 @@
                       <p:nvPr/>
                     </p:nvPicPr>
                     <p:blipFill>
-                      <a:blip r:embed="rId2"/>
+                      <a:blip r:embed="rId4"/>
                       <a:stretch>
                         <a:fillRect/>
                       </a:stretch>
@@ -19477,11 +19403,6 @@
               </a:rPr>
               <a:t>There are three files in the same directory.</a:t>
             </a:r>
-            <a:endParaRPr lang="en-US" altLang="zh-CN" sz="2860" dirty="0">
-              <a:solidFill>
-                <a:prstClr val="black"/>
-              </a:solidFill>
-            </a:endParaRPr>
           </a:p>
         </p:txBody>
       </p:sp>
@@ -19545,11 +19466,6 @@
                 </a:rPr>
                 <a:t> command.</a:t>
               </a:r>
-              <a:endParaRPr lang="en-US" altLang="zh-CN" sz="1755" dirty="0">
-                <a:solidFill>
-                  <a:prstClr val="black"/>
-                </a:solidFill>
-              </a:endParaRPr>
             </a:p>
           </p:txBody>
         </p:sp>
@@ -19656,12 +19572,12 @@
           <a:graphicData uri="http://schemas.openxmlformats.org/presentationml/2006/ole">
             <mc:AlternateContent xmlns:mc="http://schemas.openxmlformats.org/markup-compatibility/2006">
               <mc:Choice xmlns:v="urn:schemas-microsoft-com:vml" Requires="v">
-                <p:oleObj spid="_x0000_s7" name="Image" r:id="rId3" imgW="5953125" imgH="4629150" progId="Photoshop.Image.13">
+                <p:oleObj spid="_x0000_s12320" name="Image" r:id="rId5" imgW="5953125" imgH="4629150" progId="Photoshop.Image.13">
                   <p:embed/>
                 </p:oleObj>
               </mc:Choice>
               <mc:Fallback>
-                <p:oleObj name="Image" r:id="rId3" imgW="5953125" imgH="4629150" progId="Photoshop.Image.13">
+                <p:oleObj name="Image" r:id="rId5" imgW="5953125" imgH="4629150" progId="Photoshop.Image.13">
                   <p:embed/>
                   <p:pic>
                     <p:nvPicPr>
@@ -19670,7 +19586,7 @@
                       <p:nvPr/>
                     </p:nvPicPr>
                     <p:blipFill>
-                      <a:blip r:embed="rId4"/>
+                      <a:blip r:embed="rId6"/>
                       <a:stretch>
                         <a:fillRect/>
                       </a:stretch>
@@ -19806,7 +19722,7 @@
             <p:nvPr/>
           </p:nvPicPr>
           <p:blipFill>
-            <a:blip r:embed="rId5">
+            <a:blip r:embed="rId7">
               <a:extLst>
                 <a:ext uri="{28A0092B-C50C-407E-A947-70E740481C1C}">
                   <a14:useLocalDpi xmlns:a14="http://schemas.microsoft.com/office/drawing/2010/main" val="0"/>
@@ -20649,11 +20565,6 @@
               </a:rPr>
               <a:t>command.</a:t>
             </a:r>
-            <a:endParaRPr lang="en-US" altLang="zh-CN" sz="2860" dirty="0">
-              <a:solidFill>
-                <a:prstClr val="black"/>
-              </a:solidFill>
-            </a:endParaRPr>
           </a:p>
         </p:txBody>
       </p:sp>
@@ -20821,12 +20732,12 @@
           <a:graphicData uri="http://schemas.openxmlformats.org/presentationml/2006/ole">
             <mc:AlternateContent xmlns:mc="http://schemas.openxmlformats.org/markup-compatibility/2006">
               <mc:Choice xmlns:v="urn:schemas-microsoft-com:vml" Requires="v">
-                <p:oleObj spid="_x0000_s2" name="Image" r:id="rId1" imgW="4267200" imgH="1933575" progId="Photoshop.Image.13">
+                <p:oleObj spid="_x0000_s13343" name="Image" r:id="rId3" imgW="4267200" imgH="1933575" progId="Photoshop.Image.13">
                   <p:embed/>
                 </p:oleObj>
               </mc:Choice>
               <mc:Fallback>
-                <p:oleObj name="Image" r:id="rId1" imgW="4267200" imgH="1933575" progId="Photoshop.Image.13">
+                <p:oleObj name="Image" r:id="rId3" imgW="4267200" imgH="1933575" progId="Photoshop.Image.13">
                   <p:embed/>
                   <p:pic>
                     <p:nvPicPr>
@@ -20835,7 +20746,7 @@
                       <p:nvPr/>
                     </p:nvPicPr>
                     <p:blipFill>
-                      <a:blip r:embed="rId2"/>
+                      <a:blip r:embed="rId4"/>
                       <a:stretch>
                         <a:fillRect/>
                       </a:stretch>
@@ -21237,12 +21148,12 @@
           <a:graphicData uri="http://schemas.openxmlformats.org/presentationml/2006/ole">
             <mc:AlternateContent xmlns:mc="http://schemas.openxmlformats.org/markup-compatibility/2006">
               <mc:Choice xmlns:v="urn:schemas-microsoft-com:vml" Requires="v">
-                <p:oleObj spid="_x0000_s4" name="Image" r:id="rId3" imgW="5505450" imgH="3457575" progId="Photoshop.Image.13">
+                <p:oleObj spid="_x0000_s13344" name="Image" r:id="rId5" imgW="5505450" imgH="3457575" progId="Photoshop.Image.13">
                   <p:embed/>
                 </p:oleObj>
               </mc:Choice>
               <mc:Fallback>
-                <p:oleObj name="Image" r:id="rId3" imgW="5505450" imgH="3457575" progId="Photoshop.Image.13">
+                <p:oleObj name="Image" r:id="rId5" imgW="5505450" imgH="3457575" progId="Photoshop.Image.13">
                   <p:embed/>
                   <p:pic>
                     <p:nvPicPr>
@@ -21251,7 +21162,7 @@
                       <p:nvPr/>
                     </p:nvPicPr>
                     <p:blipFill>
-                      <a:blip r:embed="rId4"/>
+                      <a:blip r:embed="rId6"/>
                       <a:stretch>
                         <a:fillRect/>
                       </a:stretch>
@@ -21572,12 +21483,12 @@
           <a:graphicData uri="http://schemas.openxmlformats.org/presentationml/2006/ole">
             <mc:AlternateContent xmlns:mc="http://schemas.openxmlformats.org/markup-compatibility/2006">
               <mc:Choice xmlns:v="urn:schemas-microsoft-com:vml" Requires="v">
-                <p:oleObj spid="_x0000_s2" name="Image" r:id="rId1" imgW="4981575" imgH="4000500" progId="Photoshop.Image.13">
+                <p:oleObj spid="_x0000_s14352" name="Image" r:id="rId3" imgW="4981575" imgH="4000500" progId="Photoshop.Image.13">
                   <p:embed/>
                 </p:oleObj>
               </mc:Choice>
               <mc:Fallback>
-                <p:oleObj name="Image" r:id="rId1" imgW="4981575" imgH="4000500" progId="Photoshop.Image.13">
+                <p:oleObj name="Image" r:id="rId3" imgW="4981575" imgH="4000500" progId="Photoshop.Image.13">
                   <p:embed/>
                   <p:pic>
                     <p:nvPicPr>
@@ -21586,7 +21497,7 @@
                       <p:nvPr/>
                     </p:nvPicPr>
                     <p:blipFill>
-                      <a:blip r:embed="rId2"/>
+                      <a:blip r:embed="rId4"/>
                       <a:stretch>
                         <a:fillRect/>
                       </a:stretch>
@@ -21727,11 +21638,6 @@
                 </a:rPr>
                 <a:t>Include the header file which is stored in</a:t>
               </a:r>
-              <a:endParaRPr lang="en-US" altLang="zh-CN" sz="1755" dirty="0">
-                <a:solidFill>
-                  <a:prstClr val="black"/>
-                </a:solidFill>
-              </a:endParaRPr>
             </a:p>
             <a:p>
               <a:r>
@@ -22031,7 +21937,7 @@
             <p:nvPr/>
           </p:nvPicPr>
           <p:blipFill>
-            <a:blip r:embed="rId3">
+            <a:blip r:embed="rId5">
               <a:extLst>
                 <a:ext uri="{28A0092B-C50C-407E-A947-70E740481C1C}">
                   <a14:useLocalDpi xmlns:a14="http://schemas.microsoft.com/office/drawing/2010/main" val="0"/>
@@ -22373,12 +22279,12 @@
           <a:graphicData uri="http://schemas.openxmlformats.org/presentationml/2006/ole">
             <mc:AlternateContent xmlns:mc="http://schemas.openxmlformats.org/markup-compatibility/2006">
               <mc:Choice xmlns:v="urn:schemas-microsoft-com:vml" Requires="v">
-                <p:oleObj spid="_x0000_s3" name="Image" r:id="rId1" imgW="6257925" imgH="4638675" progId="Photoshop.Image.13">
+                <p:oleObj spid="_x0000_s15376" name="Image" r:id="rId4" imgW="6257925" imgH="4638675" progId="Photoshop.Image.13">
                   <p:embed/>
                 </p:oleObj>
               </mc:Choice>
               <mc:Fallback>
-                <p:oleObj name="Image" r:id="rId1" imgW="6257925" imgH="4638675" progId="Photoshop.Image.13">
+                <p:oleObj name="Image" r:id="rId4" imgW="6257925" imgH="4638675" progId="Photoshop.Image.13">
                   <p:embed/>
                   <p:pic>
                     <p:nvPicPr>
@@ -22387,7 +22293,7 @@
                       <p:nvPr/>
                     </p:nvPicPr>
                     <p:blipFill>
-                      <a:blip r:embed="rId2"/>
+                      <a:blip r:embed="rId5"/>
                       <a:stretch>
                         <a:fillRect/>
                       </a:stretch>
@@ -22632,7 +22538,6 @@
                 <a:rPr lang="zh-CN" altLang="en-US" sz="2000" dirty="0"/>
                 <a:t>https://riptutorial.com/cmake</a:t>
               </a:r>
-              <a:endParaRPr lang="zh-CN" altLang="en-US" sz="2000" dirty="0"/>
             </a:p>
           </p:txBody>
         </p:sp>
@@ -22678,7 +22583,6 @@
                 <a:rPr lang="en-US" altLang="zh-CN" dirty="0"/>
                 <a:t> tutorial):</a:t>
               </a:r>
-              <a:endParaRPr lang="en-US" altLang="zh-CN" dirty="0"/>
             </a:p>
             <a:p>
               <a:r>
@@ -23004,13 +22908,6 @@
               </a:rPr>
               <a:t>Array</a:t>
             </a:r>
-            <a:endParaRPr lang="en-US" altLang="zh-CN" b="1" i="0" dirty="0">
-              <a:solidFill>
-                <a:srgbClr val="24292F"/>
-              </a:solidFill>
-              <a:effectLst/>
-              <a:latin typeface="-apple-system"/>
-            </a:endParaRPr>
           </a:p>
         </p:txBody>
       </p:sp>
@@ -23096,9 +22993,6 @@
               </a:rPr>
               <a:t>.</a:t>
             </a:r>
-            <a:endParaRPr lang="en-US" altLang="zh-CN" dirty="0">
-              <a:sym typeface="+mn-ea"/>
-            </a:endParaRPr>
           </a:p>
           <a:p>
             <a:pPr marL="285750" indent="-285750">
@@ -23385,7 +23279,7 @@
         <p:spPr>
           <a:xfrm>
             <a:off x="1390744" y="338589"/>
-            <a:ext cx="4705255" cy="697002"/>
+            <a:ext cx="6980370" cy="697002"/>
           </a:xfrm>
         </p:spPr>
         <p:txBody>
@@ -23396,9 +23290,8 @@
           <a:p>
             <a:r>
               <a:rPr lang="en-US" altLang="zh-CN" sz="4705" dirty="0"/>
-              <a:t>Exercises 1</a:t>
-            </a:r>
-            <a:endParaRPr lang="en-US" altLang="zh-CN" sz="4705" dirty="0"/>
+              <a:t>Exercises 1 (in-class)</a:t>
+            </a:r>
           </a:p>
         </p:txBody>
       </p:sp>
@@ -23437,13 +23330,6 @@
               </a:rPr>
               <a:t>Function prototypes:</a:t>
             </a:r>
-            <a:endParaRPr lang="en-US" altLang="zh-CN" sz="2215" dirty="0">
-              <a:solidFill>
-                <a:prstClr val="black"/>
-              </a:solidFill>
-              <a:latin typeface="Calibri" panose="020F0502020204030204"/>
-              <a:ea typeface="宋体" panose="02010600030101010101" pitchFamily="2" charset="-122"/>
-            </a:endParaRPr>
           </a:p>
           <a:p>
             <a:pPr marL="403225" indent="-403225" defTabSz="1075690">
@@ -23542,14 +23428,6 @@
               </a:rPr>
               <a:t>asks the user to enter each of the preceding items of information to set the corresponding members of the structure.</a:t>
             </a:r>
-            <a:endParaRPr lang="en-US" altLang="zh-CN" sz="2215" dirty="0">
-              <a:solidFill>
-                <a:prstClr val="black"/>
-              </a:solidFill>
-              <a:latin typeface="Calibri" panose="020F0502020204030204"/>
-              <a:ea typeface="宋体" panose="02010600030101010101" pitchFamily="2" charset="-122"/>
-              <a:sym typeface="+mn-ea"/>
-            </a:endParaRPr>
           </a:p>
           <a:p>
             <a:pPr marL="403225" indent="-403225" defTabSz="1075690">
@@ -23637,13 +23515,6 @@
               </a:rPr>
               <a:t>,displays the contents of the structure, one student one line.</a:t>
             </a:r>
-            <a:endParaRPr lang="en-US" altLang="zh-CN" sz="2215" dirty="0">
-              <a:solidFill>
-                <a:prstClr val="black"/>
-              </a:solidFill>
-              <a:latin typeface="Calibri" panose="020F0502020204030204"/>
-              <a:ea typeface="宋体" panose="02010600030101010101" pitchFamily="2" charset="-122"/>
-            </a:endParaRPr>
           </a:p>
           <a:p>
             <a:pPr marL="403225" indent="-403225" defTabSz="1075690">
@@ -23745,13 +23616,6 @@
               </a:rPr>
               <a:t>.</a:t>
             </a:r>
-            <a:endParaRPr lang="en-US" altLang="zh-CN" sz="2215" dirty="0">
-              <a:solidFill>
-                <a:prstClr val="black"/>
-              </a:solidFill>
-              <a:latin typeface="Calibri" panose="020F0502020204030204"/>
-              <a:ea typeface="宋体" panose="02010600030101010101" pitchFamily="2" charset="-122"/>
-            </a:endParaRPr>
           </a:p>
           <a:p>
             <a:pPr marL="403225" indent="-403225" defTabSz="1075690">
@@ -23917,21 +23781,18 @@
               <a:rPr lang="en-US" altLang="zh-CN" b="1" dirty="0"/>
               <a:t>{</a:t>
             </a:r>
-            <a:endParaRPr lang="en-US" altLang="zh-CN" b="1" dirty="0"/>
           </a:p>
           <a:p>
             <a:r>
               <a:rPr lang="en-US" altLang="zh-CN" b="1" dirty="0"/>
               <a:t>     char name[20];</a:t>
             </a:r>
-            <a:endParaRPr lang="en-US" altLang="zh-CN" b="1" dirty="0"/>
           </a:p>
           <a:p>
             <a:r>
               <a:rPr lang="en-US" altLang="zh-CN" b="1" dirty="0"/>
               <a:t>     double score[3];</a:t>
             </a:r>
-            <a:endParaRPr lang="en-US" altLang="zh-CN" b="1" dirty="0"/>
           </a:p>
           <a:p>
             <a:r>
@@ -23946,7 +23807,6 @@
               <a:rPr lang="en-US" altLang="zh-CN" b="1" dirty="0"/>
               <a:t>;</a:t>
             </a:r>
-            <a:endParaRPr lang="en-US" altLang="zh-CN" b="1" dirty="0"/>
           </a:p>
           <a:p>
             <a:r>
@@ -23991,7 +23851,7 @@
           <p:nvPr/>
         </p:nvPicPr>
         <p:blipFill>
-          <a:blip r:embed="rId1"/>
+          <a:blip r:embed="rId2"/>
           <a:stretch>
             <a:fillRect/>
           </a:stretch>
@@ -24023,7 +23883,14 @@
         <p:cNvGrpSpPr/>
         <p:nvPr/>
       </p:nvGrpSpPr>
-      <p:grpSpPr/>
+      <p:grpSpPr>
+        <a:xfrm>
+          <a:off x="0" y="0"/>
+          <a:ext cx="0" cy="0"/>
+          <a:chOff x="0" y="0"/>
+          <a:chExt cx="0" cy="0"/>
+        </a:xfrm>
+      </p:grpSpPr>
       <p:sp>
         <p:nvSpPr>
           <p:cNvPr id="2" name="标题 1"/>
@@ -24037,12 +23904,12 @@
         <p:spPr/>
         <p:txBody>
           <a:bodyPr/>
-          <a:p>
-            <a:r>
-              <a:rPr lang="en-US" altLang="zh-CN"/>
+          <a:lstStyle/>
+          <a:p>
+            <a:r>
+              <a:rPr lang="en-US" altLang="zh-CN" dirty="0"/>
               <a:t>Exercise 2</a:t>
             </a:r>
-            <a:endParaRPr lang="en-US" altLang="zh-CN"/>
           </a:p>
         </p:txBody>
       </p:sp>
@@ -24059,19 +23926,80 @@
         <p:spPr/>
         <p:txBody>
           <a:bodyPr/>
-          <a:p>
-            <a:r>
-              <a:rPr lang="en-US" altLang="zh-CN"/>
-              <a:t>Design a struct “DayInfo” which contains two enumeration types as its member. The first is a enum “Day” defined what day is today(Sunday,Monday...), the second is a enum “Weather” as the weather(Sunny, Rainy...).</a:t>
-            </a:r>
-            <a:endParaRPr lang="en-US" altLang="zh-CN"/>
-          </a:p>
-          <a:p>
-            <a:r>
-              <a:rPr lang="en-US" altLang="zh-CN"/>
-              <a:t>Define a boolean function “bool canTravel( DayInfo )” if the day is at weekend and weather is good.</a:t>
-            </a:r>
-            <a:endParaRPr lang="en-US" altLang="zh-CN"/>
+          <a:lstStyle/>
+          <a:p>
+            <a:r>
+              <a:rPr lang="en-US" altLang="zh-CN" dirty="0"/>
+              <a:t>Design a struct “</a:t>
+            </a:r>
+            <a:r>
+              <a:rPr lang="en-US" altLang="zh-CN" dirty="0" err="1"/>
+              <a:t>DayInfo</a:t>
+            </a:r>
+            <a:r>
+              <a:rPr lang="en-US" altLang="zh-CN" dirty="0"/>
+              <a:t>” which contains two enumeration types as its member. The first is an </a:t>
+            </a:r>
+            <a:r>
+              <a:rPr lang="en-US" altLang="zh-CN" dirty="0" err="1"/>
+              <a:t>enum</a:t>
+            </a:r>
+            <a:r>
+              <a:rPr lang="en-US" altLang="zh-CN" dirty="0"/>
+              <a:t> “Day” for (Sunday, Monday, ...), and the second is an </a:t>
+            </a:r>
+            <a:r>
+              <a:rPr lang="en-US" altLang="zh-CN" dirty="0" err="1"/>
+              <a:t>enum</a:t>
+            </a:r>
+            <a:r>
+              <a:rPr lang="en-US" altLang="zh-CN" dirty="0"/>
+              <a:t> “Weather” for (Sunny, Rainy, ...).</a:t>
+            </a:r>
+          </a:p>
+          <a:p>
+            <a:r>
+              <a:rPr lang="en-US" altLang="zh-CN" dirty="0"/>
+              <a:t>Define a </a:t>
+            </a:r>
+            <a:r>
+              <a:rPr lang="en-US" altLang="zh-CN" dirty="0" err="1"/>
+              <a:t>boolean</a:t>
+            </a:r>
+            <a:r>
+              <a:rPr lang="en-US" altLang="zh-CN" dirty="0"/>
+              <a:t> function “bool </a:t>
+            </a:r>
+            <a:r>
+              <a:rPr lang="en-US" altLang="zh-CN" dirty="0" err="1"/>
+              <a:t>canTravel</a:t>
+            </a:r>
+            <a:r>
+              <a:rPr lang="en-US" altLang="zh-CN" dirty="0"/>
+              <a:t>( </a:t>
+            </a:r>
+            <a:r>
+              <a:rPr lang="en-US" altLang="zh-CN" dirty="0" err="1"/>
+              <a:t>DayInfo</a:t>
+            </a:r>
+            <a:r>
+              <a:rPr lang="en-US" altLang="zh-CN" dirty="0"/>
+              <a:t> )” . It will return true if the day is at weekend and the weather is good.</a:t>
+            </a:r>
+          </a:p>
+          <a:p>
+            <a:r>
+              <a:rPr lang="en-US" altLang="zh-CN" dirty="0"/>
+              <a:t>Call function </a:t>
+            </a:r>
+            <a:r>
+              <a:rPr lang="en-US" altLang="zh-CN" dirty="0" err="1"/>
+              <a:t>canTravel</a:t>
+            </a:r>
+            <a:r>
+              <a:rPr lang="en-US" altLang="zh-CN" dirty="0"/>
+              <a:t>() in main().</a:t>
+            </a:r>
           </a:p>
         </p:txBody>
       </p:sp>
@@ -24092,7 +24020,14 @@
         <p:cNvGrpSpPr/>
         <p:nvPr/>
       </p:nvGrpSpPr>
-      <p:grpSpPr/>
+      <p:grpSpPr>
+        <a:xfrm>
+          <a:off x="0" y="0"/>
+          <a:ext cx="0" cy="0"/>
+          <a:chOff x="0" y="0"/>
+          <a:chExt cx="0" cy="0"/>
+        </a:xfrm>
+      </p:grpSpPr>
       <p:sp>
         <p:nvSpPr>
           <p:cNvPr id="5" name="矩形 4"/>
@@ -24132,6 +24067,7 @@
         </p:style>
         <p:txBody>
           <a:bodyPr rtlCol="0" anchor="ctr"/>
+          <a:lstStyle/>
           <a:p>
             <a:pPr algn="ctr"/>
             <a:endParaRPr lang="zh-CN" altLang="en-US"/>
@@ -24151,8 +24087,9 @@
         <p:spPr/>
         <p:txBody>
           <a:bodyPr>
-            <a:normAutofit fontScale="90000"/>
+            <a:normAutofit/>
           </a:bodyPr>
+          <a:lstStyle/>
           <a:p>
             <a:r>
               <a:rPr lang="en-US" altLang="zh-CN" b="1" dirty="0">
@@ -24189,33 +24126,30 @@
           <a:bodyPr wrap="square" rtlCol="0">
             <a:spAutoFit/>
           </a:bodyPr>
+          <a:lstStyle/>
           <a:p>
             <a:r>
               <a:rPr lang="zh-CN" altLang="en-US"/>
               <a:t>#include &lt;iostream&gt;</a:t>
             </a:r>
-            <a:endParaRPr lang="zh-CN" altLang="en-US"/>
           </a:p>
           <a:p>
             <a:r>
               <a:rPr lang="zh-CN" altLang="en-US"/>
               <a:t>using std::cin;</a:t>
             </a:r>
-            <a:endParaRPr lang="zh-CN" altLang="en-US"/>
           </a:p>
           <a:p>
             <a:r>
               <a:rPr lang="zh-CN" altLang="en-US"/>
               <a:t>using std::cout;</a:t>
             </a:r>
-            <a:endParaRPr lang="zh-CN" altLang="en-US"/>
           </a:p>
           <a:p>
             <a:r>
               <a:rPr lang="zh-CN" altLang="en-US"/>
               <a:t>using std::endl;</a:t>
             </a:r>
-            <a:endParaRPr lang="zh-CN" altLang="en-US"/>
           </a:p>
           <a:p>
             <a:endParaRPr lang="zh-CN" altLang="en-US"/>
@@ -24225,28 +24159,24 @@
               <a:rPr lang="zh-CN" altLang="en-US"/>
               <a:t>int main() {</a:t>
             </a:r>
-            <a:endParaRPr lang="zh-CN" altLang="en-US"/>
           </a:p>
           <a:p>
             <a:r>
               <a:rPr lang="zh-CN" altLang="en-US"/>
               <a:t>    int arr[10];</a:t>
             </a:r>
-            <a:endParaRPr lang="zh-CN" altLang="en-US"/>
           </a:p>
           <a:p>
             <a:r>
               <a:rPr lang="zh-CN" altLang="en-US"/>
               <a:t>    arr[0] = 0;</a:t>
             </a:r>
-            <a:endParaRPr lang="zh-CN" altLang="en-US"/>
           </a:p>
           <a:p>
             <a:r>
               <a:rPr lang="zh-CN" altLang="en-US"/>
               <a:t>    arr[1] = 1;</a:t>
             </a:r>
-            <a:endParaRPr lang="zh-CN" altLang="en-US"/>
           </a:p>
           <a:p>
             <a:endParaRPr lang="zh-CN" altLang="en-US"/>
@@ -24256,14 +24186,12 @@
               <a:rPr lang="zh-CN" altLang="en-US"/>
               <a:t>    // print the first element in arr</a:t>
             </a:r>
-            <a:endParaRPr lang="zh-CN" altLang="en-US"/>
           </a:p>
           <a:p>
             <a:r>
               <a:rPr lang="zh-CN" altLang="en-US"/>
               <a:t>    cout&lt;&lt;arr[0]&lt;&lt;endl;</a:t>
             </a:r>
-            <a:endParaRPr lang="zh-CN" altLang="en-US"/>
           </a:p>
           <a:p>
             <a:endParaRPr lang="zh-CN" altLang="en-US"/>
@@ -24273,14 +24201,12 @@
               <a:rPr lang="zh-CN" altLang="en-US"/>
               <a:t>    // this is wrong:</a:t>
             </a:r>
-            <a:endParaRPr lang="zh-CN" altLang="en-US"/>
           </a:p>
           <a:p>
             <a:r>
               <a:rPr lang="zh-CN" altLang="en-US"/>
               <a:t>    // cout&lt;&lt;arr[10]&lt;&lt;endl;</a:t>
             </a:r>
-            <a:endParaRPr lang="zh-CN" altLang="en-US"/>
           </a:p>
           <a:p>
             <a:endParaRPr lang="zh-CN" altLang="en-US"/>
@@ -24290,14 +24216,12 @@
               <a:rPr lang="zh-CN" altLang="en-US"/>
               <a:t>return 0;</a:t>
             </a:r>
-            <a:endParaRPr lang="zh-CN" altLang="en-US"/>
           </a:p>
           <a:p>
             <a:r>
               <a:rPr lang="zh-CN" altLang="en-US"/>
               <a:t>}</a:t>
             </a:r>
-            <a:endParaRPr lang="zh-CN" altLang="en-US"/>
           </a:p>
         </p:txBody>
       </p:sp>
@@ -24310,7 +24234,7 @@
           <p:nvPr/>
         </p:nvPicPr>
         <p:blipFill>
-          <a:blip r:embed="rId1"/>
+          <a:blip r:embed="rId2"/>
           <a:stretch>
             <a:fillRect/>
           </a:stretch>
@@ -24378,13 +24302,6 @@
               </a:rPr>
               <a:t>C-style string and string</a:t>
             </a:r>
-            <a:endParaRPr lang="en-US" altLang="zh-CN" b="1" i="0" dirty="0">
-              <a:solidFill>
-                <a:srgbClr val="24292F"/>
-              </a:solidFill>
-              <a:effectLst/>
-              <a:latin typeface="-apple-system"/>
-            </a:endParaRPr>
           </a:p>
         </p:txBody>
       </p:sp>
@@ -24441,9 +24358,6 @@
               </a:rPr>
               <a:t> is a class of C++, it can be used as a type.</a:t>
             </a:r>
-            <a:endParaRPr lang="en-US" altLang="zh-CN" dirty="0">
-              <a:sym typeface="+mn-ea"/>
-            </a:endParaRPr>
           </a:p>
           <a:p>
             <a:pPr marL="0" indent="0">
@@ -24470,7 +24384,14 @@
         <p:cNvGrpSpPr/>
         <p:nvPr/>
       </p:nvGrpSpPr>
-      <p:grpSpPr/>
+      <p:grpSpPr>
+        <a:xfrm>
+          <a:off x="0" y="0"/>
+          <a:ext cx="0" cy="0"/>
+          <a:chOff x="0" y="0"/>
+          <a:chExt cx="0" cy="0"/>
+        </a:xfrm>
+      </p:grpSpPr>
       <p:sp>
         <p:nvSpPr>
           <p:cNvPr id="5" name="矩形 4"/>
@@ -24510,6 +24431,7 @@
         </p:style>
         <p:txBody>
           <a:bodyPr rtlCol="0" anchor="ctr"/>
+          <a:lstStyle/>
           <a:p>
             <a:pPr algn="ctr"/>
             <a:endParaRPr lang="zh-CN" altLang="en-US"/>
@@ -24529,8 +24451,9 @@
         <p:spPr/>
         <p:txBody>
           <a:bodyPr>
-            <a:normAutofit fontScale="90000"/>
+            <a:normAutofit/>
           </a:bodyPr>
+          <a:lstStyle/>
           <a:p>
             <a:r>
               <a:rPr lang="en-US" altLang="zh-CN" b="1" dirty="0">
@@ -24567,13 +24490,13 @@
           <a:bodyPr wrap="square" rtlCol="0">
             <a:spAutoFit/>
           </a:bodyPr>
+          <a:lstStyle/>
           <a:p>
             <a:pPr algn="l"/>
             <a:r>
               <a:rPr lang="zh-CN" altLang="en-US"/>
               <a:t>#include &lt;iostream&gt;</a:t>
             </a:r>
-            <a:endParaRPr lang="zh-CN" altLang="en-US"/>
           </a:p>
           <a:p>
             <a:pPr algn="l"/>
@@ -24581,7 +24504,6 @@
               <a:rPr lang="zh-CN" altLang="en-US"/>
               <a:t>#include &lt;string&gt;</a:t>
             </a:r>
-            <a:endParaRPr lang="zh-CN" altLang="en-US"/>
           </a:p>
           <a:p>
             <a:pPr algn="l"/>
@@ -24593,7 +24515,6 @@
               <a:rPr lang="en-US" altLang="zh-CN"/>
               <a:t>namespace std;</a:t>
             </a:r>
-            <a:endParaRPr lang="en-US" altLang="zh-CN"/>
           </a:p>
           <a:p>
             <a:pPr algn="l"/>
@@ -24605,7 +24526,6 @@
               <a:rPr lang="zh-CN" altLang="en-US"/>
               <a:t>int main() {</a:t>
             </a:r>
-            <a:endParaRPr lang="zh-CN" altLang="en-US"/>
           </a:p>
           <a:p>
             <a:pPr algn="l"/>
@@ -24613,7 +24533,6 @@
               <a:rPr lang="zh-CN" altLang="en-US"/>
               <a:t>    // This is c-string</a:t>
             </a:r>
-            <a:endParaRPr lang="zh-CN" altLang="en-US"/>
           </a:p>
           <a:p>
             <a:pPr algn="l"/>
@@ -24621,7 +24540,6 @@
               <a:rPr lang="zh-CN" altLang="en-US"/>
               <a:t>    char str1[100];</a:t>
             </a:r>
-            <a:endParaRPr lang="zh-CN" altLang="en-US"/>
           </a:p>
           <a:p>
             <a:pPr algn="l"/>
@@ -24633,7 +24551,6 @@
               <a:rPr lang="zh-CN" altLang="en-US"/>
               <a:t>    cin&gt;&gt;str1;</a:t>
             </a:r>
-            <a:endParaRPr lang="zh-CN" altLang="en-US"/>
           </a:p>
           <a:p>
             <a:pPr algn="l"/>
@@ -24641,7 +24558,6 @@
               <a:rPr lang="zh-CN" altLang="en-US"/>
               <a:t>    cout&lt;&lt;str1&lt;&lt;endl;</a:t>
             </a:r>
-            <a:endParaRPr lang="zh-CN" altLang="en-US"/>
           </a:p>
           <a:p>
             <a:pPr algn="l"/>
@@ -24653,7 +24569,6 @@
               <a:rPr lang="zh-CN" altLang="en-US"/>
               <a:t>    // This is string</a:t>
             </a:r>
-            <a:endParaRPr lang="zh-CN" altLang="en-US"/>
           </a:p>
           <a:p>
             <a:pPr algn="l"/>
@@ -24661,7 +24576,6 @@
               <a:rPr lang="zh-CN" altLang="en-US"/>
               <a:t>    string str2;</a:t>
             </a:r>
-            <a:endParaRPr lang="zh-CN" altLang="en-US"/>
           </a:p>
           <a:p>
             <a:pPr algn="l"/>
@@ -24673,7 +24587,6 @@
               <a:rPr lang="zh-CN" altLang="en-US"/>
               <a:t>    cin&gt;&gt;str2;</a:t>
             </a:r>
-            <a:endParaRPr lang="zh-CN" altLang="en-US"/>
           </a:p>
           <a:p>
             <a:pPr algn="l"/>
@@ -24681,7 +24594,6 @@
               <a:rPr lang="zh-CN" altLang="en-US"/>
               <a:t>    cout&lt;&lt;str2&lt;&lt;endl;</a:t>
             </a:r>
-            <a:endParaRPr lang="zh-CN" altLang="en-US"/>
           </a:p>
           <a:p>
             <a:pPr algn="l"/>
@@ -24693,7 +24605,6 @@
               <a:rPr lang="zh-CN" altLang="en-US"/>
               <a:t>return 0;</a:t>
             </a:r>
-            <a:endParaRPr lang="zh-CN" altLang="en-US"/>
           </a:p>
           <a:p>
             <a:pPr algn="l"/>
@@ -24701,7 +24612,6 @@
               <a:rPr lang="zh-CN" altLang="en-US"/>
               <a:t>}</a:t>
             </a:r>
-            <a:endParaRPr lang="zh-CN" altLang="en-US"/>
           </a:p>
         </p:txBody>
       </p:sp>
@@ -24718,7 +24628,7 @@
           </p:nvPr>
         </p:nvPicPr>
         <p:blipFill>
-          <a:blip r:embed="rId2"/>
+          <a:blip r:embed="rId3"/>
           <a:stretch>
             <a:fillRect/>
           </a:stretch>
@@ -24795,13 +24705,6 @@
               </a:rPr>
               <a:t>tructure</a:t>
             </a:r>
-            <a:endParaRPr lang="en-US" altLang="zh-CN" b="1" i="0" dirty="0">
-              <a:solidFill>
-                <a:srgbClr val="24292F"/>
-              </a:solidFill>
-              <a:effectLst/>
-              <a:latin typeface="-apple-system"/>
-            </a:endParaRPr>
           </a:p>
         </p:txBody>
       </p:sp>
@@ -24852,7 +24755,6 @@
               <a:rPr lang="en-US" altLang="zh-CN" dirty="0"/>
               <a:t>A structure is a user-definable type, first declare a structure and then define a variable of the structure.</a:t>
             </a:r>
-            <a:endParaRPr lang="en-US" altLang="zh-CN" dirty="0"/>
           </a:p>
           <a:p>
             <a:pPr marL="285750" indent="-285750">
@@ -24871,7 +24773,6 @@
               <a:rPr lang="en-US" altLang="zh-CN" dirty="0"/>
               <a:t>to access the member of a structure.</a:t>
             </a:r>
-            <a:endParaRPr lang="en-US" altLang="zh-CN" dirty="0"/>
           </a:p>
           <a:p>
             <a:pPr marL="285750" indent="-285750">
@@ -24882,7 +24783,6 @@
               <a:rPr lang="en-US" altLang="zh-CN" dirty="0"/>
               <a:t>If the structure variables are from the same structure, assignment operation of them can be done by equal sign(=).</a:t>
             </a:r>
-            <a:endParaRPr lang="en-US" altLang="zh-CN" dirty="0"/>
           </a:p>
           <a:p>
             <a:pPr marL="285750" indent="-285750">
@@ -24914,7 +24814,14 @@
         <p:cNvGrpSpPr/>
         <p:nvPr/>
       </p:nvGrpSpPr>
-      <p:grpSpPr/>
+      <p:grpSpPr>
+        <a:xfrm>
+          <a:off x="0" y="0"/>
+          <a:ext cx="0" cy="0"/>
+          <a:chOff x="0" y="0"/>
+          <a:chExt cx="0" cy="0"/>
+        </a:xfrm>
+      </p:grpSpPr>
       <p:sp>
         <p:nvSpPr>
           <p:cNvPr id="5" name="矩形 4"/>
@@ -24954,6 +24861,7 @@
         </p:style>
         <p:txBody>
           <a:bodyPr rtlCol="0" anchor="ctr"/>
+          <a:lstStyle/>
           <a:p>
             <a:pPr algn="ctr"/>
             <a:endParaRPr lang="zh-CN" altLang="en-US"/>
@@ -24973,8 +24881,9 @@
         <p:spPr/>
         <p:txBody>
           <a:bodyPr>
-            <a:normAutofit fontScale="90000"/>
+            <a:normAutofit/>
           </a:bodyPr>
+          <a:lstStyle/>
           <a:p>
             <a:r>
               <a:rPr lang="en-US" altLang="zh-CN" b="1" dirty="0">
@@ -25021,13 +24930,13 @@
           <a:bodyPr wrap="none" rtlCol="0">
             <a:spAutoFit/>
           </a:bodyPr>
+          <a:lstStyle/>
           <a:p>
             <a:pPr algn="l"/>
             <a:r>
               <a:rPr lang="zh-CN" altLang="en-US"/>
               <a:t>#include &lt;iostream&gt;</a:t>
             </a:r>
-            <a:endParaRPr lang="zh-CN" altLang="en-US"/>
           </a:p>
           <a:p>
             <a:pPr algn="l"/>
@@ -25035,7 +24944,6 @@
               <a:rPr lang="zh-CN" altLang="en-US"/>
               <a:t>using namespace std;</a:t>
             </a:r>
-            <a:endParaRPr lang="zh-CN" altLang="en-US"/>
           </a:p>
           <a:p>
             <a:pPr algn="l"/>
@@ -25047,7 +24955,6 @@
               <a:rPr lang="zh-CN" altLang="en-US"/>
               <a:t>struct Rectangle {</a:t>
             </a:r>
-            <a:endParaRPr lang="zh-CN" altLang="en-US"/>
           </a:p>
           <a:p>
             <a:pPr algn="l"/>
@@ -25055,7 +24962,6 @@
               <a:rPr lang="zh-CN" altLang="en-US"/>
               <a:t>    int width;</a:t>
             </a:r>
-            <a:endParaRPr lang="zh-CN" altLang="en-US"/>
           </a:p>
           <a:p>
             <a:pPr algn="l"/>
@@ -25063,7 +24969,6 @@
               <a:rPr lang="zh-CN" altLang="en-US"/>
               <a:t>    int height;</a:t>
             </a:r>
-            <a:endParaRPr lang="zh-CN" altLang="en-US"/>
           </a:p>
           <a:p>
             <a:pPr algn="l"/>
@@ -25071,7 +24976,6 @@
               <a:rPr lang="zh-CN" altLang="en-US"/>
               <a:t>};</a:t>
             </a:r>
-            <a:endParaRPr lang="zh-CN" altLang="en-US"/>
           </a:p>
           <a:p>
             <a:pPr algn="l"/>
@@ -25083,7 +24987,6 @@
               <a:rPr lang="zh-CN" altLang="en-US"/>
               <a:t>int main() {</a:t>
             </a:r>
-            <a:endParaRPr lang="zh-CN" altLang="en-US"/>
           </a:p>
           <a:p>
             <a:pPr algn="l"/>
@@ -25091,7 +24994,6 @@
               <a:rPr lang="zh-CN" altLang="en-US"/>
               <a:t>    Rectangle rec;</a:t>
             </a:r>
-            <a:endParaRPr lang="zh-CN" altLang="en-US"/>
           </a:p>
           <a:p>
             <a:pPr algn="l"/>
@@ -25103,7 +25005,6 @@
               <a:rPr lang="zh-CN" altLang="en-US"/>
               <a:t>    rec.width = 1;</a:t>
             </a:r>
-            <a:endParaRPr lang="zh-CN" altLang="en-US"/>
           </a:p>
           <a:p>
             <a:pPr algn="l"/>
@@ -25111,7 +25012,6 @@
               <a:rPr lang="zh-CN" altLang="en-US"/>
               <a:t>    rec.height = 2;</a:t>
             </a:r>
-            <a:endParaRPr lang="zh-CN" altLang="en-US"/>
           </a:p>
           <a:p>
             <a:pPr algn="l"/>
@@ -25123,7 +25023,6 @@
               <a:rPr lang="zh-CN" altLang="en-US"/>
               <a:t>    cout&lt;&lt;rec.width&lt;&lt;" "&lt;&lt;rec.height&lt;&lt;endl;</a:t>
             </a:r>
-            <a:endParaRPr lang="zh-CN" altLang="en-US"/>
           </a:p>
           <a:p>
             <a:pPr algn="l"/>
@@ -25135,7 +25034,6 @@
               <a:rPr lang="zh-CN" altLang="en-US"/>
               <a:t>return 0;</a:t>
             </a:r>
-            <a:endParaRPr lang="zh-CN" altLang="en-US"/>
           </a:p>
           <a:p>
             <a:pPr algn="l"/>
@@ -25143,7 +25041,6 @@
               <a:rPr lang="zh-CN" altLang="en-US"/>
               <a:t>}</a:t>
             </a:r>
-            <a:endParaRPr lang="zh-CN" altLang="en-US"/>
           </a:p>
         </p:txBody>
       </p:sp>
@@ -25156,7 +25053,7 @@
           <p:nvPr/>
         </p:nvPicPr>
         <p:blipFill>
-          <a:blip r:embed="rId1"/>
+          <a:blip r:embed="rId2"/>
           <a:stretch>
             <a:fillRect/>
           </a:stretch>
@@ -25188,7 +25085,14 @@
         <p:cNvGrpSpPr/>
         <p:nvPr/>
       </p:nvGrpSpPr>
-      <p:grpSpPr/>
+      <p:grpSpPr>
+        <a:xfrm>
+          <a:off x="0" y="0"/>
+          <a:ext cx="0" cy="0"/>
+          <a:chOff x="0" y="0"/>
+          <a:chExt cx="0" cy="0"/>
+        </a:xfrm>
+      </p:grpSpPr>
       <p:sp>
         <p:nvSpPr>
           <p:cNvPr id="2" name="标题 1"/>
@@ -25202,8 +25106,9 @@
         <p:spPr/>
         <p:txBody>
           <a:bodyPr>
-            <a:normAutofit fontScale="90000"/>
+            <a:normAutofit/>
           </a:bodyPr>
+          <a:lstStyle/>
           <a:p>
             <a:r>
               <a:rPr lang="en-US" altLang="zh-CN" b="1" dirty="0">
@@ -25233,12 +25138,12 @@
         <p:spPr/>
         <p:txBody>
           <a:bodyPr/>
+          <a:lstStyle/>
           <a:p>
             <a:r>
               <a:rPr lang="en-US" altLang="zh-CN"/>
               <a:t>If you want to model seven days in a week, you can define a enumeration.</a:t>
             </a:r>
-            <a:endParaRPr lang="en-US" altLang="zh-CN"/>
           </a:p>
         </p:txBody>
       </p:sp>
@@ -25281,6 +25186,7 @@
         </p:style>
         <p:txBody>
           <a:bodyPr rtlCol="0" anchor="ctr"/>
+          <a:lstStyle/>
           <a:p>
             <a:pPr algn="ctr"/>
             <a:endParaRPr lang="zh-CN" altLang="en-US"/>
@@ -25307,13 +25213,13 @@
           <a:bodyPr wrap="none" rtlCol="0">
             <a:spAutoFit/>
           </a:bodyPr>
+          <a:lstStyle/>
           <a:p>
             <a:pPr algn="l"/>
             <a:r>
               <a:rPr lang="zh-CN" altLang="en-US"/>
               <a:t>#include &lt;iostream&gt;</a:t>
             </a:r>
-            <a:endParaRPr lang="zh-CN" altLang="en-US"/>
           </a:p>
           <a:p>
             <a:pPr algn="l"/>
@@ -25321,7 +25227,6 @@
               <a:rPr lang="zh-CN" altLang="en-US"/>
               <a:t>using namespace std;</a:t>
             </a:r>
-            <a:endParaRPr lang="zh-CN" altLang="en-US"/>
           </a:p>
           <a:p>
             <a:pPr algn="l"/>
@@ -25333,7 +25238,6 @@
               <a:rPr lang="zh-CN" altLang="en-US"/>
               <a:t>enum Days { SUNDAY, MONDAY, TUESDAY, WEDNESDAY, THURSDAY, FRIDAY, SATURDAY };</a:t>
             </a:r>
-            <a:endParaRPr lang="zh-CN" altLang="en-US"/>
           </a:p>
           <a:p>
             <a:pPr algn="l"/>
@@ -25345,7 +25249,6 @@
               <a:rPr lang="zh-CN" altLang="en-US"/>
               <a:t>int main() {</a:t>
             </a:r>
-            <a:endParaRPr lang="zh-CN" altLang="en-US"/>
           </a:p>
           <a:p>
             <a:pPr algn="l"/>
@@ -25357,7 +25260,6 @@
               <a:rPr lang="zh-CN" altLang="en-US"/>
               <a:t>    Days today = MONDAY;</a:t>
             </a:r>
-            <a:endParaRPr lang="zh-CN" altLang="en-US"/>
           </a:p>
           <a:p>
             <a:pPr algn="l"/>
@@ -25365,7 +25267,6 @@
               <a:rPr lang="zh-CN" altLang="en-US"/>
               <a:t>    Days tomorrow = TUESDAY;</a:t>
             </a:r>
-            <a:endParaRPr lang="zh-CN" altLang="en-US"/>
           </a:p>
           <a:p>
             <a:pPr algn="l"/>
@@ -25377,7 +25278,6 @@
               <a:rPr lang="zh-CN" altLang="en-US"/>
               <a:t>    cout&lt;&lt;"Today is: "&lt;&lt;today&lt;&lt;endl;</a:t>
             </a:r>
-            <a:endParaRPr lang="zh-CN" altLang="en-US"/>
           </a:p>
           <a:p>
             <a:pPr algn="l"/>
@@ -25389,7 +25289,6 @@
               <a:rPr lang="zh-CN" altLang="en-US"/>
               <a:t>return 0;</a:t>
             </a:r>
-            <a:endParaRPr lang="zh-CN" altLang="en-US"/>
           </a:p>
           <a:p>
             <a:pPr algn="l"/>
@@ -25397,7 +25296,6 @@
               <a:rPr lang="zh-CN" altLang="en-US"/>
               <a:t>}</a:t>
             </a:r>
-            <a:endParaRPr lang="zh-CN" altLang="en-US"/>
           </a:p>
         </p:txBody>
       </p:sp>
@@ -25410,7 +25308,7 @@
           <p:nvPr/>
         </p:nvPicPr>
         <p:blipFill>
-          <a:blip r:embed="rId1"/>
+          <a:blip r:embed="rId2"/>
           <a:stretch>
             <a:fillRect/>
           </a:stretch>
@@ -25434,7 +25332,7 @@
 </file>
 
 <file path=ppt/tags/tag1.xml><?xml version="1.0" encoding="utf-8"?>
-<p:tagLst xmlns:p="http://schemas.openxmlformats.org/presentationml/2006/main">
+<p:tagLst xmlns:a="http://schemas.openxmlformats.org/drawingml/2006/main" xmlns:r="http://schemas.openxmlformats.org/officeDocument/2006/relationships" xmlns:p="http://schemas.openxmlformats.org/presentationml/2006/main">
   <p:tag name="KSO_WM_UNIT_PLACING_PICTURE_USER_VIEWPORT" val="{&quot;height&quot;:2055,&quot;width&quot;:7020}"/>
 </p:tagLst>
 </file>
@@ -25690,6 +25588,8 @@
       </a:bgFillStyleLst>
     </a:fmtScheme>
   </a:themeElements>
+  <a:objectDefaults/>
+  <a:extraClrSchemeLst/>
   <a:extLst>
     <a:ext uri="{05A4C25C-085E-4340-85A3-A5531E510DB2}">
       <thm15:themeFamily xmlns:thm15="http://schemas.microsoft.com/office/thememl/2012/main" name="Office Theme" id="{62F939B6-93AF-4DB8-9C6B-D6C7DFDC589F}" vid="{4A3C46E8-61CC-4603-A589-7422A47A8E4A}"/>
@@ -25949,6 +25849,8 @@
       </a:bgFillStyleLst>
     </a:fmtScheme>
   </a:themeElements>
+  <a:objectDefaults/>
+  <a:extraClrSchemeLst/>
   <a:extLst>
     <a:ext uri="{05A4C25C-085E-4340-85A3-A5531E510DB2}">
       <thm15:themeFamily xmlns:thm15="http://schemas.microsoft.com/office/thememl/2012/main" name="Office Theme" id="{62F939B6-93AF-4DB8-9C6B-D6C7DFDC589F}" vid="{4A3C46E8-61CC-4603-A589-7422A47A8E4A}"/>
@@ -26208,6 +26110,8 @@
       </a:bgFillStyleLst>
     </a:fmtScheme>
   </a:themeElements>
+  <a:objectDefaults/>
+  <a:extraClrSchemeLst/>
   <a:extLst>
     <a:ext uri="{05A4C25C-085E-4340-85A3-A5531E510DB2}">
       <thm15:themeFamily xmlns:thm15="http://schemas.microsoft.com/office/thememl/2012/main" name="Office Theme" id="{62F939B6-93AF-4DB8-9C6B-D6C7DFDC589F}" vid="{4A3C46E8-61CC-4603-A589-7422A47A8E4A}"/>

--- a/week04/Lab04.pptx
+++ b/week04/Lab04.pptx
@@ -229,7 +229,7 @@
           <a:p>
             <a:fld id="{D1237EF7-A117-46B7-88A8-1B7FB98FF0F2}" type="datetimeFigureOut">
               <a:rPr lang="zh-CN" altLang="en-US" smtClean="0"/>
-              <a:t>2022/9/27</a:t>
+              <a:t>2022/9/29</a:t>
             </a:fld>
             <a:endParaRPr lang="zh-CN" altLang="en-US"/>
           </a:p>
@@ -2020,7 +2020,7 @@
           <a:p>
             <a:fld id="{FC19A4FA-3D9A-4114-B0D5-759CBD56F1AB}" type="datetimeFigureOut">
               <a:rPr lang="zh-CN" altLang="en-US" smtClean="0"/>
-              <a:t>2022/9/27</a:t>
+              <a:t>2022/9/29</a:t>
             </a:fld>
             <a:endParaRPr lang="zh-CN" altLang="en-US"/>
           </a:p>
@@ -2214,7 +2214,7 @@
           <a:p>
             <a:fld id="{FC19A4FA-3D9A-4114-B0D5-759CBD56F1AB}" type="datetimeFigureOut">
               <a:rPr lang="zh-CN" altLang="en-US" smtClean="0"/>
-              <a:t>2022/9/27</a:t>
+              <a:t>2022/9/29</a:t>
             </a:fld>
             <a:endParaRPr lang="zh-CN" altLang="en-US"/>
           </a:p>
@@ -2387,7 +2387,7 @@
           <a:p>
             <a:fld id="{FC19A4FA-3D9A-4114-B0D5-759CBD56F1AB}" type="datetimeFigureOut">
               <a:rPr lang="zh-CN" altLang="en-US" smtClean="0"/>
-              <a:t>2022/9/27</a:t>
+              <a:t>2022/9/29</a:t>
             </a:fld>
             <a:endParaRPr lang="zh-CN" altLang="en-US"/>
           </a:p>
@@ -2572,7 +2572,7 @@
           <a:p>
             <a:fld id="{FC19A4FA-3D9A-4114-B0D5-759CBD56F1AB}" type="datetimeFigureOut">
               <a:rPr lang="zh-CN" altLang="en-US" smtClean="0"/>
-              <a:t>2022/9/27</a:t>
+              <a:t>2022/9/29</a:t>
             </a:fld>
             <a:endParaRPr lang="zh-CN" altLang="en-US"/>
           </a:p>
@@ -2787,7 +2787,7 @@
           <a:p>
             <a:fld id="{FC19A4FA-3D9A-4114-B0D5-759CBD56F1AB}" type="datetimeFigureOut">
               <a:rPr lang="zh-CN" altLang="en-US" smtClean="0"/>
-              <a:t>2022/9/27</a:t>
+              <a:t>2022/9/29</a:t>
             </a:fld>
             <a:endParaRPr lang="zh-CN" altLang="en-US"/>
           </a:p>
@@ -3044,7 +3044,7 @@
           <a:p>
             <a:fld id="{FC19A4FA-3D9A-4114-B0D5-759CBD56F1AB}" type="datetimeFigureOut">
               <a:rPr lang="zh-CN" altLang="en-US" smtClean="0"/>
-              <a:t>2022/9/27</a:t>
+              <a:t>2022/9/29</a:t>
             </a:fld>
             <a:endParaRPr lang="zh-CN" altLang="en-US"/>
           </a:p>
@@ -3431,7 +3431,7 @@
           <a:p>
             <a:fld id="{FC19A4FA-3D9A-4114-B0D5-759CBD56F1AB}" type="datetimeFigureOut">
               <a:rPr lang="zh-CN" altLang="en-US" smtClean="0"/>
-              <a:t>2022/9/27</a:t>
+              <a:t>2022/9/29</a:t>
             </a:fld>
             <a:endParaRPr lang="zh-CN" altLang="en-US"/>
           </a:p>
@@ -3699,7 +3699,7 @@
           <a:p>
             <a:fld id="{FC19A4FA-3D9A-4114-B0D5-759CBD56F1AB}" type="datetimeFigureOut">
               <a:rPr lang="zh-CN" altLang="en-US" smtClean="0"/>
-              <a:t>2022/9/27</a:t>
+              <a:t>2022/9/29</a:t>
             </a:fld>
             <a:endParaRPr lang="zh-CN" altLang="en-US"/>
           </a:p>
@@ -3839,7 +3839,7 @@
           <a:p>
             <a:fld id="{FC19A4FA-3D9A-4114-B0D5-759CBD56F1AB}" type="datetimeFigureOut">
               <a:rPr lang="zh-CN" altLang="en-US" smtClean="0"/>
-              <a:t>2022/9/27</a:t>
+              <a:t>2022/9/29</a:t>
             </a:fld>
             <a:endParaRPr lang="zh-CN" altLang="en-US"/>
           </a:p>
@@ -3929,7 +3929,7 @@
           <a:p>
             <a:fld id="{FC19A4FA-3D9A-4114-B0D5-759CBD56F1AB}" type="datetimeFigureOut">
               <a:rPr lang="zh-CN" altLang="en-US" smtClean="0"/>
-              <a:t>2022/9/27</a:t>
+              <a:t>2022/9/29</a:t>
             </a:fld>
             <a:endParaRPr lang="zh-CN" altLang="en-US"/>
           </a:p>
@@ -4199,7 +4199,7 @@
           <a:p>
             <a:fld id="{FC19A4FA-3D9A-4114-B0D5-759CBD56F1AB}" type="datetimeFigureOut">
               <a:rPr lang="zh-CN" altLang="en-US" smtClean="0"/>
-              <a:t>2022/9/27</a:t>
+              <a:t>2022/9/29</a:t>
             </a:fld>
             <a:endParaRPr lang="zh-CN" altLang="en-US"/>
           </a:p>
@@ -4383,7 +4383,7 @@
           <a:p>
             <a:fld id="{FC19A4FA-3D9A-4114-B0D5-759CBD56F1AB}" type="datetimeFigureOut">
               <a:rPr lang="zh-CN" altLang="en-US" smtClean="0"/>
-              <a:t>2022/9/27</a:t>
+              <a:t>2022/9/29</a:t>
             </a:fld>
             <a:endParaRPr lang="zh-CN" altLang="en-US"/>
           </a:p>
@@ -4658,7 +4658,7 @@
           <a:p>
             <a:fld id="{FC19A4FA-3D9A-4114-B0D5-759CBD56F1AB}" type="datetimeFigureOut">
               <a:rPr lang="zh-CN" altLang="en-US" smtClean="0"/>
-              <a:t>2022/9/27</a:t>
+              <a:t>2022/9/29</a:t>
             </a:fld>
             <a:endParaRPr lang="zh-CN" altLang="en-US"/>
           </a:p>
@@ -4821,7 +4821,7 @@
           <a:p>
             <a:fld id="{FC19A4FA-3D9A-4114-B0D5-759CBD56F1AB}" type="datetimeFigureOut">
               <a:rPr lang="zh-CN" altLang="en-US" smtClean="0"/>
-              <a:t>2022/9/27</a:t>
+              <a:t>2022/9/29</a:t>
             </a:fld>
             <a:endParaRPr lang="zh-CN" altLang="en-US"/>
           </a:p>
@@ -4994,7 +4994,7 @@
           <a:p>
             <a:fld id="{FC19A4FA-3D9A-4114-B0D5-759CBD56F1AB}" type="datetimeFigureOut">
               <a:rPr lang="zh-CN" altLang="en-US" smtClean="0"/>
-              <a:t>2022/9/27</a:t>
+              <a:t>2022/9/29</a:t>
             </a:fld>
             <a:endParaRPr lang="zh-CN" altLang="en-US"/>
           </a:p>
@@ -5223,7 +5223,7 @@
           <a:p>
             <a:fld id="{FC19A4FA-3D9A-4114-B0D5-759CBD56F1AB}" type="datetimeFigureOut">
               <a:rPr lang="zh-CN" altLang="en-US" smtClean="0"/>
-              <a:t>2022/9/27</a:t>
+              <a:t>2022/9/29</a:t>
             </a:fld>
             <a:endParaRPr lang="zh-CN" altLang="en-US"/>
           </a:p>
@@ -5610,7 +5610,7 @@
           <a:p>
             <a:fld id="{FC19A4FA-3D9A-4114-B0D5-759CBD56F1AB}" type="datetimeFigureOut">
               <a:rPr lang="zh-CN" altLang="en-US" smtClean="0"/>
-              <a:t>2022/9/27</a:t>
+              <a:t>2022/9/29</a:t>
             </a:fld>
             <a:endParaRPr lang="zh-CN" altLang="en-US"/>
           </a:p>
@@ -5878,7 +5878,7 @@
           <a:p>
             <a:fld id="{FC19A4FA-3D9A-4114-B0D5-759CBD56F1AB}" type="datetimeFigureOut">
               <a:rPr lang="zh-CN" altLang="en-US" smtClean="0"/>
-              <a:t>2022/9/27</a:t>
+              <a:t>2022/9/29</a:t>
             </a:fld>
             <a:endParaRPr lang="zh-CN" altLang="en-US"/>
           </a:p>
@@ -6018,7 +6018,7 @@
           <a:p>
             <a:fld id="{FC19A4FA-3D9A-4114-B0D5-759CBD56F1AB}" type="datetimeFigureOut">
               <a:rPr lang="zh-CN" altLang="en-US" smtClean="0"/>
-              <a:t>2022/9/27</a:t>
+              <a:t>2022/9/29</a:t>
             </a:fld>
             <a:endParaRPr lang="zh-CN" altLang="en-US"/>
           </a:p>
@@ -6108,7 +6108,7 @@
           <a:p>
             <a:fld id="{FC19A4FA-3D9A-4114-B0D5-759CBD56F1AB}" type="datetimeFigureOut">
               <a:rPr lang="zh-CN" altLang="en-US" smtClean="0"/>
-              <a:t>2022/9/27</a:t>
+              <a:t>2022/9/29</a:t>
             </a:fld>
             <a:endParaRPr lang="zh-CN" altLang="en-US"/>
           </a:p>
@@ -6378,7 +6378,7 @@
           <a:p>
             <a:fld id="{FC19A4FA-3D9A-4114-B0D5-759CBD56F1AB}" type="datetimeFigureOut">
               <a:rPr lang="zh-CN" altLang="en-US" smtClean="0"/>
-              <a:t>2022/9/27</a:t>
+              <a:t>2022/9/29</a:t>
             </a:fld>
             <a:endParaRPr lang="zh-CN" altLang="en-US"/>
           </a:p>
@@ -6625,7 +6625,7 @@
           <a:p>
             <a:fld id="{FC19A4FA-3D9A-4114-B0D5-759CBD56F1AB}" type="datetimeFigureOut">
               <a:rPr lang="zh-CN" altLang="en-US" smtClean="0"/>
-              <a:t>2022/9/27</a:t>
+              <a:t>2022/9/29</a:t>
             </a:fld>
             <a:endParaRPr lang="zh-CN" altLang="en-US"/>
           </a:p>
@@ -6831,7 +6831,7 @@
           <a:p>
             <a:fld id="{FC19A4FA-3D9A-4114-B0D5-759CBD56F1AB}" type="datetimeFigureOut">
               <a:rPr lang="zh-CN" altLang="en-US" smtClean="0"/>
-              <a:t>2022/9/27</a:t>
+              <a:t>2022/9/29</a:t>
             </a:fld>
             <a:endParaRPr lang="zh-CN" altLang="en-US"/>
           </a:p>
@@ -7405,7 +7405,7 @@
           <a:p>
             <a:fld id="{FC19A4FA-3D9A-4114-B0D5-759CBD56F1AB}" type="datetimeFigureOut">
               <a:rPr lang="zh-CN" altLang="en-US" smtClean="0"/>
-              <a:t>2022/9/27</a:t>
+              <a:t>2022/9/29</a:t>
             </a:fld>
             <a:endParaRPr lang="zh-CN" altLang="en-US"/>
           </a:p>
@@ -8026,7 +8026,7 @@
           <a:graphicData uri="http://schemas.openxmlformats.org/presentationml/2006/ole">
             <mc:AlternateContent xmlns:mc="http://schemas.openxmlformats.org/markup-compatibility/2006">
               <mc:Choice xmlns:v="urn:schemas-microsoft-com:vml" Requires="v">
-                <p:oleObj spid="_x0000_s1055" name="Image" r:id="rId4" imgW="7991475" imgH="2619375" progId="Photoshop.Image.13">
+                <p:oleObj spid="_x0000_s1059" name="Image" r:id="rId4" imgW="7991475" imgH="2619375" progId="Photoshop.Image.13">
                   <p:embed/>
                 </p:oleObj>
               </mc:Choice>
@@ -8436,7 +8436,7 @@
           <a:graphicData uri="http://schemas.openxmlformats.org/presentationml/2006/ole">
             <mc:AlternateContent xmlns:mc="http://schemas.openxmlformats.org/markup-compatibility/2006">
               <mc:Choice xmlns:v="urn:schemas-microsoft-com:vml" Requires="v">
-                <p:oleObj spid="_x0000_s1056" name="Image" r:id="rId6" imgW="4314825" imgH="3067050" progId="Photoshop.Image.13">
+                <p:oleObj spid="_x0000_s1060" name="Image" r:id="rId6" imgW="4314825" imgH="3067050" progId="Photoshop.Image.13">
                   <p:embed/>
                 </p:oleObj>
               </mc:Choice>
@@ -9050,7 +9050,7 @@
           <a:graphicData uri="http://schemas.openxmlformats.org/presentationml/2006/ole">
             <mc:AlternateContent xmlns:mc="http://schemas.openxmlformats.org/markup-compatibility/2006">
               <mc:Choice xmlns:v="urn:schemas-microsoft-com:vml" Requires="v">
-                <p:oleObj spid="_x0000_s2094" name="Image" r:id="rId4" imgW="8020050" imgH="2466975" progId="Photoshop.Image.13">
+                <p:oleObj spid="_x0000_s2100" name="Image" r:id="rId4" imgW="8020050" imgH="2466975" progId="Photoshop.Image.13">
                   <p:embed/>
                 </p:oleObj>
               </mc:Choice>
@@ -9560,7 +9560,7 @@
           <a:graphicData uri="http://schemas.openxmlformats.org/presentationml/2006/ole">
             <mc:AlternateContent xmlns:mc="http://schemas.openxmlformats.org/markup-compatibility/2006">
               <mc:Choice xmlns:v="urn:schemas-microsoft-com:vml" Requires="v">
-                <p:oleObj spid="_x0000_s2095" name="Image" r:id="rId6" imgW="3905250" imgH="3057525" progId="Photoshop.Image.13">
+                <p:oleObj spid="_x0000_s2101" name="Image" r:id="rId6" imgW="3905250" imgH="3057525" progId="Photoshop.Image.13">
                   <p:embed/>
                 </p:oleObj>
               </mc:Choice>
@@ -9625,7 +9625,7 @@
             <a:graphicData uri="http://schemas.openxmlformats.org/presentationml/2006/ole">
               <mc:AlternateContent xmlns:mc="http://schemas.openxmlformats.org/markup-compatibility/2006">
                 <mc:Choice xmlns:v="urn:schemas-microsoft-com:vml" Requires="v">
-                  <p:oleObj spid="_x0000_s2096" name="Image" r:id="rId8" imgW="2305050" imgH="323850" progId="Photoshop.Image.13">
+                  <p:oleObj spid="_x0000_s2102" name="Image" r:id="rId8" imgW="2305050" imgH="323850" progId="Photoshop.Image.13">
                     <p:embed/>
                   </p:oleObj>
                 </mc:Choice>
@@ -10088,7 +10088,7 @@
           <a:graphicData uri="http://schemas.openxmlformats.org/presentationml/2006/ole">
             <mc:AlternateContent xmlns:mc="http://schemas.openxmlformats.org/markup-compatibility/2006">
               <mc:Choice xmlns:v="urn:schemas-microsoft-com:vml" Requires="v">
-                <p:oleObj spid="_x0000_s3103" name="Image" r:id="rId4" imgW="7829550" imgH="1419225" progId="Photoshop.Image.13">
+                <p:oleObj spid="_x0000_s3107" name="Image" r:id="rId4" imgW="7829550" imgH="1419225" progId="Photoshop.Image.13">
                   <p:embed/>
                 </p:oleObj>
               </mc:Choice>
@@ -10565,7 +10565,7 @@
           <a:graphicData uri="http://schemas.openxmlformats.org/presentationml/2006/ole">
             <mc:AlternateContent xmlns:mc="http://schemas.openxmlformats.org/markup-compatibility/2006">
               <mc:Choice xmlns:v="urn:schemas-microsoft-com:vml" Requires="v">
-                <p:oleObj spid="_x0000_s3104" name="Image" r:id="rId6" imgW="4991100" imgH="4133850" progId="Photoshop.Image.13">
+                <p:oleObj spid="_x0000_s3108" name="Image" r:id="rId6" imgW="4991100" imgH="4133850" progId="Photoshop.Image.13">
                   <p:embed/>
                 </p:oleObj>
               </mc:Choice>
@@ -11038,7 +11038,7 @@
           <a:graphicData uri="http://schemas.openxmlformats.org/presentationml/2006/ole">
             <mc:AlternateContent xmlns:mc="http://schemas.openxmlformats.org/markup-compatibility/2006">
               <mc:Choice xmlns:v="urn:schemas-microsoft-com:vml" Requires="v">
-                <p:oleObj spid="_x0000_s4127" name="Image" r:id="rId4" imgW="8124825" imgH="1190625" progId="Photoshop.Image.13">
+                <p:oleObj spid="_x0000_s4131" name="Image" r:id="rId4" imgW="8124825" imgH="1190625" progId="Photoshop.Image.13">
                   <p:embed/>
                 </p:oleObj>
               </mc:Choice>
@@ -11400,7 +11400,7 @@
           <a:graphicData uri="http://schemas.openxmlformats.org/presentationml/2006/ole">
             <mc:AlternateContent xmlns:mc="http://schemas.openxmlformats.org/markup-compatibility/2006">
               <mc:Choice xmlns:v="urn:schemas-microsoft-com:vml" Requires="v">
-                <p:oleObj spid="_x0000_s4128" name="Image" r:id="rId6" imgW="4705350" imgH="4171950" progId="Photoshop.Image.13">
+                <p:oleObj spid="_x0000_s4132" name="Image" r:id="rId6" imgW="4705350" imgH="4171950" progId="Photoshop.Image.13">
                   <p:embed/>
                 </p:oleObj>
               </mc:Choice>
@@ -11827,7 +11827,7 @@
           <a:graphicData uri="http://schemas.openxmlformats.org/presentationml/2006/ole">
             <mc:AlternateContent xmlns:mc="http://schemas.openxmlformats.org/markup-compatibility/2006">
               <mc:Choice xmlns:v="urn:schemas-microsoft-com:vml" Requires="v">
-                <p:oleObj spid="_x0000_s5151" name="Image" r:id="rId4" imgW="5715000" imgH="847725" progId="Photoshop.Image.13">
+                <p:oleObj spid="_x0000_s5155" name="Image" r:id="rId4" imgW="5715000" imgH="847725" progId="Photoshop.Image.13">
                   <p:embed/>
                 </p:oleObj>
               </mc:Choice>
@@ -12222,7 +12222,7 @@
           <a:graphicData uri="http://schemas.openxmlformats.org/presentationml/2006/ole">
             <mc:AlternateContent xmlns:mc="http://schemas.openxmlformats.org/markup-compatibility/2006">
               <mc:Choice xmlns:v="urn:schemas-microsoft-com:vml" Requires="v">
-                <p:oleObj spid="_x0000_s5152" name="Image" r:id="rId6" imgW="4705350" imgH="4171950" progId="Photoshop.Image.13">
+                <p:oleObj spid="_x0000_s5156" name="Image" r:id="rId6" imgW="4705350" imgH="4171950" progId="Photoshop.Image.13">
                   <p:embed/>
                 </p:oleObj>
               </mc:Choice>
@@ -12814,7 +12814,7 @@
           <a:graphicData uri="http://schemas.openxmlformats.org/presentationml/2006/ole">
             <mc:AlternateContent xmlns:mc="http://schemas.openxmlformats.org/markup-compatibility/2006">
               <mc:Choice xmlns:v="urn:schemas-microsoft-com:vml" Requires="v">
-                <p:oleObj spid="_x0000_s6175" name="Image" r:id="rId4" imgW="8039100" imgH="904875" progId="Photoshop.Image.13">
+                <p:oleObj spid="_x0000_s6179" name="Image" r:id="rId4" imgW="8039100" imgH="904875" progId="Photoshop.Image.13">
                   <p:embed/>
                 </p:oleObj>
               </mc:Choice>
@@ -13287,7 +13287,7 @@
           <a:graphicData uri="http://schemas.openxmlformats.org/presentationml/2006/ole">
             <mc:AlternateContent xmlns:mc="http://schemas.openxmlformats.org/markup-compatibility/2006">
               <mc:Choice xmlns:v="urn:schemas-microsoft-com:vml" Requires="v">
-                <p:oleObj spid="_x0000_s6176" name="Image" r:id="rId6" imgW="4924425" imgH="4133850" progId="Photoshop.Image.13">
+                <p:oleObj spid="_x0000_s6180" name="Image" r:id="rId6" imgW="4924425" imgH="4133850" progId="Photoshop.Image.13">
                   <p:embed/>
                 </p:oleObj>
               </mc:Choice>
@@ -13858,7 +13858,7 @@
           <a:graphicData uri="http://schemas.openxmlformats.org/presentationml/2006/ole">
             <mc:AlternateContent xmlns:mc="http://schemas.openxmlformats.org/markup-compatibility/2006">
               <mc:Choice xmlns:v="urn:schemas-microsoft-com:vml" Requires="v">
-                <p:oleObj spid="_x0000_s7199" name="Image" r:id="rId4" imgW="8001000" imgH="1162050" progId="Photoshop.Image.13">
+                <p:oleObj spid="_x0000_s7203" name="Image" r:id="rId4" imgW="8001000" imgH="1162050" progId="Photoshop.Image.13">
                   <p:embed/>
                 </p:oleObj>
               </mc:Choice>
@@ -13909,7 +13909,7 @@
           <a:graphicData uri="http://schemas.openxmlformats.org/presentationml/2006/ole">
             <mc:AlternateContent xmlns:mc="http://schemas.openxmlformats.org/markup-compatibility/2006">
               <mc:Choice xmlns:v="urn:schemas-microsoft-com:vml" Requires="v">
-                <p:oleObj spid="_x0000_s7200" name="Image" r:id="rId6" imgW="4800600" imgH="4419600" progId="Photoshop.Image.13">
+                <p:oleObj spid="_x0000_s7204" name="Image" r:id="rId6" imgW="4800600" imgH="4419600" progId="Photoshop.Image.13">
                   <p:embed/>
                 </p:oleObj>
               </mc:Choice>
@@ -14433,7 +14433,7 @@
           <a:graphicData uri="http://schemas.openxmlformats.org/presentationml/2006/ole">
             <mc:AlternateContent xmlns:mc="http://schemas.openxmlformats.org/markup-compatibility/2006">
               <mc:Choice xmlns:v="urn:schemas-microsoft-com:vml" Requires="v">
-                <p:oleObj spid="_x0000_s8223" name="Image" r:id="rId4" imgW="7734300" imgH="790575" progId="Photoshop.Image.13">
+                <p:oleObj spid="_x0000_s8227" name="Image" r:id="rId4" imgW="7734300" imgH="790575" progId="Photoshop.Image.13">
                   <p:embed/>
                 </p:oleObj>
               </mc:Choice>
@@ -14484,7 +14484,7 @@
           <a:graphicData uri="http://schemas.openxmlformats.org/presentationml/2006/ole">
             <mc:AlternateContent xmlns:mc="http://schemas.openxmlformats.org/markup-compatibility/2006">
               <mc:Choice xmlns:v="urn:schemas-microsoft-com:vml" Requires="v">
-                <p:oleObj spid="_x0000_s8224" name="Image" r:id="rId6" imgW="4772025" imgH="3057525" progId="Photoshop.Image.13">
+                <p:oleObj spid="_x0000_s8228" name="Image" r:id="rId6" imgW="4772025" imgH="3057525" progId="Photoshop.Image.13">
                   <p:embed/>
                 </p:oleObj>
               </mc:Choice>
@@ -16801,7 +16801,7 @@
             <a:graphicData uri="http://schemas.openxmlformats.org/presentationml/2006/ole">
               <mc:AlternateContent xmlns:mc="http://schemas.openxmlformats.org/markup-compatibility/2006">
                 <mc:Choice xmlns:v="urn:schemas-microsoft-com:vml" Requires="v">
-                  <p:oleObj spid="_x0000_s9232" name="Image" r:id="rId4" imgW="3838575" imgH="2381250" progId="Photoshop.Image.13">
+                  <p:oleObj spid="_x0000_s9234" name="Image" r:id="rId4" imgW="3838575" imgH="2381250" progId="Photoshop.Image.13">
                     <p:embed/>
                   </p:oleObj>
                 </mc:Choice>
@@ -18081,7 +18081,7 @@
           <a:graphicData uri="http://schemas.openxmlformats.org/presentationml/2006/ole">
             <mc:AlternateContent xmlns:mc="http://schemas.openxmlformats.org/markup-compatibility/2006">
               <mc:Choice xmlns:v="urn:schemas-microsoft-com:vml" Requires="v">
-                <p:oleObj spid="_x0000_s10271" name="Image" r:id="rId3" imgW="5591175" imgH="3448050" progId="Photoshop.Image.13">
+                <p:oleObj spid="_x0000_s10275" name="Image" r:id="rId3" imgW="5591175" imgH="3448050" progId="Photoshop.Image.13">
                   <p:embed/>
                 </p:oleObj>
               </mc:Choice>
@@ -18328,7 +18328,7 @@
           <a:graphicData uri="http://schemas.openxmlformats.org/presentationml/2006/ole">
             <mc:AlternateContent xmlns:mc="http://schemas.openxmlformats.org/markup-compatibility/2006">
               <mc:Choice xmlns:v="urn:schemas-microsoft-com:vml" Requires="v">
-                <p:oleObj spid="_x0000_s10272" name="Image" r:id="rId5" imgW="7334250" imgH="514350" progId="Photoshop.Image.13">
+                <p:oleObj spid="_x0000_s10276" name="Image" r:id="rId5" imgW="7334250" imgH="514350" progId="Photoshop.Image.13">
                   <p:embed/>
                 </p:oleObj>
               </mc:Choice>
@@ -18689,7 +18689,7 @@
           <a:graphicData uri="http://schemas.openxmlformats.org/presentationml/2006/ole">
             <mc:AlternateContent xmlns:mc="http://schemas.openxmlformats.org/markup-compatibility/2006">
               <mc:Choice xmlns:v="urn:schemas-microsoft-com:vml" Requires="v">
-                <p:oleObj spid="_x0000_s11295" name="Image" r:id="rId3" imgW="4962525" imgH="390525" progId="Photoshop.Image.13">
+                <p:oleObj spid="_x0000_s11299" name="Image" r:id="rId3" imgW="4962525" imgH="390525" progId="Photoshop.Image.13">
                   <p:embed/>
                 </p:oleObj>
               </mc:Choice>
@@ -18740,7 +18740,7 @@
           <a:graphicData uri="http://schemas.openxmlformats.org/presentationml/2006/ole">
             <mc:AlternateContent xmlns:mc="http://schemas.openxmlformats.org/markup-compatibility/2006">
               <mc:Choice xmlns:v="urn:schemas-microsoft-com:vml" Requires="v">
-                <p:oleObj spid="_x0000_s11296" name="Image" r:id="rId5" imgW="5248275" imgH="1019175" progId="Photoshop.Image.13">
+                <p:oleObj spid="_x0000_s11300" name="Image" r:id="rId5" imgW="5248275" imgH="1019175" progId="Photoshop.Image.13">
                   <p:embed/>
                 </p:oleObj>
               </mc:Choice>
@@ -19300,7 +19300,7 @@
           <a:graphicData uri="http://schemas.openxmlformats.org/presentationml/2006/ole">
             <mc:AlternateContent xmlns:mc="http://schemas.openxmlformats.org/markup-compatibility/2006">
               <mc:Choice xmlns:v="urn:schemas-microsoft-com:vml" Requires="v">
-                <p:oleObj spid="_x0000_s12319" name="Image" r:id="rId3" imgW="5238750" imgH="1362075" progId="Photoshop.Image.13">
+                <p:oleObj spid="_x0000_s12323" name="Image" r:id="rId3" imgW="5238750" imgH="1362075" progId="Photoshop.Image.13">
                   <p:embed/>
                 </p:oleObj>
               </mc:Choice>
@@ -19572,7 +19572,7 @@
           <a:graphicData uri="http://schemas.openxmlformats.org/presentationml/2006/ole">
             <mc:AlternateContent xmlns:mc="http://schemas.openxmlformats.org/markup-compatibility/2006">
               <mc:Choice xmlns:v="urn:schemas-microsoft-com:vml" Requires="v">
-                <p:oleObj spid="_x0000_s12320" name="Image" r:id="rId5" imgW="5953125" imgH="4629150" progId="Photoshop.Image.13">
+                <p:oleObj spid="_x0000_s12324" name="Image" r:id="rId5" imgW="5953125" imgH="4629150" progId="Photoshop.Image.13">
                   <p:embed/>
                 </p:oleObj>
               </mc:Choice>
@@ -20732,7 +20732,7 @@
           <a:graphicData uri="http://schemas.openxmlformats.org/presentationml/2006/ole">
             <mc:AlternateContent xmlns:mc="http://schemas.openxmlformats.org/markup-compatibility/2006">
               <mc:Choice xmlns:v="urn:schemas-microsoft-com:vml" Requires="v">
-                <p:oleObj spid="_x0000_s13343" name="Image" r:id="rId3" imgW="4267200" imgH="1933575" progId="Photoshop.Image.13">
+                <p:oleObj spid="_x0000_s13347" name="Image" r:id="rId3" imgW="4267200" imgH="1933575" progId="Photoshop.Image.13">
                   <p:embed/>
                 </p:oleObj>
               </mc:Choice>
@@ -21148,7 +21148,7 @@
           <a:graphicData uri="http://schemas.openxmlformats.org/presentationml/2006/ole">
             <mc:AlternateContent xmlns:mc="http://schemas.openxmlformats.org/markup-compatibility/2006">
               <mc:Choice xmlns:v="urn:schemas-microsoft-com:vml" Requires="v">
-                <p:oleObj spid="_x0000_s13344" name="Image" r:id="rId5" imgW="5505450" imgH="3457575" progId="Photoshop.Image.13">
+                <p:oleObj spid="_x0000_s13348" name="Image" r:id="rId5" imgW="5505450" imgH="3457575" progId="Photoshop.Image.13">
                   <p:embed/>
                 </p:oleObj>
               </mc:Choice>
@@ -21483,7 +21483,7 @@
           <a:graphicData uri="http://schemas.openxmlformats.org/presentationml/2006/ole">
             <mc:AlternateContent xmlns:mc="http://schemas.openxmlformats.org/markup-compatibility/2006">
               <mc:Choice xmlns:v="urn:schemas-microsoft-com:vml" Requires="v">
-                <p:oleObj spid="_x0000_s14352" name="Image" r:id="rId3" imgW="4981575" imgH="4000500" progId="Photoshop.Image.13">
+                <p:oleObj spid="_x0000_s14354" name="Image" r:id="rId3" imgW="4981575" imgH="4000500" progId="Photoshop.Image.13">
                   <p:embed/>
                 </p:oleObj>
               </mc:Choice>
@@ -22279,7 +22279,7 @@
           <a:graphicData uri="http://schemas.openxmlformats.org/presentationml/2006/ole">
             <mc:AlternateContent xmlns:mc="http://schemas.openxmlformats.org/markup-compatibility/2006">
               <mc:Choice xmlns:v="urn:schemas-microsoft-com:vml" Requires="v">
-                <p:oleObj spid="_x0000_s15376" name="Image" r:id="rId4" imgW="6257925" imgH="4638675" progId="Photoshop.Image.13">
+                <p:oleObj spid="_x0000_s15378" name="Image" r:id="rId4" imgW="6257925" imgH="4638675" progId="Photoshop.Image.13">
                   <p:embed/>
                 </p:oleObj>
               </mc:Choice>
@@ -23908,7 +23908,15 @@
           <a:p>
             <a:r>
               <a:rPr lang="en-US" altLang="zh-CN" dirty="0"/>
-              <a:t>Exercise 2</a:t>
+              <a:t>Exercise 2 (Homework, </a:t>
+            </a:r>
+            <a:r>
+              <a:rPr lang="en-US" altLang="zh-CN"/>
+              <a:t>by Sunday</a:t>
+            </a:r>
+            <a:r>
+              <a:rPr lang="en-US" altLang="zh-CN" dirty="0"/>
+              <a:t>)</a:t>
             </a:r>
           </a:p>
         </p:txBody>

--- a/week04/Lab04.pptx
+++ b/week04/Lab04.pptx
@@ -225,7 +225,7 @@
           <a:p>
             <a:fld id="{D1237EF7-A117-46B7-88A8-1B7FB98FF0F2}" type="datetimeFigureOut">
               <a:rPr lang="zh-CN" altLang="en-US" smtClean="0"/>
-              <a:t>2024/3/8</a:t>
+              <a:t>2024/3/13</a:t>
             </a:fld>
             <a:endParaRPr lang="zh-CN" altLang="en-US"/>
           </a:p>
@@ -3088,7 +3088,7 @@
           <a:p>
             <a:fld id="{FC19A4FA-3D9A-4114-B0D5-759CBD56F1AB}" type="datetimeFigureOut">
               <a:rPr lang="zh-CN" altLang="en-US" smtClean="0"/>
-              <a:t>2024/3/8</a:t>
+              <a:t>2024/3/13</a:t>
             </a:fld>
             <a:endParaRPr lang="zh-CN" altLang="en-US"/>
           </a:p>
@@ -3282,7 +3282,7 @@
           <a:p>
             <a:fld id="{FC19A4FA-3D9A-4114-B0D5-759CBD56F1AB}" type="datetimeFigureOut">
               <a:rPr lang="zh-CN" altLang="en-US" smtClean="0"/>
-              <a:t>2024/3/8</a:t>
+              <a:t>2024/3/13</a:t>
             </a:fld>
             <a:endParaRPr lang="zh-CN" altLang="en-US"/>
           </a:p>
@@ -3455,7 +3455,7 @@
           <a:p>
             <a:fld id="{FC19A4FA-3D9A-4114-B0D5-759CBD56F1AB}" type="datetimeFigureOut">
               <a:rPr lang="zh-CN" altLang="en-US" smtClean="0"/>
-              <a:t>2024/3/8</a:t>
+              <a:t>2024/3/13</a:t>
             </a:fld>
             <a:endParaRPr lang="zh-CN" altLang="en-US"/>
           </a:p>
@@ -3640,7 +3640,7 @@
           <a:p>
             <a:fld id="{FC19A4FA-3D9A-4114-B0D5-759CBD56F1AB}" type="datetimeFigureOut">
               <a:rPr lang="zh-CN" altLang="en-US" smtClean="0"/>
-              <a:t>2024/3/8</a:t>
+              <a:t>2024/3/13</a:t>
             </a:fld>
             <a:endParaRPr lang="zh-CN" altLang="en-US"/>
           </a:p>
@@ -3855,7 +3855,7 @@
           <a:p>
             <a:fld id="{FC19A4FA-3D9A-4114-B0D5-759CBD56F1AB}" type="datetimeFigureOut">
               <a:rPr lang="zh-CN" altLang="en-US" smtClean="0"/>
-              <a:t>2024/3/8</a:t>
+              <a:t>2024/3/13</a:t>
             </a:fld>
             <a:endParaRPr lang="zh-CN" altLang="en-US"/>
           </a:p>
@@ -4112,7 +4112,7 @@
           <a:p>
             <a:fld id="{FC19A4FA-3D9A-4114-B0D5-759CBD56F1AB}" type="datetimeFigureOut">
               <a:rPr lang="zh-CN" altLang="en-US" smtClean="0"/>
-              <a:t>2024/3/8</a:t>
+              <a:t>2024/3/13</a:t>
             </a:fld>
             <a:endParaRPr lang="zh-CN" altLang="en-US"/>
           </a:p>
@@ -4499,7 +4499,7 @@
           <a:p>
             <a:fld id="{FC19A4FA-3D9A-4114-B0D5-759CBD56F1AB}" type="datetimeFigureOut">
               <a:rPr lang="zh-CN" altLang="en-US" smtClean="0"/>
-              <a:t>2024/3/8</a:t>
+              <a:t>2024/3/13</a:t>
             </a:fld>
             <a:endParaRPr lang="zh-CN" altLang="en-US"/>
           </a:p>
@@ -4767,7 +4767,7 @@
           <a:p>
             <a:fld id="{FC19A4FA-3D9A-4114-B0D5-759CBD56F1AB}" type="datetimeFigureOut">
               <a:rPr lang="zh-CN" altLang="en-US" smtClean="0"/>
-              <a:t>2024/3/8</a:t>
+              <a:t>2024/3/13</a:t>
             </a:fld>
             <a:endParaRPr lang="zh-CN" altLang="en-US"/>
           </a:p>
@@ -4907,7 +4907,7 @@
           <a:p>
             <a:fld id="{FC19A4FA-3D9A-4114-B0D5-759CBD56F1AB}" type="datetimeFigureOut">
               <a:rPr lang="zh-CN" altLang="en-US" smtClean="0"/>
-              <a:t>2024/3/8</a:t>
+              <a:t>2024/3/13</a:t>
             </a:fld>
             <a:endParaRPr lang="zh-CN" altLang="en-US"/>
           </a:p>
@@ -4997,7 +4997,7 @@
           <a:p>
             <a:fld id="{FC19A4FA-3D9A-4114-B0D5-759CBD56F1AB}" type="datetimeFigureOut">
               <a:rPr lang="zh-CN" altLang="en-US" smtClean="0"/>
-              <a:t>2024/3/8</a:t>
+              <a:t>2024/3/13</a:t>
             </a:fld>
             <a:endParaRPr lang="zh-CN" altLang="en-US"/>
           </a:p>
@@ -5267,7 +5267,7 @@
           <a:p>
             <a:fld id="{FC19A4FA-3D9A-4114-B0D5-759CBD56F1AB}" type="datetimeFigureOut">
               <a:rPr lang="zh-CN" altLang="en-US" smtClean="0"/>
-              <a:t>2024/3/8</a:t>
+              <a:t>2024/3/13</a:t>
             </a:fld>
             <a:endParaRPr lang="zh-CN" altLang="en-US"/>
           </a:p>
@@ -5451,7 +5451,7 @@
           <a:p>
             <a:fld id="{FC19A4FA-3D9A-4114-B0D5-759CBD56F1AB}" type="datetimeFigureOut">
               <a:rPr lang="zh-CN" altLang="en-US" smtClean="0"/>
-              <a:t>2024/3/8</a:t>
+              <a:t>2024/3/13</a:t>
             </a:fld>
             <a:endParaRPr lang="zh-CN" altLang="en-US"/>
           </a:p>
@@ -5726,7 +5726,7 @@
           <a:p>
             <a:fld id="{FC19A4FA-3D9A-4114-B0D5-759CBD56F1AB}" type="datetimeFigureOut">
               <a:rPr lang="zh-CN" altLang="en-US" smtClean="0"/>
-              <a:t>2024/3/8</a:t>
+              <a:t>2024/3/13</a:t>
             </a:fld>
             <a:endParaRPr lang="zh-CN" altLang="en-US"/>
           </a:p>
@@ -5889,7 +5889,7 @@
           <a:p>
             <a:fld id="{FC19A4FA-3D9A-4114-B0D5-759CBD56F1AB}" type="datetimeFigureOut">
               <a:rPr lang="zh-CN" altLang="en-US" smtClean="0"/>
-              <a:t>2024/3/8</a:t>
+              <a:t>2024/3/13</a:t>
             </a:fld>
             <a:endParaRPr lang="zh-CN" altLang="en-US"/>
           </a:p>
@@ -6062,7 +6062,7 @@
           <a:p>
             <a:fld id="{FC19A4FA-3D9A-4114-B0D5-759CBD56F1AB}" type="datetimeFigureOut">
               <a:rPr lang="zh-CN" altLang="en-US" smtClean="0"/>
-              <a:t>2024/3/8</a:t>
+              <a:t>2024/3/13</a:t>
             </a:fld>
             <a:endParaRPr lang="zh-CN" altLang="en-US"/>
           </a:p>
@@ -6291,7 +6291,7 @@
           <a:p>
             <a:fld id="{FC19A4FA-3D9A-4114-B0D5-759CBD56F1AB}" type="datetimeFigureOut">
               <a:rPr lang="zh-CN" altLang="en-US" smtClean="0"/>
-              <a:t>2024/3/8</a:t>
+              <a:t>2024/3/13</a:t>
             </a:fld>
             <a:endParaRPr lang="zh-CN" altLang="en-US"/>
           </a:p>
@@ -6678,7 +6678,7 @@
           <a:p>
             <a:fld id="{FC19A4FA-3D9A-4114-B0D5-759CBD56F1AB}" type="datetimeFigureOut">
               <a:rPr lang="zh-CN" altLang="en-US" smtClean="0"/>
-              <a:t>2024/3/8</a:t>
+              <a:t>2024/3/13</a:t>
             </a:fld>
             <a:endParaRPr lang="zh-CN" altLang="en-US"/>
           </a:p>
@@ -6946,7 +6946,7 @@
           <a:p>
             <a:fld id="{FC19A4FA-3D9A-4114-B0D5-759CBD56F1AB}" type="datetimeFigureOut">
               <a:rPr lang="zh-CN" altLang="en-US" smtClean="0"/>
-              <a:t>2024/3/8</a:t>
+              <a:t>2024/3/13</a:t>
             </a:fld>
             <a:endParaRPr lang="zh-CN" altLang="en-US"/>
           </a:p>
@@ -7086,7 +7086,7 @@
           <a:p>
             <a:fld id="{FC19A4FA-3D9A-4114-B0D5-759CBD56F1AB}" type="datetimeFigureOut">
               <a:rPr lang="zh-CN" altLang="en-US" smtClean="0"/>
-              <a:t>2024/3/8</a:t>
+              <a:t>2024/3/13</a:t>
             </a:fld>
             <a:endParaRPr lang="zh-CN" altLang="en-US"/>
           </a:p>
@@ -7176,7 +7176,7 @@
           <a:p>
             <a:fld id="{FC19A4FA-3D9A-4114-B0D5-759CBD56F1AB}" type="datetimeFigureOut">
               <a:rPr lang="zh-CN" altLang="en-US" smtClean="0"/>
-              <a:t>2024/3/8</a:t>
+              <a:t>2024/3/13</a:t>
             </a:fld>
             <a:endParaRPr lang="zh-CN" altLang="en-US"/>
           </a:p>
@@ -7446,7 +7446,7 @@
           <a:p>
             <a:fld id="{FC19A4FA-3D9A-4114-B0D5-759CBD56F1AB}" type="datetimeFigureOut">
               <a:rPr lang="zh-CN" altLang="en-US" smtClean="0"/>
-              <a:t>2024/3/8</a:t>
+              <a:t>2024/3/13</a:t>
             </a:fld>
             <a:endParaRPr lang="zh-CN" altLang="en-US"/>
           </a:p>
@@ -7693,7 +7693,7 @@
           <a:p>
             <a:fld id="{FC19A4FA-3D9A-4114-B0D5-759CBD56F1AB}" type="datetimeFigureOut">
               <a:rPr lang="zh-CN" altLang="en-US" smtClean="0"/>
-              <a:t>2024/3/8</a:t>
+              <a:t>2024/3/13</a:t>
             </a:fld>
             <a:endParaRPr lang="zh-CN" altLang="en-US"/>
           </a:p>
@@ -7899,7 +7899,7 @@
           <a:p>
             <a:fld id="{FC19A4FA-3D9A-4114-B0D5-759CBD56F1AB}" type="datetimeFigureOut">
               <a:rPr lang="zh-CN" altLang="en-US" smtClean="0"/>
-              <a:t>2024/3/8</a:t>
+              <a:t>2024/3/13</a:t>
             </a:fld>
             <a:endParaRPr lang="zh-CN" altLang="en-US"/>
           </a:p>
@@ -8473,7 +8473,7 @@
           <a:p>
             <a:fld id="{FC19A4FA-3D9A-4114-B0D5-759CBD56F1AB}" type="datetimeFigureOut">
               <a:rPr lang="zh-CN" altLang="en-US" smtClean="0"/>
-              <a:t>2024/3/8</a:t>
+              <a:t>2024/3/13</a:t>
             </a:fld>
             <a:endParaRPr lang="zh-CN" altLang="en-US"/>
           </a:p>
@@ -30337,7 +30337,7 @@
         <p:spPr>
           <a:xfrm>
             <a:off x="475683" y="1179691"/>
-            <a:ext cx="7895431" cy="5262979"/>
+            <a:ext cx="7895431" cy="3754874"/>
           </a:xfrm>
           <a:prstGeom prst="rect">
             <a:avLst/>
@@ -30396,11 +30396,6 @@
             </a:r>
           </a:p>
           <a:p>
-            <a:br>
-              <a:rPr lang="en-US" altLang="zh-CN" sz="1400" b="0" dirty="0">
-                <a:effectLst/>
-              </a:rPr>
-            </a:br>
             <a:r>
               <a:rPr lang="en-US" altLang="zh-CN" sz="1400" b="0" dirty="0">
                 <a:effectLst/>
@@ -30421,7 +30416,7 @@
               <a:rPr lang="en-US" altLang="zh-CN" sz="1400" b="0" dirty="0">
                 <a:effectLst/>
               </a:rPr>
-              <a:t>    int cards[4]{};</a:t>
+              <a:t>    int cards[4]{};</a:t>
             </a:r>
           </a:p>
           <a:p>
@@ -30429,20 +30424,23 @@
               <a:rPr lang="en-US" altLang="zh-CN" sz="1400" b="0" dirty="0">
                 <a:effectLst/>
               </a:rPr>
-              <a:t>    int hands[4];</a:t>
-            </a:r>
-          </a:p>
-          <a:p>
-            <a:br>
+              <a:t>    int hands[4];</a:t>
+            </a:r>
+          </a:p>
+          <a:p>
+            <a:r>
               <a:rPr lang="en-US" altLang="zh-CN" sz="1400" b="0" dirty="0">
                 <a:effectLst/>
               </a:rPr>
-            </a:br>
+              <a:t>    int price[] = {2.8,3.7,5,9};</a:t>
+            </a:r>
+          </a:p>
+          <a:p>
             <a:r>
               <a:rPr lang="en-US" altLang="zh-CN" sz="1400" b="0" dirty="0">
                 <a:effectLst/>
               </a:rPr>
-              <a:t>    int price[] = {2.8,3.7,5,9};</a:t>
+              <a:t>    char direction[4] {'L',82,'U',68};</a:t>
             </a:r>
           </a:p>
           <a:p>
@@ -30450,20 +30448,7 @@
               <a:rPr lang="en-US" altLang="zh-CN" sz="1400" b="0" dirty="0">
                 <a:effectLst/>
               </a:rPr>
-              <a:t>    char direction[4] {'L',82,'U',68};</a:t>
-            </a:r>
-          </a:p>
-          <a:p>
-            <a:br>
-              <a:rPr lang="en-US" altLang="zh-CN" sz="1400" b="0" dirty="0">
-                <a:effectLst/>
-              </a:rPr>
-            </a:br>
-            <a:r>
-              <a:rPr lang="en-US" altLang="zh-CN" sz="1400" b="0" dirty="0">
-                <a:effectLst/>
-              </a:rPr>
-              <a:t>    char title[] = "</a:t>
+              <a:t>    char title[] = "</a:t>
             </a:r>
             <a:r>
               <a:rPr lang="en-US" altLang="zh-CN" sz="1400" b="0" dirty="0" err="1">
@@ -30479,16 +30464,11 @@
             </a:r>
           </a:p>
           <a:p>
-            <a:br>
+            <a:r>
               <a:rPr lang="en-US" altLang="zh-CN" sz="1400" b="0" dirty="0">
                 <a:effectLst/>
               </a:rPr>
-            </a:br>
-            <a:r>
-              <a:rPr lang="en-US" altLang="zh-CN" sz="1400" b="0" dirty="0">
-                <a:effectLst/>
-              </a:rPr>
-              <a:t>    </a:t>
+              <a:t>    </a:t>
             </a:r>
             <a:r>
               <a:rPr lang="en-US" altLang="zh-CN" sz="1400" b="0" dirty="0" err="1">
@@ -30562,16 +30542,13 @@
               </a:rPr>
               <a:t>;</a:t>
             </a:r>
-            <a:br>
+          </a:p>
+          <a:p>
+            <a:r>
               <a:rPr lang="en-US" altLang="zh-CN" sz="1400" b="0" dirty="0">
                 <a:effectLst/>
               </a:rPr>
-            </a:br>
-            <a:r>
-              <a:rPr lang="en-US" altLang="zh-CN" sz="1400" b="0" dirty="0">
-                <a:effectLst/>
-              </a:rPr>
-              <a:t>    </a:t>
+              <a:t>    </a:t>
             </a:r>
             <a:r>
               <a:rPr lang="en-US" altLang="zh-CN" sz="1400" b="0" dirty="0" err="1">
@@ -30645,16 +30622,13 @@
               </a:rPr>
               <a:t>;</a:t>
             </a:r>
-            <a:br>
+          </a:p>
+          <a:p>
+            <a:r>
               <a:rPr lang="en-US" altLang="zh-CN" sz="1400" b="0" dirty="0">
                 <a:effectLst/>
               </a:rPr>
-            </a:br>
-            <a:r>
-              <a:rPr lang="en-US" altLang="zh-CN" sz="1400" b="0" dirty="0">
-                <a:effectLst/>
-              </a:rPr>
-              <a:t>    </a:t>
+              <a:t>    </a:t>
             </a:r>
             <a:r>
               <a:rPr lang="en-US" altLang="zh-CN" sz="1400" b="0" dirty="0" err="1">
@@ -30716,16 +30690,13 @@
               </a:rPr>
               <a:t>;</a:t>
             </a:r>
-            <a:br>
+          </a:p>
+          <a:p>
+            <a:r>
               <a:rPr lang="en-US" altLang="zh-CN" sz="1400" b="0" dirty="0">
                 <a:effectLst/>
               </a:rPr>
-            </a:br>
-            <a:r>
-              <a:rPr lang="en-US" altLang="zh-CN" sz="1400" b="0" dirty="0">
-                <a:effectLst/>
-              </a:rPr>
-              <a:t>    </a:t>
+              <a:t>    </a:t>
             </a:r>
             <a:r>
               <a:rPr lang="en-US" altLang="zh-CN" sz="1400" b="0" dirty="0" err="1">
@@ -30789,50 +30760,16 @@
             </a:r>
           </a:p>
           <a:p>
-            <a:br>
+            <a:endParaRPr lang="en-US" altLang="zh-CN" sz="1400" b="0" dirty="0">
+              <a:effectLst/>
+            </a:endParaRPr>
+          </a:p>
+          <a:p>
+            <a:r>
               <a:rPr lang="en-US" altLang="zh-CN" sz="1400" b="0" dirty="0">
                 <a:effectLst/>
               </a:rPr>
-            </a:br>
-            <a:r>
-              <a:rPr lang="en-US" altLang="zh-CN" sz="1400" b="0" dirty="0">
-                <a:effectLst/>
-              </a:rPr>
-              <a:t>    </a:t>
-            </a:r>
-            <a:r>
-              <a:rPr lang="en-US" altLang="zh-CN" sz="1400" b="1" dirty="0">
-                <a:solidFill>
-                  <a:srgbClr val="FF0000"/>
-                </a:solidFill>
-                <a:effectLst/>
-              </a:rPr>
-              <a:t>//Print the value and address of each element in cards and hands respectively.</a:t>
-            </a:r>
-          </a:p>
-          <a:p>
-            <a:r>
-              <a:rPr lang="en-US" altLang="zh-CN" sz="1400" dirty="0"/>
-              <a:t>    …….</a:t>
-            </a:r>
-            <a:endParaRPr lang="en-US" altLang="zh-CN" sz="1400" b="0" dirty="0">
-              <a:effectLst/>
-            </a:endParaRPr>
-          </a:p>
-          <a:p>
-            <a:r>
-              <a:rPr lang="en-US" altLang="zh-CN" sz="1400" b="0" dirty="0">
-                <a:effectLst/>
-              </a:rPr>
-              <a:t>  </a:t>
-            </a:r>
-          </a:p>
-          <a:p>
-            <a:r>
-              <a:rPr lang="en-US" altLang="zh-CN" sz="1400" b="0" dirty="0">
-                <a:effectLst/>
-              </a:rPr>
-              <a:t>    return 0;</a:t>
+              <a:t>    return 0;</a:t>
             </a:r>
           </a:p>
           <a:p>

--- a/week04/Lab04.pptx
+++ b/week04/Lab04.pptx
@@ -9331,7 +9331,7 @@
               <a:defRPr/>
             </a:pPr>
             <a:r>
-              <a:rPr kumimoji="0" lang="en-US" sz="2540" b="1" i="0" u="none" strike="noStrike" kern="1200" cap="none" spc="0" normalizeH="0" baseline="0" noProof="0" dirty="0">
+              <a:rPr kumimoji="0" lang="en-US" sz="2540" b="1" i="0" u="none" strike="noStrike" kern="1200" cap="none" spc="0" normalizeH="0" baseline="0" noProof="0">
                 <a:ln>
                   <a:noFill/>
                 </a:ln>
@@ -9348,6 +9348,23 @@
               <a:t>$@</a:t>
             </a:r>
             <a:r>
+              <a:rPr kumimoji="0" lang="en-US" sz="2540" b="0" i="0" u="none" strike="noStrike" kern="1200" cap="none" spc="0" normalizeH="0" baseline="0" noProof="0">
+                <a:ln>
+                  <a:noFill/>
+                </a:ln>
+                <a:solidFill>
+                  <a:prstClr val="black"/>
+                </a:solidFill>
+                <a:effectLst/>
+                <a:uLnTx/>
+                <a:uFillTx/>
+                <a:latin typeface="Calibri" panose="020F0502020204030204"/>
+                <a:ea typeface="+mn-ea"/>
+                <a:cs typeface="+mn-cs"/>
+              </a:rPr>
+              <a:t>: the target </a:t>
+            </a:r>
+            <a:r>
               <a:rPr kumimoji="0" lang="en-US" sz="2540" b="0" i="0" u="none" strike="noStrike" kern="1200" cap="none" spc="0" normalizeH="0" baseline="0" noProof="0" dirty="0">
                 <a:ln>
                   <a:noFill/>
@@ -9362,7 +9379,7 @@
                 <a:ea typeface="+mn-ea"/>
                 <a:cs typeface="+mn-cs"/>
               </a:rPr>
-              <a:t>: Object Files</a:t>
+              <a:t>file</a:t>
             </a:r>
           </a:p>
           <a:p>

--- a/week04/Lab04.pptx
+++ b/week04/Lab04.pptx
@@ -24,7 +24,7 @@
     <p:sldId id="486" r:id="rId15"/>
     <p:sldId id="575" r:id="rId16"/>
     <p:sldId id="481" r:id="rId17"/>
-    <p:sldId id="482" r:id="rId18"/>
+    <p:sldId id="770" r:id="rId18"/>
     <p:sldId id="576" r:id="rId19"/>
     <p:sldId id="425" r:id="rId20"/>
     <p:sldId id="427" r:id="rId21"/>
@@ -225,7 +225,7 @@
           <a:p>
             <a:fld id="{D1237EF7-A117-46B7-88A8-1B7FB98FF0F2}" type="datetimeFigureOut">
               <a:rPr lang="zh-CN" altLang="en-US" smtClean="0"/>
-              <a:t>2024/3/13</a:t>
+              <a:t>2024/3/14</a:t>
             </a:fld>
             <a:endParaRPr lang="zh-CN" altLang="en-US"/>
           </a:p>
@@ -3088,7 +3088,7 @@
           <a:p>
             <a:fld id="{FC19A4FA-3D9A-4114-B0D5-759CBD56F1AB}" type="datetimeFigureOut">
               <a:rPr lang="zh-CN" altLang="en-US" smtClean="0"/>
-              <a:t>2024/3/13</a:t>
+              <a:t>2024/3/14</a:t>
             </a:fld>
             <a:endParaRPr lang="zh-CN" altLang="en-US"/>
           </a:p>
@@ -3282,7 +3282,7 @@
           <a:p>
             <a:fld id="{FC19A4FA-3D9A-4114-B0D5-759CBD56F1AB}" type="datetimeFigureOut">
               <a:rPr lang="zh-CN" altLang="en-US" smtClean="0"/>
-              <a:t>2024/3/13</a:t>
+              <a:t>2024/3/14</a:t>
             </a:fld>
             <a:endParaRPr lang="zh-CN" altLang="en-US"/>
           </a:p>
@@ -3455,7 +3455,7 @@
           <a:p>
             <a:fld id="{FC19A4FA-3D9A-4114-B0D5-759CBD56F1AB}" type="datetimeFigureOut">
               <a:rPr lang="zh-CN" altLang="en-US" smtClean="0"/>
-              <a:t>2024/3/13</a:t>
+              <a:t>2024/3/14</a:t>
             </a:fld>
             <a:endParaRPr lang="zh-CN" altLang="en-US"/>
           </a:p>
@@ -3640,7 +3640,7 @@
           <a:p>
             <a:fld id="{FC19A4FA-3D9A-4114-B0D5-759CBD56F1AB}" type="datetimeFigureOut">
               <a:rPr lang="zh-CN" altLang="en-US" smtClean="0"/>
-              <a:t>2024/3/13</a:t>
+              <a:t>2024/3/14</a:t>
             </a:fld>
             <a:endParaRPr lang="zh-CN" altLang="en-US"/>
           </a:p>
@@ -3855,7 +3855,7 @@
           <a:p>
             <a:fld id="{FC19A4FA-3D9A-4114-B0D5-759CBD56F1AB}" type="datetimeFigureOut">
               <a:rPr lang="zh-CN" altLang="en-US" smtClean="0"/>
-              <a:t>2024/3/13</a:t>
+              <a:t>2024/3/14</a:t>
             </a:fld>
             <a:endParaRPr lang="zh-CN" altLang="en-US"/>
           </a:p>
@@ -4112,7 +4112,7 @@
           <a:p>
             <a:fld id="{FC19A4FA-3D9A-4114-B0D5-759CBD56F1AB}" type="datetimeFigureOut">
               <a:rPr lang="zh-CN" altLang="en-US" smtClean="0"/>
-              <a:t>2024/3/13</a:t>
+              <a:t>2024/3/14</a:t>
             </a:fld>
             <a:endParaRPr lang="zh-CN" altLang="en-US"/>
           </a:p>
@@ -4499,7 +4499,7 @@
           <a:p>
             <a:fld id="{FC19A4FA-3D9A-4114-B0D5-759CBD56F1AB}" type="datetimeFigureOut">
               <a:rPr lang="zh-CN" altLang="en-US" smtClean="0"/>
-              <a:t>2024/3/13</a:t>
+              <a:t>2024/3/14</a:t>
             </a:fld>
             <a:endParaRPr lang="zh-CN" altLang="en-US"/>
           </a:p>
@@ -4767,7 +4767,7 @@
           <a:p>
             <a:fld id="{FC19A4FA-3D9A-4114-B0D5-759CBD56F1AB}" type="datetimeFigureOut">
               <a:rPr lang="zh-CN" altLang="en-US" smtClean="0"/>
-              <a:t>2024/3/13</a:t>
+              <a:t>2024/3/14</a:t>
             </a:fld>
             <a:endParaRPr lang="zh-CN" altLang="en-US"/>
           </a:p>
@@ -4907,7 +4907,7 @@
           <a:p>
             <a:fld id="{FC19A4FA-3D9A-4114-B0D5-759CBD56F1AB}" type="datetimeFigureOut">
               <a:rPr lang="zh-CN" altLang="en-US" smtClean="0"/>
-              <a:t>2024/3/13</a:t>
+              <a:t>2024/3/14</a:t>
             </a:fld>
             <a:endParaRPr lang="zh-CN" altLang="en-US"/>
           </a:p>
@@ -4997,7 +4997,7 @@
           <a:p>
             <a:fld id="{FC19A4FA-3D9A-4114-B0D5-759CBD56F1AB}" type="datetimeFigureOut">
               <a:rPr lang="zh-CN" altLang="en-US" smtClean="0"/>
-              <a:t>2024/3/13</a:t>
+              <a:t>2024/3/14</a:t>
             </a:fld>
             <a:endParaRPr lang="zh-CN" altLang="en-US"/>
           </a:p>
@@ -5267,7 +5267,7 @@
           <a:p>
             <a:fld id="{FC19A4FA-3D9A-4114-B0D5-759CBD56F1AB}" type="datetimeFigureOut">
               <a:rPr lang="zh-CN" altLang="en-US" smtClean="0"/>
-              <a:t>2024/3/13</a:t>
+              <a:t>2024/3/14</a:t>
             </a:fld>
             <a:endParaRPr lang="zh-CN" altLang="en-US"/>
           </a:p>
@@ -5451,7 +5451,7 @@
           <a:p>
             <a:fld id="{FC19A4FA-3D9A-4114-B0D5-759CBD56F1AB}" type="datetimeFigureOut">
               <a:rPr lang="zh-CN" altLang="en-US" smtClean="0"/>
-              <a:t>2024/3/13</a:t>
+              <a:t>2024/3/14</a:t>
             </a:fld>
             <a:endParaRPr lang="zh-CN" altLang="en-US"/>
           </a:p>
@@ -5726,7 +5726,7 @@
           <a:p>
             <a:fld id="{FC19A4FA-3D9A-4114-B0D5-759CBD56F1AB}" type="datetimeFigureOut">
               <a:rPr lang="zh-CN" altLang="en-US" smtClean="0"/>
-              <a:t>2024/3/13</a:t>
+              <a:t>2024/3/14</a:t>
             </a:fld>
             <a:endParaRPr lang="zh-CN" altLang="en-US"/>
           </a:p>
@@ -5889,7 +5889,7 @@
           <a:p>
             <a:fld id="{FC19A4FA-3D9A-4114-B0D5-759CBD56F1AB}" type="datetimeFigureOut">
               <a:rPr lang="zh-CN" altLang="en-US" smtClean="0"/>
-              <a:t>2024/3/13</a:t>
+              <a:t>2024/3/14</a:t>
             </a:fld>
             <a:endParaRPr lang="zh-CN" altLang="en-US"/>
           </a:p>
@@ -6062,7 +6062,7 @@
           <a:p>
             <a:fld id="{FC19A4FA-3D9A-4114-B0D5-759CBD56F1AB}" type="datetimeFigureOut">
               <a:rPr lang="zh-CN" altLang="en-US" smtClean="0"/>
-              <a:t>2024/3/13</a:t>
+              <a:t>2024/3/14</a:t>
             </a:fld>
             <a:endParaRPr lang="zh-CN" altLang="en-US"/>
           </a:p>
@@ -6291,7 +6291,7 @@
           <a:p>
             <a:fld id="{FC19A4FA-3D9A-4114-B0D5-759CBD56F1AB}" type="datetimeFigureOut">
               <a:rPr lang="zh-CN" altLang="en-US" smtClean="0"/>
-              <a:t>2024/3/13</a:t>
+              <a:t>2024/3/14</a:t>
             </a:fld>
             <a:endParaRPr lang="zh-CN" altLang="en-US"/>
           </a:p>
@@ -6678,7 +6678,7 @@
           <a:p>
             <a:fld id="{FC19A4FA-3D9A-4114-B0D5-759CBD56F1AB}" type="datetimeFigureOut">
               <a:rPr lang="zh-CN" altLang="en-US" smtClean="0"/>
-              <a:t>2024/3/13</a:t>
+              <a:t>2024/3/14</a:t>
             </a:fld>
             <a:endParaRPr lang="zh-CN" altLang="en-US"/>
           </a:p>
@@ -6946,7 +6946,7 @@
           <a:p>
             <a:fld id="{FC19A4FA-3D9A-4114-B0D5-759CBD56F1AB}" type="datetimeFigureOut">
               <a:rPr lang="zh-CN" altLang="en-US" smtClean="0"/>
-              <a:t>2024/3/13</a:t>
+              <a:t>2024/3/14</a:t>
             </a:fld>
             <a:endParaRPr lang="zh-CN" altLang="en-US"/>
           </a:p>
@@ -7086,7 +7086,7 @@
           <a:p>
             <a:fld id="{FC19A4FA-3D9A-4114-B0D5-759CBD56F1AB}" type="datetimeFigureOut">
               <a:rPr lang="zh-CN" altLang="en-US" smtClean="0"/>
-              <a:t>2024/3/13</a:t>
+              <a:t>2024/3/14</a:t>
             </a:fld>
             <a:endParaRPr lang="zh-CN" altLang="en-US"/>
           </a:p>
@@ -7176,7 +7176,7 @@
           <a:p>
             <a:fld id="{FC19A4FA-3D9A-4114-B0D5-759CBD56F1AB}" type="datetimeFigureOut">
               <a:rPr lang="zh-CN" altLang="en-US" smtClean="0"/>
-              <a:t>2024/3/13</a:t>
+              <a:t>2024/3/14</a:t>
             </a:fld>
             <a:endParaRPr lang="zh-CN" altLang="en-US"/>
           </a:p>
@@ -7446,7 +7446,7 @@
           <a:p>
             <a:fld id="{FC19A4FA-3D9A-4114-B0D5-759CBD56F1AB}" type="datetimeFigureOut">
               <a:rPr lang="zh-CN" altLang="en-US" smtClean="0"/>
-              <a:t>2024/3/13</a:t>
+              <a:t>2024/3/14</a:t>
             </a:fld>
             <a:endParaRPr lang="zh-CN" altLang="en-US"/>
           </a:p>
@@ -7693,7 +7693,7 @@
           <a:p>
             <a:fld id="{FC19A4FA-3D9A-4114-B0D5-759CBD56F1AB}" type="datetimeFigureOut">
               <a:rPr lang="zh-CN" altLang="en-US" smtClean="0"/>
-              <a:t>2024/3/13</a:t>
+              <a:t>2024/3/14</a:t>
             </a:fld>
             <a:endParaRPr lang="zh-CN" altLang="en-US"/>
           </a:p>
@@ -7899,7 +7899,7 @@
           <a:p>
             <a:fld id="{FC19A4FA-3D9A-4114-B0D5-759CBD56F1AB}" type="datetimeFigureOut">
               <a:rPr lang="zh-CN" altLang="en-US" smtClean="0"/>
-              <a:t>2024/3/13</a:t>
+              <a:t>2024/3/14</a:t>
             </a:fld>
             <a:endParaRPr lang="zh-CN" altLang="en-US"/>
           </a:p>
@@ -8473,7 +8473,7 @@
           <a:p>
             <a:fld id="{FC19A4FA-3D9A-4114-B0D5-759CBD56F1AB}" type="datetimeFigureOut">
               <a:rPr lang="zh-CN" altLang="en-US" smtClean="0"/>
-              <a:t>2024/3/13</a:t>
+              <a:t>2024/3/14</a:t>
             </a:fld>
             <a:endParaRPr lang="zh-CN" altLang="en-US"/>
           </a:p>
@@ -16882,10 +16882,10 @@
       </p:grpSpPr>
       <p:pic>
         <p:nvPicPr>
-          <p:cNvPr id="11" name="图片 10">
+          <p:cNvPr id="4" name="图片 3">
             <a:extLst>
               <a:ext uri="{FF2B5EF4-FFF2-40B4-BE49-F238E27FC236}">
-                <a16:creationId xmlns:a16="http://schemas.microsoft.com/office/drawing/2014/main" id="{80B25BE9-6282-0483-5858-6D4884A601D8}"/>
+                <a16:creationId xmlns:a16="http://schemas.microsoft.com/office/drawing/2014/main" id="{8F3924E1-4F3C-F1C2-5BBA-DED2A23DE164}"/>
               </a:ext>
             </a:extLst>
           </p:cNvPr>
@@ -16902,8 +16902,8 @@
         </p:blipFill>
         <p:spPr>
           <a:xfrm>
-            <a:off x="613615" y="510858"/>
-            <a:ext cx="4782116" cy="5900790"/>
+            <a:off x="633534" y="189186"/>
+            <a:ext cx="4882729" cy="6237126"/>
           </a:xfrm>
           <a:prstGeom prst="rect">
             <a:avLst/>
@@ -16948,7 +16948,7 @@
         </p:nvSpPr>
         <p:spPr>
           <a:xfrm>
-            <a:off x="665111" y="4043774"/>
+            <a:off x="714271" y="3955286"/>
             <a:ext cx="2746683" cy="267593"/>
           </a:xfrm>
           <a:prstGeom prst="rect">
@@ -16981,13 +16981,36 @@
           <a:bodyPr rtlCol="0" anchor="ctr"/>
           <a:lstStyle/>
           <a:p>
-            <a:pPr algn="ctr" defTabSz="1058044"/>
-            <a:endParaRPr lang="zh-CN" altLang="en-US" sz="2087">
+            <a:pPr marL="0" marR="0" lvl="0" indent="0" algn="ctr" defTabSz="1058044" rtl="0" eaLnBrk="1" fontAlgn="auto" latinLnBrk="0" hangingPunct="1">
+              <a:lnSpc>
+                <a:spcPct val="100000"/>
+              </a:lnSpc>
+              <a:spcBef>
+                <a:spcPts val="0"/>
+              </a:spcBef>
+              <a:spcAft>
+                <a:spcPts val="0"/>
+              </a:spcAft>
+              <a:buClrTx/>
+              <a:buSzTx/>
+              <a:buFontTx/>
+              <a:buNone/>
+              <a:tabLst/>
+              <a:defRPr/>
+            </a:pPr>
+            <a:endParaRPr kumimoji="0" lang="zh-CN" altLang="en-US" sz="2087" b="0" i="0" u="none" strike="noStrike" kern="1200" cap="none" spc="0" normalizeH="0" baseline="0" noProof="0">
+              <a:ln>
+                <a:noFill/>
+              </a:ln>
               <a:solidFill>
                 <a:prstClr val="white"/>
               </a:solidFill>
+              <a:effectLst/>
+              <a:uLnTx/>
+              <a:uFillTx/>
               <a:latin typeface="Calibri"/>
               <a:ea typeface="宋体" panose="02010600030101010101" pitchFamily="2" charset="-122"/>
+              <a:cs typeface="+mn-cs"/>
             </a:endParaRPr>
           </a:p>
         </p:txBody>
@@ -17000,7 +17023,7 @@
         </p:nvSpPr>
         <p:spPr>
           <a:xfrm>
-            <a:off x="1726671" y="5207396"/>
+            <a:off x="1785663" y="5158236"/>
             <a:ext cx="1183677" cy="267593"/>
           </a:xfrm>
           <a:prstGeom prst="rect">
@@ -17033,13 +17056,36 @@
           <a:bodyPr rtlCol="0" anchor="ctr"/>
           <a:lstStyle/>
           <a:p>
-            <a:pPr algn="ctr" defTabSz="1058044"/>
-            <a:endParaRPr lang="zh-CN" altLang="en-US" sz="2087">
+            <a:pPr marL="0" marR="0" lvl="0" indent="0" algn="ctr" defTabSz="1058044" rtl="0" eaLnBrk="1" fontAlgn="auto" latinLnBrk="0" hangingPunct="1">
+              <a:lnSpc>
+                <a:spcPct val="100000"/>
+              </a:lnSpc>
+              <a:spcBef>
+                <a:spcPts val="0"/>
+              </a:spcBef>
+              <a:spcAft>
+                <a:spcPts val="0"/>
+              </a:spcAft>
+              <a:buClrTx/>
+              <a:buSzTx/>
+              <a:buFontTx/>
+              <a:buNone/>
+              <a:tabLst/>
+              <a:defRPr/>
+            </a:pPr>
+            <a:endParaRPr kumimoji="0" lang="zh-CN" altLang="en-US" sz="2087" b="0" i="0" u="none" strike="noStrike" kern="1200" cap="none" spc="0" normalizeH="0" baseline="0" noProof="0">
+              <a:ln>
+                <a:noFill/>
+              </a:ln>
               <a:solidFill>
                 <a:prstClr val="white"/>
               </a:solidFill>
+              <a:effectLst/>
+              <a:uLnTx/>
+              <a:uFillTx/>
               <a:latin typeface="Calibri"/>
               <a:ea typeface="宋体" panose="02010600030101010101" pitchFamily="2" charset="-122"/>
+              <a:cs typeface="+mn-cs"/>
             </a:endParaRPr>
           </a:p>
         </p:txBody>
@@ -17058,8 +17104,8 @@
         </p:nvSpPr>
         <p:spPr>
           <a:xfrm>
-            <a:off x="628998" y="446352"/>
-            <a:ext cx="4345407" cy="571576"/>
+            <a:off x="678159" y="220212"/>
+            <a:ext cx="4306796" cy="683793"/>
           </a:xfrm>
           <a:prstGeom prst="rect">
             <a:avLst/>
@@ -17091,13 +17137,36 @@
           <a:bodyPr rtlCol="0" anchor="ctr"/>
           <a:lstStyle/>
           <a:p>
-            <a:pPr algn="ctr" defTabSz="1076709"/>
-            <a:endParaRPr lang="zh-CN" altLang="en-US" sz="2087">
+            <a:pPr marL="0" marR="0" lvl="0" indent="0" algn="ctr" defTabSz="1076709" rtl="0" eaLnBrk="1" fontAlgn="auto" latinLnBrk="0" hangingPunct="1">
+              <a:lnSpc>
+                <a:spcPct val="100000"/>
+              </a:lnSpc>
+              <a:spcBef>
+                <a:spcPts val="0"/>
+              </a:spcBef>
+              <a:spcAft>
+                <a:spcPts val="0"/>
+              </a:spcAft>
+              <a:buClrTx/>
+              <a:buSzTx/>
+              <a:buFontTx/>
+              <a:buNone/>
+              <a:tabLst/>
+              <a:defRPr/>
+            </a:pPr>
+            <a:endParaRPr kumimoji="0" lang="zh-CN" altLang="en-US" sz="2087" b="0" i="0" u="none" strike="noStrike" kern="1200" cap="none" spc="0" normalizeH="0" baseline="0" noProof="0">
+              <a:ln>
+                <a:noFill/>
+              </a:ln>
               <a:solidFill>
                 <a:prstClr val="white"/>
               </a:solidFill>
+              <a:effectLst/>
+              <a:uLnTx/>
+              <a:uFillTx/>
               <a:latin typeface="Calibri"/>
               <a:ea typeface="宋体" panose="02010600030101010101" pitchFamily="2" charset="-122"/>
+              <a:cs typeface="+mn-cs"/>
             </a:endParaRPr>
           </a:p>
         </p:txBody>
@@ -17116,7 +17185,7 @@
         </p:nvSpPr>
         <p:spPr>
           <a:xfrm>
-            <a:off x="3770271" y="5172790"/>
+            <a:off x="3858759" y="5143294"/>
             <a:ext cx="1090404" cy="326759"/>
           </a:xfrm>
           <a:prstGeom prst="rect">
@@ -17149,13 +17218,36 @@
           <a:bodyPr rtlCol="0" anchor="ctr"/>
           <a:lstStyle/>
           <a:p>
-            <a:pPr algn="ctr" defTabSz="1076709"/>
-            <a:endParaRPr lang="zh-CN" altLang="en-US" sz="2087">
+            <a:pPr marL="0" marR="0" lvl="0" indent="0" algn="ctr" defTabSz="1076709" rtl="0" eaLnBrk="1" fontAlgn="auto" latinLnBrk="0" hangingPunct="1">
+              <a:lnSpc>
+                <a:spcPct val="100000"/>
+              </a:lnSpc>
+              <a:spcBef>
+                <a:spcPts val="0"/>
+              </a:spcBef>
+              <a:spcAft>
+                <a:spcPts val="0"/>
+              </a:spcAft>
+              <a:buClrTx/>
+              <a:buSzTx/>
+              <a:buFontTx/>
+              <a:buNone/>
+              <a:tabLst/>
+              <a:defRPr/>
+            </a:pPr>
+            <a:endParaRPr kumimoji="0" lang="zh-CN" altLang="en-US" sz="2087" b="0" i="0" u="none" strike="noStrike" kern="1200" cap="none" spc="0" normalizeH="0" baseline="0" noProof="0">
+              <a:ln>
+                <a:noFill/>
+              </a:ln>
               <a:solidFill>
                 <a:prstClr val="white"/>
               </a:solidFill>
+              <a:effectLst/>
+              <a:uLnTx/>
+              <a:uFillTx/>
               <a:latin typeface="Calibri"/>
               <a:ea typeface="宋体" panose="02010600030101010101" pitchFamily="2" charset="-122"/>
+              <a:cs typeface="+mn-cs"/>
             </a:endParaRPr>
           </a:p>
         </p:txBody>
@@ -17174,7 +17266,7 @@
         </p:nvSpPr>
         <p:spPr>
           <a:xfrm>
-            <a:off x="1650622" y="6129435"/>
+            <a:off x="1739112" y="6129435"/>
             <a:ext cx="954926" cy="267593"/>
           </a:xfrm>
           <a:prstGeom prst="rect">
@@ -17207,13 +17299,36 @@
           <a:bodyPr rtlCol="0" anchor="ctr"/>
           <a:lstStyle/>
           <a:p>
-            <a:pPr algn="ctr" defTabSz="1076709"/>
-            <a:endParaRPr lang="zh-CN" altLang="en-US" sz="2087">
+            <a:pPr marL="0" marR="0" lvl="0" indent="0" algn="ctr" defTabSz="1076709" rtl="0" eaLnBrk="1" fontAlgn="auto" latinLnBrk="0" hangingPunct="1">
+              <a:lnSpc>
+                <a:spcPct val="100000"/>
+              </a:lnSpc>
+              <a:spcBef>
+                <a:spcPts val="0"/>
+              </a:spcBef>
+              <a:spcAft>
+                <a:spcPts val="0"/>
+              </a:spcAft>
+              <a:buClrTx/>
+              <a:buSzTx/>
+              <a:buFontTx/>
+              <a:buNone/>
+              <a:tabLst/>
+              <a:defRPr/>
+            </a:pPr>
+            <a:endParaRPr kumimoji="0" lang="zh-CN" altLang="en-US" sz="2087" b="0" i="0" u="none" strike="noStrike" kern="1200" cap="none" spc="0" normalizeH="0" baseline="0" noProof="0">
+              <a:ln>
+                <a:noFill/>
+              </a:ln>
               <a:solidFill>
                 <a:prstClr val="white"/>
               </a:solidFill>
+              <a:effectLst/>
+              <a:uLnTx/>
+              <a:uFillTx/>
               <a:latin typeface="Calibri"/>
               <a:ea typeface="宋体" panose="02010600030101010101" pitchFamily="2" charset="-122"/>
+              <a:cs typeface="+mn-cs"/>
             </a:endParaRPr>
           </a:p>
         </p:txBody>
@@ -17232,7 +17347,7 @@
         </p:nvGrpSpPr>
         <p:grpSpPr>
           <a:xfrm>
-            <a:off x="704232" y="1180167"/>
+            <a:off x="782888" y="1101511"/>
             <a:ext cx="4647006" cy="569433"/>
             <a:chOff x="6268919" y="2216369"/>
             <a:chExt cx="5120312" cy="627430"/>
@@ -17285,13 +17400,36 @@
             <a:bodyPr rtlCol="0" anchor="ctr"/>
             <a:lstStyle/>
             <a:p>
-              <a:pPr algn="ctr" defTabSz="977449"/>
-              <a:endParaRPr lang="zh-CN" altLang="en-US" sz="1892">
+              <a:pPr marL="0" marR="0" lvl="0" indent="0" algn="ctr" defTabSz="977449" rtl="0" eaLnBrk="1" fontAlgn="auto" latinLnBrk="0" hangingPunct="1">
+                <a:lnSpc>
+                  <a:spcPct val="100000"/>
+                </a:lnSpc>
+                <a:spcBef>
+                  <a:spcPts val="0"/>
+                </a:spcBef>
+                <a:spcAft>
+                  <a:spcPts val="0"/>
+                </a:spcAft>
+                <a:buClrTx/>
+                <a:buSzTx/>
+                <a:buFontTx/>
+                <a:buNone/>
+                <a:tabLst/>
+                <a:defRPr/>
+              </a:pPr>
+              <a:endParaRPr kumimoji="0" lang="zh-CN" altLang="en-US" sz="1892" b="0" i="0" u="none" strike="noStrike" kern="1200" cap="none" spc="0" normalizeH="0" baseline="0" noProof="0">
+                <a:ln>
+                  <a:noFill/>
+                </a:ln>
                 <a:solidFill>
                   <a:prstClr val="white"/>
                 </a:solidFill>
+                <a:effectLst/>
+                <a:uLnTx/>
+                <a:uFillTx/>
                 <a:latin typeface="Calibri" panose="020F0502020204030204"/>
                 <a:ea typeface="宋体" panose="02010600030101010101" pitchFamily="2" charset="-122"/>
+                <a:cs typeface="+mn-cs"/>
               </a:endParaRPr>
             </a:p>
           </p:txBody>
@@ -17522,50 +17660,90 @@
                 </a:lvl9pPr>
               </a:lstStyle>
               <a:p>
-                <a:pPr marL="0" lvl="1" indent="0" defTabSz="977449">
+                <a:pPr marL="0" marR="0" lvl="1" indent="0" algn="l" defTabSz="977449" rtl="0" eaLnBrk="0" fontAlgn="base" latinLnBrk="0" hangingPunct="0">
+                  <a:lnSpc>
+                    <a:spcPct val="100000"/>
+                  </a:lnSpc>
                   <a:spcBef>
                     <a:spcPts val="0"/>
                   </a:spcBef>
+                  <a:spcAft>
+                    <a:spcPct val="0"/>
+                  </a:spcAft>
                   <a:buClr>
                     <a:srgbClr val="2DA2BF"/>
                   </a:buClr>
                   <a:buSzPct val="68000"/>
+                  <a:buFont typeface="Wingdings" panose="05000000000000000000" pitchFamily="2" charset="2"/>
                   <a:buNone/>
+                  <a:tabLst/>
+                  <a:defRPr/>
                 </a:pPr>
                 <a:r>
-                  <a:rPr lang="en-US" sz="1647" b="1" dirty="0">
+                  <a:rPr kumimoji="0" lang="en-US" sz="1647" b="1" i="0" u="none" strike="noStrike" kern="1200" cap="none" spc="0" normalizeH="0" baseline="0" noProof="0" dirty="0">
+                    <a:ln>
+                      <a:noFill/>
+                    </a:ln>
                     <a:solidFill>
                       <a:srgbClr val="00B0F0"/>
                     </a:solidFill>
+                    <a:effectLst/>
+                    <a:uLnTx/>
+                    <a:uFillTx/>
                     <a:latin typeface="Times New Roman" panose="02020603050405020304" pitchFamily="18" charset="0"/>
+                    <a:ea typeface="+mn-ea"/>
                     <a:cs typeface="Times New Roman" panose="02020603050405020304" pitchFamily="18" charset="0"/>
                   </a:rPr>
                   <a:t>-I</a:t>
                 </a:r>
                 <a:r>
-                  <a:rPr lang="en-US" sz="1647" dirty="0">
+                  <a:rPr kumimoji="0" lang="en-US" sz="1647" b="0" i="0" u="none" strike="noStrike" kern="1200" cap="none" spc="0" normalizeH="0" baseline="0" noProof="0" dirty="0">
+                    <a:ln>
+                      <a:noFill/>
+                    </a:ln>
                     <a:solidFill>
                       <a:srgbClr val="FFFF00"/>
                     </a:solidFill>
+                    <a:effectLst/>
+                    <a:uLnTx/>
+                    <a:uFillTx/>
                     <a:latin typeface="Calibri" panose="020F0502020204030204"/>
+                    <a:ea typeface="+mn-ea"/>
+                    <a:cs typeface="+mn-cs"/>
                   </a:rPr>
                   <a:t> means search file(s) in the specified folder i.e. </a:t>
                 </a:r>
                 <a:r>
-                  <a:rPr lang="en-US" sz="1647" b="1" dirty="0" err="1">
+                  <a:rPr kumimoji="0" lang="en-US" sz="1647" b="1" i="0" u="none" strike="noStrike" kern="1200" cap="none" spc="0" normalizeH="0" baseline="0" noProof="0" dirty="0" err="1">
+                    <a:ln>
+                      <a:noFill/>
+                    </a:ln>
                     <a:solidFill>
                       <a:srgbClr val="00B0F0"/>
                     </a:solidFill>
+                    <a:effectLst/>
+                    <a:uLnTx/>
+                    <a:uFillTx/>
                     <a:latin typeface="Calibri" panose="020F0502020204030204"/>
+                    <a:ea typeface="+mn-ea"/>
+                    <a:cs typeface="+mn-cs"/>
                   </a:rPr>
                   <a:t>inc</a:t>
                 </a:r>
                 <a:r>
-                  <a:rPr lang="en-US" sz="1647" dirty="0">
+                  <a:rPr kumimoji="0" lang="en-US" sz="1647" b="0" i="0" u="none" strike="noStrike" kern="1200" cap="none" spc="0" normalizeH="0" baseline="0" noProof="0" dirty="0">
+                    <a:ln>
+                      <a:noFill/>
+                    </a:ln>
                     <a:solidFill>
                       <a:srgbClr val="FFFF00"/>
                     </a:solidFill>
+                    <a:effectLst/>
+                    <a:uLnTx/>
+                    <a:uFillTx/>
                     <a:latin typeface="Calibri" panose="020F0502020204030204"/>
+                    <a:ea typeface="+mn-ea"/>
+                    <a:cs typeface="+mn-cs"/>
                   </a:rPr>
                   <a:t> folder</a:t>
                 </a:r>
@@ -17685,13 +17863,36 @@
             <a:bodyPr rtlCol="0" anchor="ctr"/>
             <a:lstStyle/>
             <a:p>
-              <a:pPr algn="ctr" defTabSz="1076709"/>
-              <a:endParaRPr lang="zh-CN" altLang="en-US" sz="2087">
+              <a:pPr marL="0" marR="0" lvl="0" indent="0" algn="ctr" defTabSz="1076709" rtl="0" eaLnBrk="1" fontAlgn="auto" latinLnBrk="0" hangingPunct="1">
+                <a:lnSpc>
+                  <a:spcPct val="100000"/>
+                </a:lnSpc>
+                <a:spcBef>
+                  <a:spcPts val="0"/>
+                </a:spcBef>
+                <a:spcAft>
+                  <a:spcPts val="0"/>
+                </a:spcAft>
+                <a:buClrTx/>
+                <a:buSzTx/>
+                <a:buFontTx/>
+                <a:buNone/>
+                <a:tabLst/>
+                <a:defRPr/>
+              </a:pPr>
+              <a:endParaRPr kumimoji="0" lang="zh-CN" altLang="en-US" sz="2087" b="0" i="0" u="none" strike="noStrike" kern="1200" cap="none" spc="0" normalizeH="0" baseline="0" noProof="0">
+                <a:ln>
+                  <a:noFill/>
+                </a:ln>
                 <a:solidFill>
                   <a:prstClr val="white"/>
                 </a:solidFill>
+                <a:effectLst/>
+                <a:uLnTx/>
+                <a:uFillTx/>
                 <a:latin typeface="Calibri"/>
                 <a:ea typeface="宋体" panose="02010600030101010101" pitchFamily="2" charset="-122"/>
+                <a:cs typeface="+mn-cs"/>
               </a:endParaRPr>
             </a:p>
           </p:txBody>
@@ -17911,57 +18112,106 @@
               <a:extLst/>
             </a:lstStyle>
             <a:p>
-              <a:pPr marL="0" lvl="1" indent="0" defTabSz="1076709">
+              <a:pPr marL="0" marR="0" lvl="1" indent="0" algn="l" defTabSz="1076709" rtl="0" eaLnBrk="0" fontAlgn="base" latinLnBrk="0" hangingPunct="0">
+                <a:lnSpc>
+                  <a:spcPct val="100000"/>
+                </a:lnSpc>
                 <a:spcBef>
                   <a:spcPts val="0"/>
                 </a:spcBef>
+                <a:spcAft>
+                  <a:spcPct val="0"/>
+                </a:spcAft>
                 <a:buClr>
                   <a:srgbClr val="2DA2BF"/>
                 </a:buClr>
                 <a:buSzPct val="68000"/>
+                <a:buFont typeface="Wingdings" pitchFamily="2" charset="2"/>
                 <a:buNone/>
+                <a:tabLst/>
+                <a:defRPr/>
               </a:pPr>
               <a:r>
-                <a:rPr lang="en-US" sz="1814" dirty="0">
+                <a:rPr kumimoji="0" lang="en-US" sz="1814" b="0" i="0" u="none" strike="noStrike" kern="1200" cap="none" spc="0" normalizeH="0" baseline="0" noProof="0" dirty="0">
+                  <a:ln>
+                    <a:noFill/>
+                  </a:ln>
                   <a:solidFill>
                     <a:prstClr val="black"/>
                   </a:solidFill>
+                  <a:effectLst/>
+                  <a:uLnTx/>
+                  <a:uFillTx/>
                   <a:latin typeface="Calibri"/>
+                  <a:ea typeface="+mn-ea"/>
+                  <a:cs typeface="+mn-cs"/>
                 </a:rPr>
                 <a:t>All .</a:t>
               </a:r>
               <a:r>
-                <a:rPr lang="en-US" sz="1814" dirty="0" err="1">
+                <a:rPr kumimoji="0" lang="en-US" sz="1814" b="0" i="0" u="none" strike="noStrike" kern="1200" cap="none" spc="0" normalizeH="0" baseline="0" noProof="0" dirty="0" err="1">
+                  <a:ln>
+                    <a:noFill/>
+                  </a:ln>
                   <a:solidFill>
                     <a:prstClr val="black"/>
                   </a:solidFill>
+                  <a:effectLst/>
+                  <a:uLnTx/>
+                  <a:uFillTx/>
                   <a:latin typeface="Calibri"/>
+                  <a:ea typeface="+mn-ea"/>
+                  <a:cs typeface="+mn-cs"/>
                 </a:rPr>
                 <a:t>cpp</a:t>
               </a:r>
               <a:r>
-                <a:rPr lang="en-US" sz="1814" dirty="0">
+                <a:rPr kumimoji="0" lang="en-US" sz="1814" b="0" i="0" u="none" strike="noStrike" kern="1200" cap="none" spc="0" normalizeH="0" baseline="0" noProof="0" dirty="0">
+                  <a:ln>
+                    <a:noFill/>
+                  </a:ln>
                   <a:solidFill>
                     <a:prstClr val="black"/>
                   </a:solidFill>
+                  <a:effectLst/>
+                  <a:uLnTx/>
+                  <a:uFillTx/>
                   <a:latin typeface="Calibri"/>
+                  <a:ea typeface="+mn-ea"/>
+                  <a:cs typeface="+mn-cs"/>
                 </a:rPr>
                 <a:t> files are in </a:t>
               </a:r>
               <a:r>
-                <a:rPr lang="en-US" sz="1814" dirty="0" err="1">
+                <a:rPr kumimoji="0" lang="en-US" sz="1814" b="0" i="0" u="none" strike="noStrike" kern="1200" cap="none" spc="0" normalizeH="0" baseline="0" noProof="0" dirty="0" err="1">
+                  <a:ln>
+                    <a:noFill/>
+                  </a:ln>
                   <a:solidFill>
                     <a:prstClr val="black"/>
                   </a:solidFill>
+                  <a:effectLst/>
+                  <a:uLnTx/>
+                  <a:uFillTx/>
                   <a:latin typeface="Calibri"/>
+                  <a:ea typeface="+mn-ea"/>
+                  <a:cs typeface="+mn-cs"/>
                 </a:rPr>
                 <a:t>src</a:t>
               </a:r>
-              <a:endParaRPr lang="en-US" sz="1814" dirty="0">
+              <a:endParaRPr kumimoji="0" lang="en-US" sz="1814" b="0" i="0" u="none" strike="noStrike" kern="1200" cap="none" spc="0" normalizeH="0" baseline="0" noProof="0" dirty="0">
+                <a:ln>
+                  <a:noFill/>
+                </a:ln>
                 <a:solidFill>
                   <a:prstClr val="black"/>
                 </a:solidFill>
+                <a:effectLst/>
+                <a:uLnTx/>
+                <a:uFillTx/>
                 <a:latin typeface="Calibri"/>
+                <a:ea typeface="+mn-ea"/>
+                <a:cs typeface="+mn-cs"/>
               </a:endParaRPr>
             </a:p>
           </p:txBody>
@@ -18078,13 +18328,36 @@
             <a:bodyPr rtlCol="0" anchor="ctr"/>
             <a:lstStyle/>
             <a:p>
-              <a:pPr algn="ctr" defTabSz="1076709"/>
-              <a:endParaRPr lang="zh-CN" altLang="en-US" sz="2087" dirty="0">
+              <a:pPr marL="0" marR="0" lvl="0" indent="0" algn="ctr" defTabSz="1076709" rtl="0" eaLnBrk="1" fontAlgn="auto" latinLnBrk="0" hangingPunct="1">
+                <a:lnSpc>
+                  <a:spcPct val="100000"/>
+                </a:lnSpc>
+                <a:spcBef>
+                  <a:spcPts val="0"/>
+                </a:spcBef>
+                <a:spcAft>
+                  <a:spcPts val="0"/>
+                </a:spcAft>
+                <a:buClrTx/>
+                <a:buSzTx/>
+                <a:buFontTx/>
+                <a:buNone/>
+                <a:tabLst/>
+                <a:defRPr/>
+              </a:pPr>
+              <a:endParaRPr kumimoji="0" lang="zh-CN" altLang="en-US" sz="2087" b="0" i="0" u="none" strike="noStrike" kern="1200" cap="none" spc="0" normalizeH="0" baseline="0" noProof="0" dirty="0">
+                <a:ln>
+                  <a:noFill/>
+                </a:ln>
                 <a:solidFill>
                   <a:prstClr val="white"/>
                 </a:solidFill>
+                <a:effectLst/>
+                <a:uLnTx/>
+                <a:uFillTx/>
                 <a:latin typeface="Calibri"/>
                 <a:ea typeface="宋体" panose="02010600030101010101" pitchFamily="2" charset="-122"/>
+                <a:cs typeface="+mn-cs"/>
               </a:endParaRPr>
             </a:p>
           </p:txBody>
@@ -18304,39 +18577,72 @@
               <a:extLst/>
             </a:lstStyle>
             <a:p>
-              <a:pPr marL="0" lvl="1" indent="0" defTabSz="1076709">
+              <a:pPr marL="0" marR="0" lvl="1" indent="0" algn="l" defTabSz="1076709" rtl="0" eaLnBrk="0" fontAlgn="base" latinLnBrk="0" hangingPunct="0">
+                <a:lnSpc>
+                  <a:spcPct val="100000"/>
+                </a:lnSpc>
                 <a:spcBef>
                   <a:spcPts val="0"/>
                 </a:spcBef>
+                <a:spcAft>
+                  <a:spcPct val="0"/>
+                </a:spcAft>
                 <a:buClr>
                   <a:srgbClr val="2DA2BF"/>
                 </a:buClr>
                 <a:buSzPct val="68000"/>
+                <a:buFont typeface="Wingdings" pitchFamily="2" charset="2"/>
                 <a:buNone/>
+                <a:tabLst/>
+                <a:defRPr/>
               </a:pPr>
               <a:r>
-                <a:rPr lang="en-US" sz="1814" dirty="0">
+                <a:rPr kumimoji="0" lang="en-US" sz="1814" b="0" i="0" u="none" strike="noStrike" kern="1200" cap="none" spc="0" normalizeH="0" baseline="0" noProof="0" dirty="0">
+                  <a:ln>
+                    <a:noFill/>
+                  </a:ln>
                   <a:solidFill>
                     <a:prstClr val="black"/>
                   </a:solidFill>
+                  <a:effectLst/>
+                  <a:uLnTx/>
+                  <a:uFillTx/>
                   <a:latin typeface="Calibri"/>
+                  <a:ea typeface="+mn-ea"/>
+                  <a:cs typeface="+mn-cs"/>
                 </a:rPr>
                 <a:t>All .h files are in </a:t>
               </a:r>
               <a:r>
-                <a:rPr lang="en-US" sz="1814" dirty="0" err="1">
+                <a:rPr kumimoji="0" lang="en-US" sz="1814" b="0" i="0" u="none" strike="noStrike" kern="1200" cap="none" spc="0" normalizeH="0" baseline="0" noProof="0" dirty="0" err="1">
+                  <a:ln>
+                    <a:noFill/>
+                  </a:ln>
                   <a:solidFill>
                     <a:prstClr val="black"/>
                   </a:solidFill>
+                  <a:effectLst/>
+                  <a:uLnTx/>
+                  <a:uFillTx/>
                   <a:latin typeface="Calibri"/>
+                  <a:ea typeface="+mn-ea"/>
+                  <a:cs typeface="+mn-cs"/>
                 </a:rPr>
                 <a:t>inc</a:t>
               </a:r>
-              <a:endParaRPr lang="en-US" sz="1814" dirty="0">
+              <a:endParaRPr kumimoji="0" lang="en-US" sz="1814" b="0" i="0" u="none" strike="noStrike" kern="1200" cap="none" spc="0" normalizeH="0" baseline="0" noProof="0" dirty="0">
+                <a:ln>
+                  <a:noFill/>
+                </a:ln>
                 <a:solidFill>
                   <a:prstClr val="black"/>
                 </a:solidFill>
+                <a:effectLst/>
+                <a:uLnTx/>
+                <a:uFillTx/>
                 <a:latin typeface="Calibri"/>
+                <a:ea typeface="+mn-ea"/>
+                <a:cs typeface="+mn-cs"/>
               </a:endParaRPr>
             </a:p>
           </p:txBody>
@@ -18591,7 +18897,7 @@
         </p:nvSpPr>
         <p:spPr>
           <a:xfrm>
-            <a:off x="2831690" y="4043774"/>
+            <a:off x="2900514" y="3955286"/>
             <a:ext cx="422787" cy="267593"/>
           </a:xfrm>
           <a:prstGeom prst="ellipse">
@@ -18624,15 +18930,44 @@
           <a:bodyPr rtlCol="0" anchor="ctr"/>
           <a:lstStyle/>
           <a:p>
-            <a:pPr algn="ctr"/>
-            <a:endParaRPr lang="zh-CN" altLang="en-US"/>
+            <a:pPr marL="0" marR="0" lvl="0" indent="0" algn="ctr" defTabSz="914400" rtl="0" eaLnBrk="1" fontAlgn="auto" latinLnBrk="0" hangingPunct="1">
+              <a:lnSpc>
+                <a:spcPct val="100000"/>
+              </a:lnSpc>
+              <a:spcBef>
+                <a:spcPts val="0"/>
+              </a:spcBef>
+              <a:spcAft>
+                <a:spcPts val="0"/>
+              </a:spcAft>
+              <a:buClrTx/>
+              <a:buSzTx/>
+              <a:buFontTx/>
+              <a:buNone/>
+              <a:tabLst/>
+              <a:defRPr/>
+            </a:pPr>
+            <a:endParaRPr kumimoji="0" lang="zh-CN" altLang="en-US" sz="1800" b="0" i="0" u="none" strike="noStrike" kern="1200" cap="none" spc="0" normalizeH="0" baseline="0" noProof="0">
+              <a:ln>
+                <a:noFill/>
+              </a:ln>
+              <a:solidFill>
+                <a:prstClr val="white"/>
+              </a:solidFill>
+              <a:effectLst/>
+              <a:uLnTx/>
+              <a:uFillTx/>
+              <a:latin typeface="Calibri"/>
+              <a:ea typeface="宋体" panose="02010600030101010101" pitchFamily="2" charset="-122"/>
+              <a:cs typeface="+mn-cs"/>
+            </a:endParaRPr>
           </a:p>
         </p:txBody>
       </p:sp>
     </p:spTree>
     <p:extLst>
       <p:ext uri="{BB962C8B-B14F-4D97-AF65-F5344CB8AC3E}">
-        <p14:creationId xmlns:p14="http://schemas.microsoft.com/office/powerpoint/2010/main" val="1116813867"/>
+        <p14:creationId xmlns:p14="http://schemas.microsoft.com/office/powerpoint/2010/main" val="723786580"/>
       </p:ext>
     </p:extLst>
   </p:cSld>
@@ -18763,7 +19098,7 @@
                                           </p:stCondLst>
                                         </p:cTn>
                                         <p:tgtEl>
-                                          <p:spTgt spid="11"/>
+                                          <p:spTgt spid="4"/>
                                         </p:tgtEl>
                                         <p:attrNameLst>
                                           <p:attrName>style.visibility</p:attrName>

--- a/week04/Lab04.pptx
+++ b/week04/Lab04.pptx
@@ -6,7 +6,7 @@
     <p:sldMasterId id="2147483660" r:id="rId2"/>
   </p:sldMasterIdLst>
   <p:notesMasterIdLst>
-    <p:notesMasterId r:id="rId41"/>
+    <p:notesMasterId r:id="rId39"/>
   </p:notesMasterIdLst>
   <p:sldIdLst>
     <p:sldId id="256" r:id="rId3"/>
@@ -40,13 +40,11 @@
     <p:sldId id="783" r:id="rId31"/>
     <p:sldId id="784" r:id="rId32"/>
     <p:sldId id="782" r:id="rId33"/>
-    <p:sldId id="769" r:id="rId34"/>
-    <p:sldId id="773" r:id="rId35"/>
-    <p:sldId id="446" r:id="rId36"/>
-    <p:sldId id="483" r:id="rId37"/>
-    <p:sldId id="572" r:id="rId38"/>
-    <p:sldId id="522" r:id="rId39"/>
-    <p:sldId id="779" r:id="rId40"/>
+    <p:sldId id="446" r:id="rId34"/>
+    <p:sldId id="483" r:id="rId35"/>
+    <p:sldId id="572" r:id="rId36"/>
+    <p:sldId id="522" r:id="rId37"/>
+    <p:sldId id="779" r:id="rId38"/>
   </p:sldIdLst>
   <p:sldSz cx="12192000" cy="6858000"/>
   <p:notesSz cx="6858000" cy="9144000"/>
@@ -193,8 +191,6 @@
             <p14:sldId id="783"/>
             <p14:sldId id="784"/>
             <p14:sldId id="782"/>
-            <p14:sldId id="769"/>
-            <p14:sldId id="773"/>
           </p14:sldIdLst>
         </p14:section>
         <p14:section name="练习" id="{3A72F6A4-5D0A-4006-8B82-35CF2CCEF280}">
@@ -297,7 +293,7 @@
           <a:p>
             <a:fld id="{D1237EF7-A117-46B7-88A8-1B7FB98FF0F2}" type="datetimeFigureOut">
               <a:rPr lang="zh-CN" altLang="en-US" smtClean="0"/>
-              <a:t>2025/3/9</a:t>
+              <a:t>2025/3/11</a:t>
             </a:fld>
             <a:endParaRPr lang="zh-CN" altLang="en-US"/>
           </a:p>
@@ -972,7 +968,7 @@
                 <a:ea typeface="宋体" panose="02010600030101010101" pitchFamily="2" charset="-122"/>
                 <a:cs typeface="+mn-cs"/>
               </a:rPr>
-              <a:t>35</a:t>
+              <a:t>33</a:t>
             </a:fld>
             <a:endParaRPr kumimoji="0" lang="en-US" altLang="zh-CN" sz="1200" b="0" i="0" u="none" strike="noStrike" kern="1200" cap="none" spc="0" normalizeH="0" baseline="0" noProof="0">
               <a:ln>
@@ -1130,7 +1126,7 @@
                 <a:ea typeface="宋体" panose="02010600030101010101" pitchFamily="2" charset="-122"/>
                 <a:cs typeface="+mn-cs"/>
               </a:rPr>
-              <a:t>36</a:t>
+              <a:t>34</a:t>
             </a:fld>
             <a:endParaRPr kumimoji="0" lang="en-US" altLang="zh-CN" sz="1200" b="0" i="0" u="none" strike="noStrike" kern="1200" cap="none" spc="0" normalizeH="0" baseline="0" noProof="0">
               <a:ln>
@@ -2372,7 +2368,7 @@
           <a:p>
             <a:fld id="{FC19A4FA-3D9A-4114-B0D5-759CBD56F1AB}" type="datetimeFigureOut">
               <a:rPr lang="zh-CN" altLang="en-US" smtClean="0"/>
-              <a:t>2025/3/9</a:t>
+              <a:t>2025/3/11</a:t>
             </a:fld>
             <a:endParaRPr lang="zh-CN" altLang="en-US"/>
           </a:p>
@@ -2567,7 +2563,7 @@
           <a:p>
             <a:fld id="{FC19A4FA-3D9A-4114-B0D5-759CBD56F1AB}" type="datetimeFigureOut">
               <a:rPr lang="zh-CN" altLang="en-US" smtClean="0"/>
-              <a:t>2025/3/9</a:t>
+              <a:t>2025/3/11</a:t>
             </a:fld>
             <a:endParaRPr lang="zh-CN" altLang="en-US"/>
           </a:p>
@@ -2741,7 +2737,7 @@
           <a:p>
             <a:fld id="{FC19A4FA-3D9A-4114-B0D5-759CBD56F1AB}" type="datetimeFigureOut">
               <a:rPr lang="zh-CN" altLang="en-US" smtClean="0"/>
-              <a:t>2025/3/9</a:t>
+              <a:t>2025/3/11</a:t>
             </a:fld>
             <a:endParaRPr lang="zh-CN" altLang="en-US"/>
           </a:p>
@@ -2927,7 +2923,7 @@
           <a:p>
             <a:fld id="{FC19A4FA-3D9A-4114-B0D5-759CBD56F1AB}" type="datetimeFigureOut">
               <a:rPr lang="zh-CN" altLang="en-US" smtClean="0"/>
-              <a:t>2025/3/9</a:t>
+              <a:t>2025/3/11</a:t>
             </a:fld>
             <a:endParaRPr lang="zh-CN" altLang="en-US"/>
           </a:p>
@@ -3143,7 +3139,7 @@
           <a:p>
             <a:fld id="{FC19A4FA-3D9A-4114-B0D5-759CBD56F1AB}" type="datetimeFigureOut">
               <a:rPr lang="zh-CN" altLang="en-US" smtClean="0"/>
-              <a:t>2025/3/9</a:t>
+              <a:t>2025/3/11</a:t>
             </a:fld>
             <a:endParaRPr lang="zh-CN" altLang="en-US"/>
           </a:p>
@@ -3401,7 +3397,7 @@
           <a:p>
             <a:fld id="{FC19A4FA-3D9A-4114-B0D5-759CBD56F1AB}" type="datetimeFigureOut">
               <a:rPr lang="zh-CN" altLang="en-US" smtClean="0"/>
-              <a:t>2025/3/9</a:t>
+              <a:t>2025/3/11</a:t>
             </a:fld>
             <a:endParaRPr lang="zh-CN" altLang="en-US"/>
           </a:p>
@@ -3789,7 +3785,7 @@
           <a:p>
             <a:fld id="{FC19A4FA-3D9A-4114-B0D5-759CBD56F1AB}" type="datetimeFigureOut">
               <a:rPr lang="zh-CN" altLang="en-US" smtClean="0"/>
-              <a:t>2025/3/9</a:t>
+              <a:t>2025/3/11</a:t>
             </a:fld>
             <a:endParaRPr lang="zh-CN" altLang="en-US"/>
           </a:p>
@@ -4058,7 +4054,7 @@
           <a:p>
             <a:fld id="{FC19A4FA-3D9A-4114-B0D5-759CBD56F1AB}" type="datetimeFigureOut">
               <a:rPr lang="zh-CN" altLang="en-US" smtClean="0"/>
-              <a:t>2025/3/9</a:t>
+              <a:t>2025/3/11</a:t>
             </a:fld>
             <a:endParaRPr lang="zh-CN" altLang="en-US"/>
           </a:p>
@@ -4199,7 +4195,7 @@
           <a:p>
             <a:fld id="{FC19A4FA-3D9A-4114-B0D5-759CBD56F1AB}" type="datetimeFigureOut">
               <a:rPr lang="zh-CN" altLang="en-US" smtClean="0"/>
-              <a:t>2025/3/9</a:t>
+              <a:t>2025/3/11</a:t>
             </a:fld>
             <a:endParaRPr lang="zh-CN" altLang="en-US"/>
           </a:p>
@@ -4290,7 +4286,7 @@
           <a:p>
             <a:fld id="{FC19A4FA-3D9A-4114-B0D5-759CBD56F1AB}" type="datetimeFigureOut">
               <a:rPr lang="zh-CN" altLang="en-US" smtClean="0"/>
-              <a:t>2025/3/9</a:t>
+              <a:t>2025/3/11</a:t>
             </a:fld>
             <a:endParaRPr lang="zh-CN" altLang="en-US"/>
           </a:p>
@@ -4561,7 +4557,7 @@
           <a:p>
             <a:fld id="{FC19A4FA-3D9A-4114-B0D5-759CBD56F1AB}" type="datetimeFigureOut">
               <a:rPr lang="zh-CN" altLang="en-US" smtClean="0"/>
-              <a:t>2025/3/9</a:t>
+              <a:t>2025/3/11</a:t>
             </a:fld>
             <a:endParaRPr lang="zh-CN" altLang="en-US"/>
           </a:p>
@@ -4746,7 +4742,7 @@
           <a:p>
             <a:fld id="{FC19A4FA-3D9A-4114-B0D5-759CBD56F1AB}" type="datetimeFigureOut">
               <a:rPr lang="zh-CN" altLang="en-US" smtClean="0"/>
-              <a:t>2025/3/9</a:t>
+              <a:t>2025/3/11</a:t>
             </a:fld>
             <a:endParaRPr lang="zh-CN" altLang="en-US"/>
           </a:p>
@@ -5022,7 +5018,7 @@
           <a:p>
             <a:fld id="{FC19A4FA-3D9A-4114-B0D5-759CBD56F1AB}" type="datetimeFigureOut">
               <a:rPr lang="zh-CN" altLang="en-US" smtClean="0"/>
-              <a:t>2025/3/9</a:t>
+              <a:t>2025/3/11</a:t>
             </a:fld>
             <a:endParaRPr lang="zh-CN" altLang="en-US"/>
           </a:p>
@@ -5186,7 +5182,7 @@
           <a:p>
             <a:fld id="{FC19A4FA-3D9A-4114-B0D5-759CBD56F1AB}" type="datetimeFigureOut">
               <a:rPr lang="zh-CN" altLang="en-US" smtClean="0"/>
-              <a:t>2025/3/9</a:t>
+              <a:t>2025/3/11</a:t>
             </a:fld>
             <a:endParaRPr lang="zh-CN" altLang="en-US"/>
           </a:p>
@@ -5360,7 +5356,7 @@
           <a:p>
             <a:fld id="{FC19A4FA-3D9A-4114-B0D5-759CBD56F1AB}" type="datetimeFigureOut">
               <a:rPr lang="zh-CN" altLang="en-US" smtClean="0"/>
-              <a:t>2025/3/9</a:t>
+              <a:t>2025/3/11</a:t>
             </a:fld>
             <a:endParaRPr lang="zh-CN" altLang="en-US"/>
           </a:p>
@@ -5590,7 +5586,7 @@
           <a:p>
             <a:fld id="{FC19A4FA-3D9A-4114-B0D5-759CBD56F1AB}" type="datetimeFigureOut">
               <a:rPr lang="zh-CN" altLang="en-US" smtClean="0"/>
-              <a:t>2025/3/9</a:t>
+              <a:t>2025/3/11</a:t>
             </a:fld>
             <a:endParaRPr lang="zh-CN" altLang="en-US"/>
           </a:p>
@@ -5978,7 +5974,7 @@
           <a:p>
             <a:fld id="{FC19A4FA-3D9A-4114-B0D5-759CBD56F1AB}" type="datetimeFigureOut">
               <a:rPr lang="zh-CN" altLang="en-US" smtClean="0"/>
-              <a:t>2025/3/9</a:t>
+              <a:t>2025/3/11</a:t>
             </a:fld>
             <a:endParaRPr lang="zh-CN" altLang="en-US"/>
           </a:p>
@@ -6247,7 +6243,7 @@
           <a:p>
             <a:fld id="{FC19A4FA-3D9A-4114-B0D5-759CBD56F1AB}" type="datetimeFigureOut">
               <a:rPr lang="zh-CN" altLang="en-US" smtClean="0"/>
-              <a:t>2025/3/9</a:t>
+              <a:t>2025/3/11</a:t>
             </a:fld>
             <a:endParaRPr lang="zh-CN" altLang="en-US"/>
           </a:p>
@@ -6388,7 +6384,7 @@
           <a:p>
             <a:fld id="{FC19A4FA-3D9A-4114-B0D5-759CBD56F1AB}" type="datetimeFigureOut">
               <a:rPr lang="zh-CN" altLang="en-US" smtClean="0"/>
-              <a:t>2025/3/9</a:t>
+              <a:t>2025/3/11</a:t>
             </a:fld>
             <a:endParaRPr lang="zh-CN" altLang="en-US"/>
           </a:p>
@@ -6479,7 +6475,7 @@
           <a:p>
             <a:fld id="{FC19A4FA-3D9A-4114-B0D5-759CBD56F1AB}" type="datetimeFigureOut">
               <a:rPr lang="zh-CN" altLang="en-US" smtClean="0"/>
-              <a:t>2025/3/9</a:t>
+              <a:t>2025/3/11</a:t>
             </a:fld>
             <a:endParaRPr lang="zh-CN" altLang="en-US"/>
           </a:p>
@@ -6750,7 +6746,7 @@
           <a:p>
             <a:fld id="{FC19A4FA-3D9A-4114-B0D5-759CBD56F1AB}" type="datetimeFigureOut">
               <a:rPr lang="zh-CN" altLang="en-US" smtClean="0"/>
-              <a:t>2025/3/9</a:t>
+              <a:t>2025/3/11</a:t>
             </a:fld>
             <a:endParaRPr lang="zh-CN" altLang="en-US"/>
           </a:p>
@@ -6998,7 +6994,7 @@
           <a:p>
             <a:fld id="{FC19A4FA-3D9A-4114-B0D5-759CBD56F1AB}" type="datetimeFigureOut">
               <a:rPr lang="zh-CN" altLang="en-US" smtClean="0"/>
-              <a:t>2025/3/9</a:t>
+              <a:t>2025/3/11</a:t>
             </a:fld>
             <a:endParaRPr lang="zh-CN" altLang="en-US"/>
           </a:p>
@@ -7205,7 +7201,7 @@
           <a:p>
             <a:fld id="{FC19A4FA-3D9A-4114-B0D5-759CBD56F1AB}" type="datetimeFigureOut">
               <a:rPr lang="zh-CN" altLang="en-US" smtClean="0"/>
-              <a:t>2025/3/9</a:t>
+              <a:t>2025/3/11</a:t>
             </a:fld>
             <a:endParaRPr lang="zh-CN" altLang="en-US"/>
           </a:p>
@@ -7780,7 +7776,7 @@
           <a:p>
             <a:fld id="{FC19A4FA-3D9A-4114-B0D5-759CBD56F1AB}" type="datetimeFigureOut">
               <a:rPr lang="zh-CN" altLang="en-US" smtClean="0"/>
-              <a:t>2025/3/9</a:t>
+              <a:t>2025/3/11</a:t>
             </a:fld>
             <a:endParaRPr lang="zh-CN" altLang="en-US"/>
           </a:p>
@@ -14437,20 +14433,25 @@
           <a:lstStyle/>
           <a:p>
             <a:r>
-              <a:rPr lang="en-US" altLang="zh-CN"/>
-              <a:t>1. CMake</a:t>
-            </a:r>
-          </a:p>
-          <a:p>
-            <a:r>
-              <a:rPr lang="en-US" altLang="zh-CN"/>
+              <a:rPr lang="en-US" altLang="zh-CN" dirty="0"/>
+              <a:t>1. </a:t>
+            </a:r>
+            <a:r>
+              <a:rPr lang="en-US" altLang="zh-CN" dirty="0" err="1"/>
+              <a:t>CMake</a:t>
+            </a:r>
+            <a:endParaRPr lang="en-US" altLang="zh-CN" dirty="0"/>
+          </a:p>
+          <a:p>
+            <a:r>
+              <a:rPr lang="en-US" altLang="zh-CN" dirty="0"/>
               <a:t>2. Inputs</a:t>
             </a:r>
           </a:p>
           <a:p>
             <a:pPr lvl="1"/>
             <a:r>
-              <a:rPr lang="en-US" altLang="zh-CN">
+              <a:rPr lang="en-US" altLang="zh-CN" dirty="0">
                 <a:sym typeface="+mn-ea"/>
               </a:rPr>
               <a:t>Command-Line Arguments</a:t>
@@ -14459,43 +14460,36 @@
           <a:p>
             <a:pPr lvl="1"/>
             <a:r>
-              <a:rPr lang="en-US" altLang="zh-CN"/>
+              <a:rPr lang="en-US" altLang="zh-CN" dirty="0"/>
               <a:t>Standard Input</a:t>
             </a:r>
           </a:p>
           <a:p>
             <a:r>
-              <a:rPr lang="en-US" altLang="zh-CN"/>
-              <a:t>3. data storage </a:t>
+              <a:rPr lang="en-US" altLang="zh-CN" dirty="0"/>
+              <a:t>3. Data storage </a:t>
             </a:r>
           </a:p>
           <a:p>
             <a:pPr lvl="1"/>
             <a:r>
-              <a:rPr lang="en-US" altLang="zh-CN" sz="2400"/>
+              <a:rPr lang="en-US" altLang="zh-CN" sz="2400" dirty="0"/>
               <a:t>array, string, struct, union</a:t>
             </a:r>
-          </a:p>
-          <a:p>
-            <a:pPr lvl="1"/>
-            <a:r>
-              <a:rPr lang="en-US" altLang="zh-CN" sz="2400"/>
-              <a:t>big-endian vs little-endian</a:t>
-            </a:r>
-            <a:endParaRPr lang="zh-CN" altLang="en-US"/>
-          </a:p>
-          <a:p>
-            <a:r>
-              <a:rPr lang="en-US" altLang="zh-CN"/>
-              <a:t>4. pracitce  </a:t>
-            </a:r>
-            <a:endParaRPr lang="zh-CN" altLang="en-US"/>
+            <a:endParaRPr lang="zh-CN" altLang="en-US" dirty="0"/>
+          </a:p>
+          <a:p>
+            <a:r>
+              <a:rPr lang="en-US" altLang="zh-CN" dirty="0"/>
+              <a:t>4. Exercises  </a:t>
+            </a:r>
+            <a:endParaRPr lang="zh-CN" altLang="en-US" dirty="0"/>
           </a:p>
           <a:p>
             <a:pPr marL="457200" lvl="1" indent="0">
               <a:buNone/>
             </a:pPr>
-            <a:endParaRPr lang="zh-CN" altLang="en-US"/>
+            <a:endParaRPr lang="zh-CN" altLang="en-US" dirty="0"/>
           </a:p>
         </p:txBody>
       </p:sp>
@@ -22068,96 +22062,66 @@
           <a:lstStyle/>
           <a:p>
             <a:r>
-              <a:rPr lang="en-US" altLang="zh-CN"/>
+              <a:rPr lang="en-US" altLang="zh-CN" dirty="0"/>
               <a:t>2.1.Data storage on construction type</a:t>
             </a:r>
           </a:p>
           <a:p>
             <a:pPr lvl="1"/>
             <a:r>
-              <a:rPr lang="en-US" sz="2400"/>
+              <a:rPr lang="en-US" sz="2400" dirty="0"/>
               <a:t>array: </a:t>
             </a:r>
           </a:p>
           <a:p>
             <a:pPr lvl="2"/>
             <a:r>
-              <a:rPr lang="en-US" altLang="zh-CN" sz="2000"/>
+              <a:rPr lang="en-US" altLang="zh-CN" sz="2000" dirty="0"/>
               <a:t>One dimensional array and two-dimensional array</a:t>
             </a:r>
           </a:p>
           <a:p>
             <a:pPr lvl="1"/>
             <a:r>
-              <a:rPr lang="en-US" sz="2400"/>
+              <a:rPr lang="en-US" sz="2400" dirty="0"/>
               <a:t>string: </a:t>
             </a:r>
           </a:p>
           <a:p>
             <a:pPr lvl="2"/>
             <a:r>
-              <a:rPr lang="en-US" sz="2000"/>
+              <a:rPr lang="en-US" sz="2000" dirty="0"/>
               <a:t>char array vs string</a:t>
             </a:r>
           </a:p>
           <a:p>
             <a:pPr lvl="1"/>
             <a:r>
-              <a:rPr lang="en-US" sz="2400"/>
+              <a:rPr lang="en-US" sz="2400" dirty="0"/>
               <a:t>struct: </a:t>
             </a:r>
           </a:p>
           <a:p>
             <a:pPr lvl="2"/>
             <a:r>
-              <a:rPr lang="en-US" sz="2000"/>
+              <a:rPr lang="en-US" sz="2000" dirty="0"/>
               <a:t>align</a:t>
             </a:r>
           </a:p>
           <a:p>
             <a:pPr lvl="1"/>
             <a:r>
-              <a:rPr lang="en-US" sz="2400"/>
+              <a:rPr lang="en-US" sz="2400" dirty="0"/>
               <a:t>union: </a:t>
             </a:r>
           </a:p>
           <a:p>
             <a:pPr lvl="2"/>
             <a:r>
-              <a:rPr lang="en-US" sz="2000"/>
+              <a:rPr lang="en-US" sz="2000" dirty="0"/>
               <a:t>share</a:t>
             </a:r>
-            <a:endParaRPr lang="en-US" altLang="zh-CN"/>
-          </a:p>
-          <a:p>
-            <a:r>
-              <a:rPr lang="en-US" altLang="zh-CN"/>
-              <a:t>2.2. Data storage details</a:t>
-            </a:r>
-          </a:p>
-          <a:p>
-            <a:pPr lvl="1"/>
-            <a:r>
-              <a:rPr lang="en-US" altLang="zh-CN">
-                <a:sym typeface="+mn-ea"/>
-              </a:rPr>
-              <a:t>big-endian vs small-endian</a:t>
-            </a:r>
-          </a:p>
-          <a:p>
-            <a:pPr lvl="2"/>
-            <a:r>
-              <a:rPr lang="en-US" altLang="zh-CN">
-                <a:sym typeface="+mn-ea"/>
-              </a:rPr>
-              <a:t>Network byte order,  system byte order</a:t>
-            </a:r>
-          </a:p>
-          <a:p>
-            <a:pPr marL="457200" lvl="1" indent="0">
-              <a:buNone/>
-            </a:pPr>
-            <a:endParaRPr lang="zh-CN" altLang="en-US"/>
+            <a:endParaRPr lang="en-US" altLang="zh-CN" dirty="0"/>
           </a:p>
         </p:txBody>
       </p:sp>
@@ -24401,1841 +24365,6 @@
       </p:grpSpPr>
       <p:sp>
         <p:nvSpPr>
-          <p:cNvPr id="2" name="文本框 1"/>
-          <p:cNvSpPr txBox="1"/>
-          <p:nvPr/>
-        </p:nvSpPr>
-        <p:spPr>
-          <a:xfrm>
-            <a:off x="1548986" y="113192"/>
-            <a:ext cx="8874125" cy="521970"/>
-          </a:xfrm>
-          <a:prstGeom prst="rect">
-            <a:avLst/>
-          </a:prstGeom>
-          <a:noFill/>
-        </p:spPr>
-        <p:txBody>
-          <a:bodyPr wrap="none" rtlCol="0">
-            <a:spAutoFit/>
-          </a:bodyPr>
-          <a:lstStyle/>
-          <a:p>
-            <a:pPr algn="l"/>
-            <a:r>
-              <a:rPr lang="en-US" altLang="zh-CN" sz="2800" b="1" dirty="0"/>
-              <a:t>2.2 </a:t>
-            </a:r>
-            <a:r>
-              <a:rPr lang="en-US" altLang="zh-CN" sz="2800" b="1">
-                <a:sym typeface="+mn-ea"/>
-              </a:rPr>
-              <a:t>Data storage details </a:t>
-            </a:r>
-            <a:r>
-              <a:rPr lang="zh-CN" altLang="en-US" sz="2800" b="1">
-                <a:sym typeface="+mn-ea"/>
-              </a:rPr>
-              <a:t>：</a:t>
-            </a:r>
-            <a:r>
-              <a:rPr lang="en-US" altLang="zh-CN" sz="2800" b="1">
-                <a:sym typeface="+mn-ea"/>
-              </a:rPr>
-              <a:t> </a:t>
-            </a:r>
-            <a:r>
-              <a:rPr lang="en-US" altLang="zh-CN" sz="2800" b="1" dirty="0"/>
-              <a:t>Big-Endian  and  Little-Endian(1)</a:t>
-            </a:r>
-            <a:endParaRPr lang="zh-CN" altLang="en-US" sz="2800" b="1" dirty="0"/>
-          </a:p>
-        </p:txBody>
-      </p:sp>
-      <p:sp>
-        <p:nvSpPr>
-          <p:cNvPr id="3" name="文本框 2"/>
-          <p:cNvSpPr txBox="1"/>
-          <p:nvPr/>
-        </p:nvSpPr>
-        <p:spPr>
-          <a:xfrm>
-            <a:off x="1522328" y="693894"/>
-            <a:ext cx="10198847" cy="830997"/>
-          </a:xfrm>
-          <a:prstGeom prst="rect">
-            <a:avLst/>
-          </a:prstGeom>
-          <a:noFill/>
-        </p:spPr>
-        <p:txBody>
-          <a:bodyPr wrap="square" rtlCol="0">
-            <a:spAutoFit/>
-          </a:bodyPr>
-          <a:lstStyle/>
-          <a:p>
-            <a:r>
-              <a:rPr lang="en-US" altLang="zh-CN" sz="2400" b="1" dirty="0"/>
-              <a:t>BE</a:t>
-            </a:r>
-            <a:r>
-              <a:rPr lang="en-US" altLang="zh-CN" sz="2400" dirty="0"/>
-              <a:t> stores the big-end first, the lowest memory address is the biggest.</a:t>
-            </a:r>
-          </a:p>
-          <a:p>
-            <a:r>
-              <a:rPr lang="en-US" altLang="zh-CN" sz="2400" b="1" dirty="0"/>
-              <a:t>LE</a:t>
-            </a:r>
-            <a:r>
-              <a:rPr lang="en-US" altLang="zh-CN" sz="2400" dirty="0"/>
-              <a:t> stores the little-end first, the lowest memory address is the littlest. </a:t>
-            </a:r>
-            <a:endParaRPr lang="zh-CN" altLang="en-US" sz="2400" dirty="0"/>
-          </a:p>
-        </p:txBody>
-      </p:sp>
-      <p:grpSp>
-        <p:nvGrpSpPr>
-          <p:cNvPr id="5" name="组合 4"/>
-          <p:cNvGrpSpPr/>
-          <p:nvPr/>
-        </p:nvGrpSpPr>
-        <p:grpSpPr>
-          <a:xfrm>
-            <a:off x="1735744" y="1909842"/>
-            <a:ext cx="2391869" cy="2064183"/>
-            <a:chOff x="319755" y="2276872"/>
-            <a:chExt cx="2391869" cy="2064183"/>
-          </a:xfrm>
-        </p:grpSpPr>
-        <p:grpSp>
-          <p:nvGrpSpPr>
-            <p:cNvPr id="15" name="组合 14"/>
-            <p:cNvGrpSpPr/>
-            <p:nvPr/>
-          </p:nvGrpSpPr>
-          <p:grpSpPr>
-            <a:xfrm>
-              <a:off x="1338801" y="2491574"/>
-              <a:ext cx="1372823" cy="1849481"/>
-              <a:chOff x="1338801" y="3212976"/>
-              <a:chExt cx="1300815" cy="1849481"/>
-            </a:xfrm>
-          </p:grpSpPr>
-          <p:grpSp>
-            <p:nvGrpSpPr>
-              <p:cNvPr id="9" name="组合 8"/>
-              <p:cNvGrpSpPr/>
-              <p:nvPr/>
-            </p:nvGrpSpPr>
-            <p:grpSpPr>
-              <a:xfrm>
-                <a:off x="1991544" y="3212976"/>
-                <a:ext cx="648072" cy="1849481"/>
-                <a:chOff x="1991544" y="3212976"/>
-                <a:chExt cx="648072" cy="1849481"/>
-              </a:xfrm>
-            </p:grpSpPr>
-            <p:sp>
-              <p:nvSpPr>
-                <p:cNvPr id="4" name="文本框 3"/>
-                <p:cNvSpPr txBox="1"/>
-                <p:nvPr/>
-              </p:nvSpPr>
-              <p:spPr>
-                <a:xfrm>
-                  <a:off x="1991544" y="3212976"/>
-                  <a:ext cx="648072" cy="461665"/>
-                </a:xfrm>
-                <a:prstGeom prst="rect">
-                  <a:avLst/>
-                </a:prstGeom>
-                <a:noFill/>
-                <a:ln>
-                  <a:solidFill>
-                    <a:schemeClr val="tx1"/>
-                  </a:solidFill>
-                </a:ln>
-              </p:spPr>
-              <p:txBody>
-                <a:bodyPr wrap="square" rtlCol="0">
-                  <a:spAutoFit/>
-                </a:bodyPr>
-                <a:lstStyle/>
-                <a:p>
-                  <a:pPr algn="ctr"/>
-                  <a:r>
-                    <a:rPr lang="en-US" altLang="zh-CN" sz="2400" dirty="0"/>
-                    <a:t>44</a:t>
-                  </a:r>
-                  <a:endParaRPr lang="zh-CN" altLang="en-US" sz="2400" dirty="0"/>
-                </a:p>
-              </p:txBody>
-            </p:sp>
-            <p:sp>
-              <p:nvSpPr>
-                <p:cNvPr id="6" name="文本框 5"/>
-                <p:cNvSpPr txBox="1"/>
-                <p:nvPr/>
-              </p:nvSpPr>
-              <p:spPr>
-                <a:xfrm>
-                  <a:off x="1991544" y="3677583"/>
-                  <a:ext cx="648072" cy="461665"/>
-                </a:xfrm>
-                <a:prstGeom prst="rect">
-                  <a:avLst/>
-                </a:prstGeom>
-                <a:noFill/>
-                <a:ln>
-                  <a:solidFill>
-                    <a:schemeClr val="tx1"/>
-                  </a:solidFill>
-                </a:ln>
-              </p:spPr>
-              <p:txBody>
-                <a:bodyPr wrap="square" rtlCol="0">
-                  <a:spAutoFit/>
-                </a:bodyPr>
-                <a:lstStyle/>
-                <a:p>
-                  <a:pPr algn="ctr"/>
-                  <a:r>
-                    <a:rPr lang="en-US" altLang="zh-CN" sz="2400" dirty="0"/>
-                    <a:t>33</a:t>
-                  </a:r>
-                  <a:endParaRPr lang="zh-CN" altLang="en-US" sz="2400" dirty="0"/>
-                </a:p>
-              </p:txBody>
-            </p:sp>
-            <p:sp>
-              <p:nvSpPr>
-                <p:cNvPr id="7" name="文本框 6"/>
-                <p:cNvSpPr txBox="1"/>
-                <p:nvPr/>
-              </p:nvSpPr>
-              <p:spPr>
-                <a:xfrm>
-                  <a:off x="1991544" y="4142311"/>
-                  <a:ext cx="648072" cy="461665"/>
-                </a:xfrm>
-                <a:prstGeom prst="rect">
-                  <a:avLst/>
-                </a:prstGeom>
-                <a:noFill/>
-                <a:ln>
-                  <a:solidFill>
-                    <a:schemeClr val="tx1"/>
-                  </a:solidFill>
-                </a:ln>
-              </p:spPr>
-              <p:txBody>
-                <a:bodyPr wrap="square" rtlCol="0">
-                  <a:spAutoFit/>
-                </a:bodyPr>
-                <a:lstStyle/>
-                <a:p>
-                  <a:pPr algn="ctr"/>
-                  <a:r>
-                    <a:rPr lang="en-US" altLang="zh-CN" sz="2400" dirty="0"/>
-                    <a:t>22</a:t>
-                  </a:r>
-                  <a:endParaRPr lang="zh-CN" altLang="en-US" sz="2400" dirty="0"/>
-                </a:p>
-              </p:txBody>
-            </p:sp>
-            <p:sp>
-              <p:nvSpPr>
-                <p:cNvPr id="8" name="文本框 7"/>
-                <p:cNvSpPr txBox="1"/>
-                <p:nvPr/>
-              </p:nvSpPr>
-              <p:spPr>
-                <a:xfrm>
-                  <a:off x="1991544" y="4600792"/>
-                  <a:ext cx="648072" cy="461665"/>
-                </a:xfrm>
-                <a:prstGeom prst="rect">
-                  <a:avLst/>
-                </a:prstGeom>
-                <a:noFill/>
-                <a:ln>
-                  <a:solidFill>
-                    <a:schemeClr val="tx1"/>
-                  </a:solidFill>
-                </a:ln>
-              </p:spPr>
-              <p:txBody>
-                <a:bodyPr wrap="square" rtlCol="0">
-                  <a:spAutoFit/>
-                </a:bodyPr>
-                <a:lstStyle/>
-                <a:p>
-                  <a:pPr algn="ctr"/>
-                  <a:r>
-                    <a:rPr lang="en-US" altLang="zh-CN" sz="2400" dirty="0"/>
-                    <a:t>11</a:t>
-                  </a:r>
-                  <a:endParaRPr lang="zh-CN" altLang="en-US" sz="2400" dirty="0"/>
-                </a:p>
-              </p:txBody>
-            </p:sp>
-          </p:grpSp>
-          <p:grpSp>
-            <p:nvGrpSpPr>
-              <p:cNvPr id="14" name="组合 13"/>
-              <p:cNvGrpSpPr/>
-              <p:nvPr/>
-            </p:nvGrpSpPr>
-            <p:grpSpPr>
-              <a:xfrm>
-                <a:off x="1338801" y="3284984"/>
-                <a:ext cx="638169" cy="1770704"/>
-                <a:chOff x="1338801" y="3284984"/>
-                <a:chExt cx="638169" cy="1770704"/>
-              </a:xfrm>
-            </p:grpSpPr>
-            <p:sp>
-              <p:nvSpPr>
-                <p:cNvPr id="10" name="文本框 9"/>
-                <p:cNvSpPr txBox="1"/>
-                <p:nvPr/>
-              </p:nvSpPr>
-              <p:spPr>
-                <a:xfrm>
-                  <a:off x="1338801" y="3284984"/>
-                  <a:ext cx="618505" cy="369332"/>
-                </a:xfrm>
-                <a:prstGeom prst="rect">
-                  <a:avLst/>
-                </a:prstGeom>
-                <a:noFill/>
-              </p:spPr>
-              <p:txBody>
-                <a:bodyPr wrap="none" rtlCol="0">
-                  <a:spAutoFit/>
-                </a:bodyPr>
-                <a:lstStyle/>
-                <a:p>
-                  <a:r>
-                    <a:rPr lang="en-US" altLang="zh-CN" dirty="0"/>
-                    <a:t>2003</a:t>
-                  </a:r>
-                  <a:endParaRPr lang="zh-CN" altLang="en-US" dirty="0"/>
-                </a:p>
-              </p:txBody>
-            </p:sp>
-            <p:sp>
-              <p:nvSpPr>
-                <p:cNvPr id="11" name="文本框 10"/>
-                <p:cNvSpPr txBox="1"/>
-                <p:nvPr/>
-              </p:nvSpPr>
-              <p:spPr>
-                <a:xfrm>
-                  <a:off x="1351817" y="3750252"/>
-                  <a:ext cx="618505" cy="369332"/>
-                </a:xfrm>
-                <a:prstGeom prst="rect">
-                  <a:avLst/>
-                </a:prstGeom>
-                <a:noFill/>
-              </p:spPr>
-              <p:txBody>
-                <a:bodyPr wrap="none" rtlCol="0">
-                  <a:spAutoFit/>
-                </a:bodyPr>
-                <a:lstStyle/>
-                <a:p>
-                  <a:r>
-                    <a:rPr lang="en-US" altLang="zh-CN" dirty="0"/>
-                    <a:t>2002</a:t>
-                  </a:r>
-                  <a:endParaRPr lang="zh-CN" altLang="en-US" dirty="0"/>
-                </a:p>
-              </p:txBody>
-            </p:sp>
-            <p:sp>
-              <p:nvSpPr>
-                <p:cNvPr id="12" name="文本框 11"/>
-                <p:cNvSpPr txBox="1"/>
-                <p:nvPr/>
-              </p:nvSpPr>
-              <p:spPr>
-                <a:xfrm>
-                  <a:off x="1338801" y="4221628"/>
-                  <a:ext cx="618505" cy="369332"/>
-                </a:xfrm>
-                <a:prstGeom prst="rect">
-                  <a:avLst/>
-                </a:prstGeom>
-                <a:noFill/>
-              </p:spPr>
-              <p:txBody>
-                <a:bodyPr wrap="none" rtlCol="0">
-                  <a:spAutoFit/>
-                </a:bodyPr>
-                <a:lstStyle/>
-                <a:p>
-                  <a:r>
-                    <a:rPr lang="en-US" altLang="zh-CN" dirty="0"/>
-                    <a:t>2001</a:t>
-                  </a:r>
-                  <a:endParaRPr lang="zh-CN" altLang="en-US" dirty="0"/>
-                </a:p>
-              </p:txBody>
-            </p:sp>
-            <p:sp>
-              <p:nvSpPr>
-                <p:cNvPr id="13" name="文本框 12"/>
-                <p:cNvSpPr txBox="1"/>
-                <p:nvPr/>
-              </p:nvSpPr>
-              <p:spPr>
-                <a:xfrm>
-                  <a:off x="1358465" y="4686356"/>
-                  <a:ext cx="618505" cy="369332"/>
-                </a:xfrm>
-                <a:prstGeom prst="rect">
-                  <a:avLst/>
-                </a:prstGeom>
-                <a:noFill/>
-              </p:spPr>
-              <p:txBody>
-                <a:bodyPr wrap="none" rtlCol="0">
-                  <a:spAutoFit/>
-                </a:bodyPr>
-                <a:lstStyle/>
-                <a:p>
-                  <a:r>
-                    <a:rPr lang="en-US" altLang="zh-CN" dirty="0"/>
-                    <a:t>2000</a:t>
-                  </a:r>
-                  <a:endParaRPr lang="zh-CN" altLang="en-US" dirty="0"/>
-                </a:p>
-              </p:txBody>
-            </p:sp>
-          </p:grpSp>
-        </p:grpSp>
-        <p:sp>
-          <p:nvSpPr>
-            <p:cNvPr id="27" name="文本框 26"/>
-            <p:cNvSpPr txBox="1"/>
-            <p:nvPr/>
-          </p:nvSpPr>
-          <p:spPr>
-            <a:xfrm>
-              <a:off x="319755" y="2276872"/>
-              <a:ext cx="1202573" cy="369332"/>
-            </a:xfrm>
-            <a:prstGeom prst="rect">
-              <a:avLst/>
-            </a:prstGeom>
-            <a:noFill/>
-          </p:spPr>
-          <p:txBody>
-            <a:bodyPr wrap="none" rtlCol="0">
-              <a:spAutoFit/>
-            </a:bodyPr>
-            <a:lstStyle/>
-            <a:p>
-              <a:r>
-                <a:rPr lang="en-US" altLang="zh-CN" b="1" dirty="0"/>
-                <a:t>Big-Endian</a:t>
-              </a:r>
-              <a:endParaRPr lang="zh-CN" altLang="en-US" b="1" dirty="0"/>
-            </a:p>
-          </p:txBody>
-        </p:sp>
-      </p:grpSp>
-      <p:grpSp>
-        <p:nvGrpSpPr>
-          <p:cNvPr id="29" name="组合 28"/>
-          <p:cNvGrpSpPr/>
-          <p:nvPr/>
-        </p:nvGrpSpPr>
-        <p:grpSpPr>
-          <a:xfrm>
-            <a:off x="1645991" y="4132798"/>
-            <a:ext cx="2448272" cy="2128820"/>
-            <a:chOff x="263352" y="4499828"/>
-            <a:chExt cx="2448272" cy="2128820"/>
-          </a:xfrm>
-        </p:grpSpPr>
-        <p:grpSp>
-          <p:nvGrpSpPr>
-            <p:cNvPr id="16" name="组合 15"/>
-            <p:cNvGrpSpPr/>
-            <p:nvPr/>
-          </p:nvGrpSpPr>
-          <p:grpSpPr>
-            <a:xfrm>
-              <a:off x="1338801" y="4779167"/>
-              <a:ext cx="1372823" cy="1849481"/>
-              <a:chOff x="1338801" y="3212976"/>
-              <a:chExt cx="1300815" cy="1849481"/>
-            </a:xfrm>
-          </p:grpSpPr>
-          <p:grpSp>
-            <p:nvGrpSpPr>
-              <p:cNvPr id="17" name="组合 16"/>
-              <p:cNvGrpSpPr/>
-              <p:nvPr/>
-            </p:nvGrpSpPr>
-            <p:grpSpPr>
-              <a:xfrm>
-                <a:off x="1991544" y="3212976"/>
-                <a:ext cx="648072" cy="1849481"/>
-                <a:chOff x="1991544" y="3212976"/>
-                <a:chExt cx="648072" cy="1849481"/>
-              </a:xfrm>
-            </p:grpSpPr>
-            <p:sp>
-              <p:nvSpPr>
-                <p:cNvPr id="23" name="文本框 22"/>
-                <p:cNvSpPr txBox="1"/>
-                <p:nvPr/>
-              </p:nvSpPr>
-              <p:spPr>
-                <a:xfrm>
-                  <a:off x="1991544" y="3212976"/>
-                  <a:ext cx="648072" cy="461665"/>
-                </a:xfrm>
-                <a:prstGeom prst="rect">
-                  <a:avLst/>
-                </a:prstGeom>
-                <a:noFill/>
-                <a:ln>
-                  <a:solidFill>
-                    <a:schemeClr val="tx1"/>
-                  </a:solidFill>
-                </a:ln>
-              </p:spPr>
-              <p:txBody>
-                <a:bodyPr wrap="square" rtlCol="0">
-                  <a:spAutoFit/>
-                </a:bodyPr>
-                <a:lstStyle/>
-                <a:p>
-                  <a:pPr algn="ctr"/>
-                  <a:r>
-                    <a:rPr lang="en-US" altLang="zh-CN" sz="2400" dirty="0"/>
-                    <a:t>11</a:t>
-                  </a:r>
-                  <a:endParaRPr lang="zh-CN" altLang="en-US" sz="2400" dirty="0"/>
-                </a:p>
-              </p:txBody>
-            </p:sp>
-            <p:sp>
-              <p:nvSpPr>
-                <p:cNvPr id="24" name="文本框 23"/>
-                <p:cNvSpPr txBox="1"/>
-                <p:nvPr/>
-              </p:nvSpPr>
-              <p:spPr>
-                <a:xfrm>
-                  <a:off x="1991544" y="3677583"/>
-                  <a:ext cx="648072" cy="461665"/>
-                </a:xfrm>
-                <a:prstGeom prst="rect">
-                  <a:avLst/>
-                </a:prstGeom>
-                <a:noFill/>
-                <a:ln>
-                  <a:solidFill>
-                    <a:schemeClr val="tx1"/>
-                  </a:solidFill>
-                </a:ln>
-              </p:spPr>
-              <p:txBody>
-                <a:bodyPr wrap="square" rtlCol="0">
-                  <a:spAutoFit/>
-                </a:bodyPr>
-                <a:lstStyle/>
-                <a:p>
-                  <a:pPr algn="ctr"/>
-                  <a:r>
-                    <a:rPr lang="en-US" altLang="zh-CN" sz="2400" dirty="0"/>
-                    <a:t>22</a:t>
-                  </a:r>
-                  <a:endParaRPr lang="zh-CN" altLang="en-US" sz="2400" dirty="0"/>
-                </a:p>
-              </p:txBody>
-            </p:sp>
-            <p:sp>
-              <p:nvSpPr>
-                <p:cNvPr id="25" name="文本框 24"/>
-                <p:cNvSpPr txBox="1"/>
-                <p:nvPr/>
-              </p:nvSpPr>
-              <p:spPr>
-                <a:xfrm>
-                  <a:off x="1991544" y="4142311"/>
-                  <a:ext cx="648072" cy="461665"/>
-                </a:xfrm>
-                <a:prstGeom prst="rect">
-                  <a:avLst/>
-                </a:prstGeom>
-                <a:noFill/>
-                <a:ln>
-                  <a:solidFill>
-                    <a:schemeClr val="tx1"/>
-                  </a:solidFill>
-                </a:ln>
-              </p:spPr>
-              <p:txBody>
-                <a:bodyPr wrap="square" rtlCol="0">
-                  <a:spAutoFit/>
-                </a:bodyPr>
-                <a:lstStyle/>
-                <a:p>
-                  <a:pPr algn="ctr"/>
-                  <a:r>
-                    <a:rPr lang="en-US" altLang="zh-CN" sz="2400" dirty="0"/>
-                    <a:t>33</a:t>
-                  </a:r>
-                  <a:endParaRPr lang="zh-CN" altLang="en-US" sz="2400" dirty="0"/>
-                </a:p>
-              </p:txBody>
-            </p:sp>
-            <p:sp>
-              <p:nvSpPr>
-                <p:cNvPr id="26" name="文本框 25"/>
-                <p:cNvSpPr txBox="1"/>
-                <p:nvPr/>
-              </p:nvSpPr>
-              <p:spPr>
-                <a:xfrm>
-                  <a:off x="1991544" y="4600792"/>
-                  <a:ext cx="648072" cy="461665"/>
-                </a:xfrm>
-                <a:prstGeom prst="rect">
-                  <a:avLst/>
-                </a:prstGeom>
-                <a:noFill/>
-                <a:ln>
-                  <a:solidFill>
-                    <a:schemeClr val="tx1"/>
-                  </a:solidFill>
-                </a:ln>
-              </p:spPr>
-              <p:txBody>
-                <a:bodyPr wrap="square" rtlCol="0">
-                  <a:spAutoFit/>
-                </a:bodyPr>
-                <a:lstStyle/>
-                <a:p>
-                  <a:pPr algn="ctr"/>
-                  <a:r>
-                    <a:rPr lang="en-US" altLang="zh-CN" sz="2400" dirty="0"/>
-                    <a:t>44</a:t>
-                  </a:r>
-                  <a:endParaRPr lang="zh-CN" altLang="en-US" sz="2400" dirty="0"/>
-                </a:p>
-              </p:txBody>
-            </p:sp>
-          </p:grpSp>
-          <p:grpSp>
-            <p:nvGrpSpPr>
-              <p:cNvPr id="18" name="组合 17"/>
-              <p:cNvGrpSpPr/>
-              <p:nvPr/>
-            </p:nvGrpSpPr>
-            <p:grpSpPr>
-              <a:xfrm>
-                <a:off x="1338801" y="3284984"/>
-                <a:ext cx="638169" cy="1770704"/>
-                <a:chOff x="1338801" y="3284984"/>
-                <a:chExt cx="638169" cy="1770704"/>
-              </a:xfrm>
-            </p:grpSpPr>
-            <p:sp>
-              <p:nvSpPr>
-                <p:cNvPr id="19" name="文本框 18"/>
-                <p:cNvSpPr txBox="1"/>
-                <p:nvPr/>
-              </p:nvSpPr>
-              <p:spPr>
-                <a:xfrm>
-                  <a:off x="1338801" y="3284984"/>
-                  <a:ext cx="618505" cy="369332"/>
-                </a:xfrm>
-                <a:prstGeom prst="rect">
-                  <a:avLst/>
-                </a:prstGeom>
-                <a:noFill/>
-              </p:spPr>
-              <p:txBody>
-                <a:bodyPr wrap="square" rtlCol="0">
-                  <a:spAutoFit/>
-                </a:bodyPr>
-                <a:lstStyle/>
-                <a:p>
-                  <a:r>
-                    <a:rPr lang="en-US" altLang="zh-CN" dirty="0"/>
-                    <a:t>2003</a:t>
-                  </a:r>
-                  <a:endParaRPr lang="zh-CN" altLang="en-US" dirty="0"/>
-                </a:p>
-              </p:txBody>
-            </p:sp>
-            <p:sp>
-              <p:nvSpPr>
-                <p:cNvPr id="20" name="文本框 19"/>
-                <p:cNvSpPr txBox="1"/>
-                <p:nvPr/>
-              </p:nvSpPr>
-              <p:spPr>
-                <a:xfrm>
-                  <a:off x="1351817" y="3750252"/>
-                  <a:ext cx="618505" cy="369332"/>
-                </a:xfrm>
-                <a:prstGeom prst="rect">
-                  <a:avLst/>
-                </a:prstGeom>
-                <a:noFill/>
-              </p:spPr>
-              <p:txBody>
-                <a:bodyPr wrap="none" rtlCol="0">
-                  <a:spAutoFit/>
-                </a:bodyPr>
-                <a:lstStyle/>
-                <a:p>
-                  <a:r>
-                    <a:rPr lang="en-US" altLang="zh-CN" dirty="0"/>
-                    <a:t>2002</a:t>
-                  </a:r>
-                  <a:endParaRPr lang="zh-CN" altLang="en-US" dirty="0"/>
-                </a:p>
-              </p:txBody>
-            </p:sp>
-            <p:sp>
-              <p:nvSpPr>
-                <p:cNvPr id="21" name="文本框 20"/>
-                <p:cNvSpPr txBox="1"/>
-                <p:nvPr/>
-              </p:nvSpPr>
-              <p:spPr>
-                <a:xfrm>
-                  <a:off x="1338801" y="4221628"/>
-                  <a:ext cx="618505" cy="369332"/>
-                </a:xfrm>
-                <a:prstGeom prst="rect">
-                  <a:avLst/>
-                </a:prstGeom>
-                <a:noFill/>
-              </p:spPr>
-              <p:txBody>
-                <a:bodyPr wrap="none" rtlCol="0">
-                  <a:spAutoFit/>
-                </a:bodyPr>
-                <a:lstStyle/>
-                <a:p>
-                  <a:r>
-                    <a:rPr lang="en-US" altLang="zh-CN" dirty="0"/>
-                    <a:t>2001</a:t>
-                  </a:r>
-                  <a:endParaRPr lang="zh-CN" altLang="en-US" dirty="0"/>
-                </a:p>
-              </p:txBody>
-            </p:sp>
-            <p:sp>
-              <p:nvSpPr>
-                <p:cNvPr id="22" name="文本框 21"/>
-                <p:cNvSpPr txBox="1"/>
-                <p:nvPr/>
-              </p:nvSpPr>
-              <p:spPr>
-                <a:xfrm>
-                  <a:off x="1358465" y="4686356"/>
-                  <a:ext cx="618505" cy="369332"/>
-                </a:xfrm>
-                <a:prstGeom prst="rect">
-                  <a:avLst/>
-                </a:prstGeom>
-                <a:noFill/>
-              </p:spPr>
-              <p:txBody>
-                <a:bodyPr wrap="none" rtlCol="0">
-                  <a:spAutoFit/>
-                </a:bodyPr>
-                <a:lstStyle/>
-                <a:p>
-                  <a:r>
-                    <a:rPr lang="en-US" altLang="zh-CN" dirty="0"/>
-                    <a:t>2000</a:t>
-                  </a:r>
-                  <a:endParaRPr lang="zh-CN" altLang="en-US" dirty="0"/>
-                </a:p>
-              </p:txBody>
-            </p:sp>
-          </p:grpSp>
-        </p:grpSp>
-        <p:sp>
-          <p:nvSpPr>
-            <p:cNvPr id="28" name="文本框 27"/>
-            <p:cNvSpPr txBox="1"/>
-            <p:nvPr/>
-          </p:nvSpPr>
-          <p:spPr>
-            <a:xfrm>
-              <a:off x="263352" y="4499828"/>
-              <a:ext cx="1390637" cy="369332"/>
-            </a:xfrm>
-            <a:prstGeom prst="rect">
-              <a:avLst/>
-            </a:prstGeom>
-            <a:noFill/>
-          </p:spPr>
-          <p:txBody>
-            <a:bodyPr wrap="none" rtlCol="0">
-              <a:spAutoFit/>
-            </a:bodyPr>
-            <a:lstStyle/>
-            <a:p>
-              <a:r>
-                <a:rPr lang="en-US" altLang="zh-CN" b="1" dirty="0"/>
-                <a:t>Little-Endian</a:t>
-              </a:r>
-              <a:endParaRPr lang="zh-CN" altLang="en-US" b="1" dirty="0"/>
-            </a:p>
-          </p:txBody>
-        </p:sp>
-      </p:grpSp>
-      <p:sp>
-        <p:nvSpPr>
-          <p:cNvPr id="30" name="文本框 29"/>
-          <p:cNvSpPr txBox="1"/>
-          <p:nvPr/>
-        </p:nvSpPr>
-        <p:spPr>
-          <a:xfrm>
-            <a:off x="5161300" y="1459258"/>
-            <a:ext cx="3556601" cy="5355312"/>
-          </a:xfrm>
-          <a:prstGeom prst="rect">
-            <a:avLst/>
-          </a:prstGeom>
-          <a:solidFill>
-            <a:schemeClr val="accent1">
-              <a:lumMod val="20000"/>
-              <a:lumOff val="80000"/>
-            </a:schemeClr>
-          </a:solidFill>
-        </p:spPr>
-        <p:txBody>
-          <a:bodyPr wrap="square">
-            <a:spAutoFit/>
-          </a:bodyPr>
-          <a:lstStyle/>
-          <a:p>
-            <a:r>
-              <a:rPr lang="en-US" altLang="zh-CN" dirty="0"/>
-              <a:t>#include&lt;stdio.h&gt;</a:t>
-            </a:r>
-          </a:p>
-          <a:p>
-            <a:r>
-              <a:rPr lang="en-US" altLang="zh-CN" dirty="0"/>
-              <a:t>union data</a:t>
-            </a:r>
-          </a:p>
-          <a:p>
-            <a:r>
-              <a:rPr lang="en-US" altLang="zh-CN" dirty="0"/>
-              <a:t>{</a:t>
-            </a:r>
-          </a:p>
-          <a:p>
-            <a:r>
-              <a:rPr lang="en-US" altLang="zh-CN" dirty="0"/>
-              <a:t>    int a;</a:t>
-            </a:r>
-          </a:p>
-          <a:p>
-            <a:r>
-              <a:rPr lang="en-US" altLang="zh-CN" dirty="0"/>
-              <a:t>    char c;</a:t>
-            </a:r>
-          </a:p>
-          <a:p>
-            <a:r>
-              <a:rPr lang="en-US" altLang="zh-CN" dirty="0"/>
-              <a:t>};</a:t>
-            </a:r>
-          </a:p>
-          <a:p>
-            <a:endParaRPr lang="en-US" altLang="zh-CN" dirty="0"/>
-          </a:p>
-          <a:p>
-            <a:r>
-              <a:rPr lang="en-US" altLang="zh-CN" dirty="0"/>
-              <a:t>int main()</a:t>
-            </a:r>
-          </a:p>
-          <a:p>
-            <a:r>
-              <a:rPr lang="en-US" altLang="zh-CN" dirty="0"/>
-              <a:t>{</a:t>
-            </a:r>
-          </a:p>
-          <a:p>
-            <a:r>
-              <a:rPr lang="en-US" altLang="zh-CN" dirty="0"/>
-              <a:t>    union data endian;</a:t>
-            </a:r>
-          </a:p>
-          <a:p>
-            <a:r>
-              <a:rPr lang="en-US" altLang="zh-CN" dirty="0"/>
-              <a:t>    </a:t>
-            </a:r>
-            <a:r>
-              <a:rPr lang="en-US" altLang="zh-CN" dirty="0" err="1"/>
-              <a:t>endian.a</a:t>
-            </a:r>
-            <a:r>
-              <a:rPr lang="en-US" altLang="zh-CN" dirty="0"/>
-              <a:t> = 0x11223344;</a:t>
-            </a:r>
-          </a:p>
-          <a:p>
-            <a:endParaRPr lang="en-US" altLang="zh-CN" dirty="0"/>
-          </a:p>
-          <a:p>
-            <a:r>
-              <a:rPr lang="en-US" altLang="zh-CN" dirty="0"/>
-              <a:t>    if(</a:t>
-            </a:r>
-            <a:r>
-              <a:rPr lang="en-US" altLang="zh-CN" dirty="0" err="1"/>
-              <a:t>endian.c</a:t>
-            </a:r>
-            <a:r>
-              <a:rPr lang="en-US" altLang="zh-CN" dirty="0"/>
-              <a:t> == 0x11)</a:t>
-            </a:r>
-          </a:p>
-          <a:p>
-            <a:r>
-              <a:rPr lang="en-US" altLang="zh-CN" dirty="0"/>
-              <a:t>        </a:t>
-            </a:r>
-            <a:r>
-              <a:rPr lang="en-US" altLang="zh-CN" dirty="0" err="1"/>
-              <a:t>printf</a:t>
-            </a:r>
-            <a:r>
-              <a:rPr lang="en-US" altLang="zh-CN" dirty="0"/>
-              <a:t>("Big-Endian\n");</a:t>
-            </a:r>
-          </a:p>
-          <a:p>
-            <a:r>
-              <a:rPr lang="en-US" altLang="zh-CN" dirty="0"/>
-              <a:t>    else if(</a:t>
-            </a:r>
-            <a:r>
-              <a:rPr lang="en-US" altLang="zh-CN" dirty="0" err="1"/>
-              <a:t>endian.c</a:t>
-            </a:r>
-            <a:r>
-              <a:rPr lang="en-US" altLang="zh-CN" dirty="0"/>
-              <a:t> == 0x44)</a:t>
-            </a:r>
-          </a:p>
-          <a:p>
-            <a:r>
-              <a:rPr lang="en-US" altLang="zh-CN" dirty="0"/>
-              <a:t>        </a:t>
-            </a:r>
-            <a:r>
-              <a:rPr lang="en-US" altLang="zh-CN" dirty="0" err="1"/>
-              <a:t>printf</a:t>
-            </a:r>
-            <a:r>
-              <a:rPr lang="en-US" altLang="zh-CN" dirty="0"/>
-              <a:t>("Little-Endian\n");</a:t>
-            </a:r>
-          </a:p>
-          <a:p>
-            <a:endParaRPr lang="en-US" altLang="zh-CN" dirty="0"/>
-          </a:p>
-          <a:p>
-            <a:r>
-              <a:rPr lang="en-US" altLang="zh-CN" dirty="0"/>
-              <a:t>    return 0;</a:t>
-            </a:r>
-          </a:p>
-          <a:p>
-            <a:r>
-              <a:rPr lang="en-US" altLang="zh-CN" dirty="0"/>
-              <a:t>}</a:t>
-            </a:r>
-            <a:endParaRPr lang="zh-CN" altLang="en-US" dirty="0"/>
-          </a:p>
-        </p:txBody>
-      </p:sp>
-      <p:sp>
-        <p:nvSpPr>
-          <p:cNvPr id="34" name="文本框 33"/>
-          <p:cNvSpPr txBox="1"/>
-          <p:nvPr/>
-        </p:nvSpPr>
-        <p:spPr>
-          <a:xfrm>
-            <a:off x="9051290" y="2548255"/>
-            <a:ext cx="2770505" cy="1568450"/>
-          </a:xfrm>
-          <a:prstGeom prst="rect">
-            <a:avLst/>
-          </a:prstGeom>
-          <a:noFill/>
-        </p:spPr>
-        <p:txBody>
-          <a:bodyPr wrap="square" rtlCol="0">
-            <a:spAutoFit/>
-          </a:bodyPr>
-          <a:lstStyle/>
-          <a:p>
-            <a:r>
-              <a:rPr lang="en-US" altLang="zh-CN" sz="2400" dirty="0"/>
-              <a:t>Q: Run the demo on your system, is your system Big-Endian or Little-Endian?</a:t>
-            </a:r>
-          </a:p>
-        </p:txBody>
-      </p:sp>
-      <p:sp>
-        <p:nvSpPr>
-          <p:cNvPr id="31" name="灯片编号占位符 30"/>
-          <p:cNvSpPr>
-            <a:spLocks noGrp="1"/>
-          </p:cNvSpPr>
-          <p:nvPr>
-            <p:ph type="sldNum" sz="quarter" idx="12"/>
-          </p:nvPr>
-        </p:nvSpPr>
-        <p:spPr/>
-        <p:txBody>
-          <a:bodyPr/>
-          <a:lstStyle/>
-          <a:p>
-            <a:fld id="{506F4176-339E-4C4B-80E4-BBE9C4467EFE}" type="slidenum">
-              <a:rPr lang="zh-CN" altLang="en-US" smtClean="0"/>
-              <a:t>32</a:t>
-            </a:fld>
-            <a:endParaRPr lang="zh-CN" altLang="en-US"/>
-          </a:p>
-        </p:txBody>
-      </p:sp>
-    </p:spTree>
-  </p:cSld>
-  <p:clrMapOvr>
-    <a:masterClrMapping/>
-  </p:clrMapOvr>
-  <p:timing>
-    <p:tnLst>
-      <p:par>
-        <p:cTn id="1" dur="indefinite" restart="never" nodeType="tmRoot">
-          <p:childTnLst>
-            <p:seq concurrent="1" nextAc="seek">
-              <p:cTn id="2" dur="indefinite" nodeType="mainSeq">
-                <p:childTnLst>
-                  <p:par>
-                    <p:cTn id="3" fill="hold">
-                      <p:stCondLst>
-                        <p:cond delay="indefinite"/>
-                      </p:stCondLst>
-                      <p:childTnLst>
-                        <p:par>
-                          <p:cTn id="4" fill="hold">
-                            <p:stCondLst>
-                              <p:cond delay="0"/>
-                            </p:stCondLst>
-                            <p:childTnLst>
-                              <p:par>
-                                <p:cTn id="5" presetID="1" presetClass="entr" presetSubtype="0" fill="hold" grpId="0" nodeType="clickEffect">
-                                  <p:stCondLst>
-                                    <p:cond delay="0"/>
-                                  </p:stCondLst>
-                                  <p:childTnLst>
-                                    <p:set>
-                                      <p:cBhvr>
-                                        <p:cTn id="6" dur="1" fill="hold">
-                                          <p:stCondLst>
-                                            <p:cond delay="0"/>
-                                          </p:stCondLst>
-                                        </p:cTn>
-                                        <p:tgtEl>
-                                          <p:spTgt spid="30"/>
-                                        </p:tgtEl>
-                                        <p:attrNameLst>
-                                          <p:attrName>style.visibility</p:attrName>
-                                        </p:attrNameLst>
-                                      </p:cBhvr>
-                                      <p:to>
-                                        <p:strVal val="visible"/>
-                                      </p:to>
-                                    </p:set>
-                                  </p:childTnLst>
-                                </p:cTn>
-                              </p:par>
-                            </p:childTnLst>
-                          </p:cTn>
-                        </p:par>
-                      </p:childTnLst>
-                    </p:cTn>
-                  </p:par>
-                  <p:par>
-                    <p:cTn id="7" fill="hold">
-                      <p:stCondLst>
-                        <p:cond delay="indefinite"/>
-                      </p:stCondLst>
-                      <p:childTnLst>
-                        <p:par>
-                          <p:cTn id="8" fill="hold">
-                            <p:stCondLst>
-                              <p:cond delay="0"/>
-                            </p:stCondLst>
-                            <p:childTnLst>
-                              <p:par>
-                                <p:cTn id="9" presetID="1" presetClass="entr" presetSubtype="0" fill="hold" nodeType="clickEffect">
-                                  <p:stCondLst>
-                                    <p:cond delay="0"/>
-                                  </p:stCondLst>
-                                  <p:childTnLst>
-                                    <p:set>
-                                      <p:cBhvr>
-                                        <p:cTn id="10" dur="1" fill="hold">
-                                          <p:stCondLst>
-                                            <p:cond delay="0"/>
-                                          </p:stCondLst>
-                                        </p:cTn>
-                                        <p:tgtEl>
-                                          <p:spTgt spid="5"/>
-                                        </p:tgtEl>
-                                        <p:attrNameLst>
-                                          <p:attrName>style.visibility</p:attrName>
-                                        </p:attrNameLst>
-                                      </p:cBhvr>
-                                      <p:to>
-                                        <p:strVal val="visible"/>
-                                      </p:to>
-                                    </p:set>
-                                  </p:childTnLst>
-                                </p:cTn>
-                              </p:par>
-                            </p:childTnLst>
-                          </p:cTn>
-                        </p:par>
-                      </p:childTnLst>
-                    </p:cTn>
-                  </p:par>
-                  <p:par>
-                    <p:cTn id="11" fill="hold">
-                      <p:stCondLst>
-                        <p:cond delay="indefinite"/>
-                      </p:stCondLst>
-                      <p:childTnLst>
-                        <p:par>
-                          <p:cTn id="12" fill="hold">
-                            <p:stCondLst>
-                              <p:cond delay="0"/>
-                            </p:stCondLst>
-                            <p:childTnLst>
-                              <p:par>
-                                <p:cTn id="13" presetID="1" presetClass="entr" presetSubtype="0" fill="hold" nodeType="clickEffect">
-                                  <p:stCondLst>
-                                    <p:cond delay="0"/>
-                                  </p:stCondLst>
-                                  <p:childTnLst>
-                                    <p:set>
-                                      <p:cBhvr>
-                                        <p:cTn id="14" dur="1" fill="hold">
-                                          <p:stCondLst>
-                                            <p:cond delay="0"/>
-                                          </p:stCondLst>
-                                        </p:cTn>
-                                        <p:tgtEl>
-                                          <p:spTgt spid="29"/>
-                                        </p:tgtEl>
-                                        <p:attrNameLst>
-                                          <p:attrName>style.visibility</p:attrName>
-                                        </p:attrNameLst>
-                                      </p:cBhvr>
-                                      <p:to>
-                                        <p:strVal val="visible"/>
-                                      </p:to>
-                                    </p:set>
-                                  </p:childTnLst>
-                                </p:cTn>
-                              </p:par>
-                            </p:childTnLst>
-                          </p:cTn>
-                        </p:par>
-                      </p:childTnLst>
-                    </p:cTn>
-                  </p:par>
-                </p:childTnLst>
-              </p:cTn>
-              <p:prevCondLst>
-                <p:cond evt="onPrev" delay="0">
-                  <p:tgtEl>
-                    <p:sldTgt/>
-                  </p:tgtEl>
-                </p:cond>
-              </p:prevCondLst>
-              <p:nextCondLst>
-                <p:cond evt="onNext" delay="0">
-                  <p:tgtEl>
-                    <p:sldTgt/>
-                  </p:tgtEl>
-                </p:cond>
-              </p:nextCondLst>
-            </p:seq>
-          </p:childTnLst>
-        </p:cTn>
-      </p:par>
-    </p:tnLst>
-    <p:bldLst>
-      <p:bldP spid="30" grpId="0" bldLvl="0" animBg="1"/>
-    </p:bldLst>
-  </p:timing>
-</p:sld>
-</file>
-
-<file path=ppt/slides/slide33.xml><?xml version="1.0" encoding="utf-8"?>
-<p:sld xmlns:a="http://schemas.openxmlformats.org/drawingml/2006/main" xmlns:r="http://schemas.openxmlformats.org/officeDocument/2006/relationships" xmlns:p="http://schemas.openxmlformats.org/presentationml/2006/main">
-  <p:cSld>
-    <p:spTree>
-      <p:nvGrpSpPr>
-        <p:cNvPr id="1" name=""/>
-        <p:cNvGrpSpPr/>
-        <p:nvPr/>
-      </p:nvGrpSpPr>
-      <p:grpSpPr>
-        <a:xfrm>
-          <a:off x="0" y="0"/>
-          <a:ext cx="0" cy="0"/>
-          <a:chOff x="0" y="0"/>
-          <a:chExt cx="0" cy="0"/>
-        </a:xfrm>
-      </p:grpSpPr>
-      <p:sp>
-        <p:nvSpPr>
-          <p:cNvPr id="2" name="文本框 1"/>
-          <p:cNvSpPr txBox="1"/>
-          <p:nvPr/>
-        </p:nvSpPr>
-        <p:spPr>
-          <a:xfrm>
-            <a:off x="1548986" y="177962"/>
-            <a:ext cx="8874125" cy="521970"/>
-          </a:xfrm>
-          <a:prstGeom prst="rect">
-            <a:avLst/>
-          </a:prstGeom>
-          <a:noFill/>
-        </p:spPr>
-        <p:txBody>
-          <a:bodyPr wrap="none" rtlCol="0">
-            <a:spAutoFit/>
-          </a:bodyPr>
-          <a:lstStyle/>
-          <a:p>
-            <a:pPr algn="l"/>
-            <a:r>
-              <a:rPr lang="en-US" altLang="zh-CN" sz="2800" b="1" dirty="0">
-                <a:sym typeface="+mn-ea"/>
-              </a:rPr>
-              <a:t>2.2 </a:t>
-            </a:r>
-            <a:r>
-              <a:rPr lang="en-US" altLang="zh-CN" sz="2800" b="1">
-                <a:sym typeface="+mn-ea"/>
-              </a:rPr>
-              <a:t>Data storage details </a:t>
-            </a:r>
-            <a:r>
-              <a:rPr lang="zh-CN" altLang="en-US" sz="2800" b="1">
-                <a:sym typeface="+mn-ea"/>
-              </a:rPr>
-              <a:t>：</a:t>
-            </a:r>
-            <a:r>
-              <a:rPr lang="en-US" altLang="zh-CN" sz="2800" b="1">
-                <a:sym typeface="+mn-ea"/>
-              </a:rPr>
-              <a:t> </a:t>
-            </a:r>
-            <a:r>
-              <a:rPr lang="en-US" altLang="zh-CN" sz="2800" b="1" dirty="0">
-                <a:sym typeface="+mn-ea"/>
-              </a:rPr>
-              <a:t>Big-Endian  and  Little-Endian(1)</a:t>
-            </a:r>
-            <a:endParaRPr lang="zh-CN" altLang="en-US" sz="2800" b="1" dirty="0"/>
-          </a:p>
-        </p:txBody>
-      </p:sp>
-      <p:sp>
-        <p:nvSpPr>
-          <p:cNvPr id="3" name="文本框 2"/>
-          <p:cNvSpPr txBox="1"/>
-          <p:nvPr/>
-        </p:nvSpPr>
-        <p:spPr>
-          <a:xfrm>
-            <a:off x="1522328" y="693894"/>
-            <a:ext cx="10198847" cy="460375"/>
-          </a:xfrm>
-          <a:prstGeom prst="rect">
-            <a:avLst/>
-          </a:prstGeom>
-          <a:noFill/>
-        </p:spPr>
-        <p:txBody>
-          <a:bodyPr wrap="square" rtlCol="0">
-            <a:spAutoFit/>
-          </a:bodyPr>
-          <a:lstStyle/>
-          <a:p>
-            <a:r>
-              <a:rPr lang="en-US" altLang="zh-CN" sz="2400" dirty="0"/>
-              <a:t> </a:t>
-            </a:r>
-            <a:endParaRPr lang="zh-CN" altLang="en-US" sz="2400" dirty="0"/>
-          </a:p>
-        </p:txBody>
-      </p:sp>
-      <p:sp>
-        <p:nvSpPr>
-          <p:cNvPr id="30" name="文本框 29"/>
-          <p:cNvSpPr txBox="1"/>
-          <p:nvPr/>
-        </p:nvSpPr>
-        <p:spPr>
-          <a:xfrm>
-            <a:off x="1202075" y="1092228"/>
-            <a:ext cx="3556601" cy="5355312"/>
-          </a:xfrm>
-          <a:prstGeom prst="rect">
-            <a:avLst/>
-          </a:prstGeom>
-          <a:solidFill>
-            <a:schemeClr val="accent1">
-              <a:lumMod val="20000"/>
-              <a:lumOff val="80000"/>
-            </a:schemeClr>
-          </a:solidFill>
-        </p:spPr>
-        <p:txBody>
-          <a:bodyPr wrap="square">
-            <a:spAutoFit/>
-          </a:bodyPr>
-          <a:lstStyle/>
-          <a:p>
-            <a:r>
-              <a:rPr lang="en-US" altLang="zh-CN" dirty="0"/>
-              <a:t>#include&lt;stdio.h&gt;</a:t>
-            </a:r>
-          </a:p>
-          <a:p>
-            <a:r>
-              <a:rPr lang="en-US" altLang="zh-CN" dirty="0"/>
-              <a:t>union data</a:t>
-            </a:r>
-          </a:p>
-          <a:p>
-            <a:r>
-              <a:rPr lang="en-US" altLang="zh-CN" dirty="0"/>
-              <a:t>{</a:t>
-            </a:r>
-          </a:p>
-          <a:p>
-            <a:r>
-              <a:rPr lang="en-US" altLang="zh-CN" dirty="0"/>
-              <a:t>    int a;</a:t>
-            </a:r>
-          </a:p>
-          <a:p>
-            <a:r>
-              <a:rPr lang="en-US" altLang="zh-CN" dirty="0"/>
-              <a:t>    char c;</a:t>
-            </a:r>
-          </a:p>
-          <a:p>
-            <a:r>
-              <a:rPr lang="en-US" altLang="zh-CN" dirty="0"/>
-              <a:t>};</a:t>
-            </a:r>
-          </a:p>
-          <a:p>
-            <a:endParaRPr lang="en-US" altLang="zh-CN" dirty="0"/>
-          </a:p>
-          <a:p>
-            <a:r>
-              <a:rPr lang="en-US" altLang="zh-CN" dirty="0"/>
-              <a:t>int main()</a:t>
-            </a:r>
-          </a:p>
-          <a:p>
-            <a:r>
-              <a:rPr lang="en-US" altLang="zh-CN" dirty="0"/>
-              <a:t>{</a:t>
-            </a:r>
-          </a:p>
-          <a:p>
-            <a:r>
-              <a:rPr lang="en-US" altLang="zh-CN" dirty="0"/>
-              <a:t>    union data endian;</a:t>
-            </a:r>
-          </a:p>
-          <a:p>
-            <a:r>
-              <a:rPr lang="en-US" altLang="zh-CN" dirty="0"/>
-              <a:t>    </a:t>
-            </a:r>
-            <a:r>
-              <a:rPr lang="en-US" altLang="zh-CN" dirty="0" err="1"/>
-              <a:t>endian.a</a:t>
-            </a:r>
-            <a:r>
-              <a:rPr lang="en-US" altLang="zh-CN" dirty="0"/>
-              <a:t> = 0x11223344;</a:t>
-            </a:r>
-          </a:p>
-          <a:p>
-            <a:endParaRPr lang="en-US" altLang="zh-CN" dirty="0"/>
-          </a:p>
-          <a:p>
-            <a:r>
-              <a:rPr lang="en-US" altLang="zh-CN" dirty="0"/>
-              <a:t>    if(</a:t>
-            </a:r>
-            <a:r>
-              <a:rPr lang="en-US" altLang="zh-CN" dirty="0" err="1"/>
-              <a:t>endian.c</a:t>
-            </a:r>
-            <a:r>
-              <a:rPr lang="en-US" altLang="zh-CN" dirty="0"/>
-              <a:t> == 0x11)</a:t>
-            </a:r>
-          </a:p>
-          <a:p>
-            <a:r>
-              <a:rPr lang="en-US" altLang="zh-CN" dirty="0"/>
-              <a:t>        </a:t>
-            </a:r>
-            <a:r>
-              <a:rPr lang="en-US" altLang="zh-CN" dirty="0" err="1"/>
-              <a:t>printf</a:t>
-            </a:r>
-            <a:r>
-              <a:rPr lang="en-US" altLang="zh-CN" dirty="0"/>
-              <a:t>("Big-Endian\n");</a:t>
-            </a:r>
-          </a:p>
-          <a:p>
-            <a:r>
-              <a:rPr lang="en-US" altLang="zh-CN" dirty="0"/>
-              <a:t>    else if(</a:t>
-            </a:r>
-            <a:r>
-              <a:rPr lang="en-US" altLang="zh-CN" dirty="0" err="1"/>
-              <a:t>endian.c</a:t>
-            </a:r>
-            <a:r>
-              <a:rPr lang="en-US" altLang="zh-CN" dirty="0"/>
-              <a:t> == 0x44)</a:t>
-            </a:r>
-          </a:p>
-          <a:p>
-            <a:r>
-              <a:rPr lang="en-US" altLang="zh-CN" dirty="0"/>
-              <a:t>        </a:t>
-            </a:r>
-            <a:r>
-              <a:rPr lang="en-US" altLang="zh-CN" dirty="0" err="1"/>
-              <a:t>printf</a:t>
-            </a:r>
-            <a:r>
-              <a:rPr lang="en-US" altLang="zh-CN" dirty="0"/>
-              <a:t>("Little-Endian\n");</a:t>
-            </a:r>
-          </a:p>
-          <a:p>
-            <a:endParaRPr lang="en-US" altLang="zh-CN" dirty="0"/>
-          </a:p>
-          <a:p>
-            <a:r>
-              <a:rPr lang="en-US" altLang="zh-CN" dirty="0"/>
-              <a:t>    return 0;</a:t>
-            </a:r>
-          </a:p>
-          <a:p>
-            <a:r>
-              <a:rPr lang="en-US" altLang="zh-CN" dirty="0"/>
-              <a:t>}</a:t>
-            </a:r>
-            <a:endParaRPr lang="zh-CN" altLang="en-US" dirty="0"/>
-          </a:p>
-        </p:txBody>
-      </p:sp>
-      <p:pic>
-        <p:nvPicPr>
-          <p:cNvPr id="31" name="图片 30"/>
-          <p:cNvPicPr>
-            <a:picLocks noChangeAspect="1"/>
-          </p:cNvPicPr>
-          <p:nvPr/>
-        </p:nvPicPr>
-        <p:blipFill>
-          <a:blip r:embed="rId2"/>
-          <a:stretch>
-            <a:fillRect/>
-          </a:stretch>
-        </p:blipFill>
-        <p:spPr>
-          <a:xfrm>
-            <a:off x="4987290" y="3963035"/>
-            <a:ext cx="3268980" cy="2205355"/>
-          </a:xfrm>
-          <a:prstGeom prst="rect">
-            <a:avLst/>
-          </a:prstGeom>
-        </p:spPr>
-      </p:pic>
-      <p:pic>
-        <p:nvPicPr>
-          <p:cNvPr id="33" name="图片 32"/>
-          <p:cNvPicPr>
-            <a:picLocks noChangeAspect="1"/>
-          </p:cNvPicPr>
-          <p:nvPr/>
-        </p:nvPicPr>
-        <p:blipFill>
-          <a:blip r:embed="rId3"/>
-          <a:stretch>
-            <a:fillRect/>
-          </a:stretch>
-        </p:blipFill>
-        <p:spPr>
-          <a:xfrm>
-            <a:off x="8452485" y="3883025"/>
-            <a:ext cx="3265805" cy="2468880"/>
-          </a:xfrm>
-          <a:prstGeom prst="rect">
-            <a:avLst/>
-          </a:prstGeom>
-        </p:spPr>
-      </p:pic>
-      <p:sp>
-        <p:nvSpPr>
-          <p:cNvPr id="34" name="文本框 33"/>
-          <p:cNvSpPr txBox="1"/>
-          <p:nvPr/>
-        </p:nvSpPr>
-        <p:spPr>
-          <a:xfrm>
-            <a:off x="5063490" y="1092200"/>
-            <a:ext cx="6658610" cy="1969770"/>
-          </a:xfrm>
-          <a:prstGeom prst="rect">
-            <a:avLst/>
-          </a:prstGeom>
-          <a:noFill/>
-        </p:spPr>
-        <p:txBody>
-          <a:bodyPr wrap="square" rtlCol="0">
-            <a:noAutofit/>
-          </a:bodyPr>
-          <a:lstStyle/>
-          <a:p>
-            <a:r>
-              <a:rPr lang="en-US" altLang="zh-CN" sz="2000" dirty="0"/>
-              <a:t>Q: </a:t>
-            </a:r>
-            <a:r>
-              <a:rPr lang="en-US" altLang="zh-CN" sz="2000">
-                <a:sym typeface="+mn-ea"/>
-              </a:rPr>
-              <a:t>Using the command x (for “examine”) to examine memory</a:t>
-            </a:r>
-            <a:r>
-              <a:rPr lang="en-US" altLang="zh-CN" sz="2000" dirty="0"/>
-              <a:t> while debug the executable file(generated by gcc -g option) , if the address of the memory unit and the data stored in the memory unit are as shown in the following figure, is this system </a:t>
-            </a:r>
-            <a:r>
-              <a:rPr lang="en-US" altLang="zh-CN" sz="2000" dirty="0">
-                <a:sym typeface="+mn-ea"/>
-              </a:rPr>
-              <a:t>Big-Endian or Little-Endian?</a:t>
-            </a:r>
-            <a:endParaRPr lang="en-US" altLang="zh-CN" sz="2000" dirty="0"/>
-          </a:p>
-        </p:txBody>
-      </p:sp>
-      <p:cxnSp>
-        <p:nvCxnSpPr>
-          <p:cNvPr id="32" name="曲线连接符 31"/>
-          <p:cNvCxnSpPr/>
-          <p:nvPr/>
-        </p:nvCxnSpPr>
-        <p:spPr>
-          <a:xfrm rot="5400000">
-            <a:off x="5519420" y="3977005"/>
-            <a:ext cx="1174115" cy="412750"/>
-          </a:xfrm>
-          <a:prstGeom prst="curvedConnector3">
-            <a:avLst>
-              <a:gd name="adj1" fmla="val 50000"/>
-            </a:avLst>
-          </a:prstGeom>
-          <a:ln>
-            <a:tailEnd type="arrow"/>
-          </a:ln>
-        </p:spPr>
-        <p:style>
-          <a:lnRef idx="2">
-            <a:schemeClr val="accent1"/>
-          </a:lnRef>
-          <a:fillRef idx="0">
-            <a:srgbClr val="FFFFFF"/>
-          </a:fillRef>
-          <a:effectRef idx="0">
-            <a:srgbClr val="FFFFFF"/>
-          </a:effectRef>
-          <a:fontRef idx="minor">
-            <a:schemeClr val="tx1"/>
-          </a:fontRef>
-        </p:style>
-      </p:cxnSp>
-      <p:cxnSp>
-        <p:nvCxnSpPr>
-          <p:cNvPr id="35" name="曲线连接符 34"/>
-          <p:cNvCxnSpPr/>
-          <p:nvPr/>
-        </p:nvCxnSpPr>
-        <p:spPr>
-          <a:xfrm rot="5400000">
-            <a:off x="6818630" y="3878580"/>
-            <a:ext cx="1162685" cy="674370"/>
-          </a:xfrm>
-          <a:prstGeom prst="curvedConnector3">
-            <a:avLst>
-              <a:gd name="adj1" fmla="val 50000"/>
-            </a:avLst>
-          </a:prstGeom>
-          <a:ln>
-            <a:tailEnd type="arrow"/>
-          </a:ln>
-        </p:spPr>
-        <p:style>
-          <a:lnRef idx="2">
-            <a:schemeClr val="accent1"/>
-          </a:lnRef>
-          <a:fillRef idx="0">
-            <a:srgbClr val="FFFFFF"/>
-          </a:fillRef>
-          <a:effectRef idx="0">
-            <a:srgbClr val="FFFFFF"/>
-          </a:effectRef>
-          <a:fontRef idx="minor">
-            <a:schemeClr val="tx1"/>
-          </a:fontRef>
-        </p:style>
-      </p:cxnSp>
-      <p:sp>
-        <p:nvSpPr>
-          <p:cNvPr id="36" name="文本框 35"/>
-          <p:cNvSpPr txBox="1"/>
-          <p:nvPr/>
-        </p:nvSpPr>
-        <p:spPr>
-          <a:xfrm>
-            <a:off x="5715000" y="3362960"/>
-            <a:ext cx="4064000" cy="368300"/>
-          </a:xfrm>
-          <a:prstGeom prst="rect">
-            <a:avLst/>
-          </a:prstGeom>
-          <a:noFill/>
-        </p:spPr>
-        <p:txBody>
-          <a:bodyPr wrap="square" rtlCol="0">
-            <a:spAutoFit/>
-          </a:bodyPr>
-          <a:lstStyle/>
-          <a:p>
-            <a:r>
-              <a:rPr lang="en-US" altLang="zh-CN"/>
-              <a:t>address                  data</a:t>
-            </a:r>
-          </a:p>
-        </p:txBody>
-      </p:sp>
-      <p:sp>
-        <p:nvSpPr>
-          <p:cNvPr id="37" name="文本框 36"/>
-          <p:cNvSpPr txBox="1"/>
-          <p:nvPr/>
-        </p:nvSpPr>
-        <p:spPr>
-          <a:xfrm>
-            <a:off x="4702175" y="6508115"/>
-            <a:ext cx="7019290" cy="337185"/>
-          </a:xfrm>
-          <a:prstGeom prst="rect">
-            <a:avLst/>
-          </a:prstGeom>
-          <a:noFill/>
-        </p:spPr>
-        <p:txBody>
-          <a:bodyPr wrap="square" rtlCol="0" anchor="t">
-            <a:spAutoFit/>
-          </a:bodyPr>
-          <a:lstStyle/>
-          <a:p>
-            <a:r>
-              <a:rPr lang="en-US" altLang="zh-CN" sz="1600">
-                <a:sym typeface="+mn-ea"/>
-              </a:rPr>
-              <a:t>https://sourceware.org/gdb/current/onlinedocs/gdb.html/Memory.html#Memory</a:t>
-            </a:r>
-          </a:p>
-        </p:txBody>
-      </p:sp>
-      <p:sp>
-        <p:nvSpPr>
-          <p:cNvPr id="4" name="灯片编号占位符 3"/>
-          <p:cNvSpPr>
-            <a:spLocks noGrp="1"/>
-          </p:cNvSpPr>
-          <p:nvPr>
-            <p:ph type="sldNum" sz="quarter" idx="12"/>
-          </p:nvPr>
-        </p:nvSpPr>
-        <p:spPr/>
-        <p:txBody>
-          <a:bodyPr/>
-          <a:lstStyle/>
-          <a:p>
-            <a:fld id="{506F4176-339E-4C4B-80E4-BBE9C4467EFE}" type="slidenum">
-              <a:rPr lang="zh-CN" altLang="en-US" smtClean="0"/>
-              <a:t>33</a:t>
-            </a:fld>
-            <a:endParaRPr lang="zh-CN" altLang="en-US"/>
-          </a:p>
-        </p:txBody>
-      </p:sp>
-    </p:spTree>
-  </p:cSld>
-  <p:clrMapOvr>
-    <a:masterClrMapping/>
-  </p:clrMapOvr>
-  <p:timing>
-    <p:tnLst>
-      <p:par>
-        <p:cTn id="1" dur="indefinite" restart="never" nodeType="tmRoot">
-          <p:childTnLst>
-            <p:seq concurrent="1" nextAc="seek">
-              <p:cTn id="2" dur="indefinite" nodeType="mainSeq">
-                <p:childTnLst>
-                  <p:par>
-                    <p:cTn id="3" fill="hold">
-                      <p:stCondLst>
-                        <p:cond delay="indefinite"/>
-                      </p:stCondLst>
-                      <p:childTnLst>
-                        <p:par>
-                          <p:cTn id="4" fill="hold">
-                            <p:stCondLst>
-                              <p:cond delay="0"/>
-                            </p:stCondLst>
-                            <p:childTnLst>
-                              <p:par>
-                                <p:cTn id="5" presetID="1" presetClass="entr" presetSubtype="0" fill="hold" grpId="0" nodeType="clickEffect">
-                                  <p:stCondLst>
-                                    <p:cond delay="0"/>
-                                  </p:stCondLst>
-                                  <p:childTnLst>
-                                    <p:set>
-                                      <p:cBhvr>
-                                        <p:cTn id="6" dur="1" fill="hold">
-                                          <p:stCondLst>
-                                            <p:cond delay="0"/>
-                                          </p:stCondLst>
-                                        </p:cTn>
-                                        <p:tgtEl>
-                                          <p:spTgt spid="30"/>
-                                        </p:tgtEl>
-                                        <p:attrNameLst>
-                                          <p:attrName>style.visibility</p:attrName>
-                                        </p:attrNameLst>
-                                      </p:cBhvr>
-                                      <p:to>
-                                        <p:strVal val="visible"/>
-                                      </p:to>
-                                    </p:set>
-                                  </p:childTnLst>
-                                </p:cTn>
-                              </p:par>
-                            </p:childTnLst>
-                          </p:cTn>
-                        </p:par>
-                      </p:childTnLst>
-                    </p:cTn>
-                  </p:par>
-                </p:childTnLst>
-              </p:cTn>
-              <p:prevCondLst>
-                <p:cond evt="onPrev" delay="0">
-                  <p:tgtEl>
-                    <p:sldTgt/>
-                  </p:tgtEl>
-                </p:cond>
-              </p:prevCondLst>
-              <p:nextCondLst>
-                <p:cond evt="onNext" delay="0">
-                  <p:tgtEl>
-                    <p:sldTgt/>
-                  </p:tgtEl>
-                </p:cond>
-              </p:nextCondLst>
-            </p:seq>
-          </p:childTnLst>
-        </p:cTn>
-      </p:par>
-    </p:tnLst>
-    <p:bldLst>
-      <p:bldP spid="30" grpId="0" bldLvl="0" animBg="1"/>
-    </p:bldLst>
-  </p:timing>
-</p:sld>
-</file>
-
-<file path=ppt/slides/slide34.xml><?xml version="1.0" encoding="utf-8"?>
-<p:sld xmlns:a="http://schemas.openxmlformats.org/drawingml/2006/main" xmlns:r="http://schemas.openxmlformats.org/officeDocument/2006/relationships" xmlns:p="http://schemas.openxmlformats.org/presentationml/2006/main">
-  <p:cSld>
-    <p:spTree>
-      <p:nvGrpSpPr>
-        <p:cNvPr id="1" name=""/>
-        <p:cNvGrpSpPr/>
-        <p:nvPr/>
-      </p:nvGrpSpPr>
-      <p:grpSpPr>
-        <a:xfrm>
-          <a:off x="0" y="0"/>
-          <a:ext cx="0" cy="0"/>
-          <a:chOff x="0" y="0"/>
-          <a:chExt cx="0" cy="0"/>
-        </a:xfrm>
-      </p:grpSpPr>
-      <p:sp>
-        <p:nvSpPr>
           <p:cNvPr id="2" name="标题 1"/>
           <p:cNvSpPr>
             <a:spLocks noGrp="1"/>
@@ -26421,7 +24550,7 @@
           <a:p>
             <a:fld id="{506F4176-339E-4C4B-80E4-BBE9C4467EFE}" type="slidenum">
               <a:rPr lang="zh-CN" altLang="en-US" smtClean="0"/>
-              <a:t>34</a:t>
+              <a:t>32</a:t>
             </a:fld>
             <a:endParaRPr lang="zh-CN" altLang="en-US"/>
           </a:p>
@@ -26435,7 +24564,7 @@
 </p:sld>
 </file>
 
-<file path=ppt/slides/slide35.xml><?xml version="1.0" encoding="utf-8"?>
+<file path=ppt/slides/slide33.xml><?xml version="1.0" encoding="utf-8"?>
 <p:sld xmlns:a="http://schemas.openxmlformats.org/drawingml/2006/main" xmlns:r="http://schemas.openxmlformats.org/officeDocument/2006/relationships" xmlns:p="http://schemas.openxmlformats.org/presentationml/2006/main">
   <p:cSld>
     <p:spTree>
@@ -27128,7 +25257,7 @@
           <a:p>
             <a:fld id="{506F4176-339E-4C4B-80E4-BBE9C4467EFE}" type="slidenum">
               <a:rPr lang="zh-CN" altLang="en-US" smtClean="0"/>
-              <a:t>35</a:t>
+              <a:t>33</a:t>
             </a:fld>
             <a:endParaRPr lang="zh-CN" altLang="en-US"/>
           </a:p>
@@ -27142,7 +25271,7 @@
 </p:sld>
 </file>
 
-<file path=ppt/slides/slide36.xml><?xml version="1.0" encoding="utf-8"?>
+<file path=ppt/slides/slide34.xml><?xml version="1.0" encoding="utf-8"?>
 <p:sld xmlns:a="http://schemas.openxmlformats.org/drawingml/2006/main" xmlns:r="http://schemas.openxmlformats.org/officeDocument/2006/relationships" xmlns:p="http://schemas.openxmlformats.org/presentationml/2006/main">
   <p:cSld>
     <p:spTree>
@@ -27171,13 +25300,13 @@
         </p:nvSpPr>
         <p:spPr>
           <a:xfrm>
-            <a:off x="4685030" y="1130300"/>
+            <a:off x="8072664" y="1278346"/>
             <a:ext cx="2830830" cy="4679950"/>
           </a:xfrm>
         </p:spPr>
         <p:txBody>
           <a:bodyPr>
-            <a:normAutofit fontScale="80000"/>
+            <a:normAutofit fontScale="95000"/>
           </a:bodyPr>
           <a:lstStyle/>
           <a:p>
@@ -27190,7 +25319,7 @@
             </a:pPr>
             <a:r>
               <a:rPr lang="en-US" dirty="0"/>
-              <a:t>1. Run the program and explain the result to SA. </a:t>
+              <a:t>Run the program and explain the result to SA. </a:t>
             </a:r>
           </a:p>
           <a:p>
@@ -27202,62 +25331,6 @@
               <a:buNone/>
             </a:pPr>
             <a:endParaRPr lang="en-US" dirty="0"/>
-          </a:p>
-          <a:p>
-            <a:pPr marL="128905" lvl="1" indent="0">
-              <a:spcBef>
-                <a:spcPts val="1410"/>
-              </a:spcBef>
-              <a:buSzPct val="68000"/>
-              <a:buNone/>
-            </a:pPr>
-            <a:r>
-              <a:rPr lang="en-US" dirty="0"/>
-              <a:t>2. You can write a program to check whether you system is little-endian or big-endian  or answer the following question:</a:t>
-            </a:r>
-            <a:endParaRPr lang="zh-CN" altLang="en-US" dirty="0"/>
-          </a:p>
-          <a:p>
-            <a:pPr marL="128905" lvl="1" indent="0">
-              <a:spcBef>
-                <a:spcPts val="1410"/>
-              </a:spcBef>
-              <a:buSzPct val="68000"/>
-              <a:buNone/>
-            </a:pPr>
-            <a:r>
-              <a:rPr lang="en-US" altLang="zh-CN" dirty="0"/>
-              <a:t>Q. which demo(s)(</a:t>
-            </a:r>
-            <a:r>
-              <a:rPr lang="en-US" altLang="zh-CN" dirty="0">
-                <a:solidFill>
-                  <a:schemeClr val="bg1">
-                    <a:lumMod val="50000"/>
-                  </a:schemeClr>
-                </a:solidFill>
-              </a:rPr>
-              <a:t>p2_1.c</a:t>
-            </a:r>
-            <a:r>
-              <a:rPr lang="en-US" altLang="zh-CN" dirty="0"/>
-              <a:t> or </a:t>
-            </a:r>
-            <a:r>
-              <a:rPr lang="en-US" altLang="zh-CN" dirty="0">
-                <a:solidFill>
-                  <a:schemeClr val="bg1">
-                    <a:lumMod val="50000"/>
-                  </a:schemeClr>
-                </a:solidFill>
-              </a:rPr>
-              <a:t>p2_2.c</a:t>
-            </a:r>
-            <a:r>
-              <a:rPr lang="en-US" altLang="zh-CN" dirty="0"/>
-              <a:t> or both of them) is(are) suitable to judge the big-endian or little-endian?</a:t>
-            </a:r>
-            <a:endParaRPr lang="zh-CN" altLang="en-US" dirty="0"/>
           </a:p>
         </p:txBody>
       </p:sp>
@@ -27298,8 +25371,8 @@
         </p:nvSpPr>
         <p:spPr>
           <a:xfrm>
-            <a:off x="158817" y="1072190"/>
-            <a:ext cx="4359910" cy="5754370"/>
+            <a:off x="1613149" y="1027918"/>
+            <a:ext cx="5876222" cy="5755422"/>
           </a:xfrm>
           <a:prstGeom prst="rect">
             <a:avLst/>
@@ -27317,7 +25390,7 @@
           </a:ln>
         </p:spPr>
         <p:txBody>
-          <a:bodyPr wrap="none" rtlCol="0">
+          <a:bodyPr wrap="square" rtlCol="0">
             <a:spAutoFit/>
           </a:bodyPr>
           <a:lstStyle/>
@@ -27349,7 +25422,7 @@
                 </a:solidFill>
                 <a:effectLst/>
               </a:rPr>
-              <a:t>//p2_1.c</a:t>
+              <a:t>//p2.c</a:t>
             </a:r>
           </a:p>
           <a:p>
@@ -27791,582 +25864,6 @@
             </a:r>
           </a:p>
           <a:p>
-            <a:r>
-              <a:rPr lang="en-US" altLang="zh-CN" sz="1600" b="0" dirty="0">
-                <a:effectLst/>
-              </a:rPr>
-              <a:t>}</a:t>
-            </a:r>
-          </a:p>
-        </p:txBody>
-      </p:sp>
-      <p:sp>
-        <p:nvSpPr>
-          <p:cNvPr id="2" name="文本框 1"/>
-          <p:cNvSpPr txBox="1"/>
-          <p:nvPr/>
-        </p:nvSpPr>
-        <p:spPr>
-          <a:xfrm>
-            <a:off x="7752147" y="1065205"/>
-            <a:ext cx="4362450" cy="5754370"/>
-          </a:xfrm>
-          <a:prstGeom prst="rect">
-            <a:avLst/>
-          </a:prstGeom>
-          <a:solidFill>
-            <a:schemeClr val="accent5">
-              <a:lumMod val="20000"/>
-              <a:lumOff val="80000"/>
-            </a:schemeClr>
-          </a:solidFill>
-          <a:ln>
-            <a:solidFill>
-              <a:srgbClr val="002060"/>
-            </a:solidFill>
-          </a:ln>
-        </p:spPr>
-        <p:txBody>
-          <a:bodyPr wrap="none" rtlCol="0">
-            <a:spAutoFit/>
-          </a:bodyPr>
-          <a:lstStyle/>
-          <a:p>
-            <a:pPr algn="l"/>
-            <a:r>
-              <a:rPr lang="en-US" altLang="zh-CN" sz="1600" b="0" dirty="0">
-                <a:effectLst/>
-              </a:rPr>
-              <a:t>#include &lt;</a:t>
-            </a:r>
-            <a:r>
-              <a:rPr lang="en-US" altLang="zh-CN" sz="1600" b="0" dirty="0" err="1">
-                <a:effectLst/>
-              </a:rPr>
-              <a:t>stdio.h</a:t>
-            </a:r>
-            <a:r>
-              <a:rPr lang="en-US" altLang="zh-CN" sz="1600" b="0" dirty="0">
-                <a:effectLst/>
-              </a:rPr>
-              <a:t>&gt; </a:t>
-            </a:r>
-            <a:r>
-              <a:rPr lang="en-US" altLang="zh-CN" sz="1600" dirty="0">
-                <a:solidFill>
-                  <a:schemeClr val="bg1">
-                    <a:lumMod val="50000"/>
-                  </a:schemeClr>
-                </a:solidFill>
-                <a:effectLst/>
-                <a:sym typeface="+mn-ea"/>
-              </a:rPr>
-              <a:t>//p2_2.c</a:t>
-            </a:r>
-            <a:endParaRPr lang="en-US" altLang="zh-CN" sz="1600" b="0" dirty="0">
-              <a:effectLst/>
-            </a:endParaRPr>
-          </a:p>
-          <a:p>
-            <a:pPr algn="l"/>
-            <a:br>
-              <a:rPr lang="en-US" altLang="zh-CN" sz="1600" b="0" dirty="0">
-                <a:effectLst/>
-              </a:rPr>
-            </a:br>
-            <a:r>
-              <a:rPr lang="en-US" altLang="zh-CN" sz="1600" b="0" dirty="0">
-                <a:effectLst/>
-                <a:highlight>
-                  <a:srgbClr val="FFFF00"/>
-                </a:highlight>
-              </a:rPr>
-              <a:t>struct </a:t>
-            </a:r>
-            <a:r>
-              <a:rPr lang="en-US" altLang="zh-CN" sz="1600" b="0" dirty="0">
-                <a:effectLst/>
-              </a:rPr>
-              <a:t>data{</a:t>
-            </a:r>
-          </a:p>
-          <a:p>
-            <a:pPr algn="l"/>
-            <a:r>
-              <a:rPr lang="en-US" altLang="zh-CN" sz="1600" b="0" dirty="0">
-                <a:effectLst/>
-              </a:rPr>
-              <a:t>    int n;</a:t>
-            </a:r>
-          </a:p>
-          <a:p>
-            <a:pPr algn="l"/>
-            <a:r>
-              <a:rPr lang="en-US" altLang="zh-CN" sz="1600" b="0" dirty="0">
-                <a:effectLst/>
-              </a:rPr>
-              <a:t>    char </a:t>
-            </a:r>
-            <a:r>
-              <a:rPr lang="en-US" altLang="zh-CN" sz="1600" b="0" dirty="0" err="1">
-                <a:effectLst/>
-              </a:rPr>
-              <a:t>ch</a:t>
-            </a:r>
-            <a:r>
-              <a:rPr lang="en-US" altLang="zh-CN" sz="1600" b="0" dirty="0">
-                <a:effectLst/>
-              </a:rPr>
-              <a:t>;</a:t>
-            </a:r>
-          </a:p>
-          <a:p>
-            <a:pPr algn="l"/>
-            <a:r>
-              <a:rPr lang="en-US" altLang="zh-CN" sz="1600" b="0" dirty="0">
-                <a:effectLst/>
-              </a:rPr>
-              <a:t>    short m;</a:t>
-            </a:r>
-          </a:p>
-          <a:p>
-            <a:pPr algn="l"/>
-            <a:r>
-              <a:rPr lang="en-US" altLang="zh-CN" sz="1600" b="0" dirty="0">
-                <a:effectLst/>
-              </a:rPr>
-              <a:t>};</a:t>
-            </a:r>
-          </a:p>
-          <a:p>
-            <a:pPr algn="l"/>
-            <a:br>
-              <a:rPr lang="en-US" altLang="zh-CN" sz="1600" b="0" dirty="0">
-                <a:effectLst/>
-              </a:rPr>
-            </a:br>
-            <a:r>
-              <a:rPr lang="en-US" altLang="zh-CN" sz="1600" b="0" dirty="0">
-                <a:effectLst/>
-              </a:rPr>
-              <a:t>int main()</a:t>
-            </a:r>
-          </a:p>
-          <a:p>
-            <a:pPr algn="l"/>
-            <a:r>
-              <a:rPr lang="en-US" altLang="zh-CN" sz="1600" b="0" dirty="0">
-                <a:effectLst/>
-              </a:rPr>
-              <a:t>{</a:t>
-            </a:r>
-          </a:p>
-          <a:p>
-            <a:pPr algn="l"/>
-            <a:r>
-              <a:rPr lang="en-US" altLang="zh-CN" sz="1600" b="0" dirty="0">
-                <a:effectLst/>
-              </a:rPr>
-              <a:t>    </a:t>
-            </a:r>
-            <a:r>
-              <a:rPr lang="en-US" altLang="zh-CN" sz="1600" dirty="0">
-                <a:effectLst/>
-                <a:highlight>
-                  <a:srgbClr val="FFFF00"/>
-                </a:highlight>
-                <a:sym typeface="+mn-ea"/>
-              </a:rPr>
-              <a:t>struct </a:t>
-            </a:r>
-            <a:r>
-              <a:rPr lang="en-US" altLang="zh-CN" sz="1600" b="0" dirty="0">
-                <a:effectLst/>
-              </a:rPr>
-              <a:t>data a;</a:t>
-            </a:r>
-          </a:p>
-          <a:p>
-            <a:pPr algn="l"/>
-            <a:r>
-              <a:rPr lang="en-US" altLang="zh-CN" sz="1600" b="0" dirty="0">
-                <a:effectLst/>
-              </a:rPr>
-              <a:t>    </a:t>
-            </a:r>
-            <a:r>
-              <a:rPr lang="en-US" altLang="zh-CN" sz="1600" b="0" dirty="0" err="1">
-                <a:effectLst/>
-              </a:rPr>
-              <a:t>printf</a:t>
-            </a:r>
-            <a:r>
-              <a:rPr lang="en-US" altLang="zh-CN" sz="1600" b="0" dirty="0">
-                <a:effectLst/>
-              </a:rPr>
-              <a:t>("%d, %d\n", </a:t>
-            </a:r>
-            <a:r>
-              <a:rPr lang="en-US" altLang="zh-CN" sz="1600" b="0" dirty="0" err="1">
-                <a:effectLst/>
-              </a:rPr>
-              <a:t>sizeof</a:t>
-            </a:r>
-            <a:r>
-              <a:rPr lang="en-US" altLang="zh-CN" sz="1600" b="0" dirty="0">
-                <a:effectLst/>
-              </a:rPr>
-              <a:t>(a), </a:t>
-            </a:r>
-            <a:r>
-              <a:rPr lang="en-US" altLang="zh-CN" sz="1600" b="0" dirty="0" err="1">
-                <a:effectLst/>
-              </a:rPr>
-              <a:t>sizeof</a:t>
-            </a:r>
-            <a:r>
-              <a:rPr lang="en-US" altLang="zh-CN" sz="1600" b="0" dirty="0">
-                <a:effectLst/>
-              </a:rPr>
-              <a:t>(</a:t>
-            </a:r>
-            <a:r>
-              <a:rPr lang="en-US" altLang="zh-CN" sz="1600" dirty="0">
-                <a:effectLst/>
-                <a:highlight>
-                  <a:srgbClr val="FFFF00"/>
-                </a:highlight>
-                <a:sym typeface="+mn-ea"/>
-              </a:rPr>
-              <a:t>struct </a:t>
-            </a:r>
-            <a:r>
-              <a:rPr lang="en-US" altLang="zh-CN" sz="1600" b="0" dirty="0">
-                <a:effectLst/>
-              </a:rPr>
-              <a:t>data) );</a:t>
-            </a:r>
-          </a:p>
-          <a:p>
-            <a:pPr algn="l"/>
-            <a:r>
-              <a:rPr lang="en-US" altLang="zh-CN" sz="1600" b="0" dirty="0">
-                <a:effectLst/>
-              </a:rPr>
-              <a:t>    </a:t>
-            </a:r>
-            <a:r>
-              <a:rPr lang="en-US" altLang="zh-CN" sz="1600" b="0" dirty="0" err="1">
-                <a:effectLst/>
-              </a:rPr>
-              <a:t>a.n</a:t>
-            </a:r>
-            <a:r>
-              <a:rPr lang="en-US" altLang="zh-CN" sz="1600" b="0" dirty="0">
-                <a:effectLst/>
-              </a:rPr>
-              <a:t> = 0x40;</a:t>
-            </a:r>
-          </a:p>
-          <a:p>
-            <a:pPr algn="l"/>
-            <a:r>
-              <a:rPr lang="en-US" altLang="zh-CN" sz="1600" b="0" dirty="0">
-                <a:effectLst/>
-              </a:rPr>
-              <a:t>    </a:t>
-            </a:r>
-            <a:r>
-              <a:rPr lang="en-US" altLang="zh-CN" sz="1600" b="0" dirty="0" err="1">
-                <a:effectLst/>
-              </a:rPr>
-              <a:t>printf</a:t>
-            </a:r>
-            <a:r>
-              <a:rPr lang="en-US" altLang="zh-CN" sz="1600" b="0" dirty="0">
-                <a:effectLst/>
-              </a:rPr>
-              <a:t>("%X, %c, %</a:t>
-            </a:r>
-            <a:r>
-              <a:rPr lang="en-US" altLang="zh-CN" sz="1600" b="0" dirty="0" err="1">
-                <a:effectLst/>
-              </a:rPr>
-              <a:t>hX</a:t>
-            </a:r>
-            <a:r>
-              <a:rPr lang="en-US" altLang="zh-CN" sz="1600" b="0" dirty="0">
-                <a:effectLst/>
-              </a:rPr>
-              <a:t>\n", </a:t>
-            </a:r>
-            <a:r>
-              <a:rPr lang="en-US" altLang="zh-CN" sz="1600" b="0" dirty="0" err="1">
-                <a:effectLst/>
-              </a:rPr>
-              <a:t>a.n</a:t>
-            </a:r>
-            <a:r>
-              <a:rPr lang="en-US" altLang="zh-CN" sz="1600" b="0" dirty="0">
-                <a:effectLst/>
-              </a:rPr>
-              <a:t>, a.ch, </a:t>
-            </a:r>
-            <a:r>
-              <a:rPr lang="en-US" altLang="zh-CN" sz="1600" b="0" dirty="0" err="1">
-                <a:effectLst/>
-              </a:rPr>
-              <a:t>a.m</a:t>
-            </a:r>
-            <a:r>
-              <a:rPr lang="en-US" altLang="zh-CN" sz="1600" b="0" dirty="0">
-                <a:effectLst/>
-              </a:rPr>
-              <a:t>);</a:t>
-            </a:r>
-          </a:p>
-          <a:p>
-            <a:pPr algn="l"/>
-            <a:r>
-              <a:rPr lang="en-US" altLang="zh-CN" sz="1600" b="0" dirty="0">
-                <a:effectLst/>
-              </a:rPr>
-              <a:t>    a.ch = '9';</a:t>
-            </a:r>
-          </a:p>
-          <a:p>
-            <a:pPr algn="l"/>
-            <a:r>
-              <a:rPr lang="en-US" altLang="zh-CN" sz="1600" b="0" dirty="0">
-                <a:effectLst/>
-              </a:rPr>
-              <a:t>    </a:t>
-            </a:r>
-            <a:r>
-              <a:rPr lang="en-US" altLang="zh-CN" sz="1600" b="0" dirty="0" err="1">
-                <a:effectLst/>
-              </a:rPr>
-              <a:t>printf</a:t>
-            </a:r>
-            <a:r>
-              <a:rPr lang="en-US" altLang="zh-CN" sz="1600" b="0" dirty="0">
-                <a:effectLst/>
-              </a:rPr>
-              <a:t>("%X, %c, %</a:t>
-            </a:r>
-            <a:r>
-              <a:rPr lang="en-US" altLang="zh-CN" sz="1600" b="0" dirty="0" err="1">
-                <a:effectLst/>
-              </a:rPr>
-              <a:t>hX</a:t>
-            </a:r>
-            <a:r>
-              <a:rPr lang="en-US" altLang="zh-CN" sz="1600" b="0" dirty="0">
-                <a:effectLst/>
-              </a:rPr>
-              <a:t>\n", </a:t>
-            </a:r>
-            <a:r>
-              <a:rPr lang="en-US" altLang="zh-CN" sz="1600" b="0" dirty="0" err="1">
-                <a:effectLst/>
-              </a:rPr>
-              <a:t>a.n</a:t>
-            </a:r>
-            <a:r>
-              <a:rPr lang="en-US" altLang="zh-CN" sz="1600" b="0" dirty="0">
-                <a:effectLst/>
-              </a:rPr>
-              <a:t>, a.ch, </a:t>
-            </a:r>
-            <a:r>
-              <a:rPr lang="en-US" altLang="zh-CN" sz="1600" b="0" dirty="0" err="1">
-                <a:effectLst/>
-              </a:rPr>
-              <a:t>a.m</a:t>
-            </a:r>
-            <a:r>
-              <a:rPr lang="en-US" altLang="zh-CN" sz="1600" b="0" dirty="0">
-                <a:effectLst/>
-              </a:rPr>
-              <a:t>);</a:t>
-            </a:r>
-          </a:p>
-          <a:p>
-            <a:pPr algn="l"/>
-            <a:r>
-              <a:rPr lang="en-US" altLang="zh-CN" sz="1600" b="0" dirty="0">
-                <a:effectLst/>
-              </a:rPr>
-              <a:t>    </a:t>
-            </a:r>
-            <a:r>
-              <a:rPr lang="en-US" altLang="zh-CN" sz="1600" b="0" dirty="0" err="1">
-                <a:effectLst/>
-              </a:rPr>
-              <a:t>a.m</a:t>
-            </a:r>
-            <a:r>
-              <a:rPr lang="en-US" altLang="zh-CN" sz="1600" b="0" dirty="0">
-                <a:effectLst/>
-              </a:rPr>
-              <a:t> = 0x2059;</a:t>
-            </a:r>
-          </a:p>
-          <a:p>
-            <a:pPr algn="l"/>
-            <a:r>
-              <a:rPr lang="en-US" altLang="zh-CN" sz="1600" b="0" dirty="0">
-                <a:effectLst/>
-              </a:rPr>
-              <a:t>    </a:t>
-            </a:r>
-            <a:r>
-              <a:rPr lang="en-US" altLang="zh-CN" sz="1600" b="0" dirty="0" err="1">
-                <a:effectLst/>
-              </a:rPr>
-              <a:t>printf</a:t>
-            </a:r>
-            <a:r>
-              <a:rPr lang="en-US" altLang="zh-CN" sz="1600" b="0" dirty="0">
-                <a:effectLst/>
-              </a:rPr>
-              <a:t>("%X, %c, %</a:t>
-            </a:r>
-            <a:r>
-              <a:rPr lang="en-US" altLang="zh-CN" sz="1600" b="0" dirty="0" err="1">
-                <a:effectLst/>
-              </a:rPr>
-              <a:t>hX</a:t>
-            </a:r>
-            <a:r>
-              <a:rPr lang="en-US" altLang="zh-CN" sz="1600" b="0" dirty="0">
-                <a:effectLst/>
-              </a:rPr>
-              <a:t>\n", </a:t>
-            </a:r>
-            <a:r>
-              <a:rPr lang="en-US" altLang="zh-CN" sz="1600" b="0" dirty="0" err="1">
-                <a:effectLst/>
-              </a:rPr>
-              <a:t>a.n</a:t>
-            </a:r>
-            <a:r>
-              <a:rPr lang="en-US" altLang="zh-CN" sz="1600" b="0" dirty="0">
-                <a:effectLst/>
-              </a:rPr>
-              <a:t>, a.ch, </a:t>
-            </a:r>
-            <a:r>
-              <a:rPr lang="en-US" altLang="zh-CN" sz="1600" b="0" dirty="0" err="1">
-                <a:effectLst/>
-              </a:rPr>
-              <a:t>a.m</a:t>
-            </a:r>
-            <a:r>
-              <a:rPr lang="en-US" altLang="zh-CN" sz="1600" b="0" dirty="0">
-                <a:effectLst/>
-              </a:rPr>
-              <a:t>);</a:t>
-            </a:r>
-          </a:p>
-          <a:p>
-            <a:pPr algn="l"/>
-            <a:r>
-              <a:rPr lang="en-US" altLang="zh-CN" sz="1600" b="0" dirty="0">
-                <a:effectLst/>
-              </a:rPr>
-              <a:t>    </a:t>
-            </a:r>
-            <a:r>
-              <a:rPr lang="en-US" altLang="zh-CN" sz="1600" b="0" dirty="0" err="1">
-                <a:effectLst/>
-              </a:rPr>
-              <a:t>a.n</a:t>
-            </a:r>
-            <a:r>
-              <a:rPr lang="en-US" altLang="zh-CN" sz="1600" b="0" dirty="0">
-                <a:effectLst/>
-              </a:rPr>
-              <a:t> = 0x3E25AD54;</a:t>
-            </a:r>
-          </a:p>
-          <a:p>
-            <a:pPr algn="l"/>
-            <a:r>
-              <a:rPr lang="en-US" altLang="zh-CN" sz="1600" b="0" dirty="0">
-                <a:effectLst/>
-              </a:rPr>
-              <a:t>    </a:t>
-            </a:r>
-            <a:r>
-              <a:rPr lang="en-US" altLang="zh-CN" sz="1600" b="0" dirty="0" err="1">
-                <a:effectLst/>
-              </a:rPr>
-              <a:t>printf</a:t>
-            </a:r>
-            <a:r>
-              <a:rPr lang="en-US" altLang="zh-CN" sz="1600" b="0" dirty="0">
-                <a:effectLst/>
-              </a:rPr>
-              <a:t>("%X, %c, %</a:t>
-            </a:r>
-            <a:r>
-              <a:rPr lang="en-US" altLang="zh-CN" sz="1600" b="0" dirty="0" err="1">
-                <a:effectLst/>
-              </a:rPr>
-              <a:t>hX</a:t>
-            </a:r>
-            <a:r>
-              <a:rPr lang="en-US" altLang="zh-CN" sz="1600" b="0" dirty="0">
-                <a:effectLst/>
-              </a:rPr>
-              <a:t>\n", </a:t>
-            </a:r>
-            <a:r>
-              <a:rPr lang="en-US" altLang="zh-CN" sz="1600" b="0" dirty="0" err="1">
-                <a:effectLst/>
-              </a:rPr>
-              <a:t>a.n</a:t>
-            </a:r>
-            <a:r>
-              <a:rPr lang="en-US" altLang="zh-CN" sz="1600" b="0" dirty="0">
-                <a:effectLst/>
-              </a:rPr>
-              <a:t>, a.ch, </a:t>
-            </a:r>
-            <a:r>
-              <a:rPr lang="en-US" altLang="zh-CN" sz="1600" b="0" dirty="0" err="1">
-                <a:effectLst/>
-              </a:rPr>
-              <a:t>a.m</a:t>
-            </a:r>
-            <a:r>
-              <a:rPr lang="en-US" altLang="zh-CN" sz="1600" b="0" dirty="0">
-                <a:effectLst/>
-              </a:rPr>
-              <a:t>);</a:t>
-            </a:r>
-          </a:p>
-          <a:p>
-            <a:pPr algn="l"/>
-            <a:r>
-              <a:rPr lang="en-US" altLang="zh-CN" sz="1600" b="0" dirty="0">
-                <a:effectLst/>
-              </a:rPr>
-              <a:t>   </a:t>
-            </a:r>
-          </a:p>
-          <a:p>
-            <a:pPr algn="l"/>
-            <a:r>
-              <a:rPr lang="en-US" altLang="zh-CN" sz="1600" b="0" dirty="0">
-                <a:effectLst/>
-              </a:rPr>
-              <a:t>    return 0;</a:t>
-            </a:r>
-          </a:p>
-          <a:p>
-            <a:pPr algn="l"/>
             <a:r>
               <a:rPr lang="en-US" altLang="zh-CN" sz="1600" b="0" dirty="0">
                 <a:effectLst/>
@@ -28393,7 +25890,7 @@
           <a:p>
             <a:fld id="{506F4176-339E-4C4B-80E4-BBE9C4467EFE}" type="slidenum">
               <a:rPr lang="zh-CN" altLang="en-US" smtClean="0"/>
-              <a:t>36</a:t>
+              <a:t>34</a:t>
             </a:fld>
             <a:endParaRPr lang="zh-CN" altLang="en-US"/>
           </a:p>
@@ -28407,7 +25904,7 @@
 </p:sld>
 </file>
 
-<file path=ppt/slides/slide37.xml><?xml version="1.0" encoding="utf-8"?>
+<file path=ppt/slides/slide35.xml><?xml version="1.0" encoding="utf-8"?>
 <p:sld xmlns:a="http://schemas.openxmlformats.org/drawingml/2006/main" xmlns:r="http://schemas.openxmlformats.org/officeDocument/2006/relationships" xmlns:p="http://schemas.openxmlformats.org/presentationml/2006/main">
   <p:cSld>
     <p:spTree>
@@ -28840,7 +26337,7 @@
           <a:p>
             <a:fld id="{506F4176-339E-4C4B-80E4-BBE9C4467EFE}" type="slidenum">
               <a:rPr lang="zh-CN" altLang="en-US" smtClean="0"/>
-              <a:t>37</a:t>
+              <a:t>35</a:t>
             </a:fld>
             <a:endParaRPr lang="zh-CN" altLang="en-US"/>
           </a:p>
@@ -28854,7 +26351,7 @@
 </p:sld>
 </file>
 
-<file path=ppt/slides/slide38.xml><?xml version="1.0" encoding="utf-8"?>
+<file path=ppt/slides/slide36.xml><?xml version="1.0" encoding="utf-8"?>
 <p:sld xmlns:a="http://schemas.openxmlformats.org/drawingml/2006/main" xmlns:r="http://schemas.openxmlformats.org/officeDocument/2006/relationships" xmlns:p="http://schemas.openxmlformats.org/presentationml/2006/main">
   <p:cSld>
     <p:spTree>
@@ -28893,304 +26390,6 @@
           </a:p>
         </p:txBody>
       </p:sp>
-      <p:sp>
-        <p:nvSpPr>
-          <p:cNvPr id="4" name="文本框 3"/>
-          <p:cNvSpPr txBox="1"/>
-          <p:nvPr/>
-        </p:nvSpPr>
-        <p:spPr>
-          <a:xfrm>
-            <a:off x="7814945" y="264160"/>
-            <a:ext cx="4220845" cy="6263005"/>
-          </a:xfrm>
-          <a:prstGeom prst="rect">
-            <a:avLst/>
-          </a:prstGeom>
-          <a:solidFill>
-            <a:schemeClr val="accent1">
-              <a:lumMod val="20000"/>
-              <a:lumOff val="80000"/>
-            </a:schemeClr>
-          </a:solidFill>
-          <a:ln>
-            <a:solidFill>
-              <a:srgbClr val="0000CC"/>
-            </a:solidFill>
-          </a:ln>
-        </p:spPr>
-        <p:txBody>
-          <a:bodyPr wrap="square" rtlCol="0">
-            <a:noAutofit/>
-          </a:bodyPr>
-          <a:lstStyle/>
-          <a:p>
-            <a:r>
-              <a:rPr lang="en-US" altLang="zh-CN" sz="1400"/>
-              <a:t>#include &lt;iostream&gt;</a:t>
-            </a:r>
-          </a:p>
-          <a:p>
-            <a:r>
-              <a:rPr lang="en-US" altLang="zh-CN" sz="1400"/>
-              <a:t>using namespace std;</a:t>
-            </a:r>
-          </a:p>
-          <a:p>
-            <a:r>
-              <a:rPr lang="en-US" altLang="zh-CN" sz="1400"/>
-              <a:t>enum Day{</a:t>
-            </a:r>
-            <a:r>
-              <a:rPr lang="en-US" altLang="zh-CN" sz="1400">
-                <a:highlight>
-                  <a:srgbClr val="FFFF00"/>
-                </a:highlight>
-              </a:rPr>
-              <a:t>/*complete code here if needed*/</a:t>
-            </a:r>
-            <a:r>
-              <a:rPr lang="en-US" altLang="zh-CN" sz="1400"/>
-              <a:t>};</a:t>
-            </a:r>
-          </a:p>
-          <a:p>
-            <a:r>
-              <a:rPr lang="en-US" altLang="zh-CN" sz="1400"/>
-              <a:t>enum Weather{</a:t>
-            </a:r>
-            <a:r>
-              <a:rPr lang="en-US" altLang="zh-CN" sz="1400">
-                <a:highlight>
-                  <a:srgbClr val="FFFF00"/>
-                </a:highlight>
-                <a:sym typeface="+mn-ea"/>
-              </a:rPr>
-              <a:t>/*complete code here if needed*/</a:t>
-            </a:r>
-            <a:r>
-              <a:rPr lang="en-US" altLang="zh-CN" sz="1400"/>
-              <a:t>};</a:t>
-            </a:r>
-          </a:p>
-          <a:p>
-            <a:endParaRPr lang="en-US" altLang="zh-CN" sz="1400"/>
-          </a:p>
-          <a:p>
-            <a:r>
-              <a:rPr lang="en-US" altLang="zh-CN" sz="1400"/>
-              <a:t>int main( </a:t>
-            </a:r>
-            <a:r>
-              <a:rPr lang="en-US" altLang="zh-CN" sz="1400">
-                <a:highlight>
-                  <a:srgbClr val="FFFF00"/>
-                </a:highlight>
-                <a:sym typeface="+mn-ea"/>
-              </a:rPr>
-              <a:t>/*complete code here if needed*/ </a:t>
-            </a:r>
-            <a:r>
-              <a:rPr lang="en-US" altLang="zh-CN" sz="1400"/>
-              <a:t>){</a:t>
-            </a:r>
-          </a:p>
-          <a:p>
-            <a:r>
-              <a:rPr lang="en-US" altLang="zh-CN" sz="1400"/>
-              <a:t>    int d=0;</a:t>
-            </a:r>
-          </a:p>
-          <a:p>
-            <a:r>
-              <a:rPr lang="en-US" altLang="zh-CN" sz="1400"/>
-              <a:t>    int w=0;</a:t>
-            </a:r>
-          </a:p>
-          <a:p>
-            <a:r>
-              <a:rPr lang="en-US" altLang="zh-CN" sz="1400"/>
-              <a:t>    cout&lt;&lt;"input the Day value:</a:t>
-            </a:r>
-          </a:p>
-          <a:p>
-            <a:r>
-              <a:rPr lang="en-US" altLang="zh-CN" sz="1400"/>
-              <a:t> Monday(1), Tuesday(2), Wednesday(3), Thursday(4), </a:t>
-            </a:r>
-          </a:p>
-          <a:p>
-            <a:r>
-              <a:rPr lang="en-US" altLang="zh-CN" sz="1400"/>
-              <a:t>Friday(5), Saturday(6), Sunday(7)\n";</a:t>
-            </a:r>
-          </a:p>
-          <a:p>
-            <a:r>
-              <a:rPr lang="en-US" altLang="zh-CN" sz="1400"/>
-              <a:t>   </a:t>
-            </a:r>
-            <a:r>
-              <a:rPr lang="en-US" altLang="zh-CN" sz="1400">
-                <a:highlight>
-                  <a:srgbClr val="FFFF00"/>
-                </a:highlight>
-                <a:sym typeface="+mn-ea"/>
-              </a:rPr>
-              <a:t>/*complete code here if needed*/</a:t>
-            </a:r>
-          </a:p>
-          <a:p>
-            <a:endParaRPr lang="en-US" altLang="zh-CN" sz="1400"/>
-          </a:p>
-          <a:p>
-            <a:r>
-              <a:rPr lang="en-US" altLang="zh-CN" sz="1400"/>
-              <a:t>    cout&lt;&lt;"This is"&lt;&lt;</a:t>
-            </a:r>
-            <a:r>
-              <a:rPr lang="en-US" altLang="zh-CN" sz="1400">
-                <a:highlight>
-                  <a:srgbClr val="FFFF00"/>
-                </a:highlight>
-                <a:sym typeface="+mn-ea"/>
-              </a:rPr>
-              <a:t>/*complete code here if needed*/</a:t>
-            </a:r>
-            <a:r>
-              <a:rPr lang="en-US" altLang="zh-CN" sz="1400"/>
-              <a:t>&lt;&lt;endl;</a:t>
-            </a:r>
-          </a:p>
-          <a:p>
-            <a:endParaRPr lang="en-US" altLang="zh-CN" sz="1400"/>
-          </a:p>
-          <a:p>
-            <a:r>
-              <a:rPr lang="en-US" altLang="zh-CN" sz="1400"/>
-              <a:t>    cout&lt;&lt;"input the Weather value: SUNNY(0), RAINY(1), CLOUDY(2), SNOWNY(3)\n";</a:t>
-            </a:r>
-          </a:p>
-          <a:p>
-            <a:r>
-              <a:rPr lang="en-US" altLang="zh-CN" sz="1400"/>
-              <a:t>    </a:t>
-            </a:r>
-            <a:r>
-              <a:rPr lang="en-US" altLang="zh-CN" sz="1400">
-                <a:sym typeface="+mn-ea"/>
-              </a:rPr>
-              <a:t> </a:t>
-            </a:r>
-            <a:r>
-              <a:rPr lang="en-US" altLang="zh-CN" sz="1400">
-                <a:highlight>
-                  <a:srgbClr val="FFFF00"/>
-                </a:highlight>
-                <a:sym typeface="+mn-ea"/>
-              </a:rPr>
-              <a:t>/*complete code here if needed*/</a:t>
-            </a:r>
-          </a:p>
-          <a:p>
-            <a:endParaRPr lang="en-US" altLang="zh-CN" sz="1400">
-              <a:highlight>
-                <a:srgbClr val="FFFF00"/>
-              </a:highlight>
-              <a:sym typeface="+mn-ea"/>
-            </a:endParaRPr>
-          </a:p>
-          <a:p>
-            <a:r>
-              <a:rPr lang="en-US" altLang="zh-CN" sz="1400"/>
-              <a:t>    cout&lt;&lt;"The weather is: "&lt;&lt;</a:t>
-            </a:r>
-            <a:r>
-              <a:rPr lang="en-US" altLang="zh-CN" sz="1400">
-                <a:sym typeface="+mn-ea"/>
-              </a:rPr>
-              <a:t> </a:t>
-            </a:r>
-            <a:r>
-              <a:rPr lang="en-US" altLang="zh-CN" sz="1400">
-                <a:highlight>
-                  <a:srgbClr val="FFFF00"/>
-                </a:highlight>
-                <a:sym typeface="+mn-ea"/>
-              </a:rPr>
-              <a:t>/*complete code here if needed*/</a:t>
-            </a:r>
-            <a:r>
-              <a:rPr lang="en-US" altLang="zh-CN" sz="1400"/>
-              <a:t>;</a:t>
-            </a:r>
-          </a:p>
-          <a:p>
-            <a:endParaRPr lang="en-US" altLang="zh-CN" sz="1400"/>
-          </a:p>
-          <a:p>
-            <a:r>
-              <a:rPr lang="en-US" altLang="zh-CN" sz="1400"/>
-              <a:t>   </a:t>
-            </a:r>
-            <a:r>
-              <a:rPr lang="en-US" altLang="zh-CN" sz="1400">
-                <a:sym typeface="+mn-ea"/>
-              </a:rPr>
-              <a:t>if(</a:t>
-            </a:r>
-            <a:r>
-              <a:rPr lang="en-US" altLang="zh-CN" sz="1400">
-                <a:highlight>
-                  <a:srgbClr val="FFFF00"/>
-                </a:highlight>
-                <a:sym typeface="+mn-ea"/>
-              </a:rPr>
-              <a:t>/*complete code here if needed*/</a:t>
-            </a:r>
-            <a:r>
-              <a:rPr lang="en-US" altLang="zh-CN" sz="1400">
-                <a:sym typeface="+mn-ea"/>
-              </a:rPr>
-              <a:t>) </a:t>
-            </a:r>
-          </a:p>
-          <a:p>
-            <a:r>
-              <a:rPr lang="en-US" altLang="zh-CN" sz="1400">
-                <a:sym typeface="+mn-ea"/>
-              </a:rPr>
-              <a:t>    cout&lt;&lt;"can Travel\n";</a:t>
-            </a:r>
-          </a:p>
-          <a:p>
-            <a:r>
-              <a:rPr lang="en-US" altLang="zh-CN" sz="1400">
-                <a:sym typeface="+mn-ea"/>
-              </a:rPr>
-              <a:t>    else cout&lt;&lt;"not suitable for travelling\n"; </a:t>
-            </a:r>
-            <a:endParaRPr lang="en-US" altLang="zh-CN" sz="1400">
-              <a:highlight>
-                <a:srgbClr val="FFFF00"/>
-              </a:highlight>
-              <a:sym typeface="+mn-ea"/>
-            </a:endParaRPr>
-          </a:p>
-          <a:p>
-            <a:r>
-              <a:rPr lang="en-US" altLang="zh-CN" sz="1400"/>
-              <a:t>    return 0;</a:t>
-            </a:r>
-          </a:p>
-          <a:p>
-            <a:r>
-              <a:rPr lang="en-US" altLang="zh-CN" sz="1400"/>
-              <a:t>}</a:t>
-            </a:r>
-          </a:p>
-        </p:txBody>
-      </p:sp>
       <p:pic>
         <p:nvPicPr>
           <p:cNvPr id="7" name="图片 6"/>
@@ -29207,7 +26406,7 @@
         </p:blipFill>
         <p:spPr>
           <a:xfrm>
-            <a:off x="76835" y="1751965"/>
+            <a:off x="1872384" y="1876655"/>
             <a:ext cx="7475220" cy="3848100"/>
           </a:xfrm>
           <a:prstGeom prst="rect">
@@ -29232,7 +26431,7 @@
           <a:p>
             <a:fld id="{506F4176-339E-4C4B-80E4-BBE9C4467EFE}" type="slidenum">
               <a:rPr lang="zh-CN" altLang="en-US" smtClean="0"/>
-              <a:t>38</a:t>
+              <a:t>36</a:t>
             </a:fld>
             <a:endParaRPr lang="zh-CN" altLang="en-US"/>
           </a:p>
